--- a/Story 06/food_insecurity.pptx
+++ b/Story 06/food_insecurity.pptx
@@ -6,6 +6,16 @@
   </p:sldMasterIdLst>
   <p:sldIdLst>
     <p:sldId id="256" r:id="rId2"/>
+    <p:sldId id="257" r:id="rId3"/>
+    <p:sldId id="258" r:id="rId4"/>
+    <p:sldId id="259" r:id="rId5"/>
+    <p:sldId id="260" r:id="rId6"/>
+    <p:sldId id="262" r:id="rId7"/>
+    <p:sldId id="261" r:id="rId8"/>
+    <p:sldId id="264" r:id="rId9"/>
+    <p:sldId id="263" r:id="rId10"/>
+    <p:sldId id="265" r:id="rId11"/>
+    <p:sldId id="266" r:id="rId12"/>
   </p:sldIdLst>
   <p:sldSz cx="12192000" cy="6858000"/>
   <p:notesSz cx="6858000" cy="9144000"/>
@@ -105,6 +115,2865 @@
     </a:lvl9pPr>
   </p:defaultTextStyle>
 </p:presentation>
+</file>
+
+<file path=ppt/diagrams/colors1.xml><?xml version="1.0" encoding="utf-8"?>
+<dgm:colorsDef xmlns:dgm="http://schemas.openxmlformats.org/drawingml/2006/diagram" xmlns:a="http://schemas.openxmlformats.org/drawingml/2006/main" uniqueId="urn:microsoft.com/office/officeart/2005/8/colors/colorful2">
+  <dgm:title val=""/>
+  <dgm:desc val=""/>
+  <dgm:catLst>
+    <dgm:cat type="colorful" pri="10200"/>
+  </dgm:catLst>
+  <dgm:styleLbl name="node0">
+    <dgm:fillClrLst meth="repeat">
+      <a:schemeClr val="accent1"/>
+    </dgm:fillClrLst>
+    <dgm:linClrLst meth="repeat">
+      <a:schemeClr val="lt1"/>
+    </dgm:linClrLst>
+    <dgm:effectClrLst/>
+    <dgm:txLinClrLst/>
+    <dgm:txFillClrLst/>
+    <dgm:txEffectClrLst/>
+  </dgm:styleLbl>
+  <dgm:styleLbl name="node1">
+    <dgm:fillClrLst>
+      <a:schemeClr val="accent2"/>
+      <a:schemeClr val="accent3"/>
+    </dgm:fillClrLst>
+    <dgm:linClrLst meth="repeat">
+      <a:schemeClr val="lt1"/>
+    </dgm:linClrLst>
+    <dgm:effectClrLst/>
+    <dgm:txLinClrLst/>
+    <dgm:txFillClrLst/>
+    <dgm:txEffectClrLst/>
+  </dgm:styleLbl>
+  <dgm:styleLbl name="alignNode1">
+    <dgm:fillClrLst>
+      <a:schemeClr val="accent2"/>
+      <a:schemeClr val="accent3"/>
+    </dgm:fillClrLst>
+    <dgm:linClrLst>
+      <a:schemeClr val="accent2"/>
+      <a:schemeClr val="accent3"/>
+    </dgm:linClrLst>
+    <dgm:effectClrLst/>
+    <dgm:txLinClrLst/>
+    <dgm:txFillClrLst/>
+    <dgm:txEffectClrLst/>
+  </dgm:styleLbl>
+  <dgm:styleLbl name="lnNode1">
+    <dgm:fillClrLst>
+      <a:schemeClr val="accent2"/>
+      <a:schemeClr val="accent3"/>
+    </dgm:fillClrLst>
+    <dgm:linClrLst meth="repeat">
+      <a:schemeClr val="lt1"/>
+    </dgm:linClrLst>
+    <dgm:effectClrLst/>
+    <dgm:txLinClrLst/>
+    <dgm:txFillClrLst/>
+    <dgm:txEffectClrLst/>
+  </dgm:styleLbl>
+  <dgm:styleLbl name="vennNode1">
+    <dgm:fillClrLst>
+      <a:schemeClr val="accent2">
+        <a:alpha val="50000"/>
+      </a:schemeClr>
+      <a:schemeClr val="accent3">
+        <a:alpha val="50000"/>
+      </a:schemeClr>
+    </dgm:fillClrLst>
+    <dgm:linClrLst meth="repeat">
+      <a:schemeClr val="lt1"/>
+    </dgm:linClrLst>
+    <dgm:effectClrLst/>
+    <dgm:txLinClrLst/>
+    <dgm:txFillClrLst/>
+    <dgm:txEffectClrLst/>
+  </dgm:styleLbl>
+  <dgm:styleLbl name="node2">
+    <dgm:fillClrLst>
+      <a:schemeClr val="accent3"/>
+    </dgm:fillClrLst>
+    <dgm:linClrLst meth="repeat">
+      <a:schemeClr val="lt1"/>
+    </dgm:linClrLst>
+    <dgm:effectClrLst/>
+    <dgm:txLinClrLst/>
+    <dgm:txFillClrLst/>
+    <dgm:txEffectClrLst/>
+  </dgm:styleLbl>
+  <dgm:styleLbl name="node3">
+    <dgm:fillClrLst>
+      <a:schemeClr val="accent4"/>
+    </dgm:fillClrLst>
+    <dgm:linClrLst meth="repeat">
+      <a:schemeClr val="lt1"/>
+    </dgm:linClrLst>
+    <dgm:effectClrLst/>
+    <dgm:txLinClrLst/>
+    <dgm:txFillClrLst/>
+    <dgm:txEffectClrLst/>
+  </dgm:styleLbl>
+  <dgm:styleLbl name="node4">
+    <dgm:fillClrLst>
+      <a:schemeClr val="accent5"/>
+    </dgm:fillClrLst>
+    <dgm:linClrLst meth="repeat">
+      <a:schemeClr val="lt1"/>
+    </dgm:linClrLst>
+    <dgm:effectClrLst/>
+    <dgm:txLinClrLst/>
+    <dgm:txFillClrLst/>
+    <dgm:txEffectClrLst/>
+  </dgm:styleLbl>
+  <dgm:styleLbl name="fgImgPlace1">
+    <dgm:fillClrLst>
+      <a:schemeClr val="accent2">
+        <a:tint val="50000"/>
+      </a:schemeClr>
+      <a:schemeClr val="accent3">
+        <a:tint val="50000"/>
+      </a:schemeClr>
+    </dgm:fillClrLst>
+    <dgm:linClrLst meth="repeat">
+      <a:schemeClr val="lt1"/>
+    </dgm:linClrLst>
+    <dgm:effectClrLst/>
+    <dgm:txLinClrLst/>
+    <dgm:txFillClrLst meth="repeat">
+      <a:schemeClr val="lt1"/>
+    </dgm:txFillClrLst>
+    <dgm:txEffectClrLst/>
+  </dgm:styleLbl>
+  <dgm:styleLbl name="alignImgPlace1">
+    <dgm:fillClrLst>
+      <a:schemeClr val="accent2">
+        <a:tint val="50000"/>
+      </a:schemeClr>
+      <a:schemeClr val="accent3">
+        <a:tint val="20000"/>
+      </a:schemeClr>
+    </dgm:fillClrLst>
+    <dgm:linClrLst meth="repeat">
+      <a:schemeClr val="lt1"/>
+    </dgm:linClrLst>
+    <dgm:effectClrLst/>
+    <dgm:txLinClrLst/>
+    <dgm:txFillClrLst meth="repeat">
+      <a:schemeClr val="lt1"/>
+    </dgm:txFillClrLst>
+    <dgm:txEffectClrLst/>
+  </dgm:styleLbl>
+  <dgm:styleLbl name="bgImgPlace1">
+    <dgm:fillClrLst>
+      <a:schemeClr val="accent2">
+        <a:tint val="50000"/>
+      </a:schemeClr>
+      <a:schemeClr val="accent3">
+        <a:tint val="20000"/>
+      </a:schemeClr>
+    </dgm:fillClrLst>
+    <dgm:linClrLst meth="repeat">
+      <a:schemeClr val="lt1"/>
+    </dgm:linClrLst>
+    <dgm:effectClrLst/>
+    <dgm:txLinClrLst/>
+    <dgm:txFillClrLst meth="repeat">
+      <a:schemeClr val="lt1"/>
+    </dgm:txFillClrLst>
+    <dgm:txEffectClrLst/>
+  </dgm:styleLbl>
+  <dgm:styleLbl name="sibTrans2D1">
+    <dgm:fillClrLst>
+      <a:schemeClr val="accent2"/>
+      <a:schemeClr val="accent3"/>
+    </dgm:fillClrLst>
+    <dgm:linClrLst meth="repeat">
+      <a:schemeClr val="lt1"/>
+    </dgm:linClrLst>
+    <dgm:effectClrLst/>
+    <dgm:txLinClrLst/>
+    <dgm:txFillClrLst/>
+    <dgm:txEffectClrLst/>
+  </dgm:styleLbl>
+  <dgm:styleLbl name="fgSibTrans2D1">
+    <dgm:fillClrLst>
+      <a:schemeClr val="accent2"/>
+      <a:schemeClr val="accent3"/>
+    </dgm:fillClrLst>
+    <dgm:linClrLst meth="repeat">
+      <a:schemeClr val="lt1"/>
+    </dgm:linClrLst>
+    <dgm:effectClrLst/>
+    <dgm:txLinClrLst/>
+    <dgm:txFillClrLst meth="repeat">
+      <a:schemeClr val="lt1"/>
+    </dgm:txFillClrLst>
+    <dgm:txEffectClrLst/>
+  </dgm:styleLbl>
+  <dgm:styleLbl name="bgSibTrans2D1">
+    <dgm:fillClrLst>
+      <a:schemeClr val="accent2"/>
+      <a:schemeClr val="accent3"/>
+    </dgm:fillClrLst>
+    <dgm:linClrLst meth="repeat">
+      <a:schemeClr val="lt1"/>
+    </dgm:linClrLst>
+    <dgm:effectClrLst/>
+    <dgm:txLinClrLst/>
+    <dgm:txFillClrLst meth="repeat">
+      <a:schemeClr val="lt1"/>
+    </dgm:txFillClrLst>
+    <dgm:txEffectClrLst/>
+  </dgm:styleLbl>
+  <dgm:styleLbl name="sibTrans1D1">
+    <dgm:fillClrLst/>
+    <dgm:linClrLst>
+      <a:schemeClr val="accent2"/>
+      <a:schemeClr val="accent3"/>
+    </dgm:linClrLst>
+    <dgm:effectClrLst/>
+    <dgm:txLinClrLst/>
+    <dgm:txFillClrLst meth="repeat">
+      <a:schemeClr val="tx1"/>
+    </dgm:txFillClrLst>
+    <dgm:txEffectClrLst/>
+  </dgm:styleLbl>
+  <dgm:styleLbl name="callout">
+    <dgm:fillClrLst meth="repeat">
+      <a:schemeClr val="accent2"/>
+    </dgm:fillClrLst>
+    <dgm:linClrLst meth="repeat">
+      <a:schemeClr val="accent2">
+        <a:tint val="50000"/>
+      </a:schemeClr>
+    </dgm:linClrLst>
+    <dgm:effectClrLst/>
+    <dgm:txLinClrLst/>
+    <dgm:txFillClrLst meth="repeat">
+      <a:schemeClr val="tx1"/>
+    </dgm:txFillClrLst>
+    <dgm:txEffectClrLst/>
+  </dgm:styleLbl>
+  <dgm:styleLbl name="asst0">
+    <dgm:fillClrLst meth="repeat">
+      <a:schemeClr val="accent2"/>
+    </dgm:fillClrLst>
+    <dgm:linClrLst meth="repeat">
+      <a:schemeClr val="lt1">
+        <a:shade val="80000"/>
+      </a:schemeClr>
+    </dgm:linClrLst>
+    <dgm:effectClrLst/>
+    <dgm:txLinClrLst/>
+    <dgm:txFillClrLst/>
+    <dgm:txEffectClrLst/>
+  </dgm:styleLbl>
+  <dgm:styleLbl name="asst1">
+    <dgm:fillClrLst meth="repeat">
+      <a:schemeClr val="accent3"/>
+    </dgm:fillClrLst>
+    <dgm:linClrLst meth="repeat">
+      <a:schemeClr val="lt1">
+        <a:shade val="80000"/>
+      </a:schemeClr>
+    </dgm:linClrLst>
+    <dgm:effectClrLst/>
+    <dgm:txLinClrLst/>
+    <dgm:txFillClrLst/>
+    <dgm:txEffectClrLst/>
+  </dgm:styleLbl>
+  <dgm:styleLbl name="asst2">
+    <dgm:fillClrLst>
+      <a:schemeClr val="accent4"/>
+    </dgm:fillClrLst>
+    <dgm:linClrLst meth="repeat">
+      <a:schemeClr val="lt1"/>
+    </dgm:linClrLst>
+    <dgm:effectClrLst/>
+    <dgm:txLinClrLst/>
+    <dgm:txFillClrLst/>
+    <dgm:txEffectClrLst/>
+  </dgm:styleLbl>
+  <dgm:styleLbl name="asst3">
+    <dgm:fillClrLst>
+      <a:schemeClr val="accent5"/>
+    </dgm:fillClrLst>
+    <dgm:linClrLst meth="repeat">
+      <a:schemeClr val="lt1"/>
+    </dgm:linClrLst>
+    <dgm:effectClrLst/>
+    <dgm:txLinClrLst/>
+    <dgm:txFillClrLst/>
+    <dgm:txEffectClrLst/>
+  </dgm:styleLbl>
+  <dgm:styleLbl name="asst4">
+    <dgm:fillClrLst>
+      <a:schemeClr val="accent6"/>
+    </dgm:fillClrLst>
+    <dgm:linClrLst meth="repeat">
+      <a:schemeClr val="lt1"/>
+    </dgm:linClrLst>
+    <dgm:effectClrLst/>
+    <dgm:txLinClrLst/>
+    <dgm:txFillClrLst/>
+    <dgm:txEffectClrLst/>
+  </dgm:styleLbl>
+  <dgm:styleLbl name="parChTrans2D1">
+    <dgm:fillClrLst meth="repeat">
+      <a:schemeClr val="accent2"/>
+    </dgm:fillClrLst>
+    <dgm:linClrLst meth="repeat">
+      <a:schemeClr val="lt1"/>
+    </dgm:linClrLst>
+    <dgm:effectClrLst/>
+    <dgm:txLinClrLst/>
+    <dgm:txFillClrLst meth="repeat">
+      <a:schemeClr val="lt1"/>
+    </dgm:txFillClrLst>
+    <dgm:txEffectClrLst/>
+  </dgm:styleLbl>
+  <dgm:styleLbl name="parChTrans2D2">
+    <dgm:fillClrLst meth="repeat">
+      <a:schemeClr val="accent3"/>
+    </dgm:fillClrLst>
+    <dgm:linClrLst meth="repeat">
+      <a:schemeClr val="lt1"/>
+    </dgm:linClrLst>
+    <dgm:effectClrLst/>
+    <dgm:txLinClrLst/>
+    <dgm:txFillClrLst/>
+    <dgm:txEffectClrLst/>
+  </dgm:styleLbl>
+  <dgm:styleLbl name="parChTrans2D3">
+    <dgm:fillClrLst meth="repeat">
+      <a:schemeClr val="accent4"/>
+    </dgm:fillClrLst>
+    <dgm:linClrLst meth="repeat">
+      <a:schemeClr val="lt1"/>
+    </dgm:linClrLst>
+    <dgm:effectClrLst/>
+    <dgm:txLinClrLst/>
+    <dgm:txFillClrLst/>
+    <dgm:txEffectClrLst/>
+  </dgm:styleLbl>
+  <dgm:styleLbl name="parChTrans2D4">
+    <dgm:fillClrLst meth="repeat">
+      <a:schemeClr val="accent5"/>
+    </dgm:fillClrLst>
+    <dgm:linClrLst meth="repeat">
+      <a:schemeClr val="lt1"/>
+    </dgm:linClrLst>
+    <dgm:effectClrLst/>
+    <dgm:txLinClrLst/>
+    <dgm:txFillClrLst meth="repeat">
+      <a:schemeClr val="lt1"/>
+    </dgm:txFillClrLst>
+    <dgm:txEffectClrLst/>
+  </dgm:styleLbl>
+  <dgm:styleLbl name="parChTrans1D1">
+    <dgm:fillClrLst meth="repeat">
+      <a:schemeClr val="accent2"/>
+    </dgm:fillClrLst>
+    <dgm:linClrLst meth="repeat">
+      <a:schemeClr val="accent2"/>
+    </dgm:linClrLst>
+    <dgm:effectClrLst/>
+    <dgm:txLinClrLst/>
+    <dgm:txFillClrLst meth="repeat">
+      <a:schemeClr val="tx1"/>
+    </dgm:txFillClrLst>
+    <dgm:txEffectClrLst/>
+  </dgm:styleLbl>
+  <dgm:styleLbl name="parChTrans1D2">
+    <dgm:fillClrLst meth="repeat">
+      <a:schemeClr val="accent2">
+        <a:tint val="90000"/>
+      </a:schemeClr>
+    </dgm:fillClrLst>
+    <dgm:linClrLst meth="repeat">
+      <a:schemeClr val="accent3"/>
+    </dgm:linClrLst>
+    <dgm:effectClrLst/>
+    <dgm:txLinClrLst/>
+    <dgm:txFillClrLst meth="repeat">
+      <a:schemeClr val="tx1"/>
+    </dgm:txFillClrLst>
+    <dgm:txEffectClrLst/>
+  </dgm:styleLbl>
+  <dgm:styleLbl name="parChTrans1D3">
+    <dgm:fillClrLst meth="repeat">
+      <a:schemeClr val="accent2">
+        <a:tint val="70000"/>
+      </a:schemeClr>
+    </dgm:fillClrLst>
+    <dgm:linClrLst meth="repeat">
+      <a:schemeClr val="accent4"/>
+    </dgm:linClrLst>
+    <dgm:effectClrLst/>
+    <dgm:txLinClrLst/>
+    <dgm:txFillClrLst meth="repeat">
+      <a:schemeClr val="tx1"/>
+    </dgm:txFillClrLst>
+    <dgm:txEffectClrLst/>
+  </dgm:styleLbl>
+  <dgm:styleLbl name="parChTrans1D4">
+    <dgm:fillClrLst meth="repeat">
+      <a:schemeClr val="accent2">
+        <a:tint val="50000"/>
+      </a:schemeClr>
+    </dgm:fillClrLst>
+    <dgm:linClrLst meth="repeat">
+      <a:schemeClr val="accent5"/>
+    </dgm:linClrLst>
+    <dgm:effectClrLst/>
+    <dgm:txLinClrLst/>
+    <dgm:txFillClrLst meth="repeat">
+      <a:schemeClr val="tx1"/>
+    </dgm:txFillClrLst>
+    <dgm:txEffectClrLst/>
+  </dgm:styleLbl>
+  <dgm:styleLbl name="fgAcc1">
+    <dgm:fillClrLst meth="repeat">
+      <a:schemeClr val="lt1">
+        <a:alpha val="90000"/>
+      </a:schemeClr>
+    </dgm:fillClrLst>
+    <dgm:linClrLst>
+      <a:schemeClr val="accent2"/>
+      <a:schemeClr val="accent3"/>
+    </dgm:linClrLst>
+    <dgm:effectClrLst/>
+    <dgm:txLinClrLst/>
+    <dgm:txFillClrLst meth="repeat">
+      <a:schemeClr val="dk1"/>
+    </dgm:txFillClrLst>
+    <dgm:txEffectClrLst/>
+  </dgm:styleLbl>
+  <dgm:styleLbl name="conFgAcc1">
+    <dgm:fillClrLst meth="repeat">
+      <a:schemeClr val="lt1">
+        <a:alpha val="90000"/>
+      </a:schemeClr>
+    </dgm:fillClrLst>
+    <dgm:linClrLst>
+      <a:schemeClr val="accent2"/>
+      <a:schemeClr val="accent3"/>
+    </dgm:linClrLst>
+    <dgm:effectClrLst/>
+    <dgm:txLinClrLst/>
+    <dgm:txFillClrLst meth="repeat">
+      <a:schemeClr val="dk1"/>
+    </dgm:txFillClrLst>
+    <dgm:txEffectClrLst/>
+  </dgm:styleLbl>
+  <dgm:styleLbl name="alignAcc1">
+    <dgm:fillClrLst meth="repeat">
+      <a:schemeClr val="lt1">
+        <a:alpha val="90000"/>
+      </a:schemeClr>
+    </dgm:fillClrLst>
+    <dgm:linClrLst>
+      <a:schemeClr val="accent2"/>
+      <a:schemeClr val="accent3"/>
+    </dgm:linClrLst>
+    <dgm:effectClrLst/>
+    <dgm:txLinClrLst/>
+    <dgm:txFillClrLst meth="repeat">
+      <a:schemeClr val="dk1"/>
+    </dgm:txFillClrLst>
+    <dgm:txEffectClrLst/>
+  </dgm:styleLbl>
+  <dgm:styleLbl name="trAlignAcc1">
+    <dgm:fillClrLst meth="repeat">
+      <a:schemeClr val="lt1">
+        <a:alpha val="40000"/>
+      </a:schemeClr>
+    </dgm:fillClrLst>
+    <dgm:linClrLst meth="repeat">
+      <a:schemeClr val="accent2"/>
+    </dgm:linClrLst>
+    <dgm:effectClrLst/>
+    <dgm:txLinClrLst/>
+    <dgm:txFillClrLst meth="repeat">
+      <a:schemeClr val="dk1"/>
+    </dgm:txFillClrLst>
+    <dgm:txEffectClrLst/>
+  </dgm:styleLbl>
+  <dgm:styleLbl name="bgAcc1">
+    <dgm:fillClrLst meth="repeat">
+      <a:schemeClr val="lt1">
+        <a:alpha val="90000"/>
+      </a:schemeClr>
+    </dgm:fillClrLst>
+    <dgm:linClrLst>
+      <a:schemeClr val="accent2"/>
+      <a:schemeClr val="accent3"/>
+    </dgm:linClrLst>
+    <dgm:effectClrLst/>
+    <dgm:txLinClrLst/>
+    <dgm:txFillClrLst meth="repeat">
+      <a:schemeClr val="dk1"/>
+    </dgm:txFillClrLst>
+    <dgm:txEffectClrLst/>
+  </dgm:styleLbl>
+  <dgm:styleLbl name="solidFgAcc1">
+    <dgm:fillClrLst meth="repeat">
+      <a:schemeClr val="lt1"/>
+    </dgm:fillClrLst>
+    <dgm:linClrLst>
+      <a:schemeClr val="accent2"/>
+      <a:schemeClr val="accent3"/>
+    </dgm:linClrLst>
+    <dgm:effectClrLst/>
+    <dgm:txLinClrLst/>
+    <dgm:txFillClrLst meth="repeat">
+      <a:schemeClr val="dk1"/>
+    </dgm:txFillClrLst>
+    <dgm:txEffectClrLst/>
+  </dgm:styleLbl>
+  <dgm:styleLbl name="solidAlignAcc1">
+    <dgm:fillClrLst meth="repeat">
+      <a:schemeClr val="lt1"/>
+    </dgm:fillClrLst>
+    <dgm:linClrLst>
+      <a:schemeClr val="accent2"/>
+      <a:schemeClr val="accent3"/>
+    </dgm:linClrLst>
+    <dgm:effectClrLst/>
+    <dgm:txLinClrLst/>
+    <dgm:txFillClrLst meth="repeat">
+      <a:schemeClr val="dk1"/>
+    </dgm:txFillClrLst>
+    <dgm:txEffectClrLst/>
+  </dgm:styleLbl>
+  <dgm:styleLbl name="solidBgAcc1">
+    <dgm:fillClrLst meth="repeat">
+      <a:schemeClr val="lt1"/>
+    </dgm:fillClrLst>
+    <dgm:linClrLst>
+      <a:schemeClr val="accent2"/>
+      <a:schemeClr val="accent3"/>
+    </dgm:linClrLst>
+    <dgm:effectClrLst/>
+    <dgm:txLinClrLst/>
+    <dgm:txFillClrLst meth="repeat">
+      <a:schemeClr val="dk1"/>
+    </dgm:txFillClrLst>
+    <dgm:txEffectClrLst/>
+  </dgm:styleLbl>
+  <dgm:styleLbl name="fgAccFollowNode1">
+    <dgm:fillClrLst>
+      <a:schemeClr val="accent2">
+        <a:tint val="40000"/>
+        <a:alpha val="90000"/>
+      </a:schemeClr>
+      <a:schemeClr val="accent3">
+        <a:tint val="40000"/>
+        <a:alpha val="90000"/>
+      </a:schemeClr>
+    </dgm:fillClrLst>
+    <dgm:linClrLst>
+      <a:schemeClr val="accent2">
+        <a:tint val="40000"/>
+        <a:alpha val="90000"/>
+      </a:schemeClr>
+      <a:schemeClr val="accent3">
+        <a:tint val="40000"/>
+        <a:alpha val="90000"/>
+      </a:schemeClr>
+    </dgm:linClrLst>
+    <dgm:effectClrLst/>
+    <dgm:txLinClrLst/>
+    <dgm:txFillClrLst meth="repeat">
+      <a:schemeClr val="dk1"/>
+    </dgm:txFillClrLst>
+    <dgm:txEffectClrLst/>
+  </dgm:styleLbl>
+  <dgm:styleLbl name="alignAccFollowNode1">
+    <dgm:fillClrLst>
+      <a:schemeClr val="accent2">
+        <a:tint val="40000"/>
+        <a:alpha val="90000"/>
+      </a:schemeClr>
+      <a:schemeClr val="accent3">
+        <a:tint val="40000"/>
+        <a:alpha val="90000"/>
+      </a:schemeClr>
+    </dgm:fillClrLst>
+    <dgm:linClrLst>
+      <a:schemeClr val="accent2">
+        <a:tint val="40000"/>
+        <a:alpha val="90000"/>
+      </a:schemeClr>
+      <a:schemeClr val="accent3">
+        <a:tint val="40000"/>
+        <a:alpha val="90000"/>
+      </a:schemeClr>
+    </dgm:linClrLst>
+    <dgm:effectClrLst/>
+    <dgm:txLinClrLst/>
+    <dgm:txFillClrLst meth="repeat">
+      <a:schemeClr val="dk1"/>
+    </dgm:txFillClrLst>
+    <dgm:txEffectClrLst/>
+  </dgm:styleLbl>
+  <dgm:styleLbl name="bgAccFollowNode1">
+    <dgm:fillClrLst>
+      <a:schemeClr val="accent2">
+        <a:tint val="40000"/>
+        <a:alpha val="90000"/>
+      </a:schemeClr>
+      <a:schemeClr val="accent3">
+        <a:tint val="40000"/>
+        <a:alpha val="90000"/>
+      </a:schemeClr>
+    </dgm:fillClrLst>
+    <dgm:linClrLst>
+      <a:schemeClr val="accent2">
+        <a:tint val="40000"/>
+        <a:alpha val="90000"/>
+      </a:schemeClr>
+      <a:schemeClr val="accent3">
+        <a:tint val="40000"/>
+        <a:alpha val="90000"/>
+      </a:schemeClr>
+    </dgm:linClrLst>
+    <dgm:effectClrLst/>
+    <dgm:txLinClrLst/>
+    <dgm:txFillClrLst meth="repeat">
+      <a:schemeClr val="dk1"/>
+    </dgm:txFillClrLst>
+    <dgm:txEffectClrLst/>
+  </dgm:styleLbl>
+  <dgm:styleLbl name="fgAcc0">
+    <dgm:fillClrLst meth="repeat">
+      <a:schemeClr val="lt1">
+        <a:alpha val="90000"/>
+      </a:schemeClr>
+    </dgm:fillClrLst>
+    <dgm:linClrLst>
+      <a:schemeClr val="accent1"/>
+    </dgm:linClrLst>
+    <dgm:effectClrLst/>
+    <dgm:txLinClrLst/>
+    <dgm:txFillClrLst meth="repeat">
+      <a:schemeClr val="dk1"/>
+    </dgm:txFillClrLst>
+    <dgm:txEffectClrLst/>
+  </dgm:styleLbl>
+  <dgm:styleLbl name="fgAcc2">
+    <dgm:fillClrLst meth="repeat">
+      <a:schemeClr val="lt1">
+        <a:alpha val="90000"/>
+      </a:schemeClr>
+    </dgm:fillClrLst>
+    <dgm:linClrLst>
+      <a:schemeClr val="accent3"/>
+    </dgm:linClrLst>
+    <dgm:effectClrLst/>
+    <dgm:txLinClrLst/>
+    <dgm:txFillClrLst meth="repeat">
+      <a:schemeClr val="dk1"/>
+    </dgm:txFillClrLst>
+    <dgm:txEffectClrLst/>
+  </dgm:styleLbl>
+  <dgm:styleLbl name="fgAcc3">
+    <dgm:fillClrLst meth="repeat">
+      <a:schemeClr val="lt1">
+        <a:alpha val="90000"/>
+      </a:schemeClr>
+    </dgm:fillClrLst>
+    <dgm:linClrLst>
+      <a:schemeClr val="accent4"/>
+    </dgm:linClrLst>
+    <dgm:effectClrLst/>
+    <dgm:txLinClrLst/>
+    <dgm:txFillClrLst meth="repeat">
+      <a:schemeClr val="dk1"/>
+    </dgm:txFillClrLst>
+    <dgm:txEffectClrLst/>
+  </dgm:styleLbl>
+  <dgm:styleLbl name="fgAcc4">
+    <dgm:fillClrLst meth="repeat">
+      <a:schemeClr val="lt1">
+        <a:alpha val="90000"/>
+      </a:schemeClr>
+    </dgm:fillClrLst>
+    <dgm:linClrLst>
+      <a:schemeClr val="accent5"/>
+    </dgm:linClrLst>
+    <dgm:effectClrLst/>
+    <dgm:txLinClrLst/>
+    <dgm:txFillClrLst meth="repeat">
+      <a:schemeClr val="dk1"/>
+    </dgm:txFillClrLst>
+    <dgm:txEffectClrLst/>
+  </dgm:styleLbl>
+  <dgm:styleLbl name="bgShp">
+    <dgm:fillClrLst meth="repeat">
+      <a:schemeClr val="accent2">
+        <a:tint val="40000"/>
+      </a:schemeClr>
+    </dgm:fillClrLst>
+    <dgm:linClrLst meth="repeat">
+      <a:schemeClr val="dk1"/>
+    </dgm:linClrLst>
+    <dgm:effectClrLst/>
+    <dgm:txLinClrLst/>
+    <dgm:txFillClrLst meth="repeat">
+      <a:schemeClr val="dk1"/>
+    </dgm:txFillClrLst>
+    <dgm:txEffectClrLst/>
+  </dgm:styleLbl>
+  <dgm:styleLbl name="dkBgShp">
+    <dgm:fillClrLst meth="repeat">
+      <a:schemeClr val="accent2">
+        <a:shade val="90000"/>
+      </a:schemeClr>
+    </dgm:fillClrLst>
+    <dgm:linClrLst meth="repeat">
+      <a:schemeClr val="dk1"/>
+    </dgm:linClrLst>
+    <dgm:effectClrLst/>
+    <dgm:txLinClrLst/>
+    <dgm:txFillClrLst meth="repeat">
+      <a:schemeClr val="lt1"/>
+    </dgm:txFillClrLst>
+    <dgm:txEffectClrLst/>
+  </dgm:styleLbl>
+  <dgm:styleLbl name="trBgShp">
+    <dgm:fillClrLst meth="repeat">
+      <a:schemeClr val="accent2">
+        <a:tint val="50000"/>
+        <a:alpha val="40000"/>
+      </a:schemeClr>
+    </dgm:fillClrLst>
+    <dgm:linClrLst meth="repeat">
+      <a:schemeClr val="accent2"/>
+    </dgm:linClrLst>
+    <dgm:effectClrLst/>
+    <dgm:txLinClrLst/>
+    <dgm:txFillClrLst meth="repeat">
+      <a:schemeClr val="lt1"/>
+    </dgm:txFillClrLst>
+    <dgm:txEffectClrLst/>
+  </dgm:styleLbl>
+  <dgm:styleLbl name="fgShp">
+    <dgm:fillClrLst meth="repeat">
+      <a:schemeClr val="accent2">
+        <a:tint val="40000"/>
+      </a:schemeClr>
+    </dgm:fillClrLst>
+    <dgm:linClrLst meth="repeat">
+      <a:schemeClr val="lt1"/>
+    </dgm:linClrLst>
+    <dgm:effectClrLst/>
+    <dgm:txLinClrLst/>
+    <dgm:txFillClrLst meth="repeat">
+      <a:schemeClr val="dk1"/>
+    </dgm:txFillClrLst>
+    <dgm:txEffectClrLst/>
+  </dgm:styleLbl>
+  <dgm:styleLbl name="revTx">
+    <dgm:fillClrLst meth="repeat">
+      <a:schemeClr val="lt1">
+        <a:alpha val="0"/>
+      </a:schemeClr>
+    </dgm:fillClrLst>
+    <dgm:linClrLst meth="repeat">
+      <a:schemeClr val="dk1">
+        <a:alpha val="0"/>
+      </a:schemeClr>
+    </dgm:linClrLst>
+    <dgm:effectClrLst/>
+    <dgm:txLinClrLst/>
+    <dgm:txFillClrLst meth="repeat">
+      <a:schemeClr val="tx1"/>
+    </dgm:txFillClrLst>
+    <dgm:txEffectClrLst/>
+  </dgm:styleLbl>
+</dgm:colorsDef>
+</file>
+
+<file path=ppt/diagrams/data1.xml><?xml version="1.0" encoding="utf-8"?>
+<dgm:dataModel xmlns:dgm="http://schemas.openxmlformats.org/drawingml/2006/diagram" xmlns:a="http://schemas.openxmlformats.org/drawingml/2006/main">
+  <dgm:ptLst>
+    <dgm:pt modelId="{E01B90D4-AD89-4AA3-B6A1-4BF9026FC677}" type="doc">
+      <dgm:prSet loTypeId="urn:microsoft.com/office/officeart/2005/8/layout/hierarchy1" loCatId="hierarchy" qsTypeId="urn:microsoft.com/office/officeart/2005/8/quickstyle/simple1" qsCatId="simple" csTypeId="urn:microsoft.com/office/officeart/2005/8/colors/colorful2" csCatId="colorful" phldr="1"/>
+      <dgm:spPr/>
+      <dgm:t>
+        <a:bodyPr/>
+        <a:lstStyle/>
+        <a:p>
+          <a:endParaRPr lang="en-US"/>
+        </a:p>
+      </dgm:t>
+    </dgm:pt>
+    <dgm:pt modelId="{E1A4B973-DE36-4510-980D-AD6D4AF77BEA}">
+      <dgm:prSet/>
+      <dgm:spPr/>
+      <dgm:t>
+        <a:bodyPr/>
+        <a:lstStyle/>
+        <a:p>
+          <a:r>
+            <a:rPr lang="en-US" b="1" dirty="0"/>
+            <a:t>Southern states, particularly Republican-led states such as Texas, Louisiana, and New Mexico, show persistently high poverty and food insecurity rates. </a:t>
+          </a:r>
+          <a:r>
+            <a:rPr lang="en-US" b="0"/>
+            <a:t>T</a:t>
+          </a:r>
+          <a:r>
+            <a:rPr lang="en-US"/>
+            <a:t>argeted </a:t>
+          </a:r>
+          <a:r>
+            <a:rPr lang="en-US" dirty="0"/>
+            <a:t>federal and state resources should prioritize children seventeen and under, who remain the most at-risk across all demographics and experience food insecurity at the highest rates during their developmental years.</a:t>
+          </a:r>
+        </a:p>
+      </dgm:t>
+    </dgm:pt>
+    <dgm:pt modelId="{FEC5FBE0-E9F2-4F3E-911E-6604137DF9B0}" type="parTrans" cxnId="{5AD17926-0014-4599-985A-949A8EBBC05B}">
+      <dgm:prSet/>
+      <dgm:spPr/>
+      <dgm:t>
+        <a:bodyPr/>
+        <a:lstStyle/>
+        <a:p>
+          <a:endParaRPr lang="en-US"/>
+        </a:p>
+      </dgm:t>
+    </dgm:pt>
+    <dgm:pt modelId="{43F74217-EAFD-4057-A974-0BF8C5247F12}" type="sibTrans" cxnId="{5AD17926-0014-4599-985A-949A8EBBC05B}">
+      <dgm:prSet/>
+      <dgm:spPr/>
+      <dgm:t>
+        <a:bodyPr/>
+        <a:lstStyle/>
+        <a:p>
+          <a:endParaRPr lang="en-US"/>
+        </a:p>
+      </dgm:t>
+    </dgm:pt>
+    <dgm:pt modelId="{92C71AB9-C2E4-4D7D-9973-C990C0FD43E5}">
+      <dgm:prSet/>
+      <dgm:spPr/>
+      <dgm:t>
+        <a:bodyPr/>
+        <a:lstStyle/>
+        <a:p>
+          <a:r>
+            <a:rPr lang="en-US" b="1"/>
+            <a:t>School-based food assistance from preschool through high school should be expanded and strategically directed toward districts with high Black, Hispanic, and Other minority student densities</a:t>
+          </a:r>
+          <a:r>
+            <a:rPr lang="en-US"/>
+            <a:t>, ensuring equitable nutrition access regardless of sex while focusing support where food insecurity and malnutrition are most concentrated.</a:t>
+          </a:r>
+        </a:p>
+      </dgm:t>
+    </dgm:pt>
+    <dgm:pt modelId="{4A625FBA-C290-4314-BEA4-C9622AF4650B}" type="parTrans" cxnId="{65C3705C-0342-4B1A-B9F3-1CB75469AE45}">
+      <dgm:prSet/>
+      <dgm:spPr/>
+      <dgm:t>
+        <a:bodyPr/>
+        <a:lstStyle/>
+        <a:p>
+          <a:endParaRPr lang="en-US"/>
+        </a:p>
+      </dgm:t>
+    </dgm:pt>
+    <dgm:pt modelId="{EDDAD94F-93BE-470C-8C3E-FE82659B1480}" type="sibTrans" cxnId="{65C3705C-0342-4B1A-B9F3-1CB75469AE45}">
+      <dgm:prSet/>
+      <dgm:spPr/>
+      <dgm:t>
+        <a:bodyPr/>
+        <a:lstStyle/>
+        <a:p>
+          <a:endParaRPr lang="en-US"/>
+        </a:p>
+      </dgm:t>
+    </dgm:pt>
+    <dgm:pt modelId="{3635EE4C-8871-B146-BBBD-DC9E0AFF82AE}" type="pres">
+      <dgm:prSet presAssocID="{E01B90D4-AD89-4AA3-B6A1-4BF9026FC677}" presName="hierChild1" presStyleCnt="0">
+        <dgm:presLayoutVars>
+          <dgm:chPref val="1"/>
+          <dgm:dir/>
+          <dgm:animOne val="branch"/>
+          <dgm:animLvl val="lvl"/>
+          <dgm:resizeHandles/>
+        </dgm:presLayoutVars>
+      </dgm:prSet>
+      <dgm:spPr/>
+    </dgm:pt>
+    <dgm:pt modelId="{51099B63-E79E-BB42-92C6-D8F6088CAE2B}" type="pres">
+      <dgm:prSet presAssocID="{E1A4B973-DE36-4510-980D-AD6D4AF77BEA}" presName="hierRoot1" presStyleCnt="0"/>
+      <dgm:spPr/>
+    </dgm:pt>
+    <dgm:pt modelId="{26C1AA8D-B664-D145-A133-79A4B3A60AE4}" type="pres">
+      <dgm:prSet presAssocID="{E1A4B973-DE36-4510-980D-AD6D4AF77BEA}" presName="composite" presStyleCnt="0"/>
+      <dgm:spPr/>
+    </dgm:pt>
+    <dgm:pt modelId="{0F6F2FC4-79F7-0244-9479-B9977FDB7D89}" type="pres">
+      <dgm:prSet presAssocID="{E1A4B973-DE36-4510-980D-AD6D4AF77BEA}" presName="background" presStyleLbl="node0" presStyleIdx="0" presStyleCnt="2"/>
+      <dgm:spPr/>
+    </dgm:pt>
+    <dgm:pt modelId="{6437E953-7867-2349-9F7C-3FCE664C5258}" type="pres">
+      <dgm:prSet presAssocID="{E1A4B973-DE36-4510-980D-AD6D4AF77BEA}" presName="text" presStyleLbl="fgAcc0" presStyleIdx="0" presStyleCnt="2">
+        <dgm:presLayoutVars>
+          <dgm:chPref val="3"/>
+        </dgm:presLayoutVars>
+      </dgm:prSet>
+      <dgm:spPr/>
+    </dgm:pt>
+    <dgm:pt modelId="{2ABD6D3E-70FE-5840-9AA6-BC8C40F6AB16}" type="pres">
+      <dgm:prSet presAssocID="{E1A4B973-DE36-4510-980D-AD6D4AF77BEA}" presName="hierChild2" presStyleCnt="0"/>
+      <dgm:spPr/>
+    </dgm:pt>
+    <dgm:pt modelId="{ED1C7804-567B-3F49-A55D-D7D5B6B8D4DB}" type="pres">
+      <dgm:prSet presAssocID="{92C71AB9-C2E4-4D7D-9973-C990C0FD43E5}" presName="hierRoot1" presStyleCnt="0"/>
+      <dgm:spPr/>
+    </dgm:pt>
+    <dgm:pt modelId="{315ACDD1-B140-5D44-B589-552EE402E679}" type="pres">
+      <dgm:prSet presAssocID="{92C71AB9-C2E4-4D7D-9973-C990C0FD43E5}" presName="composite" presStyleCnt="0"/>
+      <dgm:spPr/>
+    </dgm:pt>
+    <dgm:pt modelId="{A6837B72-0F22-154A-93AF-9AC69D76BE8D}" type="pres">
+      <dgm:prSet presAssocID="{92C71AB9-C2E4-4D7D-9973-C990C0FD43E5}" presName="background" presStyleLbl="node0" presStyleIdx="1" presStyleCnt="2"/>
+      <dgm:spPr/>
+    </dgm:pt>
+    <dgm:pt modelId="{CB8360AD-6E6B-0340-A3D0-5AAF26AB3672}" type="pres">
+      <dgm:prSet presAssocID="{92C71AB9-C2E4-4D7D-9973-C990C0FD43E5}" presName="text" presStyleLbl="fgAcc0" presStyleIdx="1" presStyleCnt="2">
+        <dgm:presLayoutVars>
+          <dgm:chPref val="3"/>
+        </dgm:presLayoutVars>
+      </dgm:prSet>
+      <dgm:spPr/>
+    </dgm:pt>
+    <dgm:pt modelId="{0D7ADD18-DB37-6C4A-8C3B-22E9DFA1F729}" type="pres">
+      <dgm:prSet presAssocID="{92C71AB9-C2E4-4D7D-9973-C990C0FD43E5}" presName="hierChild2" presStyleCnt="0"/>
+      <dgm:spPr/>
+    </dgm:pt>
+  </dgm:ptLst>
+  <dgm:cxnLst>
+    <dgm:cxn modelId="{5AD17926-0014-4599-985A-949A8EBBC05B}" srcId="{E01B90D4-AD89-4AA3-B6A1-4BF9026FC677}" destId="{E1A4B973-DE36-4510-980D-AD6D4AF77BEA}" srcOrd="0" destOrd="0" parTransId="{FEC5FBE0-E9F2-4F3E-911E-6604137DF9B0}" sibTransId="{43F74217-EAFD-4057-A974-0BF8C5247F12}"/>
+    <dgm:cxn modelId="{E9C8F842-920C-3C47-A736-7AA79E11E229}" type="presOf" srcId="{E1A4B973-DE36-4510-980D-AD6D4AF77BEA}" destId="{6437E953-7867-2349-9F7C-3FCE664C5258}" srcOrd="0" destOrd="0" presId="urn:microsoft.com/office/officeart/2005/8/layout/hierarchy1"/>
+    <dgm:cxn modelId="{65C3705C-0342-4B1A-B9F3-1CB75469AE45}" srcId="{E01B90D4-AD89-4AA3-B6A1-4BF9026FC677}" destId="{92C71AB9-C2E4-4D7D-9973-C990C0FD43E5}" srcOrd="1" destOrd="0" parTransId="{4A625FBA-C290-4314-BEA4-C9622AF4650B}" sibTransId="{EDDAD94F-93BE-470C-8C3E-FE82659B1480}"/>
+    <dgm:cxn modelId="{FC9CEAA1-EDE4-F446-9250-D766FDE9D49E}" type="presOf" srcId="{E01B90D4-AD89-4AA3-B6A1-4BF9026FC677}" destId="{3635EE4C-8871-B146-BBBD-DC9E0AFF82AE}" srcOrd="0" destOrd="0" presId="urn:microsoft.com/office/officeart/2005/8/layout/hierarchy1"/>
+    <dgm:cxn modelId="{B87286AE-3184-6F44-875B-3824DD6F7D49}" type="presOf" srcId="{92C71AB9-C2E4-4D7D-9973-C990C0FD43E5}" destId="{CB8360AD-6E6B-0340-A3D0-5AAF26AB3672}" srcOrd="0" destOrd="0" presId="urn:microsoft.com/office/officeart/2005/8/layout/hierarchy1"/>
+    <dgm:cxn modelId="{73198EFE-2E11-5749-A0AA-31696602FACD}" type="presParOf" srcId="{3635EE4C-8871-B146-BBBD-DC9E0AFF82AE}" destId="{51099B63-E79E-BB42-92C6-D8F6088CAE2B}" srcOrd="0" destOrd="0" presId="urn:microsoft.com/office/officeart/2005/8/layout/hierarchy1"/>
+    <dgm:cxn modelId="{8A043BBF-3E76-FE4D-A060-528EACA64CFC}" type="presParOf" srcId="{51099B63-E79E-BB42-92C6-D8F6088CAE2B}" destId="{26C1AA8D-B664-D145-A133-79A4B3A60AE4}" srcOrd="0" destOrd="0" presId="urn:microsoft.com/office/officeart/2005/8/layout/hierarchy1"/>
+    <dgm:cxn modelId="{0B529E70-BC53-DB44-AFC6-55B379B9BC23}" type="presParOf" srcId="{26C1AA8D-B664-D145-A133-79A4B3A60AE4}" destId="{0F6F2FC4-79F7-0244-9479-B9977FDB7D89}" srcOrd="0" destOrd="0" presId="urn:microsoft.com/office/officeart/2005/8/layout/hierarchy1"/>
+    <dgm:cxn modelId="{1379C6B2-D122-3B42-96E9-1DB1177D3EB6}" type="presParOf" srcId="{26C1AA8D-B664-D145-A133-79A4B3A60AE4}" destId="{6437E953-7867-2349-9F7C-3FCE664C5258}" srcOrd="1" destOrd="0" presId="urn:microsoft.com/office/officeart/2005/8/layout/hierarchy1"/>
+    <dgm:cxn modelId="{AB0B0BDA-8233-4A4F-B2FA-8EB03A71A44A}" type="presParOf" srcId="{51099B63-E79E-BB42-92C6-D8F6088CAE2B}" destId="{2ABD6D3E-70FE-5840-9AA6-BC8C40F6AB16}" srcOrd="1" destOrd="0" presId="urn:microsoft.com/office/officeart/2005/8/layout/hierarchy1"/>
+    <dgm:cxn modelId="{12FA8F26-C894-FF46-A542-2AF21AF0B92C}" type="presParOf" srcId="{3635EE4C-8871-B146-BBBD-DC9E0AFF82AE}" destId="{ED1C7804-567B-3F49-A55D-D7D5B6B8D4DB}" srcOrd="1" destOrd="0" presId="urn:microsoft.com/office/officeart/2005/8/layout/hierarchy1"/>
+    <dgm:cxn modelId="{BB3C42CA-B686-7D48-815F-4F5CEF7EB0EC}" type="presParOf" srcId="{ED1C7804-567B-3F49-A55D-D7D5B6B8D4DB}" destId="{315ACDD1-B140-5D44-B589-552EE402E679}" srcOrd="0" destOrd="0" presId="urn:microsoft.com/office/officeart/2005/8/layout/hierarchy1"/>
+    <dgm:cxn modelId="{A12951C3-5A4A-9140-B955-45B708CC578D}" type="presParOf" srcId="{315ACDD1-B140-5D44-B589-552EE402E679}" destId="{A6837B72-0F22-154A-93AF-9AC69D76BE8D}" srcOrd="0" destOrd="0" presId="urn:microsoft.com/office/officeart/2005/8/layout/hierarchy1"/>
+    <dgm:cxn modelId="{F8CFB8E8-C619-724F-AEF1-4C7665A16C22}" type="presParOf" srcId="{315ACDD1-B140-5D44-B589-552EE402E679}" destId="{CB8360AD-6E6B-0340-A3D0-5AAF26AB3672}" srcOrd="1" destOrd="0" presId="urn:microsoft.com/office/officeart/2005/8/layout/hierarchy1"/>
+    <dgm:cxn modelId="{1EA2E020-EADE-0B46-89B1-98C5D0692EED}" type="presParOf" srcId="{ED1C7804-567B-3F49-A55D-D7D5B6B8D4DB}" destId="{0D7ADD18-DB37-6C4A-8C3B-22E9DFA1F729}" srcOrd="1" destOrd="0" presId="urn:microsoft.com/office/officeart/2005/8/layout/hierarchy1"/>
+  </dgm:cxnLst>
+  <dgm:bg/>
+  <dgm:whole/>
+  <dgm:extLst>
+    <a:ext uri="http://schemas.microsoft.com/office/drawing/2008/diagram">
+      <dsp:dataModelExt xmlns:dsp="http://schemas.microsoft.com/office/drawing/2008/diagram" relId="rId6" minVer="http://schemas.openxmlformats.org/drawingml/2006/diagram"/>
+    </a:ext>
+  </dgm:extLst>
+</dgm:dataModel>
+</file>
+
+<file path=ppt/diagrams/drawing1.xml><?xml version="1.0" encoding="utf-8"?>
+<dsp:drawing xmlns:dgm="http://schemas.openxmlformats.org/drawingml/2006/diagram" xmlns:dsp="http://schemas.microsoft.com/office/drawing/2008/diagram" xmlns:a="http://schemas.openxmlformats.org/drawingml/2006/main">
+  <dsp:spTree>
+    <dsp:nvGrpSpPr>
+      <dsp:cNvPr id="0" name=""/>
+      <dsp:cNvGrpSpPr/>
+    </dsp:nvGrpSpPr>
+    <dsp:grpSpPr/>
+    <dsp:sp modelId="{0F6F2FC4-79F7-0244-9479-B9977FDB7D89}">
+      <dsp:nvSpPr>
+        <dsp:cNvPr id="0" name=""/>
+        <dsp:cNvSpPr/>
+      </dsp:nvSpPr>
+      <dsp:spPr>
+        <a:xfrm>
+          <a:off x="1333" y="110983"/>
+          <a:ext cx="4682211" cy="2973204"/>
+        </a:xfrm>
+        <a:prstGeom prst="roundRect">
+          <a:avLst>
+            <a:gd name="adj" fmla="val 10000"/>
+          </a:avLst>
+        </a:prstGeom>
+        <a:solidFill>
+          <a:schemeClr val="accent1">
+            <a:hueOff val="0"/>
+            <a:satOff val="0"/>
+            <a:lumOff val="0"/>
+            <a:alphaOff val="0"/>
+          </a:schemeClr>
+        </a:solidFill>
+        <a:ln w="19050" cap="flat" cmpd="sng" algn="ctr">
+          <a:solidFill>
+            <a:schemeClr val="lt1">
+              <a:hueOff val="0"/>
+              <a:satOff val="0"/>
+              <a:lumOff val="0"/>
+              <a:alphaOff val="0"/>
+            </a:schemeClr>
+          </a:solidFill>
+          <a:prstDash val="solid"/>
+          <a:miter lim="800000"/>
+        </a:ln>
+        <a:effectLst/>
+      </dsp:spPr>
+      <dsp:style>
+        <a:lnRef idx="2">
+          <a:scrgbClr r="0" g="0" b="0"/>
+        </a:lnRef>
+        <a:fillRef idx="1">
+          <a:scrgbClr r="0" g="0" b="0"/>
+        </a:fillRef>
+        <a:effectRef idx="0">
+          <a:scrgbClr r="0" g="0" b="0"/>
+        </a:effectRef>
+        <a:fontRef idx="minor">
+          <a:schemeClr val="lt1"/>
+        </a:fontRef>
+      </dsp:style>
+    </dsp:sp>
+    <dsp:sp modelId="{6437E953-7867-2349-9F7C-3FCE664C5258}">
+      <dsp:nvSpPr>
+        <dsp:cNvPr id="0" name=""/>
+        <dsp:cNvSpPr/>
+      </dsp:nvSpPr>
+      <dsp:spPr>
+        <a:xfrm>
+          <a:off x="521579" y="605216"/>
+          <a:ext cx="4682211" cy="2973204"/>
+        </a:xfrm>
+        <a:prstGeom prst="roundRect">
+          <a:avLst>
+            <a:gd name="adj" fmla="val 10000"/>
+          </a:avLst>
+        </a:prstGeom>
+        <a:solidFill>
+          <a:schemeClr val="lt1">
+            <a:alpha val="90000"/>
+            <a:hueOff val="0"/>
+            <a:satOff val="0"/>
+            <a:lumOff val="0"/>
+            <a:alphaOff val="0"/>
+          </a:schemeClr>
+        </a:solidFill>
+        <a:ln w="19050" cap="flat" cmpd="sng" algn="ctr">
+          <a:solidFill>
+            <a:schemeClr val="accent1">
+              <a:hueOff val="0"/>
+              <a:satOff val="0"/>
+              <a:lumOff val="0"/>
+              <a:alphaOff val="0"/>
+            </a:schemeClr>
+          </a:solidFill>
+          <a:prstDash val="solid"/>
+          <a:miter lim="800000"/>
+        </a:ln>
+        <a:effectLst/>
+      </dsp:spPr>
+      <dsp:style>
+        <a:lnRef idx="2">
+          <a:scrgbClr r="0" g="0" b="0"/>
+        </a:lnRef>
+        <a:fillRef idx="1">
+          <a:scrgbClr r="0" g="0" b="0"/>
+        </a:fillRef>
+        <a:effectRef idx="0">
+          <a:scrgbClr r="0" g="0" b="0"/>
+        </a:effectRef>
+        <a:fontRef idx="minor"/>
+      </dsp:style>
+      <dsp:txBody>
+        <a:bodyPr spcFirstLastPara="0" vert="horz" wrap="square" lIns="72390" tIns="72390" rIns="72390" bIns="72390" numCol="1" spcCol="1270" anchor="ctr" anchorCtr="0">
+          <a:noAutofit/>
+        </a:bodyPr>
+        <a:lstStyle/>
+        <a:p>
+          <a:pPr marL="0" lvl="0" indent="0" algn="ctr" defTabSz="844550">
+            <a:lnSpc>
+              <a:spcPct val="90000"/>
+            </a:lnSpc>
+            <a:spcBef>
+              <a:spcPct val="0"/>
+            </a:spcBef>
+            <a:spcAft>
+              <a:spcPct val="35000"/>
+            </a:spcAft>
+            <a:buNone/>
+          </a:pPr>
+          <a:r>
+            <a:rPr lang="en-US" sz="1900" b="1" kern="1200" dirty="0"/>
+            <a:t>Southern states, particularly Republican-led states such as Texas, Louisiana, and New Mexico, show persistently high poverty and food insecurity rates. </a:t>
+          </a:r>
+          <a:r>
+            <a:rPr lang="en-US" sz="1900" b="0" kern="1200"/>
+            <a:t>T</a:t>
+          </a:r>
+          <a:r>
+            <a:rPr lang="en-US" sz="1900" kern="1200"/>
+            <a:t>argeted </a:t>
+          </a:r>
+          <a:r>
+            <a:rPr lang="en-US" sz="1900" kern="1200" dirty="0"/>
+            <a:t>federal and state resources should prioritize children seventeen and under, who remain the most at-risk across all demographics and experience food insecurity at the highest rates during their developmental years.</a:t>
+          </a:r>
+        </a:p>
+      </dsp:txBody>
+      <dsp:txXfrm>
+        <a:off x="608661" y="692298"/>
+        <a:ext cx="4508047" cy="2799040"/>
+      </dsp:txXfrm>
+    </dsp:sp>
+    <dsp:sp modelId="{A6837B72-0F22-154A-93AF-9AC69D76BE8D}">
+      <dsp:nvSpPr>
+        <dsp:cNvPr id="0" name=""/>
+        <dsp:cNvSpPr/>
+      </dsp:nvSpPr>
+      <dsp:spPr>
+        <a:xfrm>
+          <a:off x="5724037" y="110983"/>
+          <a:ext cx="4682211" cy="2973204"/>
+        </a:xfrm>
+        <a:prstGeom prst="roundRect">
+          <a:avLst>
+            <a:gd name="adj" fmla="val 10000"/>
+          </a:avLst>
+        </a:prstGeom>
+        <a:solidFill>
+          <a:schemeClr val="accent1">
+            <a:hueOff val="0"/>
+            <a:satOff val="0"/>
+            <a:lumOff val="0"/>
+            <a:alphaOff val="0"/>
+          </a:schemeClr>
+        </a:solidFill>
+        <a:ln w="19050" cap="flat" cmpd="sng" algn="ctr">
+          <a:solidFill>
+            <a:schemeClr val="lt1">
+              <a:hueOff val="0"/>
+              <a:satOff val="0"/>
+              <a:lumOff val="0"/>
+              <a:alphaOff val="0"/>
+            </a:schemeClr>
+          </a:solidFill>
+          <a:prstDash val="solid"/>
+          <a:miter lim="800000"/>
+        </a:ln>
+        <a:effectLst/>
+      </dsp:spPr>
+      <dsp:style>
+        <a:lnRef idx="2">
+          <a:scrgbClr r="0" g="0" b="0"/>
+        </a:lnRef>
+        <a:fillRef idx="1">
+          <a:scrgbClr r="0" g="0" b="0"/>
+        </a:fillRef>
+        <a:effectRef idx="0">
+          <a:scrgbClr r="0" g="0" b="0"/>
+        </a:effectRef>
+        <a:fontRef idx="minor">
+          <a:schemeClr val="lt1"/>
+        </a:fontRef>
+      </dsp:style>
+    </dsp:sp>
+    <dsp:sp modelId="{CB8360AD-6E6B-0340-A3D0-5AAF26AB3672}">
+      <dsp:nvSpPr>
+        <dsp:cNvPr id="0" name=""/>
+        <dsp:cNvSpPr/>
+      </dsp:nvSpPr>
+      <dsp:spPr>
+        <a:xfrm>
+          <a:off x="6244283" y="605216"/>
+          <a:ext cx="4682211" cy="2973204"/>
+        </a:xfrm>
+        <a:prstGeom prst="roundRect">
+          <a:avLst>
+            <a:gd name="adj" fmla="val 10000"/>
+          </a:avLst>
+        </a:prstGeom>
+        <a:solidFill>
+          <a:schemeClr val="lt1">
+            <a:alpha val="90000"/>
+            <a:hueOff val="0"/>
+            <a:satOff val="0"/>
+            <a:lumOff val="0"/>
+            <a:alphaOff val="0"/>
+          </a:schemeClr>
+        </a:solidFill>
+        <a:ln w="19050" cap="flat" cmpd="sng" algn="ctr">
+          <a:solidFill>
+            <a:schemeClr val="accent1">
+              <a:hueOff val="0"/>
+              <a:satOff val="0"/>
+              <a:lumOff val="0"/>
+              <a:alphaOff val="0"/>
+            </a:schemeClr>
+          </a:solidFill>
+          <a:prstDash val="solid"/>
+          <a:miter lim="800000"/>
+        </a:ln>
+        <a:effectLst/>
+      </dsp:spPr>
+      <dsp:style>
+        <a:lnRef idx="2">
+          <a:scrgbClr r="0" g="0" b="0"/>
+        </a:lnRef>
+        <a:fillRef idx="1">
+          <a:scrgbClr r="0" g="0" b="0"/>
+        </a:fillRef>
+        <a:effectRef idx="0">
+          <a:scrgbClr r="0" g="0" b="0"/>
+        </a:effectRef>
+        <a:fontRef idx="minor"/>
+      </dsp:style>
+      <dsp:txBody>
+        <a:bodyPr spcFirstLastPara="0" vert="horz" wrap="square" lIns="72390" tIns="72390" rIns="72390" bIns="72390" numCol="1" spcCol="1270" anchor="ctr" anchorCtr="0">
+          <a:noAutofit/>
+        </a:bodyPr>
+        <a:lstStyle/>
+        <a:p>
+          <a:pPr marL="0" lvl="0" indent="0" algn="ctr" defTabSz="844550">
+            <a:lnSpc>
+              <a:spcPct val="90000"/>
+            </a:lnSpc>
+            <a:spcBef>
+              <a:spcPct val="0"/>
+            </a:spcBef>
+            <a:spcAft>
+              <a:spcPct val="35000"/>
+            </a:spcAft>
+            <a:buNone/>
+          </a:pPr>
+          <a:r>
+            <a:rPr lang="en-US" sz="1900" b="1" kern="1200"/>
+            <a:t>School-based food assistance from preschool through high school should be expanded and strategically directed toward districts with high Black, Hispanic, and Other minority student densities</a:t>
+          </a:r>
+          <a:r>
+            <a:rPr lang="en-US" sz="1900" kern="1200"/>
+            <a:t>, ensuring equitable nutrition access regardless of sex while focusing support where food insecurity and malnutrition are most concentrated.</a:t>
+          </a:r>
+        </a:p>
+      </dsp:txBody>
+      <dsp:txXfrm>
+        <a:off x="6331365" y="692298"/>
+        <a:ext cx="4508047" cy="2799040"/>
+      </dsp:txXfrm>
+    </dsp:sp>
+  </dsp:spTree>
+</dsp:drawing>
+</file>
+
+<file path=ppt/diagrams/layout1.xml><?xml version="1.0" encoding="utf-8"?>
+<dgm:layoutDef xmlns:dgm="http://schemas.openxmlformats.org/drawingml/2006/diagram" xmlns:a="http://schemas.openxmlformats.org/drawingml/2006/main" uniqueId="urn:microsoft.com/office/officeart/2005/8/layout/hierarchy1">
+  <dgm:title val=""/>
+  <dgm:desc val=""/>
+  <dgm:catLst>
+    <dgm:cat type="hierarchy" pri="2000"/>
+  </dgm:catLst>
+  <dgm:sampData>
+    <dgm:dataModel>
+      <dgm:ptLst>
+        <dgm:pt modelId="0" type="doc"/>
+        <dgm:pt modelId="1">
+          <dgm:prSet phldr="1"/>
+        </dgm:pt>
+        <dgm:pt modelId="2">
+          <dgm:prSet phldr="1"/>
+        </dgm:pt>
+        <dgm:pt modelId="21">
+          <dgm:prSet phldr="1"/>
+        </dgm:pt>
+        <dgm:pt modelId="22">
+          <dgm:prSet phldr="1"/>
+        </dgm:pt>
+        <dgm:pt modelId="3">
+          <dgm:prSet phldr="1"/>
+        </dgm:pt>
+        <dgm:pt modelId="31">
+          <dgm:prSet phldr="1"/>
+        </dgm:pt>
+      </dgm:ptLst>
+      <dgm:cxnLst>
+        <dgm:cxn modelId="4" srcId="0" destId="1" srcOrd="0" destOrd="0"/>
+        <dgm:cxn modelId="5" srcId="1" destId="2" srcOrd="0" destOrd="0"/>
+        <dgm:cxn modelId="6" srcId="1" destId="3" srcOrd="1" destOrd="0"/>
+        <dgm:cxn modelId="23" srcId="2" destId="21" srcOrd="0" destOrd="0"/>
+        <dgm:cxn modelId="24" srcId="2" destId="22" srcOrd="1" destOrd="0"/>
+        <dgm:cxn modelId="33" srcId="3" destId="31" srcOrd="0" destOrd="0"/>
+      </dgm:cxnLst>
+      <dgm:bg/>
+      <dgm:whole/>
+    </dgm:dataModel>
+  </dgm:sampData>
+  <dgm:styleData>
+    <dgm:dataModel>
+      <dgm:ptLst>
+        <dgm:pt modelId="0" type="doc"/>
+        <dgm:pt modelId="1"/>
+        <dgm:pt modelId="11"/>
+        <dgm:pt modelId="12"/>
+      </dgm:ptLst>
+      <dgm:cxnLst>
+        <dgm:cxn modelId="2" srcId="0" destId="1" srcOrd="0" destOrd="0"/>
+        <dgm:cxn modelId="13" srcId="1" destId="11" srcOrd="0" destOrd="0"/>
+        <dgm:cxn modelId="14" srcId="1" destId="12" srcOrd="1" destOrd="0"/>
+      </dgm:cxnLst>
+      <dgm:bg/>
+      <dgm:whole/>
+    </dgm:dataModel>
+  </dgm:styleData>
+  <dgm:clrData>
+    <dgm:dataModel>
+      <dgm:ptLst>
+        <dgm:pt modelId="0" type="doc"/>
+        <dgm:pt modelId="1"/>
+        <dgm:pt modelId="2"/>
+        <dgm:pt modelId="21"/>
+        <dgm:pt modelId="211"/>
+        <dgm:pt modelId="3"/>
+        <dgm:pt modelId="31"/>
+        <dgm:pt modelId="311"/>
+      </dgm:ptLst>
+      <dgm:cxnLst>
+        <dgm:cxn modelId="4" srcId="0" destId="1" srcOrd="0" destOrd="0"/>
+        <dgm:cxn modelId="5" srcId="1" destId="2" srcOrd="0" destOrd="0"/>
+        <dgm:cxn modelId="6" srcId="1" destId="3" srcOrd="1" destOrd="0"/>
+        <dgm:cxn modelId="23" srcId="2" destId="21" srcOrd="0" destOrd="0"/>
+        <dgm:cxn modelId="24" srcId="21" destId="211" srcOrd="0" destOrd="0"/>
+        <dgm:cxn modelId="33" srcId="3" destId="31" srcOrd="0" destOrd="0"/>
+        <dgm:cxn modelId="34" srcId="31" destId="311" srcOrd="0" destOrd="0"/>
+      </dgm:cxnLst>
+      <dgm:bg/>
+      <dgm:whole/>
+    </dgm:dataModel>
+  </dgm:clrData>
+  <dgm:layoutNode name="hierChild1">
+    <dgm:varLst>
+      <dgm:chPref val="1"/>
+      <dgm:dir/>
+      <dgm:animOne val="branch"/>
+      <dgm:animLvl val="lvl"/>
+      <dgm:resizeHandles/>
+    </dgm:varLst>
+    <dgm:choose name="Name0">
+      <dgm:if name="Name1" func="var" arg="dir" op="equ" val="norm">
+        <dgm:alg type="hierChild">
+          <dgm:param type="linDir" val="fromL"/>
+        </dgm:alg>
+      </dgm:if>
+      <dgm:else name="Name2">
+        <dgm:alg type="hierChild">
+          <dgm:param type="linDir" val="fromR"/>
+        </dgm:alg>
+      </dgm:else>
+    </dgm:choose>
+    <dgm:shape xmlns:r="http://schemas.openxmlformats.org/officeDocument/2006/relationships" r:blip="">
+      <dgm:adjLst/>
+    </dgm:shape>
+    <dgm:presOf/>
+    <dgm:constrLst>
+      <dgm:constr type="primFontSz" for="des" ptType="node" op="equ" val="65"/>
+      <dgm:constr type="w" for="des" forName="composite" refType="w"/>
+      <dgm:constr type="h" for="des" forName="composite" refType="w" refFor="des" refForName="composite" fact="0.667"/>
+      <dgm:constr type="w" for="des" forName="composite2" refType="w" refFor="des" refForName="composite"/>
+      <dgm:constr type="h" for="des" forName="composite2" refType="h" refFor="des" refForName="composite"/>
+      <dgm:constr type="w" for="des" forName="composite3" refType="w" refFor="des" refForName="composite"/>
+      <dgm:constr type="h" for="des" forName="composite3" refType="h" refFor="des" refForName="composite"/>
+      <dgm:constr type="w" for="des" forName="composite4" refType="w" refFor="des" refForName="composite"/>
+      <dgm:constr type="h" for="des" forName="composite4" refType="h" refFor="des" refForName="composite"/>
+      <dgm:constr type="w" for="des" forName="composite5" refType="w" refFor="des" refForName="composite"/>
+      <dgm:constr type="h" for="des" forName="composite5" refType="h" refFor="des" refForName="composite"/>
+      <dgm:constr type="sibSp" refType="w" refFor="des" refForName="composite" fact="0.1"/>
+      <dgm:constr type="sibSp" for="des" forName="hierChild2" refType="sibSp"/>
+      <dgm:constr type="sibSp" for="des" forName="hierChild3" refType="sibSp"/>
+      <dgm:constr type="sibSp" for="des" forName="hierChild4" refType="sibSp"/>
+      <dgm:constr type="sibSp" for="des" forName="hierChild5" refType="sibSp"/>
+      <dgm:constr type="sibSp" for="des" forName="hierChild6" refType="sibSp"/>
+      <dgm:constr type="sp" for="des" forName="hierRoot1" refType="h" refFor="des" refForName="composite" fact="0.25"/>
+      <dgm:constr type="sp" for="des" forName="hierRoot2" refType="sp" refFor="des" refForName="hierRoot1"/>
+      <dgm:constr type="sp" for="des" forName="hierRoot3" refType="sp" refFor="des" refForName="hierRoot1"/>
+      <dgm:constr type="sp" for="des" forName="hierRoot4" refType="sp" refFor="des" refForName="hierRoot1"/>
+      <dgm:constr type="sp" for="des" forName="hierRoot5" refType="sp" refFor="des" refForName="hierRoot1"/>
+    </dgm:constrLst>
+    <dgm:ruleLst/>
+    <dgm:forEach name="Name3" axis="ch">
+      <dgm:forEach name="Name4" axis="self" ptType="node">
+        <dgm:layoutNode name="hierRoot1">
+          <dgm:alg type="hierRoot"/>
+          <dgm:shape xmlns:r="http://schemas.openxmlformats.org/officeDocument/2006/relationships" r:blip="">
+            <dgm:adjLst/>
+          </dgm:shape>
+          <dgm:presOf/>
+          <dgm:constrLst>
+            <dgm:constr type="bendDist" for="des" ptType="parTrans" refType="sp" fact="0.5"/>
+          </dgm:constrLst>
+          <dgm:ruleLst/>
+          <dgm:layoutNode name="composite">
+            <dgm:alg type="composite"/>
+            <dgm:shape xmlns:r="http://schemas.openxmlformats.org/officeDocument/2006/relationships" r:blip="">
+              <dgm:adjLst/>
+            </dgm:shape>
+            <dgm:presOf/>
+            <dgm:constrLst>
+              <dgm:constr type="w" for="ch" forName="background" refType="w" fact="0.9"/>
+              <dgm:constr type="h" for="ch" forName="background" refType="w" refFor="ch" refForName="background" fact="0.635"/>
+              <dgm:constr type="t" for="ch" forName="background"/>
+              <dgm:constr type="l" for="ch" forName="background"/>
+              <dgm:constr type="w" for="ch" forName="text" refType="w" fact="0.9"/>
+              <dgm:constr type="h" for="ch" forName="text" refType="w" refFor="ch" refForName="text" fact="0.635"/>
+              <dgm:constr type="t" for="ch" forName="text" refType="w" fact="0.095"/>
+              <dgm:constr type="l" for="ch" forName="text" refType="w" fact="0.1"/>
+            </dgm:constrLst>
+            <dgm:ruleLst/>
+            <dgm:layoutNode name="background" styleLbl="node0" moveWith="text">
+              <dgm:alg type="sp"/>
+              <dgm:shape xmlns:r="http://schemas.openxmlformats.org/officeDocument/2006/relationships" type="roundRect" r:blip="">
+                <dgm:adjLst>
+                  <dgm:adj idx="1" val="0.1"/>
+                </dgm:adjLst>
+              </dgm:shape>
+              <dgm:presOf/>
+              <dgm:constrLst/>
+              <dgm:ruleLst/>
+            </dgm:layoutNode>
+            <dgm:layoutNode name="text" styleLbl="fgAcc0">
+              <dgm:varLst>
+                <dgm:chPref val="3"/>
+              </dgm:varLst>
+              <dgm:alg type="tx"/>
+              <dgm:shape xmlns:r="http://schemas.openxmlformats.org/officeDocument/2006/relationships" type="roundRect" r:blip="">
+                <dgm:adjLst>
+                  <dgm:adj idx="1" val="0.1"/>
+                </dgm:adjLst>
+              </dgm:shape>
+              <dgm:presOf axis="self"/>
+              <dgm:constrLst>
+                <dgm:constr type="tMarg" refType="primFontSz" fact="0.3"/>
+                <dgm:constr type="bMarg" refType="primFontSz" fact="0.3"/>
+                <dgm:constr type="lMarg" refType="primFontSz" fact="0.3"/>
+                <dgm:constr type="rMarg" refType="primFontSz" fact="0.3"/>
+              </dgm:constrLst>
+              <dgm:ruleLst>
+                <dgm:rule type="primFontSz" val="5" fact="NaN" max="NaN"/>
+              </dgm:ruleLst>
+            </dgm:layoutNode>
+          </dgm:layoutNode>
+          <dgm:layoutNode name="hierChild2">
+            <dgm:choose name="Name5">
+              <dgm:if name="Name6" func="var" arg="dir" op="equ" val="norm">
+                <dgm:alg type="hierChild">
+                  <dgm:param type="linDir" val="fromL"/>
+                </dgm:alg>
+              </dgm:if>
+              <dgm:else name="Name7">
+                <dgm:alg type="hierChild">
+                  <dgm:param type="linDir" val="fromR"/>
+                </dgm:alg>
+              </dgm:else>
+            </dgm:choose>
+            <dgm:shape xmlns:r="http://schemas.openxmlformats.org/officeDocument/2006/relationships" r:blip="">
+              <dgm:adjLst/>
+            </dgm:shape>
+            <dgm:presOf/>
+            <dgm:constrLst/>
+            <dgm:ruleLst/>
+            <dgm:forEach name="Name8" axis="ch">
+              <dgm:forEach name="Name9" axis="self" ptType="parTrans" cnt="1">
+                <dgm:layoutNode name="Name10">
+                  <dgm:alg type="conn">
+                    <dgm:param type="dim" val="1D"/>
+                    <dgm:param type="endSty" val="noArr"/>
+                    <dgm:param type="connRout" val="bend"/>
+                    <dgm:param type="bendPt" val="end"/>
+                    <dgm:param type="begPts" val="bCtr"/>
+                    <dgm:param type="endPts" val="tCtr"/>
+                    <dgm:param type="srcNode" val="background"/>
+                    <dgm:param type="dstNode" val="background2"/>
+                  </dgm:alg>
+                  <dgm:shape xmlns:r="http://schemas.openxmlformats.org/officeDocument/2006/relationships" type="conn" r:blip="" zOrderOff="-999">
+                    <dgm:adjLst/>
+                  </dgm:shape>
+                  <dgm:presOf axis="self"/>
+                  <dgm:constrLst>
+                    <dgm:constr type="begPad"/>
+                    <dgm:constr type="endPad"/>
+                  </dgm:constrLst>
+                  <dgm:ruleLst/>
+                </dgm:layoutNode>
+              </dgm:forEach>
+              <dgm:forEach name="Name11" axis="self" ptType="node">
+                <dgm:layoutNode name="hierRoot2">
+                  <dgm:alg type="hierRoot"/>
+                  <dgm:shape xmlns:r="http://schemas.openxmlformats.org/officeDocument/2006/relationships" r:blip="">
+                    <dgm:adjLst/>
+                  </dgm:shape>
+                  <dgm:presOf/>
+                  <dgm:constrLst>
+                    <dgm:constr type="bendDist" for="des" ptType="parTrans" refType="sp" fact="0.5"/>
+                  </dgm:constrLst>
+                  <dgm:ruleLst/>
+                  <dgm:layoutNode name="composite2">
+                    <dgm:alg type="composite"/>
+                    <dgm:shape xmlns:r="http://schemas.openxmlformats.org/officeDocument/2006/relationships" r:blip="">
+                      <dgm:adjLst/>
+                    </dgm:shape>
+                    <dgm:presOf/>
+                    <dgm:constrLst>
+                      <dgm:constr type="w" for="ch" forName="background2" refType="w" fact="0.9"/>
+                      <dgm:constr type="h" for="ch" forName="background2" refType="w" refFor="ch" refForName="background2" fact="0.635"/>
+                      <dgm:constr type="t" for="ch" forName="background2"/>
+                      <dgm:constr type="l" for="ch" forName="background2"/>
+                      <dgm:constr type="w" for="ch" forName="text2" refType="w" fact="0.9"/>
+                      <dgm:constr type="h" for="ch" forName="text2" refType="w" refFor="ch" refForName="text2" fact="0.635"/>
+                      <dgm:constr type="t" for="ch" forName="text2" refType="w" fact="0.095"/>
+                      <dgm:constr type="l" for="ch" forName="text2" refType="w" fact="0.1"/>
+                    </dgm:constrLst>
+                    <dgm:ruleLst/>
+                    <dgm:layoutNode name="background2" moveWith="text2">
+                      <dgm:alg type="sp"/>
+                      <dgm:shape xmlns:r="http://schemas.openxmlformats.org/officeDocument/2006/relationships" type="roundRect" r:blip="">
+                        <dgm:adjLst>
+                          <dgm:adj idx="1" val="0.1"/>
+                        </dgm:adjLst>
+                      </dgm:shape>
+                      <dgm:presOf/>
+                      <dgm:constrLst/>
+                      <dgm:ruleLst/>
+                    </dgm:layoutNode>
+                    <dgm:layoutNode name="text2" styleLbl="fgAcc2">
+                      <dgm:varLst>
+                        <dgm:chPref val="3"/>
+                      </dgm:varLst>
+                      <dgm:alg type="tx"/>
+                      <dgm:shape xmlns:r="http://schemas.openxmlformats.org/officeDocument/2006/relationships" type="roundRect" r:blip="">
+                        <dgm:adjLst>
+                          <dgm:adj idx="1" val="0.1"/>
+                        </dgm:adjLst>
+                      </dgm:shape>
+                      <dgm:presOf axis="self"/>
+                      <dgm:constrLst>
+                        <dgm:constr type="tMarg" refType="primFontSz" fact="0.3"/>
+                        <dgm:constr type="bMarg" refType="primFontSz" fact="0.3"/>
+                        <dgm:constr type="lMarg" refType="primFontSz" fact="0.3"/>
+                        <dgm:constr type="rMarg" refType="primFontSz" fact="0.3"/>
+                      </dgm:constrLst>
+                      <dgm:ruleLst>
+                        <dgm:rule type="primFontSz" val="5" fact="NaN" max="NaN"/>
+                      </dgm:ruleLst>
+                    </dgm:layoutNode>
+                  </dgm:layoutNode>
+                  <dgm:layoutNode name="hierChild3">
+                    <dgm:choose name="Name12">
+                      <dgm:if name="Name13" func="var" arg="dir" op="equ" val="norm">
+                        <dgm:alg type="hierChild">
+                          <dgm:param type="linDir" val="fromL"/>
+                        </dgm:alg>
+                      </dgm:if>
+                      <dgm:else name="Name14">
+                        <dgm:alg type="hierChild">
+                          <dgm:param type="linDir" val="fromR"/>
+                        </dgm:alg>
+                      </dgm:else>
+                    </dgm:choose>
+                    <dgm:shape xmlns:r="http://schemas.openxmlformats.org/officeDocument/2006/relationships" r:blip="">
+                      <dgm:adjLst/>
+                    </dgm:shape>
+                    <dgm:presOf/>
+                    <dgm:constrLst/>
+                    <dgm:ruleLst/>
+                    <dgm:forEach name="Name15" axis="ch">
+                      <dgm:forEach name="Name16" axis="self" ptType="parTrans" cnt="1">
+                        <dgm:layoutNode name="Name17">
+                          <dgm:alg type="conn">
+                            <dgm:param type="dim" val="1D"/>
+                            <dgm:param type="endSty" val="noArr"/>
+                            <dgm:param type="connRout" val="bend"/>
+                            <dgm:param type="bendPt" val="end"/>
+                            <dgm:param type="begPts" val="bCtr"/>
+                            <dgm:param type="endPts" val="tCtr"/>
+                            <dgm:param type="srcNode" val="background2"/>
+                            <dgm:param type="dstNode" val="background3"/>
+                          </dgm:alg>
+                          <dgm:shape xmlns:r="http://schemas.openxmlformats.org/officeDocument/2006/relationships" type="conn" r:blip="" zOrderOff="-999">
+                            <dgm:adjLst/>
+                          </dgm:shape>
+                          <dgm:presOf axis="self"/>
+                          <dgm:constrLst>
+                            <dgm:constr type="begPad"/>
+                            <dgm:constr type="endPad"/>
+                          </dgm:constrLst>
+                          <dgm:ruleLst/>
+                        </dgm:layoutNode>
+                      </dgm:forEach>
+                      <dgm:forEach name="Name18" axis="self" ptType="node">
+                        <dgm:layoutNode name="hierRoot3">
+                          <dgm:alg type="hierRoot"/>
+                          <dgm:shape xmlns:r="http://schemas.openxmlformats.org/officeDocument/2006/relationships" r:blip="">
+                            <dgm:adjLst/>
+                          </dgm:shape>
+                          <dgm:presOf/>
+                          <dgm:constrLst>
+                            <dgm:constr type="bendDist" for="des" ptType="parTrans" refType="sp" fact="0.5"/>
+                          </dgm:constrLst>
+                          <dgm:ruleLst/>
+                          <dgm:layoutNode name="composite3">
+                            <dgm:alg type="composite"/>
+                            <dgm:shape xmlns:r="http://schemas.openxmlformats.org/officeDocument/2006/relationships" r:blip="">
+                              <dgm:adjLst/>
+                            </dgm:shape>
+                            <dgm:presOf/>
+                            <dgm:constrLst>
+                              <dgm:constr type="w" for="ch" forName="background3" refType="w" fact="0.9"/>
+                              <dgm:constr type="h" for="ch" forName="background3" refType="w" refFor="ch" refForName="background3" fact="0.635"/>
+                              <dgm:constr type="t" for="ch" forName="background3"/>
+                              <dgm:constr type="l" for="ch" forName="background3"/>
+                              <dgm:constr type="w" for="ch" forName="text3" refType="w" fact="0.9"/>
+                              <dgm:constr type="h" for="ch" forName="text3" refType="w" refFor="ch" refForName="text3" fact="0.635"/>
+                              <dgm:constr type="t" for="ch" forName="text3" refType="w" fact="0.095"/>
+                              <dgm:constr type="l" for="ch" forName="text3" refType="w" fact="0.1"/>
+                            </dgm:constrLst>
+                            <dgm:ruleLst/>
+                            <dgm:layoutNode name="background3" moveWith="text3">
+                              <dgm:alg type="sp"/>
+                              <dgm:shape xmlns:r="http://schemas.openxmlformats.org/officeDocument/2006/relationships" type="roundRect" r:blip="">
+                                <dgm:adjLst>
+                                  <dgm:adj idx="1" val="0.1"/>
+                                </dgm:adjLst>
+                              </dgm:shape>
+                              <dgm:presOf/>
+                              <dgm:constrLst/>
+                              <dgm:ruleLst/>
+                            </dgm:layoutNode>
+                            <dgm:layoutNode name="text3" styleLbl="fgAcc3">
+                              <dgm:varLst>
+                                <dgm:chPref val="3"/>
+                              </dgm:varLst>
+                              <dgm:alg type="tx"/>
+                              <dgm:shape xmlns:r="http://schemas.openxmlformats.org/officeDocument/2006/relationships" type="roundRect" r:blip="">
+                                <dgm:adjLst>
+                                  <dgm:adj idx="1" val="0.1"/>
+                                </dgm:adjLst>
+                              </dgm:shape>
+                              <dgm:presOf axis="self"/>
+                              <dgm:constrLst>
+                                <dgm:constr type="tMarg" refType="primFontSz" fact="0.3"/>
+                                <dgm:constr type="bMarg" refType="primFontSz" fact="0.3"/>
+                                <dgm:constr type="lMarg" refType="primFontSz" fact="0.3"/>
+                                <dgm:constr type="rMarg" refType="primFontSz" fact="0.3"/>
+                              </dgm:constrLst>
+                              <dgm:ruleLst>
+                                <dgm:rule type="primFontSz" val="5" fact="NaN" max="NaN"/>
+                              </dgm:ruleLst>
+                            </dgm:layoutNode>
+                          </dgm:layoutNode>
+                          <dgm:layoutNode name="hierChild4">
+                            <dgm:choose name="Name19">
+                              <dgm:if name="Name20" func="var" arg="dir" op="equ" val="norm">
+                                <dgm:alg type="hierChild">
+                                  <dgm:param type="linDir" val="fromL"/>
+                                </dgm:alg>
+                              </dgm:if>
+                              <dgm:else name="Name21">
+                                <dgm:alg type="hierChild">
+                                  <dgm:param type="linDir" val="fromR"/>
+                                </dgm:alg>
+                              </dgm:else>
+                            </dgm:choose>
+                            <dgm:shape xmlns:r="http://schemas.openxmlformats.org/officeDocument/2006/relationships" r:blip="">
+                              <dgm:adjLst/>
+                            </dgm:shape>
+                            <dgm:presOf/>
+                            <dgm:constrLst/>
+                            <dgm:ruleLst/>
+                            <dgm:forEach name="repeat" axis="ch">
+                              <dgm:forEach name="Name22" axis="self" ptType="parTrans" cnt="1">
+                                <dgm:layoutNode name="Name23">
+                                  <dgm:choose name="Name24">
+                                    <dgm:if name="Name25" axis="self" func="depth" op="lte" val="4">
+                                      <dgm:alg type="conn">
+                                        <dgm:param type="dim" val="1D"/>
+                                        <dgm:param type="endSty" val="noArr"/>
+                                        <dgm:param type="connRout" val="bend"/>
+                                        <dgm:param type="bendPt" val="end"/>
+                                        <dgm:param type="begPts" val="bCtr"/>
+                                        <dgm:param type="endPts" val="tCtr"/>
+                                        <dgm:param type="srcNode" val="background3"/>
+                                        <dgm:param type="dstNode" val="background4"/>
+                                      </dgm:alg>
+                                    </dgm:if>
+                                    <dgm:else name="Name26">
+                                      <dgm:alg type="conn">
+                                        <dgm:param type="dim" val="1D"/>
+                                        <dgm:param type="endSty" val="noArr"/>
+                                        <dgm:param type="connRout" val="bend"/>
+                                        <dgm:param type="bendPt" val="end"/>
+                                        <dgm:param type="begPts" val="bCtr"/>
+                                        <dgm:param type="endPts" val="tCtr"/>
+                                        <dgm:param type="srcNode" val="background4"/>
+                                        <dgm:param type="dstNode" val="background4"/>
+                                      </dgm:alg>
+                                    </dgm:else>
+                                  </dgm:choose>
+                                  <dgm:shape xmlns:r="http://schemas.openxmlformats.org/officeDocument/2006/relationships" type="conn" r:blip="" zOrderOff="-999">
+                                    <dgm:adjLst/>
+                                  </dgm:shape>
+                                  <dgm:presOf axis="self"/>
+                                  <dgm:constrLst>
+                                    <dgm:constr type="begPad"/>
+                                    <dgm:constr type="endPad"/>
+                                  </dgm:constrLst>
+                                  <dgm:ruleLst/>
+                                </dgm:layoutNode>
+                              </dgm:forEach>
+                              <dgm:forEach name="Name27" axis="self" ptType="node">
+                                <dgm:layoutNode name="hierRoot4">
+                                  <dgm:alg type="hierRoot"/>
+                                  <dgm:shape xmlns:r="http://schemas.openxmlformats.org/officeDocument/2006/relationships" r:blip="">
+                                    <dgm:adjLst/>
+                                  </dgm:shape>
+                                  <dgm:presOf/>
+                                  <dgm:constrLst>
+                                    <dgm:constr type="bendDist" for="des" ptType="parTrans" refType="sp" fact="0.5"/>
+                                  </dgm:constrLst>
+                                  <dgm:ruleLst/>
+                                  <dgm:layoutNode name="composite4">
+                                    <dgm:alg type="composite"/>
+                                    <dgm:shape xmlns:r="http://schemas.openxmlformats.org/officeDocument/2006/relationships" r:blip="">
+                                      <dgm:adjLst/>
+                                    </dgm:shape>
+                                    <dgm:presOf/>
+                                    <dgm:constrLst>
+                                      <dgm:constr type="w" for="ch" forName="background4" refType="w" fact="0.9"/>
+                                      <dgm:constr type="h" for="ch" forName="background4" refType="w" refFor="ch" refForName="background4" fact="0.635"/>
+                                      <dgm:constr type="t" for="ch" forName="background4"/>
+                                      <dgm:constr type="l" for="ch" forName="background4"/>
+                                      <dgm:constr type="w" for="ch" forName="text4" refType="w" fact="0.9"/>
+                                      <dgm:constr type="h" for="ch" forName="text4" refType="w" refFor="ch" refForName="text4" fact="0.635"/>
+                                      <dgm:constr type="t" for="ch" forName="text4" refType="w" fact="0.095"/>
+                                      <dgm:constr type="l" for="ch" forName="text4" refType="w" fact="0.1"/>
+                                    </dgm:constrLst>
+                                    <dgm:ruleLst/>
+                                    <dgm:layoutNode name="background4" moveWith="text4">
+                                      <dgm:alg type="sp"/>
+                                      <dgm:shape xmlns:r="http://schemas.openxmlformats.org/officeDocument/2006/relationships" type="roundRect" r:blip="">
+                                        <dgm:adjLst>
+                                          <dgm:adj idx="1" val="0.1"/>
+                                        </dgm:adjLst>
+                                      </dgm:shape>
+                                      <dgm:presOf/>
+                                      <dgm:constrLst/>
+                                      <dgm:ruleLst/>
+                                    </dgm:layoutNode>
+                                    <dgm:layoutNode name="text4" styleLbl="fgAcc4">
+                                      <dgm:varLst>
+                                        <dgm:chPref val="3"/>
+                                      </dgm:varLst>
+                                      <dgm:alg type="tx"/>
+                                      <dgm:shape xmlns:r="http://schemas.openxmlformats.org/officeDocument/2006/relationships" type="roundRect" r:blip="">
+                                        <dgm:adjLst>
+                                          <dgm:adj idx="1" val="0.1"/>
+                                        </dgm:adjLst>
+                                      </dgm:shape>
+                                      <dgm:presOf axis="self"/>
+                                      <dgm:constrLst>
+                                        <dgm:constr type="tMarg" refType="primFontSz" fact="0.3"/>
+                                        <dgm:constr type="bMarg" refType="primFontSz" fact="0.3"/>
+                                        <dgm:constr type="lMarg" refType="primFontSz" fact="0.3"/>
+                                        <dgm:constr type="rMarg" refType="primFontSz" fact="0.3"/>
+                                      </dgm:constrLst>
+                                      <dgm:ruleLst>
+                                        <dgm:rule type="primFontSz" val="5" fact="NaN" max="NaN"/>
+                                      </dgm:ruleLst>
+                                    </dgm:layoutNode>
+                                  </dgm:layoutNode>
+                                  <dgm:layoutNode name="hierChild5">
+                                    <dgm:choose name="Name28">
+                                      <dgm:if name="Name29" func="var" arg="dir" op="equ" val="norm">
+                                        <dgm:alg type="hierChild">
+                                          <dgm:param type="linDir" val="fromL"/>
+                                        </dgm:alg>
+                                      </dgm:if>
+                                      <dgm:else name="Name30">
+                                        <dgm:alg type="hierChild">
+                                          <dgm:param type="linDir" val="fromR"/>
+                                        </dgm:alg>
+                                      </dgm:else>
+                                    </dgm:choose>
+                                    <dgm:shape xmlns:r="http://schemas.openxmlformats.org/officeDocument/2006/relationships" r:blip="">
+                                      <dgm:adjLst/>
+                                    </dgm:shape>
+                                    <dgm:presOf/>
+                                    <dgm:constrLst/>
+                                    <dgm:ruleLst/>
+                                    <dgm:forEach name="Name31" ref="repeat"/>
+                                  </dgm:layoutNode>
+                                </dgm:layoutNode>
+                              </dgm:forEach>
+                            </dgm:forEach>
+                          </dgm:layoutNode>
+                        </dgm:layoutNode>
+                      </dgm:forEach>
+                    </dgm:forEach>
+                  </dgm:layoutNode>
+                </dgm:layoutNode>
+              </dgm:forEach>
+            </dgm:forEach>
+          </dgm:layoutNode>
+        </dgm:layoutNode>
+      </dgm:forEach>
+    </dgm:forEach>
+  </dgm:layoutNode>
+</dgm:layoutDef>
+</file>
+
+<file path=ppt/diagrams/quickStyle1.xml><?xml version="1.0" encoding="utf-8"?>
+<dgm:styleDef xmlns:dgm="http://schemas.openxmlformats.org/drawingml/2006/diagram" xmlns:a="http://schemas.openxmlformats.org/drawingml/2006/main" uniqueId="urn:microsoft.com/office/officeart/2005/8/quickstyle/simple1">
+  <dgm:title val=""/>
+  <dgm:desc val=""/>
+  <dgm:catLst>
+    <dgm:cat type="simple" pri="10100"/>
+  </dgm:catLst>
+  <dgm:scene3d>
+    <a:camera prst="orthographicFront"/>
+    <a:lightRig rig="threePt" dir="t"/>
+  </dgm:scene3d>
+  <dgm:styleLbl name="node0">
+    <dgm:scene3d>
+      <a:camera prst="orthographicFront"/>
+      <a:lightRig rig="threePt" dir="t"/>
+    </dgm:scene3d>
+    <dgm:sp3d/>
+    <dgm:txPr/>
+    <dgm:style>
+      <a:lnRef idx="2">
+        <a:scrgbClr r="0" g="0" b="0"/>
+      </a:lnRef>
+      <a:fillRef idx="1">
+        <a:scrgbClr r="0" g="0" b="0"/>
+      </a:fillRef>
+      <a:effectRef idx="0">
+        <a:scrgbClr r="0" g="0" b="0"/>
+      </a:effectRef>
+      <a:fontRef idx="minor">
+        <a:schemeClr val="lt1"/>
+      </a:fontRef>
+    </dgm:style>
+  </dgm:styleLbl>
+  <dgm:styleLbl name="lnNode1">
+    <dgm:scene3d>
+      <a:camera prst="orthographicFront"/>
+      <a:lightRig rig="threePt" dir="t"/>
+    </dgm:scene3d>
+    <dgm:sp3d/>
+    <dgm:txPr/>
+    <dgm:style>
+      <a:lnRef idx="2">
+        <a:scrgbClr r="0" g="0" b="0"/>
+      </a:lnRef>
+      <a:fillRef idx="1">
+        <a:scrgbClr r="0" g="0" b="0"/>
+      </a:fillRef>
+      <a:effectRef idx="0">
+        <a:scrgbClr r="0" g="0" b="0"/>
+      </a:effectRef>
+      <a:fontRef idx="minor">
+        <a:schemeClr val="lt1"/>
+      </a:fontRef>
+    </dgm:style>
+  </dgm:styleLbl>
+  <dgm:styleLbl name="vennNode1">
+    <dgm:scene3d>
+      <a:camera prst="orthographicFront"/>
+      <a:lightRig rig="threePt" dir="t"/>
+    </dgm:scene3d>
+    <dgm:sp3d/>
+    <dgm:txPr/>
+    <dgm:style>
+      <a:lnRef idx="2">
+        <a:scrgbClr r="0" g="0" b="0"/>
+      </a:lnRef>
+      <a:fillRef idx="1">
+        <a:scrgbClr r="0" g="0" b="0"/>
+      </a:fillRef>
+      <a:effectRef idx="0">
+        <a:scrgbClr r="0" g="0" b="0"/>
+      </a:effectRef>
+      <a:fontRef idx="minor">
+        <a:schemeClr val="tx1"/>
+      </a:fontRef>
+    </dgm:style>
+  </dgm:styleLbl>
+  <dgm:styleLbl name="alignNode1">
+    <dgm:scene3d>
+      <a:camera prst="orthographicFront"/>
+      <a:lightRig rig="threePt" dir="t"/>
+    </dgm:scene3d>
+    <dgm:sp3d/>
+    <dgm:txPr/>
+    <dgm:style>
+      <a:lnRef idx="2">
+        <a:scrgbClr r="0" g="0" b="0"/>
+      </a:lnRef>
+      <a:fillRef idx="1">
+        <a:scrgbClr r="0" g="0" b="0"/>
+      </a:fillRef>
+      <a:effectRef idx="0">
+        <a:scrgbClr r="0" g="0" b="0"/>
+      </a:effectRef>
+      <a:fontRef idx="minor">
+        <a:schemeClr val="lt1"/>
+      </a:fontRef>
+    </dgm:style>
+  </dgm:styleLbl>
+  <dgm:styleLbl name="node1">
+    <dgm:scene3d>
+      <a:camera prst="orthographicFront"/>
+      <a:lightRig rig="threePt" dir="t"/>
+    </dgm:scene3d>
+    <dgm:sp3d/>
+    <dgm:txPr/>
+    <dgm:style>
+      <a:lnRef idx="2">
+        <a:scrgbClr r="0" g="0" b="0"/>
+      </a:lnRef>
+      <a:fillRef idx="1">
+        <a:scrgbClr r="0" g="0" b="0"/>
+      </a:fillRef>
+      <a:effectRef idx="0">
+        <a:scrgbClr r="0" g="0" b="0"/>
+      </a:effectRef>
+      <a:fontRef idx="minor">
+        <a:schemeClr val="lt1"/>
+      </a:fontRef>
+    </dgm:style>
+  </dgm:styleLbl>
+  <dgm:styleLbl name="node2">
+    <dgm:scene3d>
+      <a:camera prst="orthographicFront"/>
+      <a:lightRig rig="threePt" dir="t"/>
+    </dgm:scene3d>
+    <dgm:sp3d/>
+    <dgm:txPr/>
+    <dgm:style>
+      <a:lnRef idx="2">
+        <a:scrgbClr r="0" g="0" b="0"/>
+      </a:lnRef>
+      <a:fillRef idx="1">
+        <a:scrgbClr r="0" g="0" b="0"/>
+      </a:fillRef>
+      <a:effectRef idx="0">
+        <a:scrgbClr r="0" g="0" b="0"/>
+      </a:effectRef>
+      <a:fontRef idx="minor">
+        <a:schemeClr val="lt1"/>
+      </a:fontRef>
+    </dgm:style>
+  </dgm:styleLbl>
+  <dgm:styleLbl name="node3">
+    <dgm:scene3d>
+      <a:camera prst="orthographicFront"/>
+      <a:lightRig rig="threePt" dir="t"/>
+    </dgm:scene3d>
+    <dgm:sp3d/>
+    <dgm:txPr/>
+    <dgm:style>
+      <a:lnRef idx="2">
+        <a:scrgbClr r="0" g="0" b="0"/>
+      </a:lnRef>
+      <a:fillRef idx="1">
+        <a:scrgbClr r="0" g="0" b="0"/>
+      </a:fillRef>
+      <a:effectRef idx="0">
+        <a:scrgbClr r="0" g="0" b="0"/>
+      </a:effectRef>
+      <a:fontRef idx="minor">
+        <a:schemeClr val="lt1"/>
+      </a:fontRef>
+    </dgm:style>
+  </dgm:styleLbl>
+  <dgm:styleLbl name="node4">
+    <dgm:scene3d>
+      <a:camera prst="orthographicFront"/>
+      <a:lightRig rig="threePt" dir="t"/>
+    </dgm:scene3d>
+    <dgm:sp3d/>
+    <dgm:txPr/>
+    <dgm:style>
+      <a:lnRef idx="2">
+        <a:scrgbClr r="0" g="0" b="0"/>
+      </a:lnRef>
+      <a:fillRef idx="1">
+        <a:scrgbClr r="0" g="0" b="0"/>
+      </a:fillRef>
+      <a:effectRef idx="0">
+        <a:scrgbClr r="0" g="0" b="0"/>
+      </a:effectRef>
+      <a:fontRef idx="minor">
+        <a:schemeClr val="lt1"/>
+      </a:fontRef>
+    </dgm:style>
+  </dgm:styleLbl>
+  <dgm:styleLbl name="fgImgPlace1">
+    <dgm:scene3d>
+      <a:camera prst="orthographicFront"/>
+      <a:lightRig rig="threePt" dir="t"/>
+    </dgm:scene3d>
+    <dgm:sp3d/>
+    <dgm:txPr/>
+    <dgm:style>
+      <a:lnRef idx="2">
+        <a:scrgbClr r="0" g="0" b="0"/>
+      </a:lnRef>
+      <a:fillRef idx="1">
+        <a:scrgbClr r="0" g="0" b="0"/>
+      </a:fillRef>
+      <a:effectRef idx="0">
+        <a:scrgbClr r="0" g="0" b="0"/>
+      </a:effectRef>
+      <a:fontRef idx="minor"/>
+    </dgm:style>
+  </dgm:styleLbl>
+  <dgm:styleLbl name="alignImgPlace1">
+    <dgm:scene3d>
+      <a:camera prst="orthographicFront"/>
+      <a:lightRig rig="threePt" dir="t"/>
+    </dgm:scene3d>
+    <dgm:sp3d/>
+    <dgm:txPr/>
+    <dgm:style>
+      <a:lnRef idx="2">
+        <a:scrgbClr r="0" g="0" b="0"/>
+      </a:lnRef>
+      <a:fillRef idx="1">
+        <a:scrgbClr r="0" g="0" b="0"/>
+      </a:fillRef>
+      <a:effectRef idx="0">
+        <a:scrgbClr r="0" g="0" b="0"/>
+      </a:effectRef>
+      <a:fontRef idx="minor"/>
+    </dgm:style>
+  </dgm:styleLbl>
+  <dgm:styleLbl name="bgImgPlace1">
+    <dgm:scene3d>
+      <a:camera prst="orthographicFront"/>
+      <a:lightRig rig="threePt" dir="t"/>
+    </dgm:scene3d>
+    <dgm:sp3d/>
+    <dgm:txPr/>
+    <dgm:style>
+      <a:lnRef idx="2">
+        <a:scrgbClr r="0" g="0" b="0"/>
+      </a:lnRef>
+      <a:fillRef idx="1">
+        <a:scrgbClr r="0" g="0" b="0"/>
+      </a:fillRef>
+      <a:effectRef idx="0">
+        <a:scrgbClr r="0" g="0" b="0"/>
+      </a:effectRef>
+      <a:fontRef idx="minor"/>
+    </dgm:style>
+  </dgm:styleLbl>
+  <dgm:styleLbl name="sibTrans2D1">
+    <dgm:scene3d>
+      <a:camera prst="orthographicFront"/>
+      <a:lightRig rig="threePt" dir="t"/>
+    </dgm:scene3d>
+    <dgm:sp3d/>
+    <dgm:txPr/>
+    <dgm:style>
+      <a:lnRef idx="0">
+        <a:scrgbClr r="0" g="0" b="0"/>
+      </a:lnRef>
+      <a:fillRef idx="1">
+        <a:scrgbClr r="0" g="0" b="0"/>
+      </a:fillRef>
+      <a:effectRef idx="0">
+        <a:scrgbClr r="0" g="0" b="0"/>
+      </a:effectRef>
+      <a:fontRef idx="minor">
+        <a:schemeClr val="lt1"/>
+      </a:fontRef>
+    </dgm:style>
+  </dgm:styleLbl>
+  <dgm:styleLbl name="fgSibTrans2D1">
+    <dgm:scene3d>
+      <a:camera prst="orthographicFront"/>
+      <a:lightRig rig="threePt" dir="t"/>
+    </dgm:scene3d>
+    <dgm:sp3d/>
+    <dgm:txPr/>
+    <dgm:style>
+      <a:lnRef idx="0">
+        <a:scrgbClr r="0" g="0" b="0"/>
+      </a:lnRef>
+      <a:fillRef idx="1">
+        <a:scrgbClr r="0" g="0" b="0"/>
+      </a:fillRef>
+      <a:effectRef idx="0">
+        <a:scrgbClr r="0" g="0" b="0"/>
+      </a:effectRef>
+      <a:fontRef idx="minor">
+        <a:schemeClr val="lt1"/>
+      </a:fontRef>
+    </dgm:style>
+  </dgm:styleLbl>
+  <dgm:styleLbl name="bgSibTrans2D1">
+    <dgm:scene3d>
+      <a:camera prst="orthographicFront"/>
+      <a:lightRig rig="threePt" dir="t"/>
+    </dgm:scene3d>
+    <dgm:sp3d/>
+    <dgm:txPr/>
+    <dgm:style>
+      <a:lnRef idx="0">
+        <a:scrgbClr r="0" g="0" b="0"/>
+      </a:lnRef>
+      <a:fillRef idx="1">
+        <a:scrgbClr r="0" g="0" b="0"/>
+      </a:fillRef>
+      <a:effectRef idx="0">
+        <a:scrgbClr r="0" g="0" b="0"/>
+      </a:effectRef>
+      <a:fontRef idx="minor">
+        <a:schemeClr val="lt1"/>
+      </a:fontRef>
+    </dgm:style>
+  </dgm:styleLbl>
+  <dgm:styleLbl name="sibTrans1D1">
+    <dgm:scene3d>
+      <a:camera prst="orthographicFront"/>
+      <a:lightRig rig="threePt" dir="t"/>
+    </dgm:scene3d>
+    <dgm:sp3d/>
+    <dgm:txPr/>
+    <dgm:style>
+      <a:lnRef idx="1">
+        <a:scrgbClr r="0" g="0" b="0"/>
+      </a:lnRef>
+      <a:fillRef idx="0">
+        <a:scrgbClr r="0" g="0" b="0"/>
+      </a:fillRef>
+      <a:effectRef idx="0">
+        <a:scrgbClr r="0" g="0" b="0"/>
+      </a:effectRef>
+      <a:fontRef idx="minor"/>
+    </dgm:style>
+  </dgm:styleLbl>
+  <dgm:styleLbl name="callout">
+    <dgm:scene3d>
+      <a:camera prst="orthographicFront"/>
+      <a:lightRig rig="threePt" dir="t"/>
+    </dgm:scene3d>
+    <dgm:sp3d/>
+    <dgm:txPr/>
+    <dgm:style>
+      <a:lnRef idx="2">
+        <a:scrgbClr r="0" g="0" b="0"/>
+      </a:lnRef>
+      <a:fillRef idx="1">
+        <a:scrgbClr r="0" g="0" b="0"/>
+      </a:fillRef>
+      <a:effectRef idx="0">
+        <a:scrgbClr r="0" g="0" b="0"/>
+      </a:effectRef>
+      <a:fontRef idx="minor"/>
+    </dgm:style>
+  </dgm:styleLbl>
+  <dgm:styleLbl name="asst0">
+    <dgm:scene3d>
+      <a:camera prst="orthographicFront"/>
+      <a:lightRig rig="threePt" dir="t"/>
+    </dgm:scene3d>
+    <dgm:sp3d/>
+    <dgm:txPr/>
+    <dgm:style>
+      <a:lnRef idx="2">
+        <a:scrgbClr r="0" g="0" b="0"/>
+      </a:lnRef>
+      <a:fillRef idx="1">
+        <a:scrgbClr r="0" g="0" b="0"/>
+      </a:fillRef>
+      <a:effectRef idx="0">
+        <a:scrgbClr r="0" g="0" b="0"/>
+      </a:effectRef>
+      <a:fontRef idx="minor">
+        <a:schemeClr val="lt1"/>
+      </a:fontRef>
+    </dgm:style>
+  </dgm:styleLbl>
+  <dgm:styleLbl name="asst1">
+    <dgm:scene3d>
+      <a:camera prst="orthographicFront"/>
+      <a:lightRig rig="threePt" dir="t"/>
+    </dgm:scene3d>
+    <dgm:sp3d/>
+    <dgm:txPr/>
+    <dgm:style>
+      <a:lnRef idx="2">
+        <a:scrgbClr r="0" g="0" b="0"/>
+      </a:lnRef>
+      <a:fillRef idx="1">
+        <a:scrgbClr r="0" g="0" b="0"/>
+      </a:fillRef>
+      <a:effectRef idx="0">
+        <a:scrgbClr r="0" g="0" b="0"/>
+      </a:effectRef>
+      <a:fontRef idx="minor">
+        <a:schemeClr val="lt1"/>
+      </a:fontRef>
+    </dgm:style>
+  </dgm:styleLbl>
+  <dgm:styleLbl name="asst2">
+    <dgm:scene3d>
+      <a:camera prst="orthographicFront"/>
+      <a:lightRig rig="threePt" dir="t"/>
+    </dgm:scene3d>
+    <dgm:sp3d/>
+    <dgm:txPr/>
+    <dgm:style>
+      <a:lnRef idx="2">
+        <a:scrgbClr r="0" g="0" b="0"/>
+      </a:lnRef>
+      <a:fillRef idx="1">
+        <a:scrgbClr r="0" g="0" b="0"/>
+      </a:fillRef>
+      <a:effectRef idx="0">
+        <a:scrgbClr r="0" g="0" b="0"/>
+      </a:effectRef>
+      <a:fontRef idx="minor">
+        <a:schemeClr val="lt1"/>
+      </a:fontRef>
+    </dgm:style>
+  </dgm:styleLbl>
+  <dgm:styleLbl name="asst3">
+    <dgm:scene3d>
+      <a:camera prst="orthographicFront"/>
+      <a:lightRig rig="threePt" dir="t"/>
+    </dgm:scene3d>
+    <dgm:sp3d/>
+    <dgm:txPr/>
+    <dgm:style>
+      <a:lnRef idx="2">
+        <a:scrgbClr r="0" g="0" b="0"/>
+      </a:lnRef>
+      <a:fillRef idx="1">
+        <a:scrgbClr r="0" g="0" b="0"/>
+      </a:fillRef>
+      <a:effectRef idx="0">
+        <a:scrgbClr r="0" g="0" b="0"/>
+      </a:effectRef>
+      <a:fontRef idx="minor">
+        <a:schemeClr val="lt1"/>
+      </a:fontRef>
+    </dgm:style>
+  </dgm:styleLbl>
+  <dgm:styleLbl name="asst4">
+    <dgm:scene3d>
+      <a:camera prst="orthographicFront"/>
+      <a:lightRig rig="threePt" dir="t"/>
+    </dgm:scene3d>
+    <dgm:sp3d/>
+    <dgm:txPr/>
+    <dgm:style>
+      <a:lnRef idx="2">
+        <a:scrgbClr r="0" g="0" b="0"/>
+      </a:lnRef>
+      <a:fillRef idx="1">
+        <a:scrgbClr r="0" g="0" b="0"/>
+      </a:fillRef>
+      <a:effectRef idx="0">
+        <a:scrgbClr r="0" g="0" b="0"/>
+      </a:effectRef>
+      <a:fontRef idx="minor">
+        <a:schemeClr val="lt1"/>
+      </a:fontRef>
+    </dgm:style>
+  </dgm:styleLbl>
+  <dgm:styleLbl name="parChTrans2D1">
+    <dgm:scene3d>
+      <a:camera prst="orthographicFront"/>
+      <a:lightRig rig="threePt" dir="t"/>
+    </dgm:scene3d>
+    <dgm:sp3d/>
+    <dgm:txPr/>
+    <dgm:style>
+      <a:lnRef idx="2">
+        <a:scrgbClr r="0" g="0" b="0"/>
+      </a:lnRef>
+      <a:fillRef idx="1">
+        <a:scrgbClr r="0" g="0" b="0"/>
+      </a:fillRef>
+      <a:effectRef idx="0">
+        <a:scrgbClr r="0" g="0" b="0"/>
+      </a:effectRef>
+      <a:fontRef idx="minor">
+        <a:schemeClr val="lt1"/>
+      </a:fontRef>
+    </dgm:style>
+  </dgm:styleLbl>
+  <dgm:styleLbl name="parChTrans2D2">
+    <dgm:scene3d>
+      <a:camera prst="orthographicFront"/>
+      <a:lightRig rig="threePt" dir="t"/>
+    </dgm:scene3d>
+    <dgm:sp3d/>
+    <dgm:txPr/>
+    <dgm:style>
+      <a:lnRef idx="2">
+        <a:scrgbClr r="0" g="0" b="0"/>
+      </a:lnRef>
+      <a:fillRef idx="1">
+        <a:scrgbClr r="0" g="0" b="0"/>
+      </a:fillRef>
+      <a:effectRef idx="0">
+        <a:scrgbClr r="0" g="0" b="0"/>
+      </a:effectRef>
+      <a:fontRef idx="minor">
+        <a:schemeClr val="lt1"/>
+      </a:fontRef>
+    </dgm:style>
+  </dgm:styleLbl>
+  <dgm:styleLbl name="parChTrans2D3">
+    <dgm:scene3d>
+      <a:camera prst="orthographicFront"/>
+      <a:lightRig rig="threePt" dir="t"/>
+    </dgm:scene3d>
+    <dgm:sp3d/>
+    <dgm:txPr/>
+    <dgm:style>
+      <a:lnRef idx="2">
+        <a:scrgbClr r="0" g="0" b="0"/>
+      </a:lnRef>
+      <a:fillRef idx="1">
+        <a:scrgbClr r="0" g="0" b="0"/>
+      </a:fillRef>
+      <a:effectRef idx="0">
+        <a:scrgbClr r="0" g="0" b="0"/>
+      </a:effectRef>
+      <a:fontRef idx="minor">
+        <a:schemeClr val="lt1"/>
+      </a:fontRef>
+    </dgm:style>
+  </dgm:styleLbl>
+  <dgm:styleLbl name="parChTrans2D4">
+    <dgm:scene3d>
+      <a:camera prst="orthographicFront"/>
+      <a:lightRig rig="threePt" dir="t"/>
+    </dgm:scene3d>
+    <dgm:sp3d/>
+    <dgm:txPr/>
+    <dgm:style>
+      <a:lnRef idx="2">
+        <a:scrgbClr r="0" g="0" b="0"/>
+      </a:lnRef>
+      <a:fillRef idx="1">
+        <a:scrgbClr r="0" g="0" b="0"/>
+      </a:fillRef>
+      <a:effectRef idx="0">
+        <a:scrgbClr r="0" g="0" b="0"/>
+      </a:effectRef>
+      <a:fontRef idx="minor">
+        <a:schemeClr val="lt1"/>
+      </a:fontRef>
+    </dgm:style>
+  </dgm:styleLbl>
+  <dgm:styleLbl name="parChTrans1D1">
+    <dgm:scene3d>
+      <a:camera prst="orthographicFront"/>
+      <a:lightRig rig="threePt" dir="t"/>
+    </dgm:scene3d>
+    <dgm:sp3d/>
+    <dgm:txPr/>
+    <dgm:style>
+      <a:lnRef idx="2">
+        <a:scrgbClr r="0" g="0" b="0"/>
+      </a:lnRef>
+      <a:fillRef idx="0">
+        <a:scrgbClr r="0" g="0" b="0"/>
+      </a:fillRef>
+      <a:effectRef idx="0">
+        <a:scrgbClr r="0" g="0" b="0"/>
+      </a:effectRef>
+      <a:fontRef idx="minor"/>
+    </dgm:style>
+  </dgm:styleLbl>
+  <dgm:styleLbl name="parChTrans1D2">
+    <dgm:scene3d>
+      <a:camera prst="orthographicFront"/>
+      <a:lightRig rig="threePt" dir="t"/>
+    </dgm:scene3d>
+    <dgm:sp3d/>
+    <dgm:txPr/>
+    <dgm:style>
+      <a:lnRef idx="2">
+        <a:scrgbClr r="0" g="0" b="0"/>
+      </a:lnRef>
+      <a:fillRef idx="0">
+        <a:scrgbClr r="0" g="0" b="0"/>
+      </a:fillRef>
+      <a:effectRef idx="0">
+        <a:scrgbClr r="0" g="0" b="0"/>
+      </a:effectRef>
+      <a:fontRef idx="minor"/>
+    </dgm:style>
+  </dgm:styleLbl>
+  <dgm:styleLbl name="parChTrans1D3">
+    <dgm:scene3d>
+      <a:camera prst="orthographicFront"/>
+      <a:lightRig rig="threePt" dir="t"/>
+    </dgm:scene3d>
+    <dgm:sp3d/>
+    <dgm:txPr/>
+    <dgm:style>
+      <a:lnRef idx="2">
+        <a:scrgbClr r="0" g="0" b="0"/>
+      </a:lnRef>
+      <a:fillRef idx="0">
+        <a:scrgbClr r="0" g="0" b="0"/>
+      </a:fillRef>
+      <a:effectRef idx="0">
+        <a:scrgbClr r="0" g="0" b="0"/>
+      </a:effectRef>
+      <a:fontRef idx="minor"/>
+    </dgm:style>
+  </dgm:styleLbl>
+  <dgm:styleLbl name="parChTrans1D4">
+    <dgm:scene3d>
+      <a:camera prst="orthographicFront"/>
+      <a:lightRig rig="threePt" dir="t"/>
+    </dgm:scene3d>
+    <dgm:sp3d/>
+    <dgm:txPr/>
+    <dgm:style>
+      <a:lnRef idx="2">
+        <a:scrgbClr r="0" g="0" b="0"/>
+      </a:lnRef>
+      <a:fillRef idx="0">
+        <a:scrgbClr r="0" g="0" b="0"/>
+      </a:fillRef>
+      <a:effectRef idx="0">
+        <a:scrgbClr r="0" g="0" b="0"/>
+      </a:effectRef>
+      <a:fontRef idx="minor"/>
+    </dgm:style>
+  </dgm:styleLbl>
+  <dgm:styleLbl name="fgAcc1">
+    <dgm:scene3d>
+      <a:camera prst="orthographicFront"/>
+      <a:lightRig rig="threePt" dir="t"/>
+    </dgm:scene3d>
+    <dgm:sp3d/>
+    <dgm:txPr/>
+    <dgm:style>
+      <a:lnRef idx="2">
+        <a:scrgbClr r="0" g="0" b="0"/>
+      </a:lnRef>
+      <a:fillRef idx="1">
+        <a:scrgbClr r="0" g="0" b="0"/>
+      </a:fillRef>
+      <a:effectRef idx="0">
+        <a:scrgbClr r="0" g="0" b="0"/>
+      </a:effectRef>
+      <a:fontRef idx="minor"/>
+    </dgm:style>
+  </dgm:styleLbl>
+  <dgm:styleLbl name="conFgAcc1">
+    <dgm:scene3d>
+      <a:camera prst="orthographicFront"/>
+      <a:lightRig rig="threePt" dir="t"/>
+    </dgm:scene3d>
+    <dgm:sp3d/>
+    <dgm:txPr/>
+    <dgm:style>
+      <a:lnRef idx="2">
+        <a:scrgbClr r="0" g="0" b="0"/>
+      </a:lnRef>
+      <a:fillRef idx="1">
+        <a:scrgbClr r="0" g="0" b="0"/>
+      </a:fillRef>
+      <a:effectRef idx="0">
+        <a:scrgbClr r="0" g="0" b="0"/>
+      </a:effectRef>
+      <a:fontRef idx="minor"/>
+    </dgm:style>
+  </dgm:styleLbl>
+  <dgm:styleLbl name="alignAcc1">
+    <dgm:scene3d>
+      <a:camera prst="orthographicFront"/>
+      <a:lightRig rig="threePt" dir="t"/>
+    </dgm:scene3d>
+    <dgm:sp3d/>
+    <dgm:txPr/>
+    <dgm:style>
+      <a:lnRef idx="2">
+        <a:scrgbClr r="0" g="0" b="0"/>
+      </a:lnRef>
+      <a:fillRef idx="1">
+        <a:scrgbClr r="0" g="0" b="0"/>
+      </a:fillRef>
+      <a:effectRef idx="0">
+        <a:scrgbClr r="0" g="0" b="0"/>
+      </a:effectRef>
+      <a:fontRef idx="minor"/>
+    </dgm:style>
+  </dgm:styleLbl>
+  <dgm:styleLbl name="trAlignAcc1">
+    <dgm:scene3d>
+      <a:camera prst="orthographicFront"/>
+      <a:lightRig rig="threePt" dir="t"/>
+    </dgm:scene3d>
+    <dgm:sp3d/>
+    <dgm:txPr/>
+    <dgm:style>
+      <a:lnRef idx="1">
+        <a:scrgbClr r="0" g="0" b="0"/>
+      </a:lnRef>
+      <a:fillRef idx="1">
+        <a:scrgbClr r="0" g="0" b="0"/>
+      </a:fillRef>
+      <a:effectRef idx="0">
+        <a:scrgbClr r="0" g="0" b="0"/>
+      </a:effectRef>
+      <a:fontRef idx="minor"/>
+    </dgm:style>
+  </dgm:styleLbl>
+  <dgm:styleLbl name="bgAcc1">
+    <dgm:scene3d>
+      <a:camera prst="orthographicFront"/>
+      <a:lightRig rig="threePt" dir="t"/>
+    </dgm:scene3d>
+    <dgm:sp3d/>
+    <dgm:txPr/>
+    <dgm:style>
+      <a:lnRef idx="2">
+        <a:scrgbClr r="0" g="0" b="0"/>
+      </a:lnRef>
+      <a:fillRef idx="1">
+        <a:scrgbClr r="0" g="0" b="0"/>
+      </a:fillRef>
+      <a:effectRef idx="0">
+        <a:scrgbClr r="0" g="0" b="0"/>
+      </a:effectRef>
+      <a:fontRef idx="minor"/>
+    </dgm:style>
+  </dgm:styleLbl>
+  <dgm:styleLbl name="solidFgAcc1">
+    <dgm:scene3d>
+      <a:camera prst="orthographicFront"/>
+      <a:lightRig rig="threePt" dir="t"/>
+    </dgm:scene3d>
+    <dgm:sp3d/>
+    <dgm:txPr/>
+    <dgm:style>
+      <a:lnRef idx="2">
+        <a:scrgbClr r="0" g="0" b="0"/>
+      </a:lnRef>
+      <a:fillRef idx="1">
+        <a:scrgbClr r="0" g="0" b="0"/>
+      </a:fillRef>
+      <a:effectRef idx="0">
+        <a:scrgbClr r="0" g="0" b="0"/>
+      </a:effectRef>
+      <a:fontRef idx="minor"/>
+    </dgm:style>
+  </dgm:styleLbl>
+  <dgm:styleLbl name="solidAlignAcc1">
+    <dgm:scene3d>
+      <a:camera prst="orthographicFront"/>
+      <a:lightRig rig="threePt" dir="t"/>
+    </dgm:scene3d>
+    <dgm:sp3d/>
+    <dgm:txPr/>
+    <dgm:style>
+      <a:lnRef idx="2">
+        <a:scrgbClr r="0" g="0" b="0"/>
+      </a:lnRef>
+      <a:fillRef idx="1">
+        <a:scrgbClr r="0" g="0" b="0"/>
+      </a:fillRef>
+      <a:effectRef idx="0">
+        <a:scrgbClr r="0" g="0" b="0"/>
+      </a:effectRef>
+      <a:fontRef idx="minor"/>
+    </dgm:style>
+  </dgm:styleLbl>
+  <dgm:styleLbl name="solidBgAcc1">
+    <dgm:scene3d>
+      <a:camera prst="orthographicFront"/>
+      <a:lightRig rig="threePt" dir="t"/>
+    </dgm:scene3d>
+    <dgm:sp3d/>
+    <dgm:txPr/>
+    <dgm:style>
+      <a:lnRef idx="2">
+        <a:scrgbClr r="0" g="0" b="0"/>
+      </a:lnRef>
+      <a:fillRef idx="1">
+        <a:scrgbClr r="0" g="0" b="0"/>
+      </a:fillRef>
+      <a:effectRef idx="0">
+        <a:scrgbClr r="0" g="0" b="0"/>
+      </a:effectRef>
+      <a:fontRef idx="minor"/>
+    </dgm:style>
+  </dgm:styleLbl>
+  <dgm:styleLbl name="fgAccFollowNode1">
+    <dgm:scene3d>
+      <a:camera prst="orthographicFront"/>
+      <a:lightRig rig="threePt" dir="t"/>
+    </dgm:scene3d>
+    <dgm:sp3d/>
+    <dgm:txPr/>
+    <dgm:style>
+      <a:lnRef idx="2">
+        <a:scrgbClr r="0" g="0" b="0"/>
+      </a:lnRef>
+      <a:fillRef idx="1">
+        <a:scrgbClr r="0" g="0" b="0"/>
+      </a:fillRef>
+      <a:effectRef idx="0">
+        <a:scrgbClr r="0" g="0" b="0"/>
+      </a:effectRef>
+      <a:fontRef idx="minor"/>
+    </dgm:style>
+  </dgm:styleLbl>
+  <dgm:styleLbl name="alignAccFollowNode1">
+    <dgm:scene3d>
+      <a:camera prst="orthographicFront"/>
+      <a:lightRig rig="threePt" dir="t"/>
+    </dgm:scene3d>
+    <dgm:sp3d/>
+    <dgm:txPr/>
+    <dgm:style>
+      <a:lnRef idx="2">
+        <a:scrgbClr r="0" g="0" b="0"/>
+      </a:lnRef>
+      <a:fillRef idx="1">
+        <a:scrgbClr r="0" g="0" b="0"/>
+      </a:fillRef>
+      <a:effectRef idx="0">
+        <a:scrgbClr r="0" g="0" b="0"/>
+      </a:effectRef>
+      <a:fontRef idx="minor"/>
+    </dgm:style>
+  </dgm:styleLbl>
+  <dgm:styleLbl name="bgAccFollowNode1">
+    <dgm:scene3d>
+      <a:camera prst="orthographicFront"/>
+      <a:lightRig rig="threePt" dir="t"/>
+    </dgm:scene3d>
+    <dgm:sp3d/>
+    <dgm:txPr/>
+    <dgm:style>
+      <a:lnRef idx="2">
+        <a:scrgbClr r="0" g="0" b="0"/>
+      </a:lnRef>
+      <a:fillRef idx="1">
+        <a:scrgbClr r="0" g="0" b="0"/>
+      </a:fillRef>
+      <a:effectRef idx="0">
+        <a:scrgbClr r="0" g="0" b="0"/>
+      </a:effectRef>
+      <a:fontRef idx="minor"/>
+    </dgm:style>
+  </dgm:styleLbl>
+  <dgm:styleLbl name="fgAcc0">
+    <dgm:scene3d>
+      <a:camera prst="orthographicFront"/>
+      <a:lightRig rig="threePt" dir="t"/>
+    </dgm:scene3d>
+    <dgm:sp3d/>
+    <dgm:txPr/>
+    <dgm:style>
+      <a:lnRef idx="2">
+        <a:scrgbClr r="0" g="0" b="0"/>
+      </a:lnRef>
+      <a:fillRef idx="1">
+        <a:scrgbClr r="0" g="0" b="0"/>
+      </a:fillRef>
+      <a:effectRef idx="0">
+        <a:scrgbClr r="0" g="0" b="0"/>
+      </a:effectRef>
+      <a:fontRef idx="minor"/>
+    </dgm:style>
+  </dgm:styleLbl>
+  <dgm:styleLbl name="fgAcc2">
+    <dgm:scene3d>
+      <a:camera prst="orthographicFront"/>
+      <a:lightRig rig="threePt" dir="t"/>
+    </dgm:scene3d>
+    <dgm:sp3d/>
+    <dgm:txPr/>
+    <dgm:style>
+      <a:lnRef idx="2">
+        <a:scrgbClr r="0" g="0" b="0"/>
+      </a:lnRef>
+      <a:fillRef idx="1">
+        <a:scrgbClr r="0" g="0" b="0"/>
+      </a:fillRef>
+      <a:effectRef idx="0">
+        <a:scrgbClr r="0" g="0" b="0"/>
+      </a:effectRef>
+      <a:fontRef idx="minor"/>
+    </dgm:style>
+  </dgm:styleLbl>
+  <dgm:styleLbl name="fgAcc3">
+    <dgm:scene3d>
+      <a:camera prst="orthographicFront"/>
+      <a:lightRig rig="threePt" dir="t"/>
+    </dgm:scene3d>
+    <dgm:sp3d/>
+    <dgm:txPr/>
+    <dgm:style>
+      <a:lnRef idx="2">
+        <a:scrgbClr r="0" g="0" b="0"/>
+      </a:lnRef>
+      <a:fillRef idx="1">
+        <a:scrgbClr r="0" g="0" b="0"/>
+      </a:fillRef>
+      <a:effectRef idx="0">
+        <a:scrgbClr r="0" g="0" b="0"/>
+      </a:effectRef>
+      <a:fontRef idx="minor"/>
+    </dgm:style>
+  </dgm:styleLbl>
+  <dgm:styleLbl name="fgAcc4">
+    <dgm:scene3d>
+      <a:camera prst="orthographicFront"/>
+      <a:lightRig rig="threePt" dir="t"/>
+    </dgm:scene3d>
+    <dgm:sp3d/>
+    <dgm:txPr/>
+    <dgm:style>
+      <a:lnRef idx="2">
+        <a:scrgbClr r="0" g="0" b="0"/>
+      </a:lnRef>
+      <a:fillRef idx="1">
+        <a:scrgbClr r="0" g="0" b="0"/>
+      </a:fillRef>
+      <a:effectRef idx="0">
+        <a:scrgbClr r="0" g="0" b="0"/>
+      </a:effectRef>
+      <a:fontRef idx="minor"/>
+    </dgm:style>
+  </dgm:styleLbl>
+  <dgm:styleLbl name="bgShp">
+    <dgm:scene3d>
+      <a:camera prst="orthographicFront"/>
+      <a:lightRig rig="threePt" dir="t"/>
+    </dgm:scene3d>
+    <dgm:sp3d/>
+    <dgm:txPr/>
+    <dgm:style>
+      <a:lnRef idx="0">
+        <a:scrgbClr r="0" g="0" b="0"/>
+      </a:lnRef>
+      <a:fillRef idx="1">
+        <a:scrgbClr r="0" g="0" b="0"/>
+      </a:fillRef>
+      <a:effectRef idx="0">
+        <a:scrgbClr r="0" g="0" b="0"/>
+      </a:effectRef>
+      <a:fontRef idx="minor"/>
+    </dgm:style>
+  </dgm:styleLbl>
+  <dgm:styleLbl name="dkBgShp">
+    <dgm:scene3d>
+      <a:camera prst="orthographicFront"/>
+      <a:lightRig rig="threePt" dir="t"/>
+    </dgm:scene3d>
+    <dgm:sp3d/>
+    <dgm:txPr/>
+    <dgm:style>
+      <a:lnRef idx="0">
+        <a:scrgbClr r="0" g="0" b="0"/>
+      </a:lnRef>
+      <a:fillRef idx="1">
+        <a:scrgbClr r="0" g="0" b="0"/>
+      </a:fillRef>
+      <a:effectRef idx="0">
+        <a:scrgbClr r="0" g="0" b="0"/>
+      </a:effectRef>
+      <a:fontRef idx="minor"/>
+    </dgm:style>
+  </dgm:styleLbl>
+  <dgm:styleLbl name="trBgShp">
+    <dgm:scene3d>
+      <a:camera prst="orthographicFront"/>
+      <a:lightRig rig="threePt" dir="t"/>
+    </dgm:scene3d>
+    <dgm:sp3d/>
+    <dgm:txPr/>
+    <dgm:style>
+      <a:lnRef idx="0">
+        <a:scrgbClr r="0" g="0" b="0"/>
+      </a:lnRef>
+      <a:fillRef idx="1">
+        <a:scrgbClr r="0" g="0" b="0"/>
+      </a:fillRef>
+      <a:effectRef idx="0">
+        <a:scrgbClr r="0" g="0" b="0"/>
+      </a:effectRef>
+      <a:fontRef idx="minor"/>
+    </dgm:style>
+  </dgm:styleLbl>
+  <dgm:styleLbl name="fgShp">
+    <dgm:scene3d>
+      <a:camera prst="orthographicFront"/>
+      <a:lightRig rig="threePt" dir="t"/>
+    </dgm:scene3d>
+    <dgm:sp3d/>
+    <dgm:txPr/>
+    <dgm:style>
+      <a:lnRef idx="2">
+        <a:scrgbClr r="0" g="0" b="0"/>
+      </a:lnRef>
+      <a:fillRef idx="1">
+        <a:scrgbClr r="0" g="0" b="0"/>
+      </a:fillRef>
+      <a:effectRef idx="0">
+        <a:scrgbClr r="0" g="0" b="0"/>
+      </a:effectRef>
+      <a:fontRef idx="minor"/>
+    </dgm:style>
+  </dgm:styleLbl>
+  <dgm:styleLbl name="revTx">
+    <dgm:scene3d>
+      <a:camera prst="orthographicFront"/>
+      <a:lightRig rig="threePt" dir="t"/>
+    </dgm:scene3d>
+    <dgm:sp3d/>
+    <dgm:txPr/>
+    <dgm:style>
+      <a:lnRef idx="0">
+        <a:scrgbClr r="0" g="0" b="0"/>
+      </a:lnRef>
+      <a:fillRef idx="0">
+        <a:scrgbClr r="0" g="0" b="0"/>
+      </a:fillRef>
+      <a:effectRef idx="0">
+        <a:scrgbClr r="0" g="0" b="0"/>
+      </a:effectRef>
+      <a:fontRef idx="minor"/>
+    </dgm:style>
+  </dgm:styleLbl>
+</dgm:styleDef>
 </file>
 
 <file path=ppt/slideLayouts/slideLayout1.xml><?xml version="1.0" encoding="utf-8"?>
@@ -3307,6 +6176,14 @@
 <file path=ppt/slides/slide1.xml><?xml version="1.0" encoding="utf-8"?>
 <p:sld xmlns:a="http://schemas.openxmlformats.org/drawingml/2006/main" xmlns:r="http://schemas.openxmlformats.org/officeDocument/2006/relationships" xmlns:p="http://schemas.openxmlformats.org/presentationml/2006/main">
   <p:cSld>
+    <p:bg>
+      <p:bgPr>
+        <a:solidFill>
+          <a:schemeClr val="bg1"/>
+        </a:solidFill>
+        <a:effectLst/>
+      </p:bgPr>
+    </p:bg>
     <p:spTree>
       <p:nvGrpSpPr>
         <p:cNvPr id="1" name=""/>
@@ -3321,37 +6198,390 @@
           <a:chExt cx="0" cy="0"/>
         </a:xfrm>
       </p:grpSpPr>
-      <p:sp>
+      <p:sp useBgFill="1">
         <p:nvSpPr>
-          <p:cNvPr id="2" name="Title 1">
-            <a:extLst>
-              <a:ext uri="{FF2B5EF4-FFF2-40B4-BE49-F238E27FC236}">
-                <a16:creationId xmlns:a16="http://schemas.microsoft.com/office/drawing/2014/main" id="{1CE27A23-1F2E-4D0A-0E54-4B2CCB53BBB5}"/>
+          <p:cNvPr id="7" name="Rectangle 6">
+            <a:extLst>
+              <a:ext uri="{FF2B5EF4-FFF2-40B4-BE49-F238E27FC236}">
+                <a16:creationId xmlns:a16="http://schemas.microsoft.com/office/drawing/2014/main" id="{0E30439A-8A5B-46EC-8283-9B6B031D40D0}"/>
+              </a:ext>
+              <a:ext uri="{C183D7F6-B498-43B3-948B-1728B52AA6E4}">
+                <adec:decorative xmlns:adec="http://schemas.microsoft.com/office/drawing/2017/decorative" val="1"/>
               </a:ext>
             </a:extLst>
           </p:cNvPr>
           <p:cNvSpPr>
-            <a:spLocks noGrp="1"/>
+            <a:spLocks noGrp="1" noRot="1" noChangeAspect="1" noMove="1" noResize="1" noEditPoints="1" noAdjustHandles="1" noChangeArrowheads="1" noChangeShapeType="1" noTextEdit="1"/>
           </p:cNvSpPr>
           <p:nvPr>
-            <p:ph type="ctrTitle"/>
+            <p:extLst>
+              <p:ext uri="{386F3935-93C4-4BCD-93E2-E3B085C9AB24}">
+                <p16:designElem xmlns:p16="http://schemas.microsoft.com/office/powerpoint/2015/main" val="1"/>
+              </p:ext>
+            </p:extLst>
           </p:nvPr>
         </p:nvSpPr>
-        <p:spPr/>
+        <p:spPr>
+          <a:xfrm>
+            <a:off x="0" y="0"/>
+            <a:ext cx="12192000" cy="6858000"/>
+          </a:xfrm>
+          <a:prstGeom prst="rect">
+            <a:avLst/>
+          </a:prstGeom>
+          <a:ln w="12700" cap="flat" cmpd="sng" algn="ctr">
+            <a:noFill/>
+            <a:prstDash val="solid"/>
+            <a:miter lim="800000"/>
+          </a:ln>
+          <a:effectLst/>
+          <a:extLst>
+            <a:ext uri="{91240B29-F687-4F45-9708-019B960494DF}">
+              <a14:hiddenLine xmlns:a14="http://schemas.microsoft.com/office/drawing/2010/main" w="12700" cap="flat" cmpd="sng" algn="ctr">
+                <a:solidFill>
+                  <a:schemeClr val="accent1">
+                    <a:shade val="50000"/>
+                  </a:schemeClr>
+                </a:solidFill>
+                <a:prstDash val="solid"/>
+                <a:miter lim="800000"/>
+              </a14:hiddenLine>
+            </a:ext>
+          </a:extLst>
+        </p:spPr>
+        <p:style>
+          <a:lnRef idx="2">
+            <a:schemeClr val="accent1">
+              <a:shade val="50000"/>
+            </a:schemeClr>
+          </a:lnRef>
+          <a:fillRef idx="1">
+            <a:schemeClr val="accent1"/>
+          </a:fillRef>
+          <a:effectRef idx="0">
+            <a:schemeClr val="accent1"/>
+          </a:effectRef>
+          <a:fontRef idx="minor">
+            <a:schemeClr val="lt1"/>
+          </a:fontRef>
+        </p:style>
         <p:txBody>
-          <a:bodyPr/>
+          <a:bodyPr rtlCol="0" anchor="ctr"/>
           <a:lstStyle/>
           <a:p>
+            <a:pPr algn="ctr"/>
             <a:endParaRPr lang="en-US"/>
           </a:p>
         </p:txBody>
       </p:sp>
       <p:sp>
         <p:nvSpPr>
-          <p:cNvPr id="3" name="Subtitle 2">
-            <a:extLst>
-              <a:ext uri="{FF2B5EF4-FFF2-40B4-BE49-F238E27FC236}">
-                <a16:creationId xmlns:a16="http://schemas.microsoft.com/office/drawing/2014/main" id="{718644C7-3D47-99E9-B9E8-BB20DBB02201}"/>
+          <p:cNvPr id="9" name="Rectangle 8">
+            <a:extLst>
+              <a:ext uri="{FF2B5EF4-FFF2-40B4-BE49-F238E27FC236}">
+                <a16:creationId xmlns:a16="http://schemas.microsoft.com/office/drawing/2014/main" id="{5CEAD642-85CF-4750-8432-7C80C901F001}"/>
+              </a:ext>
+              <a:ext uri="{C183D7F6-B498-43B3-948B-1728B52AA6E4}">
+                <adec:decorative xmlns:adec="http://schemas.microsoft.com/office/drawing/2017/decorative" val="1"/>
+              </a:ext>
+            </a:extLst>
+          </p:cNvPr>
+          <p:cNvSpPr>
+            <a:spLocks noGrp="1" noRot="1" noChangeAspect="1" noMove="1" noResize="1" noEditPoints="1" noAdjustHandles="1" noChangeArrowheads="1" noChangeShapeType="1" noTextEdit="1"/>
+          </p:cNvSpPr>
+          <p:nvPr>
+            <p:extLst>
+              <p:ext uri="{386F3935-93C4-4BCD-93E2-E3B085C9AB24}">
+                <p16:designElem xmlns:p16="http://schemas.microsoft.com/office/powerpoint/2015/main" val="1"/>
+              </p:ext>
+            </p:extLst>
+          </p:nvPr>
+        </p:nvSpPr>
+        <p:spPr>
+          <a:xfrm>
+            <a:off x="0" y="-427"/>
+            <a:ext cx="12192001" cy="6858000"/>
+          </a:xfrm>
+          <a:prstGeom prst="rect">
+            <a:avLst/>
+          </a:prstGeom>
+          <a:gradFill>
+            <a:gsLst>
+              <a:gs pos="0">
+                <a:srgbClr val="000000"/>
+              </a:gs>
+              <a:gs pos="100000">
+                <a:schemeClr val="accent1">
+                  <a:lumMod val="75000"/>
+                </a:schemeClr>
+              </a:gs>
+            </a:gsLst>
+            <a:lin ang="15000000" scaled="0"/>
+          </a:gradFill>
+          <a:ln>
+            <a:noFill/>
+          </a:ln>
+        </p:spPr>
+        <p:style>
+          <a:lnRef idx="2">
+            <a:schemeClr val="accent1">
+              <a:shade val="50000"/>
+            </a:schemeClr>
+          </a:lnRef>
+          <a:fillRef idx="1">
+            <a:schemeClr val="accent1"/>
+          </a:fillRef>
+          <a:effectRef idx="0">
+            <a:schemeClr val="accent1"/>
+          </a:effectRef>
+          <a:fontRef idx="minor">
+            <a:schemeClr val="lt1"/>
+          </a:fontRef>
+        </p:style>
+        <p:txBody>
+          <a:bodyPr rtlCol="0" anchor="ctr"/>
+          <a:lstStyle/>
+          <a:p>
+            <a:pPr algn="ctr"/>
+            <a:endParaRPr lang="en-US"/>
+          </a:p>
+        </p:txBody>
+      </p:sp>
+      <p:sp>
+        <p:nvSpPr>
+          <p:cNvPr id="11" name="Rectangle 10">
+            <a:extLst>
+              <a:ext uri="{FF2B5EF4-FFF2-40B4-BE49-F238E27FC236}">
+                <a16:creationId xmlns:a16="http://schemas.microsoft.com/office/drawing/2014/main" id="{FA33EEAE-15D5-4119-8C1E-89D943F911EF}"/>
+              </a:ext>
+              <a:ext uri="{C183D7F6-B498-43B3-948B-1728B52AA6E4}">
+                <adec:decorative xmlns:adec="http://schemas.microsoft.com/office/drawing/2017/decorative" val="1"/>
+              </a:ext>
+            </a:extLst>
+          </p:cNvPr>
+          <p:cNvSpPr>
+            <a:spLocks noGrp="1" noRot="1" noChangeAspect="1" noMove="1" noResize="1" noEditPoints="1" noAdjustHandles="1" noChangeArrowheads="1" noChangeShapeType="1" noTextEdit="1"/>
+          </p:cNvSpPr>
+          <p:nvPr>
+            <p:extLst>
+              <p:ext uri="{386F3935-93C4-4BCD-93E2-E3B085C9AB24}">
+                <p16:designElem xmlns:p16="http://schemas.microsoft.com/office/powerpoint/2015/main" val="1"/>
+              </p:ext>
+            </p:extLst>
+          </p:nvPr>
+        </p:nvSpPr>
+        <p:spPr>
+          <a:xfrm rot="10800000" flipH="1">
+            <a:off x="455521" y="-1720"/>
+            <a:ext cx="11750040" cy="6840685"/>
+          </a:xfrm>
+          <a:prstGeom prst="rect">
+            <a:avLst/>
+          </a:prstGeom>
+          <a:gradFill>
+            <a:gsLst>
+              <a:gs pos="21000">
+                <a:schemeClr val="accent1">
+                  <a:lumMod val="50000"/>
+                  <a:alpha val="61000"/>
+                </a:schemeClr>
+              </a:gs>
+              <a:gs pos="100000">
+                <a:schemeClr val="accent1">
+                  <a:alpha val="0"/>
+                </a:schemeClr>
+              </a:gs>
+            </a:gsLst>
+            <a:lin ang="21594000" scaled="0"/>
+          </a:gradFill>
+          <a:ln>
+            <a:noFill/>
+          </a:ln>
+        </p:spPr>
+        <p:style>
+          <a:lnRef idx="2">
+            <a:schemeClr val="accent1">
+              <a:shade val="50000"/>
+            </a:schemeClr>
+          </a:lnRef>
+          <a:fillRef idx="1">
+            <a:schemeClr val="accent1"/>
+          </a:fillRef>
+          <a:effectRef idx="0">
+            <a:schemeClr val="accent1"/>
+          </a:effectRef>
+          <a:fontRef idx="minor">
+            <a:schemeClr val="lt1"/>
+          </a:fontRef>
+        </p:style>
+        <p:txBody>
+          <a:bodyPr rtlCol="0" anchor="ctr"/>
+          <a:lstStyle/>
+          <a:p>
+            <a:pPr algn="ctr"/>
+            <a:endParaRPr lang="en-US"/>
+          </a:p>
+        </p:txBody>
+      </p:sp>
+      <p:sp>
+        <p:nvSpPr>
+          <p:cNvPr id="13" name="Rectangle 12">
+            <a:extLst>
+              <a:ext uri="{FF2B5EF4-FFF2-40B4-BE49-F238E27FC236}">
+                <a16:creationId xmlns:a16="http://schemas.microsoft.com/office/drawing/2014/main" id="{730D8B3B-9B80-4025-B934-26DC7D7CD231}"/>
+              </a:ext>
+              <a:ext uri="{C183D7F6-B498-43B3-948B-1728B52AA6E4}">
+                <adec:decorative xmlns:adec="http://schemas.microsoft.com/office/drawing/2017/decorative" val="1"/>
+              </a:ext>
+            </a:extLst>
+          </p:cNvPr>
+          <p:cNvSpPr>
+            <a:spLocks noGrp="1" noRot="1" noChangeAspect="1" noMove="1" noResize="1" noEditPoints="1" noAdjustHandles="1" noChangeArrowheads="1" noChangeShapeType="1" noTextEdit="1"/>
+          </p:cNvSpPr>
+          <p:nvPr>
+            <p:extLst>
+              <p:ext uri="{386F3935-93C4-4BCD-93E2-E3B085C9AB24}">
+                <p16:designElem xmlns:p16="http://schemas.microsoft.com/office/powerpoint/2015/main" val="1"/>
+              </p:ext>
+            </p:extLst>
+          </p:nvPr>
+        </p:nvSpPr>
+        <p:spPr>
+          <a:xfrm>
+            <a:off x="8606054" y="-1291"/>
+            <a:ext cx="3608179" cy="6858864"/>
+          </a:xfrm>
+          <a:prstGeom prst="rect">
+            <a:avLst/>
+          </a:prstGeom>
+          <a:gradFill>
+            <a:gsLst>
+              <a:gs pos="0">
+                <a:schemeClr val="accent1">
+                  <a:lumMod val="75000"/>
+                  <a:alpha val="0"/>
+                </a:schemeClr>
+              </a:gs>
+              <a:gs pos="99000">
+                <a:srgbClr val="000000">
+                  <a:alpha val="41000"/>
+                </a:srgbClr>
+              </a:gs>
+            </a:gsLst>
+            <a:lin ang="16200000" scaled="0"/>
+          </a:gradFill>
+          <a:ln>
+            <a:noFill/>
+          </a:ln>
+        </p:spPr>
+        <p:style>
+          <a:lnRef idx="2">
+            <a:schemeClr val="accent1">
+              <a:shade val="50000"/>
+            </a:schemeClr>
+          </a:lnRef>
+          <a:fillRef idx="1">
+            <a:schemeClr val="accent1"/>
+          </a:fillRef>
+          <a:effectRef idx="0">
+            <a:schemeClr val="accent1"/>
+          </a:effectRef>
+          <a:fontRef idx="minor">
+            <a:schemeClr val="lt1"/>
+          </a:fontRef>
+        </p:style>
+        <p:txBody>
+          <a:bodyPr rtlCol="0" anchor="ctr"/>
+          <a:lstStyle/>
+          <a:p>
+            <a:pPr algn="ctr"/>
+            <a:endParaRPr lang="en-US"/>
+          </a:p>
+        </p:txBody>
+      </p:sp>
+      <p:sp>
+        <p:nvSpPr>
+          <p:cNvPr id="15" name="Oval 14">
+            <a:extLst>
+              <a:ext uri="{FF2B5EF4-FFF2-40B4-BE49-F238E27FC236}">
+                <a16:creationId xmlns:a16="http://schemas.microsoft.com/office/drawing/2014/main" id="{B5A1B09C-1565-46F8-B70F-621C5EB48A09}"/>
+              </a:ext>
+              <a:ext uri="{C183D7F6-B498-43B3-948B-1728B52AA6E4}">
+                <adec:decorative xmlns:adec="http://schemas.microsoft.com/office/drawing/2017/decorative" val="1"/>
+              </a:ext>
+            </a:extLst>
+          </p:cNvPr>
+          <p:cNvSpPr>
+            <a:spLocks noGrp="1" noRot="1" noChangeAspect="1" noMove="1" noResize="1" noEditPoints="1" noAdjustHandles="1" noChangeArrowheads="1" noChangeShapeType="1" noTextEdit="1"/>
+          </p:cNvSpPr>
+          <p:nvPr>
+            <p:extLst>
+              <p:ext uri="{386F3935-93C4-4BCD-93E2-E3B085C9AB24}">
+                <p16:designElem xmlns:p16="http://schemas.microsoft.com/office/powerpoint/2015/main" val="1"/>
+              </p:ext>
+            </p:extLst>
+          </p:nvPr>
+        </p:nvSpPr>
+        <p:spPr>
+          <a:xfrm rot="15274173">
+            <a:off x="6059728" y="779270"/>
+            <a:ext cx="4967533" cy="4988390"/>
+          </a:xfrm>
+          <a:prstGeom prst="ellipse">
+            <a:avLst/>
+          </a:prstGeom>
+          <a:gradFill>
+            <a:gsLst>
+              <a:gs pos="0">
+                <a:schemeClr val="accent1">
+                  <a:alpha val="24000"/>
+                </a:schemeClr>
+              </a:gs>
+              <a:gs pos="79000">
+                <a:schemeClr val="accent1">
+                  <a:lumMod val="60000"/>
+                  <a:lumOff val="40000"/>
+                  <a:alpha val="0"/>
+                </a:schemeClr>
+              </a:gs>
+            </a:gsLst>
+            <a:lin ang="14400000" scaled="0"/>
+          </a:gradFill>
+          <a:ln>
+            <a:noFill/>
+          </a:ln>
+        </p:spPr>
+        <p:style>
+          <a:lnRef idx="2">
+            <a:schemeClr val="accent1">
+              <a:shade val="50000"/>
+            </a:schemeClr>
+          </a:lnRef>
+          <a:fillRef idx="1">
+            <a:schemeClr val="accent1"/>
+          </a:fillRef>
+          <a:effectRef idx="0">
+            <a:schemeClr val="accent1"/>
+          </a:effectRef>
+          <a:fontRef idx="minor">
+            <a:schemeClr val="lt1"/>
+          </a:fontRef>
+        </p:style>
+        <p:txBody>
+          <a:bodyPr rtlCol="0" anchor="ctr"/>
+          <a:lstStyle/>
+          <a:p>
+            <a:pPr algn="ctr"/>
+            <a:endParaRPr lang="en-US" dirty="0"/>
+          </a:p>
+        </p:txBody>
+      </p:sp>
+      <p:sp>
+        <p:nvSpPr>
+          <p:cNvPr id="2" name="Title 1">
+            <a:extLst>
+              <a:ext uri="{FF2B5EF4-FFF2-40B4-BE49-F238E27FC236}">
+                <a16:creationId xmlns:a16="http://schemas.microsoft.com/office/drawing/2014/main" id="{1CE27A23-1F2E-4D0A-0E54-4B2CCB53BBB5}"/>
               </a:ext>
             </a:extLst>
           </p:cNvPr>
@@ -3359,14 +6589,183 @@
             <a:spLocks noGrp="1"/>
           </p:cNvSpPr>
           <p:nvPr>
-            <p:ph type="subTitle" idx="1"/>
+            <p:ph type="ctrTitle"/>
           </p:nvPr>
         </p:nvSpPr>
-        <p:spPr/>
+        <p:spPr>
+          <a:xfrm>
+            <a:off x="1386865" y="818984"/>
+            <a:ext cx="6596245" cy="3268520"/>
+          </a:xfrm>
+        </p:spPr>
         <p:txBody>
-          <a:bodyPr/>
+          <a:bodyPr>
+            <a:normAutofit/>
+          </a:bodyPr>
           <a:lstStyle/>
           <a:p>
+            <a:pPr algn="r"/>
+            <a:r>
+              <a:rPr lang="en-US" sz="6600" dirty="0">
+                <a:solidFill>
+                  <a:srgbClr val="FFFFFF"/>
+                </a:solidFill>
+                <a:latin typeface="Calibri" panose="020F0502020204030204" pitchFamily="34" charset="0"/>
+                <a:cs typeface="Calibri" panose="020F0502020204030204" pitchFamily="34" charset="0"/>
+              </a:rPr>
+              <a:t>Food Insecurity in the United States</a:t>
+            </a:r>
+          </a:p>
+        </p:txBody>
+      </p:sp>
+      <p:sp>
+        <p:nvSpPr>
+          <p:cNvPr id="17" name="Rectangle 16">
+            <a:extLst>
+              <a:ext uri="{FF2B5EF4-FFF2-40B4-BE49-F238E27FC236}">
+                <a16:creationId xmlns:a16="http://schemas.microsoft.com/office/drawing/2014/main" id="{8C516CC8-80AC-446C-A56E-9F54B7210402}"/>
+              </a:ext>
+              <a:ext uri="{C183D7F6-B498-43B3-948B-1728B52AA6E4}">
+                <adec:decorative xmlns:adec="http://schemas.microsoft.com/office/drawing/2017/decorative" val="1"/>
+              </a:ext>
+            </a:extLst>
+          </p:cNvPr>
+          <p:cNvSpPr>
+            <a:spLocks noGrp="1" noRot="1" noChangeAspect="1" noMove="1" noResize="1" noEditPoints="1" noAdjustHandles="1" noChangeArrowheads="1" noChangeShapeType="1" noTextEdit="1"/>
+          </p:cNvSpPr>
+          <p:nvPr>
+            <p:extLst>
+              <p:ext uri="{386F3935-93C4-4BCD-93E2-E3B085C9AB24}">
+                <p16:designElem xmlns:p16="http://schemas.microsoft.com/office/powerpoint/2015/main" val="1"/>
+              </p:ext>
+            </p:extLst>
+          </p:nvPr>
+        </p:nvSpPr>
+        <p:spPr>
+          <a:xfrm rot="10800000" flipH="1">
+            <a:off x="6314" y="4480038"/>
+            <a:ext cx="12179371" cy="2377962"/>
+          </a:xfrm>
+          <a:prstGeom prst="rect">
+            <a:avLst/>
+          </a:prstGeom>
+          <a:gradFill>
+            <a:gsLst>
+              <a:gs pos="0">
+                <a:schemeClr val="accent1">
+                  <a:lumMod val="75000"/>
+                  <a:alpha val="50000"/>
+                </a:schemeClr>
+              </a:gs>
+              <a:gs pos="99000">
+                <a:srgbClr val="000000">
+                  <a:alpha val="34000"/>
+                </a:srgbClr>
+              </a:gs>
+            </a:gsLst>
+            <a:lin ang="17400000" scaled="0"/>
+          </a:gradFill>
+          <a:ln>
+            <a:noFill/>
+          </a:ln>
+        </p:spPr>
+        <p:style>
+          <a:lnRef idx="2">
+            <a:schemeClr val="accent1">
+              <a:shade val="50000"/>
+            </a:schemeClr>
+          </a:lnRef>
+          <a:fillRef idx="1">
+            <a:schemeClr val="accent1"/>
+          </a:fillRef>
+          <a:effectRef idx="0">
+            <a:schemeClr val="accent1"/>
+          </a:effectRef>
+          <a:fontRef idx="minor">
+            <a:schemeClr val="lt1"/>
+          </a:fontRef>
+        </p:style>
+        <p:txBody>
+          <a:bodyPr rtlCol="0" anchor="ctr"/>
+          <a:lstStyle/>
+          <a:p>
+            <a:pPr algn="ctr"/>
+            <a:endParaRPr lang="en-US"/>
+          </a:p>
+        </p:txBody>
+      </p:sp>
+      <p:sp>
+        <p:nvSpPr>
+          <p:cNvPr id="19" name="Rectangle 18">
+            <a:extLst>
+              <a:ext uri="{FF2B5EF4-FFF2-40B4-BE49-F238E27FC236}">
+                <a16:creationId xmlns:a16="http://schemas.microsoft.com/office/drawing/2014/main" id="{53947E58-F088-49F1-A3D1-DEA690192E84}"/>
+              </a:ext>
+              <a:ext uri="{C183D7F6-B498-43B3-948B-1728B52AA6E4}">
+                <adec:decorative xmlns:adec="http://schemas.microsoft.com/office/drawing/2017/decorative" val="1"/>
+              </a:ext>
+            </a:extLst>
+          </p:cNvPr>
+          <p:cNvSpPr>
+            <a:spLocks noGrp="1" noRot="1" noChangeAspect="1" noMove="1" noResize="1" noEditPoints="1" noAdjustHandles="1" noChangeArrowheads="1" noChangeShapeType="1" noTextEdit="1"/>
+          </p:cNvSpPr>
+          <p:nvPr>
+            <p:extLst>
+              <p:ext uri="{386F3935-93C4-4BCD-93E2-E3B085C9AB24}">
+                <p16:designElem xmlns:p16="http://schemas.microsoft.com/office/powerpoint/2015/main" val="1"/>
+              </p:ext>
+            </p:extLst>
+          </p:nvPr>
+        </p:nvSpPr>
+        <p:spPr>
+          <a:xfrm rot="16200000" flipH="1">
+            <a:off x="6967085" y="1632660"/>
+            <a:ext cx="6857572" cy="3592258"/>
+          </a:xfrm>
+          <a:prstGeom prst="rect">
+            <a:avLst/>
+          </a:prstGeom>
+          <a:gradFill>
+            <a:gsLst>
+              <a:gs pos="0">
+                <a:schemeClr val="accent1">
+                  <a:lumMod val="75000"/>
+                  <a:alpha val="50000"/>
+                </a:schemeClr>
+              </a:gs>
+              <a:gs pos="99000">
+                <a:srgbClr val="000000">
+                  <a:alpha val="0"/>
+                </a:srgbClr>
+              </a:gs>
+            </a:gsLst>
+            <a:lin ang="15600000" scaled="0"/>
+          </a:gradFill>
+          <a:ln>
+            <a:noFill/>
+          </a:ln>
+        </p:spPr>
+        <p:style>
+          <a:lnRef idx="2">
+            <a:schemeClr val="accent1">
+              <a:shade val="50000"/>
+            </a:schemeClr>
+          </a:lnRef>
+          <a:fillRef idx="1">
+            <a:schemeClr val="accent1"/>
+          </a:fillRef>
+          <a:effectRef idx="0">
+            <a:schemeClr val="accent1"/>
+          </a:effectRef>
+          <a:fontRef idx="minor">
+            <a:schemeClr val="lt1"/>
+          </a:fontRef>
+        </p:style>
+        <p:txBody>
+          <a:bodyPr rtlCol="0" anchor="ctr"/>
+          <a:lstStyle/>
+          <a:p>
+            <a:pPr algn="ctr"/>
             <a:endParaRPr lang="en-US"/>
           </a:p>
         </p:txBody>
@@ -3375,6 +6774,5740 @@
     <p:extLst>
       <p:ext uri="{BB962C8B-B14F-4D97-AF65-F5344CB8AC3E}">
         <p14:creationId xmlns:p14="http://schemas.microsoft.com/office/powerpoint/2010/main" val="1383804081"/>
+      </p:ext>
+    </p:extLst>
+  </p:cSld>
+  <p:clrMapOvr>
+    <a:masterClrMapping/>
+  </p:clrMapOvr>
+</p:sld>
+</file>
+
+<file path=ppt/slides/slide10.xml><?xml version="1.0" encoding="utf-8"?>
+<p:sld xmlns:a="http://schemas.openxmlformats.org/drawingml/2006/main" xmlns:r="http://schemas.openxmlformats.org/officeDocument/2006/relationships" xmlns:p="http://schemas.openxmlformats.org/presentationml/2006/main">
+  <p:cSld>
+    <p:bg>
+      <p:bgPr>
+        <a:solidFill>
+          <a:schemeClr val="bg1"/>
+        </a:solidFill>
+        <a:effectLst/>
+      </p:bgPr>
+    </p:bg>
+    <p:spTree>
+      <p:nvGrpSpPr>
+        <p:cNvPr id="1" name=""/>
+        <p:cNvGrpSpPr/>
+        <p:nvPr/>
+      </p:nvGrpSpPr>
+      <p:grpSpPr>
+        <a:xfrm>
+          <a:off x="0" y="0"/>
+          <a:ext cx="0" cy="0"/>
+          <a:chOff x="0" y="0"/>
+          <a:chExt cx="0" cy="0"/>
+        </a:xfrm>
+      </p:grpSpPr>
+      <p:sp useBgFill="1">
+        <p:nvSpPr>
+          <p:cNvPr id="18" name="Rectangle 17">
+            <a:extLst>
+              <a:ext uri="{FF2B5EF4-FFF2-40B4-BE49-F238E27FC236}">
+                <a16:creationId xmlns:a16="http://schemas.microsoft.com/office/drawing/2014/main" id="{A8384FB5-9ADC-4DDC-881B-597D56F5B15D}"/>
+              </a:ext>
+              <a:ext uri="{C183D7F6-B498-43B3-948B-1728B52AA6E4}">
+                <adec:decorative xmlns:adec="http://schemas.microsoft.com/office/drawing/2017/decorative" val="1"/>
+              </a:ext>
+            </a:extLst>
+          </p:cNvPr>
+          <p:cNvSpPr>
+            <a:spLocks noGrp="1" noRot="1" noChangeAspect="1" noMove="1" noResize="1" noEditPoints="1" noAdjustHandles="1" noChangeArrowheads="1" noChangeShapeType="1" noTextEdit="1"/>
+          </p:cNvSpPr>
+          <p:nvPr>
+            <p:extLst>
+              <p:ext uri="{386F3935-93C4-4BCD-93E2-E3B085C9AB24}">
+                <p16:designElem xmlns:p16="http://schemas.microsoft.com/office/powerpoint/2015/main" val="1"/>
+              </p:ext>
+            </p:extLst>
+          </p:nvPr>
+        </p:nvSpPr>
+        <p:spPr>
+          <a:xfrm>
+            <a:off x="0" y="0"/>
+            <a:ext cx="12192000" cy="6858000"/>
+          </a:xfrm>
+          <a:prstGeom prst="rect">
+            <a:avLst/>
+          </a:prstGeom>
+          <a:ln w="12700" cap="flat" cmpd="sng" algn="ctr">
+            <a:noFill/>
+            <a:prstDash val="solid"/>
+            <a:miter lim="800000"/>
+          </a:ln>
+          <a:effectLst/>
+          <a:extLst>
+            <a:ext uri="{91240B29-F687-4F45-9708-019B960494DF}">
+              <a14:hiddenLine xmlns:a14="http://schemas.microsoft.com/office/drawing/2010/main" w="12700" cap="flat" cmpd="sng" algn="ctr">
+                <a:solidFill>
+                  <a:schemeClr val="accent1">
+                    <a:shade val="50000"/>
+                  </a:schemeClr>
+                </a:solidFill>
+                <a:prstDash val="solid"/>
+                <a:miter lim="800000"/>
+              </a14:hiddenLine>
+            </a:ext>
+          </a:extLst>
+        </p:spPr>
+        <p:style>
+          <a:lnRef idx="2">
+            <a:schemeClr val="accent1">
+              <a:shade val="50000"/>
+            </a:schemeClr>
+          </a:lnRef>
+          <a:fillRef idx="1">
+            <a:schemeClr val="accent1"/>
+          </a:fillRef>
+          <a:effectRef idx="0">
+            <a:schemeClr val="accent1"/>
+          </a:effectRef>
+          <a:fontRef idx="minor">
+            <a:schemeClr val="lt1"/>
+          </a:fontRef>
+        </p:style>
+        <p:txBody>
+          <a:bodyPr rtlCol="0" anchor="ctr"/>
+          <a:lstStyle/>
+          <a:p>
+            <a:pPr algn="ctr"/>
+            <a:endParaRPr lang="en-US"/>
+          </a:p>
+        </p:txBody>
+      </p:sp>
+      <p:sp>
+        <p:nvSpPr>
+          <p:cNvPr id="19" name="Rectangle 18">
+            <a:extLst>
+              <a:ext uri="{FF2B5EF4-FFF2-40B4-BE49-F238E27FC236}">
+                <a16:creationId xmlns:a16="http://schemas.microsoft.com/office/drawing/2014/main" id="{91E5A9A7-95C6-4F4F-B00E-C82E07FE62EF}"/>
+              </a:ext>
+              <a:ext uri="{C183D7F6-B498-43B3-948B-1728B52AA6E4}">
+                <adec:decorative xmlns:adec="http://schemas.microsoft.com/office/drawing/2017/decorative" val="1"/>
+              </a:ext>
+            </a:extLst>
+          </p:cNvPr>
+          <p:cNvSpPr>
+            <a:spLocks noGrp="1" noRot="1" noChangeAspect="1" noMove="1" noResize="1" noEditPoints="1" noAdjustHandles="1" noChangeArrowheads="1" noChangeShapeType="1" noTextEdit="1"/>
+          </p:cNvSpPr>
+          <p:nvPr>
+            <p:extLst>
+              <p:ext uri="{386F3935-93C4-4BCD-93E2-E3B085C9AB24}">
+                <p16:designElem xmlns:p16="http://schemas.microsoft.com/office/powerpoint/2015/main" val="1"/>
+              </p:ext>
+            </p:extLst>
+          </p:nvPr>
+        </p:nvSpPr>
+        <p:spPr>
+          <a:xfrm rot="5400000" flipH="1">
+            <a:off x="-1417539" y="1417538"/>
+            <a:ext cx="6875818" cy="4040744"/>
+          </a:xfrm>
+          <a:prstGeom prst="rect">
+            <a:avLst/>
+          </a:prstGeom>
+          <a:gradFill>
+            <a:gsLst>
+              <a:gs pos="0">
+                <a:srgbClr val="000000"/>
+              </a:gs>
+              <a:gs pos="100000">
+                <a:schemeClr val="accent1">
+                  <a:lumMod val="75000"/>
+                </a:schemeClr>
+              </a:gs>
+            </a:gsLst>
+            <a:lin ang="18600000" scaled="0"/>
+          </a:gradFill>
+          <a:ln>
+            <a:noFill/>
+          </a:ln>
+        </p:spPr>
+        <p:style>
+          <a:lnRef idx="2">
+            <a:schemeClr val="accent1">
+              <a:shade val="50000"/>
+            </a:schemeClr>
+          </a:lnRef>
+          <a:fillRef idx="1">
+            <a:schemeClr val="accent1"/>
+          </a:fillRef>
+          <a:effectRef idx="0">
+            <a:schemeClr val="accent1"/>
+          </a:effectRef>
+          <a:fontRef idx="minor">
+            <a:schemeClr val="lt1"/>
+          </a:fontRef>
+        </p:style>
+        <p:txBody>
+          <a:bodyPr rtlCol="0" anchor="ctr"/>
+          <a:lstStyle/>
+          <a:p>
+            <a:pPr algn="ctr"/>
+            <a:endParaRPr lang="en-US" dirty="0"/>
+          </a:p>
+        </p:txBody>
+      </p:sp>
+      <p:sp>
+        <p:nvSpPr>
+          <p:cNvPr id="20" name="Rectangle 19">
+            <a:extLst>
+              <a:ext uri="{FF2B5EF4-FFF2-40B4-BE49-F238E27FC236}">
+                <a16:creationId xmlns:a16="http://schemas.microsoft.com/office/drawing/2014/main" id="{D07DD2DE-F619-49DD-B5E7-03A290FF4ED1}"/>
+              </a:ext>
+              <a:ext uri="{C183D7F6-B498-43B3-948B-1728B52AA6E4}">
+                <adec:decorative xmlns:adec="http://schemas.microsoft.com/office/drawing/2017/decorative" val="1"/>
+              </a:ext>
+            </a:extLst>
+          </p:cNvPr>
+          <p:cNvSpPr>
+            <a:spLocks noGrp="1" noRot="1" noChangeAspect="1" noMove="1" noResize="1" noEditPoints="1" noAdjustHandles="1" noChangeArrowheads="1" noChangeShapeType="1" noTextEdit="1"/>
+          </p:cNvSpPr>
+          <p:nvPr>
+            <p:extLst>
+              <p:ext uri="{386F3935-93C4-4BCD-93E2-E3B085C9AB24}">
+                <p16:designElem xmlns:p16="http://schemas.microsoft.com/office/powerpoint/2015/main" val="1"/>
+              </p:ext>
+            </p:extLst>
+          </p:nvPr>
+        </p:nvSpPr>
+        <p:spPr>
+          <a:xfrm rot="16200000">
+            <a:off x="-158495" y="2660473"/>
+            <a:ext cx="4355594" cy="4038603"/>
+          </a:xfrm>
+          <a:prstGeom prst="rect">
+            <a:avLst/>
+          </a:prstGeom>
+          <a:gradFill>
+            <a:gsLst>
+              <a:gs pos="0">
+                <a:schemeClr val="accent1">
+                  <a:alpha val="50000"/>
+                </a:schemeClr>
+              </a:gs>
+              <a:gs pos="100000">
+                <a:schemeClr val="accent1">
+                  <a:lumMod val="50000"/>
+                  <a:alpha val="0"/>
+                </a:schemeClr>
+              </a:gs>
+            </a:gsLst>
+            <a:lin ang="11400000" scaled="0"/>
+          </a:gradFill>
+          <a:ln>
+            <a:noFill/>
+          </a:ln>
+        </p:spPr>
+        <p:style>
+          <a:lnRef idx="2">
+            <a:schemeClr val="accent1">
+              <a:shade val="50000"/>
+            </a:schemeClr>
+          </a:lnRef>
+          <a:fillRef idx="1">
+            <a:schemeClr val="accent1"/>
+          </a:fillRef>
+          <a:effectRef idx="0">
+            <a:schemeClr val="accent1"/>
+          </a:effectRef>
+          <a:fontRef idx="minor">
+            <a:schemeClr val="lt1"/>
+          </a:fontRef>
+        </p:style>
+        <p:txBody>
+          <a:bodyPr rtlCol="0" anchor="ctr"/>
+          <a:lstStyle/>
+          <a:p>
+            <a:pPr algn="ctr"/>
+            <a:endParaRPr lang="en-US"/>
+          </a:p>
+        </p:txBody>
+      </p:sp>
+      <p:sp>
+        <p:nvSpPr>
+          <p:cNvPr id="21" name="Rectangle 20">
+            <a:extLst>
+              <a:ext uri="{FF2B5EF4-FFF2-40B4-BE49-F238E27FC236}">
+                <a16:creationId xmlns:a16="http://schemas.microsoft.com/office/drawing/2014/main" id="{85149191-5F60-4A28-AAFF-039F96B0F3EC}"/>
+              </a:ext>
+              <a:ext uri="{C183D7F6-B498-43B3-948B-1728B52AA6E4}">
+                <adec:decorative xmlns:adec="http://schemas.microsoft.com/office/drawing/2017/decorative" val="1"/>
+              </a:ext>
+            </a:extLst>
+          </p:cNvPr>
+          <p:cNvSpPr>
+            <a:spLocks noGrp="1" noRot="1" noChangeAspect="1" noMove="1" noResize="1" noEditPoints="1" noAdjustHandles="1" noChangeArrowheads="1" noChangeShapeType="1" noTextEdit="1"/>
+          </p:cNvSpPr>
+          <p:nvPr>
+            <p:extLst>
+              <p:ext uri="{386F3935-93C4-4BCD-93E2-E3B085C9AB24}">
+                <p16:designElem xmlns:p16="http://schemas.microsoft.com/office/powerpoint/2015/main" val="1"/>
+              </p:ext>
+            </p:extLst>
+          </p:nvPr>
+        </p:nvSpPr>
+        <p:spPr>
+          <a:xfrm rot="16200000" flipH="1">
+            <a:off x="-1180882" y="1638085"/>
+            <a:ext cx="6857572" cy="3581401"/>
+          </a:xfrm>
+          <a:prstGeom prst="rect">
+            <a:avLst/>
+          </a:prstGeom>
+          <a:gradFill>
+            <a:gsLst>
+              <a:gs pos="0">
+                <a:srgbClr val="000000">
+                  <a:alpha val="59000"/>
+                </a:srgbClr>
+              </a:gs>
+              <a:gs pos="69000">
+                <a:schemeClr val="accent1">
+                  <a:alpha val="0"/>
+                </a:schemeClr>
+              </a:gs>
+            </a:gsLst>
+            <a:lin ang="13200000" scaled="0"/>
+          </a:gradFill>
+          <a:ln>
+            <a:noFill/>
+          </a:ln>
+        </p:spPr>
+        <p:style>
+          <a:lnRef idx="2">
+            <a:schemeClr val="accent1">
+              <a:shade val="50000"/>
+            </a:schemeClr>
+          </a:lnRef>
+          <a:fillRef idx="1">
+            <a:schemeClr val="accent1"/>
+          </a:fillRef>
+          <a:effectRef idx="0">
+            <a:schemeClr val="accent1"/>
+          </a:effectRef>
+          <a:fontRef idx="minor">
+            <a:schemeClr val="lt1"/>
+          </a:fontRef>
+        </p:style>
+        <p:txBody>
+          <a:bodyPr rtlCol="0" anchor="ctr"/>
+          <a:lstStyle/>
+          <a:p>
+            <a:pPr algn="ctr"/>
+            <a:endParaRPr lang="en-US" dirty="0"/>
+          </a:p>
+        </p:txBody>
+      </p:sp>
+      <p:sp>
+        <p:nvSpPr>
+          <p:cNvPr id="17" name="Freeform: Shape 16">
+            <a:extLst>
+              <a:ext uri="{FF2B5EF4-FFF2-40B4-BE49-F238E27FC236}">
+                <a16:creationId xmlns:a16="http://schemas.microsoft.com/office/drawing/2014/main" id="{F8260ED5-17F7-4158-B241-D51DD4CF1B7E}"/>
+              </a:ext>
+              <a:ext uri="{C183D7F6-B498-43B3-948B-1728B52AA6E4}">
+                <adec:decorative xmlns:adec="http://schemas.microsoft.com/office/drawing/2017/decorative" val="1"/>
+              </a:ext>
+            </a:extLst>
+          </p:cNvPr>
+          <p:cNvSpPr>
+            <a:spLocks noGrp="1" noRot="1" noChangeAspect="1" noMove="1" noResize="1" noEditPoints="1" noAdjustHandles="1" noChangeArrowheads="1" noChangeShapeType="1" noTextEdit="1"/>
+          </p:cNvSpPr>
+          <p:nvPr>
+            <p:extLst>
+              <p:ext uri="{386F3935-93C4-4BCD-93E2-E3B085C9AB24}">
+                <p16:designElem xmlns:p16="http://schemas.microsoft.com/office/powerpoint/2015/main" val="1"/>
+              </p:ext>
+            </p:extLst>
+          </p:nvPr>
+        </p:nvSpPr>
+        <p:spPr>
+          <a:xfrm rot="6097846">
+            <a:off x="-747355" y="1201312"/>
+            <a:ext cx="4808302" cy="4088666"/>
+          </a:xfrm>
+          <a:custGeom>
+            <a:avLst/>
+            <a:gdLst>
+              <a:gd name="connsiteX0" fmla="*/ 48844 w 4808302"/>
+              <a:gd name="connsiteY0" fmla="*/ 2888671 h 4088666"/>
+              <a:gd name="connsiteX1" fmla="*/ 0 w 4808302"/>
+              <a:gd name="connsiteY1" fmla="*/ 2404151 h 4088666"/>
+              <a:gd name="connsiteX2" fmla="*/ 2404151 w 4808302"/>
+              <a:gd name="connsiteY2" fmla="*/ 0 h 4088666"/>
+              <a:gd name="connsiteX3" fmla="*/ 4808302 w 4808302"/>
+              <a:gd name="connsiteY3" fmla="*/ 2404151 h 4088666"/>
+              <a:gd name="connsiteX4" fmla="*/ 4700216 w 4808302"/>
+              <a:gd name="connsiteY4" fmla="*/ 3119072 h 4088666"/>
+              <a:gd name="connsiteX5" fmla="*/ 4643143 w 4808302"/>
+              <a:gd name="connsiteY5" fmla="*/ 3275009 h 4088666"/>
+              <a:gd name="connsiteX6" fmla="*/ 690093 w 4808302"/>
+              <a:gd name="connsiteY6" fmla="*/ 4088666 h 4088666"/>
+              <a:gd name="connsiteX7" fmla="*/ 548991 w 4808302"/>
+              <a:gd name="connsiteY7" fmla="*/ 3933414 h 4088666"/>
+              <a:gd name="connsiteX8" fmla="*/ 48844 w 4808302"/>
+              <a:gd name="connsiteY8" fmla="*/ 2888671 h 4088666"/>
+            </a:gdLst>
+            <a:ahLst/>
+            <a:cxnLst>
+              <a:cxn ang="0">
+                <a:pos x="connsiteX0" y="connsiteY0"/>
+              </a:cxn>
+              <a:cxn ang="0">
+                <a:pos x="connsiteX1" y="connsiteY1"/>
+              </a:cxn>
+              <a:cxn ang="0">
+                <a:pos x="connsiteX2" y="connsiteY2"/>
+              </a:cxn>
+              <a:cxn ang="0">
+                <a:pos x="connsiteX3" y="connsiteY3"/>
+              </a:cxn>
+              <a:cxn ang="0">
+                <a:pos x="connsiteX4" y="connsiteY4"/>
+              </a:cxn>
+              <a:cxn ang="0">
+                <a:pos x="connsiteX5" y="connsiteY5"/>
+              </a:cxn>
+              <a:cxn ang="0">
+                <a:pos x="connsiteX6" y="connsiteY6"/>
+              </a:cxn>
+              <a:cxn ang="0">
+                <a:pos x="connsiteX7" y="connsiteY7"/>
+              </a:cxn>
+              <a:cxn ang="0">
+                <a:pos x="connsiteX8" y="connsiteY8"/>
+              </a:cxn>
+            </a:cxnLst>
+            <a:rect l="l" t="t" r="r" b="b"/>
+            <a:pathLst>
+              <a:path w="4808302" h="4088666">
+                <a:moveTo>
+                  <a:pt x="48844" y="2888671"/>
+                </a:moveTo>
+                <a:cubicBezTo>
+                  <a:pt x="16818" y="2732167"/>
+                  <a:pt x="0" y="2570123"/>
+                  <a:pt x="0" y="2404151"/>
+                </a:cubicBezTo>
+                <a:cubicBezTo>
+                  <a:pt x="0" y="1076375"/>
+                  <a:pt x="1076375" y="0"/>
+                  <a:pt x="2404151" y="0"/>
+                </a:cubicBezTo>
+                <a:cubicBezTo>
+                  <a:pt x="3731927" y="0"/>
+                  <a:pt x="4808302" y="1076375"/>
+                  <a:pt x="4808302" y="2404151"/>
+                </a:cubicBezTo>
+                <a:cubicBezTo>
+                  <a:pt x="4808302" y="2653109"/>
+                  <a:pt x="4770461" y="2893229"/>
+                  <a:pt x="4700216" y="3119072"/>
+                </a:cubicBezTo>
+                <a:lnTo>
+                  <a:pt x="4643143" y="3275009"/>
+                </a:lnTo>
+                <a:lnTo>
+                  <a:pt x="690093" y="4088666"/>
+                </a:lnTo>
+                <a:lnTo>
+                  <a:pt x="548991" y="3933414"/>
+                </a:lnTo>
+                <a:cubicBezTo>
+                  <a:pt x="304015" y="3636572"/>
+                  <a:pt x="128908" y="3279932"/>
+                  <a:pt x="48844" y="2888671"/>
+                </a:cubicBezTo>
+                <a:close/>
+              </a:path>
+            </a:pathLst>
+          </a:custGeom>
+          <a:gradFill>
+            <a:gsLst>
+              <a:gs pos="39000">
+                <a:schemeClr val="accent1">
+                  <a:lumMod val="60000"/>
+                  <a:lumOff val="40000"/>
+                  <a:alpha val="0"/>
+                </a:schemeClr>
+              </a:gs>
+              <a:gs pos="100000">
+                <a:schemeClr val="accent1">
+                  <a:lumMod val="75000"/>
+                  <a:alpha val="26000"/>
+                </a:schemeClr>
+              </a:gs>
+            </a:gsLst>
+            <a:lin ang="18600000" scaled="0"/>
+          </a:gradFill>
+          <a:ln>
+            <a:noFill/>
+          </a:ln>
+        </p:spPr>
+        <p:style>
+          <a:lnRef idx="2">
+            <a:schemeClr val="accent1">
+              <a:shade val="50000"/>
+            </a:schemeClr>
+          </a:lnRef>
+          <a:fillRef idx="1">
+            <a:schemeClr val="accent1"/>
+          </a:fillRef>
+          <a:effectRef idx="0">
+            <a:schemeClr val="accent1"/>
+          </a:effectRef>
+          <a:fontRef idx="minor">
+            <a:schemeClr val="lt1"/>
+          </a:fontRef>
+        </p:style>
+        <p:txBody>
+          <a:bodyPr wrap="square" rtlCol="0" anchor="ctr">
+            <a:noAutofit/>
+          </a:bodyPr>
+          <a:lstStyle/>
+          <a:p>
+            <a:pPr algn="ctr"/>
+            <a:endParaRPr lang="en-US" dirty="0"/>
+          </a:p>
+        </p:txBody>
+      </p:sp>
+      <p:sp>
+        <p:nvSpPr>
+          <p:cNvPr id="2" name="Title 1">
+            <a:extLst>
+              <a:ext uri="{FF2B5EF4-FFF2-40B4-BE49-F238E27FC236}">
+                <a16:creationId xmlns:a16="http://schemas.microsoft.com/office/drawing/2014/main" id="{094143F5-E233-F025-7F96-C6A334476FF8}"/>
+              </a:ext>
+            </a:extLst>
+          </p:cNvPr>
+          <p:cNvSpPr>
+            <a:spLocks noGrp="1"/>
+          </p:cNvSpPr>
+          <p:nvPr>
+            <p:ph type="title"/>
+          </p:nvPr>
+        </p:nvSpPr>
+        <p:spPr>
+          <a:xfrm>
+            <a:off x="635657" y="2608610"/>
+            <a:ext cx="2880828" cy="3071906"/>
+          </a:xfrm>
+        </p:spPr>
+        <p:txBody>
+          <a:bodyPr vert="horz" lIns="91440" tIns="45720" rIns="91440" bIns="45720" rtlCol="0" anchor="t">
+            <a:normAutofit/>
+          </a:bodyPr>
+          <a:lstStyle/>
+          <a:p>
+            <a:r>
+              <a:rPr lang="en-US" sz="2200" kern="1200" dirty="0">
+                <a:solidFill>
+                  <a:srgbClr val="FFFFFF"/>
+                </a:solidFill>
+                <a:latin typeface="Calibri" panose="020F0502020204030204" pitchFamily="34" charset="0"/>
+                <a:cs typeface="Calibri" panose="020F0502020204030204" pitchFamily="34" charset="0"/>
+              </a:rPr>
+              <a:t>Food insecurity decreases as poverty levels improve, with the lowest-income households facing the highest rates of both hunger and severe malnutrition.</a:t>
+            </a:r>
+          </a:p>
+        </p:txBody>
+      </p:sp>
+      <p:pic>
+        <p:nvPicPr>
+          <p:cNvPr id="4" name="Content Placeholder 3">
+            <a:extLst>
+              <a:ext uri="{FF2B5EF4-FFF2-40B4-BE49-F238E27FC236}">
+                <a16:creationId xmlns:a16="http://schemas.microsoft.com/office/drawing/2014/main" id="{41CA687F-19B8-503A-1149-4EF5F1A1FC4A}"/>
+              </a:ext>
+            </a:extLst>
+          </p:cNvPr>
+          <p:cNvPicPr>
+            <a:picLocks noGrp="1" noChangeAspect="1"/>
+          </p:cNvPicPr>
+          <p:nvPr>
+            <p:ph idx="1"/>
+          </p:nvPr>
+        </p:nvPicPr>
+        <p:blipFill>
+          <a:blip r:embed="rId2"/>
+          <a:stretch>
+            <a:fillRect/>
+          </a:stretch>
+        </p:blipFill>
+        <p:spPr>
+          <a:xfrm>
+            <a:off x="4502428" y="1026439"/>
+            <a:ext cx="7225748" cy="4805122"/>
+          </a:xfrm>
+          <a:prstGeom prst="rect">
+            <a:avLst/>
+          </a:prstGeom>
+        </p:spPr>
+      </p:pic>
+    </p:spTree>
+    <p:extLst>
+      <p:ext uri="{BB962C8B-B14F-4D97-AF65-F5344CB8AC3E}">
+        <p14:creationId xmlns:p14="http://schemas.microsoft.com/office/powerpoint/2010/main" val="288900350"/>
+      </p:ext>
+    </p:extLst>
+  </p:cSld>
+  <p:clrMapOvr>
+    <a:masterClrMapping/>
+  </p:clrMapOvr>
+</p:sld>
+</file>
+
+<file path=ppt/slides/slide11.xml><?xml version="1.0" encoding="utf-8"?>
+<p:sld xmlns:a="http://schemas.openxmlformats.org/drawingml/2006/main" xmlns:r="http://schemas.openxmlformats.org/officeDocument/2006/relationships" xmlns:p="http://schemas.openxmlformats.org/presentationml/2006/main">
+  <p:cSld>
+    <p:bg>
+      <p:bgPr>
+        <a:solidFill>
+          <a:schemeClr val="bg1"/>
+        </a:solidFill>
+        <a:effectLst/>
+      </p:bgPr>
+    </p:bg>
+    <p:spTree>
+      <p:nvGrpSpPr>
+        <p:cNvPr id="1" name=""/>
+        <p:cNvGrpSpPr/>
+        <p:nvPr/>
+      </p:nvGrpSpPr>
+      <p:grpSpPr>
+        <a:xfrm>
+          <a:off x="0" y="0"/>
+          <a:ext cx="0" cy="0"/>
+          <a:chOff x="0" y="0"/>
+          <a:chExt cx="0" cy="0"/>
+        </a:xfrm>
+      </p:grpSpPr>
+      <p:sp useBgFill="1">
+        <p:nvSpPr>
+          <p:cNvPr id="9" name="Rectangle 8">
+            <a:extLst>
+              <a:ext uri="{FF2B5EF4-FFF2-40B4-BE49-F238E27FC236}">
+                <a16:creationId xmlns:a16="http://schemas.microsoft.com/office/drawing/2014/main" id="{BACC6370-2D7E-4714-9D71-7542949D7D5D}"/>
+              </a:ext>
+              <a:ext uri="{C183D7F6-B498-43B3-948B-1728B52AA6E4}">
+                <adec:decorative xmlns:adec="http://schemas.microsoft.com/office/drawing/2017/decorative" val="1"/>
+              </a:ext>
+            </a:extLst>
+          </p:cNvPr>
+          <p:cNvSpPr>
+            <a:spLocks noGrp="1" noRot="1" noChangeAspect="1" noMove="1" noResize="1" noEditPoints="1" noAdjustHandles="1" noChangeArrowheads="1" noChangeShapeType="1" noTextEdit="1"/>
+          </p:cNvSpPr>
+          <p:nvPr>
+            <p:extLst>
+              <p:ext uri="{386F3935-93C4-4BCD-93E2-E3B085C9AB24}">
+                <p16:designElem xmlns:p16="http://schemas.microsoft.com/office/powerpoint/2015/main" val="1"/>
+              </p:ext>
+            </p:extLst>
+          </p:nvPr>
+        </p:nvSpPr>
+        <p:spPr>
+          <a:xfrm>
+            <a:off x="0" y="0"/>
+            <a:ext cx="12192000" cy="6858000"/>
+          </a:xfrm>
+          <a:prstGeom prst="rect">
+            <a:avLst/>
+          </a:prstGeom>
+          <a:ln w="12700" cap="flat" cmpd="sng" algn="ctr">
+            <a:noFill/>
+            <a:prstDash val="solid"/>
+            <a:miter lim="800000"/>
+          </a:ln>
+          <a:effectLst/>
+          <a:extLst>
+            <a:ext uri="{91240B29-F687-4F45-9708-019B960494DF}">
+              <a14:hiddenLine xmlns:a14="http://schemas.microsoft.com/office/drawing/2010/main" w="12700" cap="flat" cmpd="sng" algn="ctr">
+                <a:solidFill>
+                  <a:schemeClr val="accent1">
+                    <a:shade val="50000"/>
+                  </a:schemeClr>
+                </a:solidFill>
+                <a:prstDash val="solid"/>
+                <a:miter lim="800000"/>
+              </a14:hiddenLine>
+            </a:ext>
+          </a:extLst>
+        </p:spPr>
+        <p:style>
+          <a:lnRef idx="2">
+            <a:schemeClr val="accent1">
+              <a:shade val="50000"/>
+            </a:schemeClr>
+          </a:lnRef>
+          <a:fillRef idx="1">
+            <a:schemeClr val="accent1"/>
+          </a:fillRef>
+          <a:effectRef idx="0">
+            <a:schemeClr val="accent1"/>
+          </a:effectRef>
+          <a:fontRef idx="minor">
+            <a:schemeClr val="lt1"/>
+          </a:fontRef>
+        </p:style>
+        <p:txBody>
+          <a:bodyPr rtlCol="0" anchor="ctr"/>
+          <a:lstStyle/>
+          <a:p>
+            <a:pPr algn="ctr"/>
+            <a:endParaRPr lang="en-US"/>
+          </a:p>
+        </p:txBody>
+      </p:sp>
+      <p:sp>
+        <p:nvSpPr>
+          <p:cNvPr id="11" name="Rectangle 10">
+            <a:extLst>
+              <a:ext uri="{FF2B5EF4-FFF2-40B4-BE49-F238E27FC236}">
+                <a16:creationId xmlns:a16="http://schemas.microsoft.com/office/drawing/2014/main" id="{F68B3F68-107C-434F-AA38-110D5EA91B85}"/>
+              </a:ext>
+              <a:ext uri="{C183D7F6-B498-43B3-948B-1728B52AA6E4}">
+                <adec:decorative xmlns:adec="http://schemas.microsoft.com/office/drawing/2017/decorative" val="1"/>
+              </a:ext>
+            </a:extLst>
+          </p:cNvPr>
+          <p:cNvSpPr>
+            <a:spLocks noGrp="1" noRot="1" noChangeAspect="1" noMove="1" noResize="1" noEditPoints="1" noAdjustHandles="1" noChangeArrowheads="1" noChangeShapeType="1" noTextEdit="1"/>
+          </p:cNvSpPr>
+          <p:nvPr>
+            <p:extLst>
+              <p:ext uri="{386F3935-93C4-4BCD-93E2-E3B085C9AB24}">
+                <p16:designElem xmlns:p16="http://schemas.microsoft.com/office/powerpoint/2015/main" val="1"/>
+              </p:ext>
+            </p:extLst>
+          </p:nvPr>
+        </p:nvSpPr>
+        <p:spPr>
+          <a:xfrm flipH="1">
+            <a:off x="2" y="0"/>
+            <a:ext cx="12191998" cy="2170031"/>
+          </a:xfrm>
+          <a:prstGeom prst="rect">
+            <a:avLst/>
+          </a:prstGeom>
+          <a:gradFill>
+            <a:gsLst>
+              <a:gs pos="0">
+                <a:srgbClr val="000000">
+                  <a:alpha val="96000"/>
+                </a:srgbClr>
+              </a:gs>
+              <a:gs pos="100000">
+                <a:schemeClr val="accent1">
+                  <a:lumMod val="75000"/>
+                </a:schemeClr>
+              </a:gs>
+            </a:gsLst>
+            <a:lin ang="19800000" scaled="0"/>
+          </a:gradFill>
+          <a:ln>
+            <a:noFill/>
+          </a:ln>
+        </p:spPr>
+        <p:style>
+          <a:lnRef idx="2">
+            <a:schemeClr val="accent1">
+              <a:shade val="50000"/>
+            </a:schemeClr>
+          </a:lnRef>
+          <a:fillRef idx="1">
+            <a:schemeClr val="accent1"/>
+          </a:fillRef>
+          <a:effectRef idx="0">
+            <a:schemeClr val="accent1"/>
+          </a:effectRef>
+          <a:fontRef idx="minor">
+            <a:schemeClr val="lt1"/>
+          </a:fontRef>
+        </p:style>
+        <p:txBody>
+          <a:bodyPr rtlCol="0" anchor="ctr"/>
+          <a:lstStyle/>
+          <a:p>
+            <a:pPr algn="ctr"/>
+            <a:endParaRPr lang="en-US"/>
+          </a:p>
+        </p:txBody>
+      </p:sp>
+      <p:sp>
+        <p:nvSpPr>
+          <p:cNvPr id="13" name="Rectangle 12">
+            <a:extLst>
+              <a:ext uri="{FF2B5EF4-FFF2-40B4-BE49-F238E27FC236}">
+                <a16:creationId xmlns:a16="http://schemas.microsoft.com/office/drawing/2014/main" id="{AAD0DBB9-1A4B-4391-81D4-CB19F9AB918A}"/>
+              </a:ext>
+              <a:ext uri="{C183D7F6-B498-43B3-948B-1728B52AA6E4}">
+                <adec:decorative xmlns:adec="http://schemas.microsoft.com/office/drawing/2017/decorative" val="1"/>
+              </a:ext>
+            </a:extLst>
+          </p:cNvPr>
+          <p:cNvSpPr>
+            <a:spLocks noGrp="1" noRot="1" noChangeAspect="1" noMove="1" noResize="1" noEditPoints="1" noAdjustHandles="1" noChangeArrowheads="1" noChangeShapeType="1" noTextEdit="1"/>
+          </p:cNvSpPr>
+          <p:nvPr>
+            <p:extLst>
+              <p:ext uri="{386F3935-93C4-4BCD-93E2-E3B085C9AB24}">
+                <p16:designElem xmlns:p16="http://schemas.microsoft.com/office/powerpoint/2015/main" val="1"/>
+              </p:ext>
+            </p:extLst>
+          </p:nvPr>
+        </p:nvSpPr>
+        <p:spPr>
+          <a:xfrm flipH="1">
+            <a:off x="8082819" y="0"/>
+            <a:ext cx="4097211" cy="2170661"/>
+          </a:xfrm>
+          <a:prstGeom prst="rect">
+            <a:avLst/>
+          </a:prstGeom>
+          <a:gradFill>
+            <a:gsLst>
+              <a:gs pos="19000">
+                <a:schemeClr val="accent1">
+                  <a:lumMod val="50000"/>
+                  <a:alpha val="68000"/>
+                </a:schemeClr>
+              </a:gs>
+              <a:gs pos="100000">
+                <a:schemeClr val="accent1">
+                  <a:alpha val="48000"/>
+                </a:schemeClr>
+              </a:gs>
+            </a:gsLst>
+            <a:lin ang="19200000" scaled="0"/>
+          </a:gradFill>
+          <a:ln>
+            <a:noFill/>
+          </a:ln>
+        </p:spPr>
+        <p:style>
+          <a:lnRef idx="2">
+            <a:schemeClr val="accent1">
+              <a:shade val="50000"/>
+            </a:schemeClr>
+          </a:lnRef>
+          <a:fillRef idx="1">
+            <a:schemeClr val="accent1"/>
+          </a:fillRef>
+          <a:effectRef idx="0">
+            <a:schemeClr val="accent1"/>
+          </a:effectRef>
+          <a:fontRef idx="minor">
+            <a:schemeClr val="lt1"/>
+          </a:fontRef>
+        </p:style>
+        <p:txBody>
+          <a:bodyPr rtlCol="0" anchor="ctr"/>
+          <a:lstStyle/>
+          <a:p>
+            <a:pPr algn="ctr"/>
+            <a:endParaRPr lang="en-US"/>
+          </a:p>
+        </p:txBody>
+      </p:sp>
+      <p:sp>
+        <p:nvSpPr>
+          <p:cNvPr id="15" name="Rectangle 14">
+            <a:extLst>
+              <a:ext uri="{FF2B5EF4-FFF2-40B4-BE49-F238E27FC236}">
+                <a16:creationId xmlns:a16="http://schemas.microsoft.com/office/drawing/2014/main" id="{063BBA22-50EA-4C4D-BE05-F1CE4E63AA56}"/>
+              </a:ext>
+              <a:ext uri="{C183D7F6-B498-43B3-948B-1728B52AA6E4}">
+                <adec:decorative xmlns:adec="http://schemas.microsoft.com/office/drawing/2017/decorative" val="1"/>
+              </a:ext>
+            </a:extLst>
+          </p:cNvPr>
+          <p:cNvSpPr>
+            <a:spLocks noGrp="1" noRot="1" noChangeAspect="1" noMove="1" noResize="1" noEditPoints="1" noAdjustHandles="1" noChangeArrowheads="1" noChangeShapeType="1" noTextEdit="1"/>
+          </p:cNvSpPr>
+          <p:nvPr>
+            <p:extLst>
+              <p:ext uri="{386F3935-93C4-4BCD-93E2-E3B085C9AB24}">
+                <p16:designElem xmlns:p16="http://schemas.microsoft.com/office/powerpoint/2015/main" val="1"/>
+              </p:ext>
+            </p:extLst>
+          </p:nvPr>
+        </p:nvSpPr>
+        <p:spPr>
+          <a:xfrm rot="16200000" flipH="1">
+            <a:off x="5010646" y="-5010043"/>
+            <a:ext cx="2170709" cy="12192000"/>
+          </a:xfrm>
+          <a:prstGeom prst="rect">
+            <a:avLst/>
+          </a:prstGeom>
+          <a:gradFill>
+            <a:gsLst>
+              <a:gs pos="23000">
+                <a:schemeClr val="accent1">
+                  <a:lumMod val="75000"/>
+                  <a:alpha val="16000"/>
+                </a:schemeClr>
+              </a:gs>
+              <a:gs pos="99000">
+                <a:srgbClr val="000000">
+                  <a:alpha val="45000"/>
+                </a:srgbClr>
+              </a:gs>
+            </a:gsLst>
+            <a:lin ang="21000000" scaled="0"/>
+          </a:gradFill>
+          <a:ln>
+            <a:noFill/>
+          </a:ln>
+        </p:spPr>
+        <p:style>
+          <a:lnRef idx="2">
+            <a:schemeClr val="accent1">
+              <a:shade val="50000"/>
+            </a:schemeClr>
+          </a:lnRef>
+          <a:fillRef idx="1">
+            <a:schemeClr val="accent1"/>
+          </a:fillRef>
+          <a:effectRef idx="0">
+            <a:schemeClr val="accent1"/>
+          </a:effectRef>
+          <a:fontRef idx="minor">
+            <a:schemeClr val="lt1"/>
+          </a:fontRef>
+        </p:style>
+        <p:txBody>
+          <a:bodyPr rtlCol="0" anchor="ctr"/>
+          <a:lstStyle/>
+          <a:p>
+            <a:pPr algn="ctr"/>
+            <a:endParaRPr lang="en-US" dirty="0"/>
+          </a:p>
+        </p:txBody>
+      </p:sp>
+      <p:sp>
+        <p:nvSpPr>
+          <p:cNvPr id="2" name="Title 1">
+            <a:extLst>
+              <a:ext uri="{FF2B5EF4-FFF2-40B4-BE49-F238E27FC236}">
+                <a16:creationId xmlns:a16="http://schemas.microsoft.com/office/drawing/2014/main" id="{11267D0D-B736-58A8-8683-F83F32EB9073}"/>
+              </a:ext>
+            </a:extLst>
+          </p:cNvPr>
+          <p:cNvSpPr>
+            <a:spLocks noGrp="1"/>
+          </p:cNvSpPr>
+          <p:nvPr>
+            <p:ph type="title"/>
+          </p:nvPr>
+        </p:nvSpPr>
+        <p:spPr>
+          <a:xfrm>
+            <a:off x="1383564" y="348865"/>
+            <a:ext cx="9718111" cy="1576446"/>
+          </a:xfrm>
+        </p:spPr>
+        <p:txBody>
+          <a:bodyPr anchor="ctr">
+            <a:normAutofit/>
+          </a:bodyPr>
+          <a:lstStyle/>
+          <a:p>
+            <a:r>
+              <a:rPr lang="en-US" sz="3400" b="1">
+                <a:solidFill>
+                  <a:srgbClr val="FFFFFF"/>
+                </a:solidFill>
+              </a:rPr>
+              <a:t>Immediate Need for Policy and Legislative Action</a:t>
+            </a:r>
+            <a:br>
+              <a:rPr lang="en-US" sz="3400" b="1">
+                <a:solidFill>
+                  <a:srgbClr val="FFFFFF"/>
+                </a:solidFill>
+              </a:rPr>
+            </a:br>
+            <a:endParaRPr lang="en-US" sz="3400">
+              <a:solidFill>
+                <a:srgbClr val="FFFFFF"/>
+              </a:solidFill>
+            </a:endParaRPr>
+          </a:p>
+        </p:txBody>
+      </p:sp>
+      <p:graphicFrame>
+        <p:nvGraphicFramePr>
+          <p:cNvPr id="5" name="Content Placeholder 2">
+            <a:extLst>
+              <a:ext uri="{FF2B5EF4-FFF2-40B4-BE49-F238E27FC236}">
+                <a16:creationId xmlns:a16="http://schemas.microsoft.com/office/drawing/2014/main" id="{EF0F32A0-1246-7215-3A15-389FE84B44B4}"/>
+              </a:ext>
+            </a:extLst>
+          </p:cNvPr>
+          <p:cNvGraphicFramePr>
+            <a:graphicFrameLocks noGrp="1"/>
+          </p:cNvGraphicFramePr>
+          <p:nvPr>
+            <p:ph idx="1"/>
+            <p:extLst>
+              <p:ext uri="{D42A27DB-BD31-4B8C-83A1-F6EECF244321}">
+                <p14:modId xmlns:p14="http://schemas.microsoft.com/office/powerpoint/2010/main" val="4249338197"/>
+              </p:ext>
+            </p:extLst>
+          </p:nvPr>
+        </p:nvGraphicFramePr>
+        <p:xfrm>
+          <a:off x="644056" y="2615979"/>
+          <a:ext cx="10927829" cy="3689405"/>
+        </p:xfrm>
+        <a:graphic>
+          <a:graphicData uri="http://schemas.openxmlformats.org/drawingml/2006/diagram">
+            <dgm:relIds xmlns:dgm="http://schemas.openxmlformats.org/drawingml/2006/diagram" xmlns:r="http://schemas.openxmlformats.org/officeDocument/2006/relationships" r:dm="rId2" r:lo="rId3" r:qs="rId4" r:cs="rId5"/>
+          </a:graphicData>
+        </a:graphic>
+      </p:graphicFrame>
+    </p:spTree>
+    <p:extLst>
+      <p:ext uri="{BB962C8B-B14F-4D97-AF65-F5344CB8AC3E}">
+        <p14:creationId xmlns:p14="http://schemas.microsoft.com/office/powerpoint/2010/main" val="136810798"/>
+      </p:ext>
+    </p:extLst>
+  </p:cSld>
+  <p:clrMapOvr>
+    <a:masterClrMapping/>
+  </p:clrMapOvr>
+</p:sld>
+</file>
+
+<file path=ppt/slides/slide2.xml><?xml version="1.0" encoding="utf-8"?>
+<p:sld xmlns:a="http://schemas.openxmlformats.org/drawingml/2006/main" xmlns:r="http://schemas.openxmlformats.org/officeDocument/2006/relationships" xmlns:p="http://schemas.openxmlformats.org/presentationml/2006/main">
+  <p:cSld>
+    <p:bg>
+      <p:bgPr>
+        <a:solidFill>
+          <a:schemeClr val="bg1"/>
+        </a:solidFill>
+        <a:effectLst/>
+      </p:bgPr>
+    </p:bg>
+    <p:spTree>
+      <p:nvGrpSpPr>
+        <p:cNvPr id="1" name=""/>
+        <p:cNvGrpSpPr/>
+        <p:nvPr/>
+      </p:nvGrpSpPr>
+      <p:grpSpPr>
+        <a:xfrm>
+          <a:off x="0" y="0"/>
+          <a:ext cx="0" cy="0"/>
+          <a:chOff x="0" y="0"/>
+          <a:chExt cx="0" cy="0"/>
+        </a:xfrm>
+      </p:grpSpPr>
+      <p:sp useBgFill="1">
+        <p:nvSpPr>
+          <p:cNvPr id="25" name="Rectangle 24">
+            <a:extLst>
+              <a:ext uri="{FF2B5EF4-FFF2-40B4-BE49-F238E27FC236}">
+                <a16:creationId xmlns:a16="http://schemas.microsoft.com/office/drawing/2014/main" id="{A8384FB5-9ADC-4DDC-881B-597D56F5B15D}"/>
+              </a:ext>
+              <a:ext uri="{C183D7F6-B498-43B3-948B-1728B52AA6E4}">
+                <adec:decorative xmlns:adec="http://schemas.microsoft.com/office/drawing/2017/decorative" val="1"/>
+              </a:ext>
+            </a:extLst>
+          </p:cNvPr>
+          <p:cNvSpPr>
+            <a:spLocks noGrp="1" noRot="1" noChangeAspect="1" noMove="1" noResize="1" noEditPoints="1" noAdjustHandles="1" noChangeArrowheads="1" noChangeShapeType="1" noTextEdit="1"/>
+          </p:cNvSpPr>
+          <p:nvPr>
+            <p:extLst>
+              <p:ext uri="{386F3935-93C4-4BCD-93E2-E3B085C9AB24}">
+                <p16:designElem xmlns:p16="http://schemas.microsoft.com/office/powerpoint/2015/main" val="1"/>
+              </p:ext>
+            </p:extLst>
+          </p:nvPr>
+        </p:nvSpPr>
+        <p:spPr>
+          <a:xfrm>
+            <a:off x="0" y="0"/>
+            <a:ext cx="12192000" cy="6858000"/>
+          </a:xfrm>
+          <a:prstGeom prst="rect">
+            <a:avLst/>
+          </a:prstGeom>
+          <a:ln w="12700" cap="flat" cmpd="sng" algn="ctr">
+            <a:noFill/>
+            <a:prstDash val="solid"/>
+            <a:miter lim="800000"/>
+          </a:ln>
+          <a:effectLst/>
+          <a:extLst>
+            <a:ext uri="{91240B29-F687-4F45-9708-019B960494DF}">
+              <a14:hiddenLine xmlns:a14="http://schemas.microsoft.com/office/drawing/2010/main" w="12700" cap="flat" cmpd="sng" algn="ctr">
+                <a:solidFill>
+                  <a:schemeClr val="accent1">
+                    <a:shade val="50000"/>
+                  </a:schemeClr>
+                </a:solidFill>
+                <a:prstDash val="solid"/>
+                <a:miter lim="800000"/>
+              </a14:hiddenLine>
+            </a:ext>
+          </a:extLst>
+        </p:spPr>
+        <p:style>
+          <a:lnRef idx="2">
+            <a:schemeClr val="accent1">
+              <a:shade val="50000"/>
+            </a:schemeClr>
+          </a:lnRef>
+          <a:fillRef idx="1">
+            <a:schemeClr val="accent1"/>
+          </a:fillRef>
+          <a:effectRef idx="0">
+            <a:schemeClr val="accent1"/>
+          </a:effectRef>
+          <a:fontRef idx="minor">
+            <a:schemeClr val="lt1"/>
+          </a:fontRef>
+        </p:style>
+        <p:txBody>
+          <a:bodyPr rtlCol="0" anchor="ctr"/>
+          <a:lstStyle/>
+          <a:p>
+            <a:pPr algn="ctr"/>
+            <a:endParaRPr lang="en-US"/>
+          </a:p>
+        </p:txBody>
+      </p:sp>
+      <p:sp>
+        <p:nvSpPr>
+          <p:cNvPr id="27" name="Rectangle 26">
+            <a:extLst>
+              <a:ext uri="{FF2B5EF4-FFF2-40B4-BE49-F238E27FC236}">
+                <a16:creationId xmlns:a16="http://schemas.microsoft.com/office/drawing/2014/main" id="{91E5A9A7-95C6-4F4F-B00E-C82E07FE62EF}"/>
+              </a:ext>
+              <a:ext uri="{C183D7F6-B498-43B3-948B-1728B52AA6E4}">
+                <adec:decorative xmlns:adec="http://schemas.microsoft.com/office/drawing/2017/decorative" val="1"/>
+              </a:ext>
+            </a:extLst>
+          </p:cNvPr>
+          <p:cNvSpPr>
+            <a:spLocks noGrp="1" noRot="1" noChangeAspect="1" noMove="1" noResize="1" noEditPoints="1" noAdjustHandles="1" noChangeArrowheads="1" noChangeShapeType="1" noTextEdit="1"/>
+          </p:cNvSpPr>
+          <p:nvPr>
+            <p:extLst>
+              <p:ext uri="{386F3935-93C4-4BCD-93E2-E3B085C9AB24}">
+                <p16:designElem xmlns:p16="http://schemas.microsoft.com/office/powerpoint/2015/main" val="1"/>
+              </p:ext>
+            </p:extLst>
+          </p:nvPr>
+        </p:nvSpPr>
+        <p:spPr>
+          <a:xfrm rot="5400000" flipH="1">
+            <a:off x="-1417539" y="1417538"/>
+            <a:ext cx="6875818" cy="4040744"/>
+          </a:xfrm>
+          <a:prstGeom prst="rect">
+            <a:avLst/>
+          </a:prstGeom>
+          <a:gradFill>
+            <a:gsLst>
+              <a:gs pos="0">
+                <a:srgbClr val="000000"/>
+              </a:gs>
+              <a:gs pos="100000">
+                <a:schemeClr val="accent1">
+                  <a:lumMod val="75000"/>
+                </a:schemeClr>
+              </a:gs>
+            </a:gsLst>
+            <a:lin ang="18600000" scaled="0"/>
+          </a:gradFill>
+          <a:ln>
+            <a:noFill/>
+          </a:ln>
+        </p:spPr>
+        <p:style>
+          <a:lnRef idx="2">
+            <a:schemeClr val="accent1">
+              <a:shade val="50000"/>
+            </a:schemeClr>
+          </a:lnRef>
+          <a:fillRef idx="1">
+            <a:schemeClr val="accent1"/>
+          </a:fillRef>
+          <a:effectRef idx="0">
+            <a:schemeClr val="accent1"/>
+          </a:effectRef>
+          <a:fontRef idx="minor">
+            <a:schemeClr val="lt1"/>
+          </a:fontRef>
+        </p:style>
+        <p:txBody>
+          <a:bodyPr rtlCol="0" anchor="ctr"/>
+          <a:lstStyle/>
+          <a:p>
+            <a:pPr algn="ctr"/>
+            <a:endParaRPr lang="en-US" dirty="0"/>
+          </a:p>
+        </p:txBody>
+      </p:sp>
+      <p:sp>
+        <p:nvSpPr>
+          <p:cNvPr id="29" name="Rectangle 28">
+            <a:extLst>
+              <a:ext uri="{FF2B5EF4-FFF2-40B4-BE49-F238E27FC236}">
+                <a16:creationId xmlns:a16="http://schemas.microsoft.com/office/drawing/2014/main" id="{D07DD2DE-F619-49DD-B5E7-03A290FF4ED1}"/>
+              </a:ext>
+              <a:ext uri="{C183D7F6-B498-43B3-948B-1728B52AA6E4}">
+                <adec:decorative xmlns:adec="http://schemas.microsoft.com/office/drawing/2017/decorative" val="1"/>
+              </a:ext>
+            </a:extLst>
+          </p:cNvPr>
+          <p:cNvSpPr>
+            <a:spLocks noGrp="1" noRot="1" noChangeAspect="1" noMove="1" noResize="1" noEditPoints="1" noAdjustHandles="1" noChangeArrowheads="1" noChangeShapeType="1" noTextEdit="1"/>
+          </p:cNvSpPr>
+          <p:nvPr>
+            <p:extLst>
+              <p:ext uri="{386F3935-93C4-4BCD-93E2-E3B085C9AB24}">
+                <p16:designElem xmlns:p16="http://schemas.microsoft.com/office/powerpoint/2015/main" val="1"/>
+              </p:ext>
+            </p:extLst>
+          </p:nvPr>
+        </p:nvSpPr>
+        <p:spPr>
+          <a:xfrm rot="16200000">
+            <a:off x="-158495" y="2660473"/>
+            <a:ext cx="4355594" cy="4038603"/>
+          </a:xfrm>
+          <a:prstGeom prst="rect">
+            <a:avLst/>
+          </a:prstGeom>
+          <a:gradFill>
+            <a:gsLst>
+              <a:gs pos="0">
+                <a:schemeClr val="accent1">
+                  <a:alpha val="50000"/>
+                </a:schemeClr>
+              </a:gs>
+              <a:gs pos="100000">
+                <a:schemeClr val="accent1">
+                  <a:lumMod val="50000"/>
+                  <a:alpha val="0"/>
+                </a:schemeClr>
+              </a:gs>
+            </a:gsLst>
+            <a:lin ang="11400000" scaled="0"/>
+          </a:gradFill>
+          <a:ln>
+            <a:noFill/>
+          </a:ln>
+        </p:spPr>
+        <p:style>
+          <a:lnRef idx="2">
+            <a:schemeClr val="accent1">
+              <a:shade val="50000"/>
+            </a:schemeClr>
+          </a:lnRef>
+          <a:fillRef idx="1">
+            <a:schemeClr val="accent1"/>
+          </a:fillRef>
+          <a:effectRef idx="0">
+            <a:schemeClr val="accent1"/>
+          </a:effectRef>
+          <a:fontRef idx="minor">
+            <a:schemeClr val="lt1"/>
+          </a:fontRef>
+        </p:style>
+        <p:txBody>
+          <a:bodyPr rtlCol="0" anchor="ctr"/>
+          <a:lstStyle/>
+          <a:p>
+            <a:pPr algn="ctr"/>
+            <a:endParaRPr lang="en-US"/>
+          </a:p>
+        </p:txBody>
+      </p:sp>
+      <p:sp>
+        <p:nvSpPr>
+          <p:cNvPr id="31" name="Rectangle 30">
+            <a:extLst>
+              <a:ext uri="{FF2B5EF4-FFF2-40B4-BE49-F238E27FC236}">
+                <a16:creationId xmlns:a16="http://schemas.microsoft.com/office/drawing/2014/main" id="{85149191-5F60-4A28-AAFF-039F96B0F3EC}"/>
+              </a:ext>
+              <a:ext uri="{C183D7F6-B498-43B3-948B-1728B52AA6E4}">
+                <adec:decorative xmlns:adec="http://schemas.microsoft.com/office/drawing/2017/decorative" val="1"/>
+              </a:ext>
+            </a:extLst>
+          </p:cNvPr>
+          <p:cNvSpPr>
+            <a:spLocks noGrp="1" noRot="1" noChangeAspect="1" noMove="1" noResize="1" noEditPoints="1" noAdjustHandles="1" noChangeArrowheads="1" noChangeShapeType="1" noTextEdit="1"/>
+          </p:cNvSpPr>
+          <p:nvPr>
+            <p:extLst>
+              <p:ext uri="{386F3935-93C4-4BCD-93E2-E3B085C9AB24}">
+                <p16:designElem xmlns:p16="http://schemas.microsoft.com/office/powerpoint/2015/main" val="1"/>
+              </p:ext>
+            </p:extLst>
+          </p:nvPr>
+        </p:nvSpPr>
+        <p:spPr>
+          <a:xfrm rot="16200000" flipH="1">
+            <a:off x="-1180882" y="1638085"/>
+            <a:ext cx="6857572" cy="3581401"/>
+          </a:xfrm>
+          <a:prstGeom prst="rect">
+            <a:avLst/>
+          </a:prstGeom>
+          <a:gradFill>
+            <a:gsLst>
+              <a:gs pos="0">
+                <a:srgbClr val="000000">
+                  <a:alpha val="59000"/>
+                </a:srgbClr>
+              </a:gs>
+              <a:gs pos="69000">
+                <a:schemeClr val="accent1">
+                  <a:alpha val="0"/>
+                </a:schemeClr>
+              </a:gs>
+            </a:gsLst>
+            <a:lin ang="13200000" scaled="0"/>
+          </a:gradFill>
+          <a:ln>
+            <a:noFill/>
+          </a:ln>
+        </p:spPr>
+        <p:style>
+          <a:lnRef idx="2">
+            <a:schemeClr val="accent1">
+              <a:shade val="50000"/>
+            </a:schemeClr>
+          </a:lnRef>
+          <a:fillRef idx="1">
+            <a:schemeClr val="accent1"/>
+          </a:fillRef>
+          <a:effectRef idx="0">
+            <a:schemeClr val="accent1"/>
+          </a:effectRef>
+          <a:fontRef idx="minor">
+            <a:schemeClr val="lt1"/>
+          </a:fontRef>
+        </p:style>
+        <p:txBody>
+          <a:bodyPr rtlCol="0" anchor="ctr"/>
+          <a:lstStyle/>
+          <a:p>
+            <a:pPr algn="ctr"/>
+            <a:endParaRPr lang="en-US" dirty="0"/>
+          </a:p>
+        </p:txBody>
+      </p:sp>
+      <p:sp>
+        <p:nvSpPr>
+          <p:cNvPr id="33" name="Freeform: Shape 32">
+            <a:extLst>
+              <a:ext uri="{FF2B5EF4-FFF2-40B4-BE49-F238E27FC236}">
+                <a16:creationId xmlns:a16="http://schemas.microsoft.com/office/drawing/2014/main" id="{F8260ED5-17F7-4158-B241-D51DD4CF1B7E}"/>
+              </a:ext>
+              <a:ext uri="{C183D7F6-B498-43B3-948B-1728B52AA6E4}">
+                <adec:decorative xmlns:adec="http://schemas.microsoft.com/office/drawing/2017/decorative" val="1"/>
+              </a:ext>
+            </a:extLst>
+          </p:cNvPr>
+          <p:cNvSpPr>
+            <a:spLocks noGrp="1" noRot="1" noChangeAspect="1" noMove="1" noResize="1" noEditPoints="1" noAdjustHandles="1" noChangeArrowheads="1" noChangeShapeType="1" noTextEdit="1"/>
+          </p:cNvSpPr>
+          <p:nvPr>
+            <p:extLst>
+              <p:ext uri="{386F3935-93C4-4BCD-93E2-E3B085C9AB24}">
+                <p16:designElem xmlns:p16="http://schemas.microsoft.com/office/powerpoint/2015/main" val="1"/>
+              </p:ext>
+            </p:extLst>
+          </p:nvPr>
+        </p:nvSpPr>
+        <p:spPr>
+          <a:xfrm rot="6097846">
+            <a:off x="-747355" y="1201312"/>
+            <a:ext cx="4808302" cy="4088666"/>
+          </a:xfrm>
+          <a:custGeom>
+            <a:avLst/>
+            <a:gdLst>
+              <a:gd name="connsiteX0" fmla="*/ 48844 w 4808302"/>
+              <a:gd name="connsiteY0" fmla="*/ 2888671 h 4088666"/>
+              <a:gd name="connsiteX1" fmla="*/ 0 w 4808302"/>
+              <a:gd name="connsiteY1" fmla="*/ 2404151 h 4088666"/>
+              <a:gd name="connsiteX2" fmla="*/ 2404151 w 4808302"/>
+              <a:gd name="connsiteY2" fmla="*/ 0 h 4088666"/>
+              <a:gd name="connsiteX3" fmla="*/ 4808302 w 4808302"/>
+              <a:gd name="connsiteY3" fmla="*/ 2404151 h 4088666"/>
+              <a:gd name="connsiteX4" fmla="*/ 4700216 w 4808302"/>
+              <a:gd name="connsiteY4" fmla="*/ 3119072 h 4088666"/>
+              <a:gd name="connsiteX5" fmla="*/ 4643143 w 4808302"/>
+              <a:gd name="connsiteY5" fmla="*/ 3275009 h 4088666"/>
+              <a:gd name="connsiteX6" fmla="*/ 690093 w 4808302"/>
+              <a:gd name="connsiteY6" fmla="*/ 4088666 h 4088666"/>
+              <a:gd name="connsiteX7" fmla="*/ 548991 w 4808302"/>
+              <a:gd name="connsiteY7" fmla="*/ 3933414 h 4088666"/>
+              <a:gd name="connsiteX8" fmla="*/ 48844 w 4808302"/>
+              <a:gd name="connsiteY8" fmla="*/ 2888671 h 4088666"/>
+            </a:gdLst>
+            <a:ahLst/>
+            <a:cxnLst>
+              <a:cxn ang="0">
+                <a:pos x="connsiteX0" y="connsiteY0"/>
+              </a:cxn>
+              <a:cxn ang="0">
+                <a:pos x="connsiteX1" y="connsiteY1"/>
+              </a:cxn>
+              <a:cxn ang="0">
+                <a:pos x="connsiteX2" y="connsiteY2"/>
+              </a:cxn>
+              <a:cxn ang="0">
+                <a:pos x="connsiteX3" y="connsiteY3"/>
+              </a:cxn>
+              <a:cxn ang="0">
+                <a:pos x="connsiteX4" y="connsiteY4"/>
+              </a:cxn>
+              <a:cxn ang="0">
+                <a:pos x="connsiteX5" y="connsiteY5"/>
+              </a:cxn>
+              <a:cxn ang="0">
+                <a:pos x="connsiteX6" y="connsiteY6"/>
+              </a:cxn>
+              <a:cxn ang="0">
+                <a:pos x="connsiteX7" y="connsiteY7"/>
+              </a:cxn>
+              <a:cxn ang="0">
+                <a:pos x="connsiteX8" y="connsiteY8"/>
+              </a:cxn>
+            </a:cxnLst>
+            <a:rect l="l" t="t" r="r" b="b"/>
+            <a:pathLst>
+              <a:path w="4808302" h="4088666">
+                <a:moveTo>
+                  <a:pt x="48844" y="2888671"/>
+                </a:moveTo>
+                <a:cubicBezTo>
+                  <a:pt x="16818" y="2732167"/>
+                  <a:pt x="0" y="2570123"/>
+                  <a:pt x="0" y="2404151"/>
+                </a:cubicBezTo>
+                <a:cubicBezTo>
+                  <a:pt x="0" y="1076375"/>
+                  <a:pt x="1076375" y="0"/>
+                  <a:pt x="2404151" y="0"/>
+                </a:cubicBezTo>
+                <a:cubicBezTo>
+                  <a:pt x="3731927" y="0"/>
+                  <a:pt x="4808302" y="1076375"/>
+                  <a:pt x="4808302" y="2404151"/>
+                </a:cubicBezTo>
+                <a:cubicBezTo>
+                  <a:pt x="4808302" y="2653109"/>
+                  <a:pt x="4770461" y="2893229"/>
+                  <a:pt x="4700216" y="3119072"/>
+                </a:cubicBezTo>
+                <a:lnTo>
+                  <a:pt x="4643143" y="3275009"/>
+                </a:lnTo>
+                <a:lnTo>
+                  <a:pt x="690093" y="4088666"/>
+                </a:lnTo>
+                <a:lnTo>
+                  <a:pt x="548991" y="3933414"/>
+                </a:lnTo>
+                <a:cubicBezTo>
+                  <a:pt x="304015" y="3636572"/>
+                  <a:pt x="128908" y="3279932"/>
+                  <a:pt x="48844" y="2888671"/>
+                </a:cubicBezTo>
+                <a:close/>
+              </a:path>
+            </a:pathLst>
+          </a:custGeom>
+          <a:gradFill>
+            <a:gsLst>
+              <a:gs pos="39000">
+                <a:schemeClr val="accent1">
+                  <a:lumMod val="60000"/>
+                  <a:lumOff val="40000"/>
+                  <a:alpha val="0"/>
+                </a:schemeClr>
+              </a:gs>
+              <a:gs pos="100000">
+                <a:schemeClr val="accent1">
+                  <a:lumMod val="75000"/>
+                  <a:alpha val="26000"/>
+                </a:schemeClr>
+              </a:gs>
+            </a:gsLst>
+            <a:lin ang="18600000" scaled="0"/>
+          </a:gradFill>
+          <a:ln>
+            <a:noFill/>
+          </a:ln>
+        </p:spPr>
+        <p:style>
+          <a:lnRef idx="2">
+            <a:schemeClr val="accent1">
+              <a:shade val="50000"/>
+            </a:schemeClr>
+          </a:lnRef>
+          <a:fillRef idx="1">
+            <a:schemeClr val="accent1"/>
+          </a:fillRef>
+          <a:effectRef idx="0">
+            <a:schemeClr val="accent1"/>
+          </a:effectRef>
+          <a:fontRef idx="minor">
+            <a:schemeClr val="lt1"/>
+          </a:fontRef>
+        </p:style>
+        <p:txBody>
+          <a:bodyPr wrap="square" rtlCol="0" anchor="ctr">
+            <a:noAutofit/>
+          </a:bodyPr>
+          <a:lstStyle/>
+          <a:p>
+            <a:pPr algn="ctr"/>
+            <a:endParaRPr lang="en-US" dirty="0"/>
+          </a:p>
+        </p:txBody>
+      </p:sp>
+      <p:sp>
+        <p:nvSpPr>
+          <p:cNvPr id="6" name="Rectangle 2">
+            <a:extLst>
+              <a:ext uri="{FF2B5EF4-FFF2-40B4-BE49-F238E27FC236}">
+                <a16:creationId xmlns:a16="http://schemas.microsoft.com/office/drawing/2014/main" id="{E256115B-DCBC-50AC-3F0C-D47FBA7712FE}"/>
+              </a:ext>
+            </a:extLst>
+          </p:cNvPr>
+          <p:cNvSpPr>
+            <a:spLocks noGrp="1" noChangeArrowheads="1"/>
+          </p:cNvSpPr>
+          <p:nvPr>
+            <p:ph type="title"/>
+          </p:nvPr>
+        </p:nvSpPr>
+        <p:spPr bwMode="auto">
+          <a:xfrm>
+            <a:off x="660041" y="2767106"/>
+            <a:ext cx="2880828" cy="3071906"/>
+          </a:xfrm>
+          <a:prstGeom prst="rect">
+            <a:avLst/>
+          </a:prstGeom>
+          <a:extLst>
+            <a:ext uri="{909E8E84-426E-40DD-AFC4-6F175D3DCCD1}">
+              <a14:hiddenFill xmlns:a14="http://schemas.microsoft.com/office/drawing/2010/main">
+                <a:solidFill>
+                  <a:schemeClr val="accent1"/>
+                </a:solidFill>
+              </a14:hiddenFill>
+            </a:ext>
+            <a:ext uri="{91240B29-F687-4F45-9708-019B960494DF}">
+              <a14:hiddenLine xmlns:a14="http://schemas.microsoft.com/office/drawing/2010/main" w="9525">
+                <a:solidFill>
+                  <a:schemeClr val="tx1"/>
+                </a:solidFill>
+                <a:miter lim="800000"/>
+                <a:headEnd/>
+                <a:tailEnd/>
+              </a14:hiddenLine>
+            </a:ext>
+            <a:ext uri="{AF507438-7753-43E0-B8FC-AC1667EBCBE1}">
+              <a14:hiddenEffects xmlns:a14="http://schemas.microsoft.com/office/drawing/2010/main">
+                <a:effectLst>
+                  <a:outerShdw dist="35921" dir="2700000" algn="ctr" rotWithShape="0">
+                    <a:schemeClr val="bg2"/>
+                  </a:outerShdw>
+                </a:effectLst>
+              </a14:hiddenEffects>
+            </a:ext>
+          </a:extLst>
+        </p:spPr>
+        <p:txBody>
+          <a:bodyPr vert="horz" lIns="91440" tIns="45720" rIns="91440" bIns="45720" numCol="1" rtlCol="0" anchor="t" anchorCtr="0" compatLnSpc="1">
+            <a:prstTxWarp prst="textNoShape">
+              <a:avLst/>
+            </a:prstTxWarp>
+            <a:normAutofit/>
+          </a:bodyPr>
+          <a:lstStyle>
+            <a:lvl1pPr eaLnBrk="0" fontAlgn="base" hangingPunct="0">
+              <a:spcBef>
+                <a:spcPct val="0"/>
+              </a:spcBef>
+              <a:spcAft>
+                <a:spcPct val="0"/>
+              </a:spcAft>
+              <a:defRPr>
+                <a:solidFill>
+                  <a:schemeClr val="tx1"/>
+                </a:solidFill>
+                <a:latin typeface="Arial" panose="020B0604020202020204" pitchFamily="34" charset="0"/>
+              </a:defRPr>
+            </a:lvl1pPr>
+            <a:lvl2pPr eaLnBrk="0" fontAlgn="base" hangingPunct="0">
+              <a:spcBef>
+                <a:spcPct val="0"/>
+              </a:spcBef>
+              <a:spcAft>
+                <a:spcPct val="0"/>
+              </a:spcAft>
+              <a:defRPr>
+                <a:solidFill>
+                  <a:schemeClr val="tx1"/>
+                </a:solidFill>
+                <a:latin typeface="Arial" panose="020B0604020202020204" pitchFamily="34" charset="0"/>
+              </a:defRPr>
+            </a:lvl2pPr>
+            <a:lvl3pPr eaLnBrk="0" fontAlgn="base" hangingPunct="0">
+              <a:spcBef>
+                <a:spcPct val="0"/>
+              </a:spcBef>
+              <a:spcAft>
+                <a:spcPct val="0"/>
+              </a:spcAft>
+              <a:defRPr>
+                <a:solidFill>
+                  <a:schemeClr val="tx1"/>
+                </a:solidFill>
+                <a:latin typeface="Arial" panose="020B0604020202020204" pitchFamily="34" charset="0"/>
+              </a:defRPr>
+            </a:lvl3pPr>
+            <a:lvl4pPr eaLnBrk="0" fontAlgn="base" hangingPunct="0">
+              <a:spcBef>
+                <a:spcPct val="0"/>
+              </a:spcBef>
+              <a:spcAft>
+                <a:spcPct val="0"/>
+              </a:spcAft>
+              <a:defRPr>
+                <a:solidFill>
+                  <a:schemeClr val="tx1"/>
+                </a:solidFill>
+                <a:latin typeface="Arial" panose="020B0604020202020204" pitchFamily="34" charset="0"/>
+              </a:defRPr>
+            </a:lvl4pPr>
+            <a:lvl5pPr eaLnBrk="0" fontAlgn="base" hangingPunct="0">
+              <a:spcBef>
+                <a:spcPct val="0"/>
+              </a:spcBef>
+              <a:spcAft>
+                <a:spcPct val="0"/>
+              </a:spcAft>
+              <a:defRPr>
+                <a:solidFill>
+                  <a:schemeClr val="tx1"/>
+                </a:solidFill>
+                <a:latin typeface="Arial" panose="020B0604020202020204" pitchFamily="34" charset="0"/>
+              </a:defRPr>
+            </a:lvl5pPr>
+            <a:lvl6pPr eaLnBrk="0" fontAlgn="base" hangingPunct="0">
+              <a:spcBef>
+                <a:spcPct val="0"/>
+              </a:spcBef>
+              <a:spcAft>
+                <a:spcPct val="0"/>
+              </a:spcAft>
+              <a:defRPr>
+                <a:solidFill>
+                  <a:schemeClr val="tx1"/>
+                </a:solidFill>
+                <a:latin typeface="Arial" panose="020B0604020202020204" pitchFamily="34" charset="0"/>
+              </a:defRPr>
+            </a:lvl6pPr>
+            <a:lvl7pPr eaLnBrk="0" fontAlgn="base" hangingPunct="0">
+              <a:spcBef>
+                <a:spcPct val="0"/>
+              </a:spcBef>
+              <a:spcAft>
+                <a:spcPct val="0"/>
+              </a:spcAft>
+              <a:defRPr>
+                <a:solidFill>
+                  <a:schemeClr val="tx1"/>
+                </a:solidFill>
+                <a:latin typeface="Arial" panose="020B0604020202020204" pitchFamily="34" charset="0"/>
+              </a:defRPr>
+            </a:lvl7pPr>
+            <a:lvl8pPr eaLnBrk="0" fontAlgn="base" hangingPunct="0">
+              <a:spcBef>
+                <a:spcPct val="0"/>
+              </a:spcBef>
+              <a:spcAft>
+                <a:spcPct val="0"/>
+              </a:spcAft>
+              <a:defRPr>
+                <a:solidFill>
+                  <a:schemeClr val="tx1"/>
+                </a:solidFill>
+                <a:latin typeface="Arial" panose="020B0604020202020204" pitchFamily="34" charset="0"/>
+              </a:defRPr>
+            </a:lvl8pPr>
+            <a:lvl9pPr eaLnBrk="0" fontAlgn="base" hangingPunct="0">
+              <a:spcBef>
+                <a:spcPct val="0"/>
+              </a:spcBef>
+              <a:spcAft>
+                <a:spcPct val="0"/>
+              </a:spcAft>
+              <a:defRPr>
+                <a:solidFill>
+                  <a:schemeClr val="tx1"/>
+                </a:solidFill>
+                <a:latin typeface="Arial" panose="020B0604020202020204" pitchFamily="34" charset="0"/>
+              </a:defRPr>
+            </a:lvl9pPr>
+          </a:lstStyle>
+          <a:p>
+            <a:pPr lvl="0" eaLnBrk="1" hangingPunct="1"/>
+            <a:r>
+              <a:rPr lang="en-US" sz="2500" kern="1200" dirty="0">
+                <a:solidFill>
+                  <a:srgbClr val="FFFFFF"/>
+                </a:solidFill>
+                <a:latin typeface="Calibri" panose="020F0502020204030204" pitchFamily="34" charset="0"/>
+                <a:cs typeface="Calibri" panose="020F0502020204030204" pitchFamily="34" charset="0"/>
+              </a:rPr>
+              <a:t>Global charts can make hunger seem far away, but food insecurity remains a serious and local challenge in the United States as well.</a:t>
+            </a:r>
+            <a:endParaRPr kumimoji="0" lang="en-US" altLang="en-US" sz="2500" b="0" i="0" u="none" strike="noStrike" kern="1200" cap="none" normalizeH="0" baseline="0" dirty="0">
+              <a:ln>
+                <a:noFill/>
+              </a:ln>
+              <a:solidFill>
+                <a:srgbClr val="FFFFFF"/>
+              </a:solidFill>
+              <a:effectLst/>
+              <a:latin typeface="Calibri" panose="020F0502020204030204" pitchFamily="34" charset="0"/>
+              <a:cs typeface="Calibri" panose="020F0502020204030204" pitchFamily="34" charset="0"/>
+            </a:endParaRPr>
+          </a:p>
+        </p:txBody>
+      </p:sp>
+      <p:pic>
+        <p:nvPicPr>
+          <p:cNvPr id="4" name="Content Placeholder 3">
+            <a:extLst>
+              <a:ext uri="{FF2B5EF4-FFF2-40B4-BE49-F238E27FC236}">
+                <a16:creationId xmlns:a16="http://schemas.microsoft.com/office/drawing/2014/main" id="{FF8D88EE-1841-9BB2-4572-1BE0A84B54A6}"/>
+              </a:ext>
+            </a:extLst>
+          </p:cNvPr>
+          <p:cNvPicPr>
+            <a:picLocks noGrp="1" noChangeAspect="1"/>
+          </p:cNvPicPr>
+          <p:nvPr>
+            <p:ph idx="1"/>
+          </p:nvPr>
+        </p:nvPicPr>
+        <p:blipFill>
+          <a:blip r:embed="rId2"/>
+          <a:stretch>
+            <a:fillRect/>
+          </a:stretch>
+        </p:blipFill>
+        <p:spPr>
+          <a:xfrm>
+            <a:off x="4502428" y="981279"/>
+            <a:ext cx="7225748" cy="4895442"/>
+          </a:xfrm>
+          <a:prstGeom prst="rect">
+            <a:avLst/>
+          </a:prstGeom>
+        </p:spPr>
+      </p:pic>
+    </p:spTree>
+    <p:extLst>
+      <p:ext uri="{BB962C8B-B14F-4D97-AF65-F5344CB8AC3E}">
+        <p14:creationId xmlns:p14="http://schemas.microsoft.com/office/powerpoint/2010/main" val="1977352556"/>
+      </p:ext>
+    </p:extLst>
+  </p:cSld>
+  <p:clrMapOvr>
+    <a:masterClrMapping/>
+  </p:clrMapOvr>
+</p:sld>
+</file>
+
+<file path=ppt/slides/slide3.xml><?xml version="1.0" encoding="utf-8"?>
+<p:sld xmlns:a="http://schemas.openxmlformats.org/drawingml/2006/main" xmlns:r="http://schemas.openxmlformats.org/officeDocument/2006/relationships" xmlns:p="http://schemas.openxmlformats.org/presentationml/2006/main">
+  <p:cSld>
+    <p:bg>
+      <p:bgPr>
+        <a:solidFill>
+          <a:schemeClr val="bg1"/>
+        </a:solidFill>
+        <a:effectLst/>
+      </p:bgPr>
+    </p:bg>
+    <p:spTree>
+      <p:nvGrpSpPr>
+        <p:cNvPr id="1" name=""/>
+        <p:cNvGrpSpPr/>
+        <p:nvPr/>
+      </p:nvGrpSpPr>
+      <p:grpSpPr>
+        <a:xfrm>
+          <a:off x="0" y="0"/>
+          <a:ext cx="0" cy="0"/>
+          <a:chOff x="0" y="0"/>
+          <a:chExt cx="0" cy="0"/>
+        </a:xfrm>
+      </p:grpSpPr>
+      <p:sp useBgFill="1">
+        <p:nvSpPr>
+          <p:cNvPr id="26" name="Rectangle 25">
+            <a:extLst>
+              <a:ext uri="{FF2B5EF4-FFF2-40B4-BE49-F238E27FC236}">
+                <a16:creationId xmlns:a16="http://schemas.microsoft.com/office/drawing/2014/main" id="{1B15ED52-F352-441B-82BF-E0EA34836D08}"/>
+              </a:ext>
+              <a:ext uri="{C183D7F6-B498-43B3-948B-1728B52AA6E4}">
+                <adec:decorative xmlns:adec="http://schemas.microsoft.com/office/drawing/2017/decorative" val="1"/>
+              </a:ext>
+            </a:extLst>
+          </p:cNvPr>
+          <p:cNvSpPr>
+            <a:spLocks noGrp="1" noRot="1" noChangeAspect="1" noMove="1" noResize="1" noEditPoints="1" noAdjustHandles="1" noChangeArrowheads="1" noChangeShapeType="1" noTextEdit="1"/>
+          </p:cNvSpPr>
+          <p:nvPr>
+            <p:extLst>
+              <p:ext uri="{386F3935-93C4-4BCD-93E2-E3B085C9AB24}">
+                <p16:designElem xmlns:p16="http://schemas.microsoft.com/office/powerpoint/2015/main" val="1"/>
+              </p:ext>
+            </p:extLst>
+          </p:nvPr>
+        </p:nvSpPr>
+        <p:spPr>
+          <a:xfrm>
+            <a:off x="0" y="0"/>
+            <a:ext cx="12192000" cy="6858000"/>
+          </a:xfrm>
+          <a:prstGeom prst="rect">
+            <a:avLst/>
+          </a:prstGeom>
+          <a:ln w="12700" cap="flat" cmpd="sng" algn="ctr">
+            <a:noFill/>
+            <a:prstDash val="solid"/>
+            <a:miter lim="800000"/>
+          </a:ln>
+          <a:effectLst/>
+          <a:extLst>
+            <a:ext uri="{91240B29-F687-4F45-9708-019B960494DF}">
+              <a14:hiddenLine xmlns:a14="http://schemas.microsoft.com/office/drawing/2010/main" w="12700" cap="flat" cmpd="sng" algn="ctr">
+                <a:solidFill>
+                  <a:schemeClr val="accent1">
+                    <a:shade val="50000"/>
+                  </a:schemeClr>
+                </a:solidFill>
+                <a:prstDash val="solid"/>
+                <a:miter lim="800000"/>
+              </a14:hiddenLine>
+            </a:ext>
+          </a:extLst>
+        </p:spPr>
+        <p:style>
+          <a:lnRef idx="2">
+            <a:schemeClr val="accent1">
+              <a:shade val="50000"/>
+            </a:schemeClr>
+          </a:lnRef>
+          <a:fillRef idx="1">
+            <a:schemeClr val="accent1"/>
+          </a:fillRef>
+          <a:effectRef idx="0">
+            <a:schemeClr val="accent1"/>
+          </a:effectRef>
+          <a:fontRef idx="minor">
+            <a:schemeClr val="lt1"/>
+          </a:fontRef>
+        </p:style>
+        <p:txBody>
+          <a:bodyPr rtlCol="0" anchor="ctr"/>
+          <a:lstStyle/>
+          <a:p>
+            <a:pPr algn="ctr"/>
+            <a:endParaRPr lang="en-US"/>
+          </a:p>
+        </p:txBody>
+      </p:sp>
+      <p:sp>
+        <p:nvSpPr>
+          <p:cNvPr id="28" name="Rectangle 27">
+            <a:extLst>
+              <a:ext uri="{FF2B5EF4-FFF2-40B4-BE49-F238E27FC236}">
+                <a16:creationId xmlns:a16="http://schemas.microsoft.com/office/drawing/2014/main" id="{3B2E3793-BFE6-45A2-9B7B-E18844431C99}"/>
+              </a:ext>
+              <a:ext uri="{C183D7F6-B498-43B3-948B-1728B52AA6E4}">
+                <adec:decorative xmlns:adec="http://schemas.microsoft.com/office/drawing/2017/decorative" val="1"/>
+              </a:ext>
+            </a:extLst>
+          </p:cNvPr>
+          <p:cNvSpPr>
+            <a:spLocks noGrp="1" noRot="1" noChangeAspect="1" noMove="1" noResize="1" noEditPoints="1" noAdjustHandles="1" noChangeArrowheads="1" noChangeShapeType="1" noTextEdit="1"/>
+          </p:cNvSpPr>
+          <p:nvPr>
+            <p:extLst>
+              <p:ext uri="{386F3935-93C4-4BCD-93E2-E3B085C9AB24}">
+                <p16:designElem xmlns:p16="http://schemas.microsoft.com/office/powerpoint/2015/main" val="1"/>
+              </p:ext>
+            </p:extLst>
+          </p:nvPr>
+        </p:nvSpPr>
+        <p:spPr>
+          <a:xfrm flipH="1">
+            <a:off x="-1" y="5266402"/>
+            <a:ext cx="12191998" cy="1590742"/>
+          </a:xfrm>
+          <a:prstGeom prst="rect">
+            <a:avLst/>
+          </a:prstGeom>
+          <a:gradFill>
+            <a:gsLst>
+              <a:gs pos="0">
+                <a:srgbClr val="000000"/>
+              </a:gs>
+              <a:gs pos="100000">
+                <a:schemeClr val="accent1"/>
+              </a:gs>
+            </a:gsLst>
+            <a:lin ang="8400000" scaled="0"/>
+          </a:gradFill>
+          <a:ln>
+            <a:noFill/>
+          </a:ln>
+        </p:spPr>
+        <p:style>
+          <a:lnRef idx="2">
+            <a:schemeClr val="accent1">
+              <a:shade val="50000"/>
+            </a:schemeClr>
+          </a:lnRef>
+          <a:fillRef idx="1">
+            <a:schemeClr val="accent1"/>
+          </a:fillRef>
+          <a:effectRef idx="0">
+            <a:schemeClr val="accent1"/>
+          </a:effectRef>
+          <a:fontRef idx="minor">
+            <a:schemeClr val="lt1"/>
+          </a:fontRef>
+        </p:style>
+        <p:txBody>
+          <a:bodyPr rtlCol="0" anchor="ctr"/>
+          <a:lstStyle/>
+          <a:p>
+            <a:pPr algn="ctr"/>
+            <a:endParaRPr lang="en-US"/>
+          </a:p>
+        </p:txBody>
+      </p:sp>
+      <p:sp>
+        <p:nvSpPr>
+          <p:cNvPr id="30" name="Rectangle 29">
+            <a:extLst>
+              <a:ext uri="{FF2B5EF4-FFF2-40B4-BE49-F238E27FC236}">
+                <a16:creationId xmlns:a16="http://schemas.microsoft.com/office/drawing/2014/main" id="{BC4C4868-CB8F-4AF9-9CDB-8108F2C19B67}"/>
+              </a:ext>
+              <a:ext uri="{C183D7F6-B498-43B3-948B-1728B52AA6E4}">
+                <adec:decorative xmlns:adec="http://schemas.microsoft.com/office/drawing/2017/decorative" val="1"/>
+              </a:ext>
+            </a:extLst>
+          </p:cNvPr>
+          <p:cNvSpPr>
+            <a:spLocks noGrp="1" noRot="1" noChangeAspect="1" noMove="1" noResize="1" noEditPoints="1" noAdjustHandles="1" noChangeArrowheads="1" noChangeShapeType="1" noTextEdit="1"/>
+          </p:cNvSpPr>
+          <p:nvPr>
+            <p:extLst>
+              <p:ext uri="{386F3935-93C4-4BCD-93E2-E3B085C9AB24}">
+                <p16:designElem xmlns:p16="http://schemas.microsoft.com/office/powerpoint/2015/main" val="1"/>
+              </p:ext>
+            </p:extLst>
+          </p:nvPr>
+        </p:nvSpPr>
+        <p:spPr>
+          <a:xfrm flipH="1">
+            <a:off x="-1" y="5270175"/>
+            <a:ext cx="12185331" cy="1590742"/>
+          </a:xfrm>
+          <a:prstGeom prst="rect">
+            <a:avLst/>
+          </a:prstGeom>
+          <a:gradFill>
+            <a:gsLst>
+              <a:gs pos="0">
+                <a:schemeClr val="accent1">
+                  <a:alpha val="0"/>
+                </a:schemeClr>
+              </a:gs>
+              <a:gs pos="100000">
+                <a:schemeClr val="accent1">
+                  <a:lumMod val="50000"/>
+                </a:schemeClr>
+              </a:gs>
+            </a:gsLst>
+            <a:lin ang="10200000" scaled="0"/>
+          </a:gradFill>
+          <a:ln>
+            <a:noFill/>
+          </a:ln>
+        </p:spPr>
+        <p:style>
+          <a:lnRef idx="2">
+            <a:schemeClr val="accent1">
+              <a:shade val="50000"/>
+            </a:schemeClr>
+          </a:lnRef>
+          <a:fillRef idx="1">
+            <a:schemeClr val="accent1"/>
+          </a:fillRef>
+          <a:effectRef idx="0">
+            <a:schemeClr val="accent1"/>
+          </a:effectRef>
+          <a:fontRef idx="minor">
+            <a:schemeClr val="lt1"/>
+          </a:fontRef>
+        </p:style>
+        <p:txBody>
+          <a:bodyPr rtlCol="0" anchor="ctr"/>
+          <a:lstStyle/>
+          <a:p>
+            <a:pPr algn="ctr"/>
+            <a:endParaRPr lang="en-US"/>
+          </a:p>
+        </p:txBody>
+      </p:sp>
+      <p:sp>
+        <p:nvSpPr>
+          <p:cNvPr id="32" name="Rectangle 31">
+            <a:extLst>
+              <a:ext uri="{FF2B5EF4-FFF2-40B4-BE49-F238E27FC236}">
+                <a16:creationId xmlns:a16="http://schemas.microsoft.com/office/drawing/2014/main" id="{375E0459-6403-40CD-989D-56A4407CA12E}"/>
+              </a:ext>
+              <a:ext uri="{C183D7F6-B498-43B3-948B-1728B52AA6E4}">
+                <adec:decorative xmlns:adec="http://schemas.microsoft.com/office/drawing/2017/decorative" val="1"/>
+              </a:ext>
+            </a:extLst>
+          </p:cNvPr>
+          <p:cNvSpPr>
+            <a:spLocks noGrp="1" noRot="1" noChangeAspect="1" noMove="1" noResize="1" noEditPoints="1" noAdjustHandles="1" noChangeArrowheads="1" noChangeShapeType="1" noTextEdit="1"/>
+          </p:cNvSpPr>
+          <p:nvPr>
+            <p:extLst>
+              <p:ext uri="{386F3935-93C4-4BCD-93E2-E3B085C9AB24}">
+                <p16:designElem xmlns:p16="http://schemas.microsoft.com/office/powerpoint/2015/main" val="1"/>
+              </p:ext>
+            </p:extLst>
+          </p:nvPr>
+        </p:nvSpPr>
+        <p:spPr>
+          <a:xfrm flipH="1">
+            <a:off x="8115299" y="5265546"/>
+            <a:ext cx="4076698" cy="1590742"/>
+          </a:xfrm>
+          <a:prstGeom prst="rect">
+            <a:avLst/>
+          </a:prstGeom>
+          <a:gradFill>
+            <a:gsLst>
+              <a:gs pos="0">
+                <a:schemeClr val="accent1">
+                  <a:lumMod val="50000"/>
+                </a:schemeClr>
+              </a:gs>
+              <a:gs pos="100000">
+                <a:schemeClr val="accent1">
+                  <a:alpha val="0"/>
+                </a:schemeClr>
+              </a:gs>
+            </a:gsLst>
+            <a:lin ang="13200000" scaled="0"/>
+          </a:gradFill>
+          <a:ln>
+            <a:noFill/>
+          </a:ln>
+        </p:spPr>
+        <p:style>
+          <a:lnRef idx="2">
+            <a:schemeClr val="accent1">
+              <a:shade val="50000"/>
+            </a:schemeClr>
+          </a:lnRef>
+          <a:fillRef idx="1">
+            <a:schemeClr val="accent1"/>
+          </a:fillRef>
+          <a:effectRef idx="0">
+            <a:schemeClr val="accent1"/>
+          </a:effectRef>
+          <a:fontRef idx="minor">
+            <a:schemeClr val="lt1"/>
+          </a:fontRef>
+        </p:style>
+        <p:txBody>
+          <a:bodyPr rtlCol="0" anchor="ctr"/>
+          <a:lstStyle/>
+          <a:p>
+            <a:pPr algn="ctr"/>
+            <a:endParaRPr lang="en-US"/>
+          </a:p>
+        </p:txBody>
+      </p:sp>
+      <p:sp>
+        <p:nvSpPr>
+          <p:cNvPr id="34" name="Rectangle 33">
+            <a:extLst>
+              <a:ext uri="{FF2B5EF4-FFF2-40B4-BE49-F238E27FC236}">
+                <a16:creationId xmlns:a16="http://schemas.microsoft.com/office/drawing/2014/main" id="{53E5B1A8-3AC9-4BD1-9BBC-78CA94F2D1BA}"/>
+              </a:ext>
+              <a:ext uri="{C183D7F6-B498-43B3-948B-1728B52AA6E4}">
+                <adec:decorative xmlns:adec="http://schemas.microsoft.com/office/drawing/2017/decorative" val="1"/>
+              </a:ext>
+            </a:extLst>
+          </p:cNvPr>
+          <p:cNvSpPr>
+            <a:spLocks noGrp="1" noRot="1" noChangeAspect="1" noMove="1" noResize="1" noEditPoints="1" noAdjustHandles="1" noChangeArrowheads="1" noChangeShapeType="1" noTextEdit="1"/>
+          </p:cNvSpPr>
+          <p:nvPr>
+            <p:extLst>
+              <p:ext uri="{386F3935-93C4-4BCD-93E2-E3B085C9AB24}">
+                <p16:designElem xmlns:p16="http://schemas.microsoft.com/office/powerpoint/2015/main" val="1"/>
+              </p:ext>
+            </p:extLst>
+          </p:nvPr>
+        </p:nvSpPr>
+        <p:spPr>
+          <a:xfrm rot="10800000">
+            <a:off x="-13335" y="5263483"/>
+            <a:ext cx="12192000" cy="1597433"/>
+          </a:xfrm>
+          <a:prstGeom prst="rect">
+            <a:avLst/>
+          </a:prstGeom>
+          <a:gradFill>
+            <a:gsLst>
+              <a:gs pos="0">
+                <a:srgbClr val="000000">
+                  <a:alpha val="0"/>
+                </a:srgbClr>
+              </a:gs>
+              <a:gs pos="99000">
+                <a:schemeClr val="accent1">
+                  <a:lumMod val="50000"/>
+                  <a:alpha val="55000"/>
+                </a:schemeClr>
+              </a:gs>
+            </a:gsLst>
+            <a:lin ang="16800000" scaled="0"/>
+          </a:gradFill>
+          <a:ln>
+            <a:noFill/>
+          </a:ln>
+        </p:spPr>
+        <p:style>
+          <a:lnRef idx="2">
+            <a:schemeClr val="accent1">
+              <a:shade val="50000"/>
+            </a:schemeClr>
+          </a:lnRef>
+          <a:fillRef idx="1">
+            <a:schemeClr val="accent1"/>
+          </a:fillRef>
+          <a:effectRef idx="0">
+            <a:schemeClr val="accent1"/>
+          </a:effectRef>
+          <a:fontRef idx="minor">
+            <a:schemeClr val="lt1"/>
+          </a:fontRef>
+        </p:style>
+        <p:txBody>
+          <a:bodyPr rtlCol="0" anchor="ctr"/>
+          <a:lstStyle/>
+          <a:p>
+            <a:pPr algn="ctr"/>
+            <a:endParaRPr lang="en-US"/>
+          </a:p>
+        </p:txBody>
+      </p:sp>
+      <p:sp>
+        <p:nvSpPr>
+          <p:cNvPr id="2" name="Title 1">
+            <a:extLst>
+              <a:ext uri="{FF2B5EF4-FFF2-40B4-BE49-F238E27FC236}">
+                <a16:creationId xmlns:a16="http://schemas.microsoft.com/office/drawing/2014/main" id="{A8AAB128-3AA8-A4D9-D859-30488EBC945E}"/>
+              </a:ext>
+            </a:extLst>
+          </p:cNvPr>
+          <p:cNvSpPr>
+            <a:spLocks noGrp="1"/>
+          </p:cNvSpPr>
+          <p:nvPr>
+            <p:ph type="title"/>
+          </p:nvPr>
+        </p:nvSpPr>
+        <p:spPr>
+          <a:xfrm>
+            <a:off x="1371599" y="5510253"/>
+            <a:ext cx="9895951" cy="1033669"/>
+          </a:xfrm>
+        </p:spPr>
+        <p:txBody>
+          <a:bodyPr vert="horz" lIns="91440" tIns="45720" rIns="91440" bIns="45720" rtlCol="0">
+            <a:normAutofit/>
+          </a:bodyPr>
+          <a:lstStyle/>
+          <a:p>
+            <a:r>
+              <a:rPr lang="en-US" sz="2200" kern="1200" dirty="0">
+                <a:solidFill>
+                  <a:srgbClr val="FFFFFF"/>
+                </a:solidFill>
+                <a:latin typeface="Calibri" panose="020F0502020204030204" pitchFamily="34" charset="0"/>
+                <a:cs typeface="Calibri" panose="020F0502020204030204" pitchFamily="34" charset="0"/>
+              </a:rPr>
+              <a:t>From 2014 to 2023, the yearly median food insecurity rate changes over time, but the South, including Texas, Louisiana, and New Mexico, consistently shows higher levels than the rest of the country.</a:t>
+            </a:r>
+          </a:p>
+        </p:txBody>
+      </p:sp>
+      <p:pic>
+        <p:nvPicPr>
+          <p:cNvPr id="4" name="plotly_states.mov">
+            <a:hlinkClick r:id="" action="ppaction://media"/>
+            <a:extLst>
+              <a:ext uri="{FF2B5EF4-FFF2-40B4-BE49-F238E27FC236}">
+                <a16:creationId xmlns:a16="http://schemas.microsoft.com/office/drawing/2014/main" id="{C355F921-F3BD-265E-1B60-05BE2F6D86C8}"/>
+              </a:ext>
+            </a:extLst>
+          </p:cNvPr>
+          <p:cNvPicPr>
+            <a:picLocks noChangeAspect="1"/>
+          </p:cNvPicPr>
+          <p:nvPr>
+            <a:videoFile r:link="rId2"/>
+            <p:extLst>
+              <p:ext uri="{DAA4B4D4-6D71-4841-9C94-3DE7FCFB9230}">
+                <p14:media xmlns:p14="http://schemas.microsoft.com/office/powerpoint/2010/main" r:embed="rId1"/>
+              </p:ext>
+            </p:extLst>
+          </p:nvPr>
+        </p:nvPicPr>
+        <p:blipFill>
+          <a:blip r:embed="rId4"/>
+          <a:stretch>
+            <a:fillRect/>
+          </a:stretch>
+        </p:blipFill>
+        <p:spPr>
+          <a:xfrm>
+            <a:off x="-1" y="1332495"/>
+            <a:ext cx="12193365" cy="2469153"/>
+          </a:xfrm>
+          <a:prstGeom prst="rect">
+            <a:avLst/>
+          </a:prstGeom>
+        </p:spPr>
+      </p:pic>
+    </p:spTree>
+    <p:extLst>
+      <p:ext uri="{BB962C8B-B14F-4D97-AF65-F5344CB8AC3E}">
+        <p14:creationId xmlns:p14="http://schemas.microsoft.com/office/powerpoint/2010/main" val="93079884"/>
+      </p:ext>
+    </p:extLst>
+  </p:cSld>
+  <p:clrMapOvr>
+    <a:masterClrMapping/>
+  </p:clrMapOvr>
+  <p:timing>
+    <p:tnLst>
+      <p:par>
+        <p:cTn id="1" dur="indefinite" restart="never" nodeType="tmRoot">
+          <p:childTnLst>
+            <p:seq concurrent="1" nextAc="seek">
+              <p:cTn id="2" dur="indefinite" nodeType="mainSeq">
+                <p:childTnLst>
+                  <p:par>
+                    <p:cTn id="3" fill="hold">
+                      <p:stCondLst>
+                        <p:cond delay="indefinite"/>
+                      </p:stCondLst>
+                      <p:childTnLst>
+                        <p:par>
+                          <p:cTn id="4" fill="hold">
+                            <p:stCondLst>
+                              <p:cond delay="0"/>
+                            </p:stCondLst>
+                            <p:childTnLst>
+                              <p:par>
+                                <p:cTn id="5" presetID="1" presetClass="mediacall" presetSubtype="0" fill="hold" nodeType="clickEffect">
+                                  <p:stCondLst>
+                                    <p:cond delay="0"/>
+                                  </p:stCondLst>
+                                  <p:childTnLst>
+                                    <p:cmd type="call" cmd="playFrom(0.0)">
+                                      <p:cBhvr>
+                                        <p:cTn id="6" dur="6440" fill="hold"/>
+                                        <p:tgtEl>
+                                          <p:spTgt spid="4"/>
+                                        </p:tgtEl>
+                                      </p:cBhvr>
+                                    </p:cmd>
+                                  </p:childTnLst>
+                                </p:cTn>
+                              </p:par>
+                            </p:childTnLst>
+                          </p:cTn>
+                        </p:par>
+                      </p:childTnLst>
+                    </p:cTn>
+                  </p:par>
+                </p:childTnLst>
+              </p:cTn>
+              <p:prevCondLst>
+                <p:cond evt="onPrev" delay="0">
+                  <p:tgtEl>
+                    <p:sldTgt/>
+                  </p:tgtEl>
+                </p:cond>
+              </p:prevCondLst>
+              <p:nextCondLst>
+                <p:cond evt="onNext" delay="0">
+                  <p:tgtEl>
+                    <p:sldTgt/>
+                  </p:tgtEl>
+                </p:cond>
+              </p:nextCondLst>
+            </p:seq>
+            <p:video>
+              <p:cMediaNode vol="80000" mute="1">
+                <p:cTn id="7" repeatCount="indefinite" fill="hold" display="0">
+                  <p:stCondLst>
+                    <p:cond delay="indefinite"/>
+                  </p:stCondLst>
+                </p:cTn>
+                <p:tgtEl>
+                  <p:spTgt spid="4"/>
+                </p:tgtEl>
+              </p:cMediaNode>
+            </p:video>
+            <p:seq concurrent="1" nextAc="seek">
+              <p:cTn id="8" restart="whenNotActive" fill="hold" evtFilter="cancelBubble" nodeType="interactiveSeq">
+                <p:stCondLst>
+                  <p:cond evt="onClick" delay="0">
+                    <p:tgtEl>
+                      <p:spTgt spid="4"/>
+                    </p:tgtEl>
+                  </p:cond>
+                </p:stCondLst>
+                <p:endSync evt="end" delay="0">
+                  <p:rtn val="all"/>
+                </p:endSync>
+                <p:childTnLst>
+                  <p:par>
+                    <p:cTn id="9" fill="hold">
+                      <p:stCondLst>
+                        <p:cond delay="0"/>
+                      </p:stCondLst>
+                      <p:childTnLst>
+                        <p:par>
+                          <p:cTn id="10" fill="hold">
+                            <p:stCondLst>
+                              <p:cond delay="0"/>
+                            </p:stCondLst>
+                            <p:childTnLst>
+                              <p:par>
+                                <p:cTn id="11" presetID="2" presetClass="mediacall" presetSubtype="0" fill="hold" nodeType="clickEffect">
+                                  <p:stCondLst>
+                                    <p:cond delay="0"/>
+                                  </p:stCondLst>
+                                  <p:childTnLst>
+                                    <p:cmd type="call" cmd="togglePause">
+                                      <p:cBhvr>
+                                        <p:cTn id="12" dur="1" fill="hold"/>
+                                        <p:tgtEl>
+                                          <p:spTgt spid="4"/>
+                                        </p:tgtEl>
+                                      </p:cBhvr>
+                                    </p:cmd>
+                                  </p:childTnLst>
+                                </p:cTn>
+                              </p:par>
+                            </p:childTnLst>
+                          </p:cTn>
+                        </p:par>
+                      </p:childTnLst>
+                    </p:cTn>
+                  </p:par>
+                </p:childTnLst>
+              </p:cTn>
+              <p:nextCondLst>
+                <p:cond evt="onClick" delay="0">
+                  <p:tgtEl>
+                    <p:spTgt spid="4"/>
+                  </p:tgtEl>
+                </p:cond>
+              </p:nextCondLst>
+            </p:seq>
+          </p:childTnLst>
+        </p:cTn>
+      </p:par>
+    </p:tnLst>
+  </p:timing>
+</p:sld>
+</file>
+
+<file path=ppt/slides/slide4.xml><?xml version="1.0" encoding="utf-8"?>
+<p:sld xmlns:a="http://schemas.openxmlformats.org/drawingml/2006/main" xmlns:r="http://schemas.openxmlformats.org/officeDocument/2006/relationships" xmlns:p="http://schemas.openxmlformats.org/presentationml/2006/main">
+  <p:cSld>
+    <p:bg>
+      <p:bgPr>
+        <a:solidFill>
+          <a:schemeClr val="bg1"/>
+        </a:solidFill>
+        <a:effectLst/>
+      </p:bgPr>
+    </p:bg>
+    <p:spTree>
+      <p:nvGrpSpPr>
+        <p:cNvPr id="1" name=""/>
+        <p:cNvGrpSpPr/>
+        <p:nvPr/>
+      </p:nvGrpSpPr>
+      <p:grpSpPr>
+        <a:xfrm>
+          <a:off x="0" y="0"/>
+          <a:ext cx="0" cy="0"/>
+          <a:chOff x="0" y="0"/>
+          <a:chExt cx="0" cy="0"/>
+        </a:xfrm>
+      </p:grpSpPr>
+      <p:sp useBgFill="1">
+        <p:nvSpPr>
+          <p:cNvPr id="10" name="Rectangle 9">
+            <a:extLst>
+              <a:ext uri="{FF2B5EF4-FFF2-40B4-BE49-F238E27FC236}">
+                <a16:creationId xmlns:a16="http://schemas.microsoft.com/office/drawing/2014/main" id="{A8384FB5-9ADC-4DDC-881B-597D56F5B15D}"/>
+              </a:ext>
+              <a:ext uri="{C183D7F6-B498-43B3-948B-1728B52AA6E4}">
+                <adec:decorative xmlns:adec="http://schemas.microsoft.com/office/drawing/2017/decorative" val="1"/>
+              </a:ext>
+            </a:extLst>
+          </p:cNvPr>
+          <p:cNvSpPr>
+            <a:spLocks noGrp="1" noRot="1" noChangeAspect="1" noMove="1" noResize="1" noEditPoints="1" noAdjustHandles="1" noChangeArrowheads="1" noChangeShapeType="1" noTextEdit="1"/>
+          </p:cNvSpPr>
+          <p:nvPr>
+            <p:extLst>
+              <p:ext uri="{386F3935-93C4-4BCD-93E2-E3B085C9AB24}">
+                <p16:designElem xmlns:p16="http://schemas.microsoft.com/office/powerpoint/2015/main" val="1"/>
+              </p:ext>
+            </p:extLst>
+          </p:nvPr>
+        </p:nvSpPr>
+        <p:spPr>
+          <a:xfrm>
+            <a:off x="0" y="0"/>
+            <a:ext cx="12192000" cy="6858000"/>
+          </a:xfrm>
+          <a:prstGeom prst="rect">
+            <a:avLst/>
+          </a:prstGeom>
+          <a:ln w="12700" cap="flat" cmpd="sng" algn="ctr">
+            <a:noFill/>
+            <a:prstDash val="solid"/>
+            <a:miter lim="800000"/>
+          </a:ln>
+          <a:effectLst/>
+          <a:extLst>
+            <a:ext uri="{91240B29-F687-4F45-9708-019B960494DF}">
+              <a14:hiddenLine xmlns:a14="http://schemas.microsoft.com/office/drawing/2010/main" w="12700" cap="flat" cmpd="sng" algn="ctr">
+                <a:solidFill>
+                  <a:schemeClr val="accent1">
+                    <a:shade val="50000"/>
+                  </a:schemeClr>
+                </a:solidFill>
+                <a:prstDash val="solid"/>
+                <a:miter lim="800000"/>
+              </a14:hiddenLine>
+            </a:ext>
+          </a:extLst>
+        </p:spPr>
+        <p:style>
+          <a:lnRef idx="2">
+            <a:schemeClr val="accent1">
+              <a:shade val="50000"/>
+            </a:schemeClr>
+          </a:lnRef>
+          <a:fillRef idx="1">
+            <a:schemeClr val="accent1"/>
+          </a:fillRef>
+          <a:effectRef idx="0">
+            <a:schemeClr val="accent1"/>
+          </a:effectRef>
+          <a:fontRef idx="minor">
+            <a:schemeClr val="lt1"/>
+          </a:fontRef>
+        </p:style>
+        <p:txBody>
+          <a:bodyPr rtlCol="0" anchor="ctr"/>
+          <a:lstStyle/>
+          <a:p>
+            <a:pPr algn="ctr"/>
+            <a:endParaRPr lang="en-US"/>
+          </a:p>
+        </p:txBody>
+      </p:sp>
+      <p:sp>
+        <p:nvSpPr>
+          <p:cNvPr id="20" name="Rectangle 19">
+            <a:extLst>
+              <a:ext uri="{FF2B5EF4-FFF2-40B4-BE49-F238E27FC236}">
+                <a16:creationId xmlns:a16="http://schemas.microsoft.com/office/drawing/2014/main" id="{1199E1B1-A8C0-4FE8-A5A8-1CB41D69F857}"/>
+              </a:ext>
+              <a:ext uri="{C183D7F6-B498-43B3-948B-1728B52AA6E4}">
+                <adec:decorative xmlns:adec="http://schemas.microsoft.com/office/drawing/2017/decorative" val="1"/>
+              </a:ext>
+            </a:extLst>
+          </p:cNvPr>
+          <p:cNvSpPr>
+            <a:spLocks noGrp="1" noRot="1" noChangeAspect="1" noMove="1" noResize="1" noEditPoints="1" noAdjustHandles="1" noChangeArrowheads="1" noChangeShapeType="1" noTextEdit="1"/>
+          </p:cNvSpPr>
+          <p:nvPr>
+            <p:extLst>
+              <p:ext uri="{386F3935-93C4-4BCD-93E2-E3B085C9AB24}">
+                <p16:designElem xmlns:p16="http://schemas.microsoft.com/office/powerpoint/2015/main" val="1"/>
+              </p:ext>
+            </p:extLst>
+          </p:nvPr>
+        </p:nvSpPr>
+        <p:spPr>
+          <a:xfrm rot="10800000" flipH="1">
+            <a:off x="2" y="0"/>
+            <a:ext cx="12191998" cy="1575955"/>
+          </a:xfrm>
+          <a:prstGeom prst="rect">
+            <a:avLst/>
+          </a:prstGeom>
+          <a:gradFill>
+            <a:gsLst>
+              <a:gs pos="0">
+                <a:srgbClr val="000000">
+                  <a:alpha val="96000"/>
+                </a:srgbClr>
+              </a:gs>
+              <a:gs pos="100000">
+                <a:schemeClr val="accent1">
+                  <a:lumMod val="75000"/>
+                </a:schemeClr>
+              </a:gs>
+            </a:gsLst>
+            <a:lin ang="6000000" scaled="0"/>
+          </a:gradFill>
+          <a:ln>
+            <a:noFill/>
+          </a:ln>
+        </p:spPr>
+        <p:style>
+          <a:lnRef idx="2">
+            <a:schemeClr val="accent1">
+              <a:shade val="50000"/>
+            </a:schemeClr>
+          </a:lnRef>
+          <a:fillRef idx="1">
+            <a:schemeClr val="accent1"/>
+          </a:fillRef>
+          <a:effectRef idx="0">
+            <a:schemeClr val="accent1"/>
+          </a:effectRef>
+          <a:fontRef idx="minor">
+            <a:schemeClr val="lt1"/>
+          </a:fontRef>
+        </p:style>
+        <p:txBody>
+          <a:bodyPr rtlCol="0" anchor="ctr"/>
+          <a:lstStyle/>
+          <a:p>
+            <a:pPr algn="ctr"/>
+            <a:endParaRPr lang="en-US"/>
+          </a:p>
+        </p:txBody>
+      </p:sp>
+      <p:sp>
+        <p:nvSpPr>
+          <p:cNvPr id="21" name="Rectangle 20">
+            <a:extLst>
+              <a:ext uri="{FF2B5EF4-FFF2-40B4-BE49-F238E27FC236}">
+                <a16:creationId xmlns:a16="http://schemas.microsoft.com/office/drawing/2014/main" id="{84A8DE83-DE75-4B41-9DB4-A7EC0B0DEC0B}"/>
+              </a:ext>
+              <a:ext uri="{C183D7F6-B498-43B3-948B-1728B52AA6E4}">
+                <adec:decorative xmlns:adec="http://schemas.microsoft.com/office/drawing/2017/decorative" val="1"/>
+              </a:ext>
+            </a:extLst>
+          </p:cNvPr>
+          <p:cNvSpPr>
+            <a:spLocks noGrp="1" noRot="1" noChangeAspect="1" noMove="1" noResize="1" noEditPoints="1" noAdjustHandles="1" noChangeArrowheads="1" noChangeShapeType="1" noTextEdit="1"/>
+          </p:cNvSpPr>
+          <p:nvPr>
+            <p:extLst>
+              <p:ext uri="{386F3935-93C4-4BCD-93E2-E3B085C9AB24}">
+                <p16:designElem xmlns:p16="http://schemas.microsoft.com/office/powerpoint/2015/main" val="1"/>
+              </p:ext>
+            </p:extLst>
+          </p:nvPr>
+        </p:nvSpPr>
+        <p:spPr>
+          <a:xfrm>
+            <a:off x="0" y="0"/>
+            <a:ext cx="8128856" cy="1575461"/>
+          </a:xfrm>
+          <a:prstGeom prst="rect">
+            <a:avLst/>
+          </a:prstGeom>
+          <a:gradFill>
+            <a:gsLst>
+              <a:gs pos="0">
+                <a:schemeClr val="accent1">
+                  <a:alpha val="41000"/>
+                </a:schemeClr>
+              </a:gs>
+              <a:gs pos="74000">
+                <a:schemeClr val="accent1">
+                  <a:lumMod val="60000"/>
+                  <a:lumOff val="40000"/>
+                  <a:alpha val="0"/>
+                </a:schemeClr>
+              </a:gs>
+            </a:gsLst>
+            <a:lin ang="8400000" scaled="0"/>
+          </a:gradFill>
+          <a:ln>
+            <a:noFill/>
+          </a:ln>
+        </p:spPr>
+        <p:style>
+          <a:lnRef idx="2">
+            <a:schemeClr val="accent1">
+              <a:shade val="50000"/>
+            </a:schemeClr>
+          </a:lnRef>
+          <a:fillRef idx="1">
+            <a:schemeClr val="accent1"/>
+          </a:fillRef>
+          <a:effectRef idx="0">
+            <a:schemeClr val="accent1"/>
+          </a:effectRef>
+          <a:fontRef idx="minor">
+            <a:schemeClr val="lt1"/>
+          </a:fontRef>
+        </p:style>
+        <p:txBody>
+          <a:bodyPr rtlCol="0" anchor="ctr"/>
+          <a:lstStyle/>
+          <a:p>
+            <a:pPr algn="ctr"/>
+            <a:endParaRPr lang="en-US"/>
+          </a:p>
+        </p:txBody>
+      </p:sp>
+      <p:sp>
+        <p:nvSpPr>
+          <p:cNvPr id="22" name="Rectangle 21">
+            <a:extLst>
+              <a:ext uri="{FF2B5EF4-FFF2-40B4-BE49-F238E27FC236}">
+                <a16:creationId xmlns:a16="http://schemas.microsoft.com/office/drawing/2014/main" id="{A7009A0A-BEF5-4EAC-AF15-E4F9F002E239}"/>
+              </a:ext>
+              <a:ext uri="{C183D7F6-B498-43B3-948B-1728B52AA6E4}">
+                <adec:decorative xmlns:adec="http://schemas.microsoft.com/office/drawing/2017/decorative" val="1"/>
+              </a:ext>
+            </a:extLst>
+          </p:cNvPr>
+          <p:cNvSpPr>
+            <a:spLocks noGrp="1" noRot="1" noChangeAspect="1" noMove="1" noResize="1" noEditPoints="1" noAdjustHandles="1" noChangeArrowheads="1" noChangeShapeType="1" noTextEdit="1"/>
+          </p:cNvSpPr>
+          <p:nvPr>
+            <p:extLst>
+              <p:ext uri="{386F3935-93C4-4BCD-93E2-E3B085C9AB24}">
+                <p16:designElem xmlns:p16="http://schemas.microsoft.com/office/powerpoint/2015/main" val="1"/>
+              </p:ext>
+            </p:extLst>
+          </p:nvPr>
+        </p:nvSpPr>
+        <p:spPr>
+          <a:xfrm flipH="1">
+            <a:off x="-3" y="-1"/>
+            <a:ext cx="12192002" cy="1574311"/>
+          </a:xfrm>
+          <a:prstGeom prst="rect">
+            <a:avLst/>
+          </a:prstGeom>
+          <a:gradFill>
+            <a:gsLst>
+              <a:gs pos="0">
+                <a:srgbClr val="000000">
+                  <a:alpha val="63000"/>
+                </a:srgbClr>
+              </a:gs>
+              <a:gs pos="78000">
+                <a:schemeClr val="accent1">
+                  <a:alpha val="15000"/>
+                </a:schemeClr>
+              </a:gs>
+            </a:gsLst>
+            <a:lin ang="15600000" scaled="0"/>
+          </a:gradFill>
+          <a:ln>
+            <a:noFill/>
+          </a:ln>
+        </p:spPr>
+        <p:style>
+          <a:lnRef idx="2">
+            <a:schemeClr val="accent1">
+              <a:shade val="50000"/>
+            </a:schemeClr>
+          </a:lnRef>
+          <a:fillRef idx="1">
+            <a:schemeClr val="accent1"/>
+          </a:fillRef>
+          <a:effectRef idx="0">
+            <a:schemeClr val="accent1"/>
+          </a:effectRef>
+          <a:fontRef idx="minor">
+            <a:schemeClr val="lt1"/>
+          </a:fontRef>
+        </p:style>
+        <p:txBody>
+          <a:bodyPr rtlCol="0" anchor="ctr"/>
+          <a:lstStyle/>
+          <a:p>
+            <a:pPr algn="ctr"/>
+            <a:endParaRPr lang="en-US"/>
+          </a:p>
+        </p:txBody>
+      </p:sp>
+      <p:sp>
+        <p:nvSpPr>
+          <p:cNvPr id="5" name="Rectangle 1">
+            <a:extLst>
+              <a:ext uri="{FF2B5EF4-FFF2-40B4-BE49-F238E27FC236}">
+                <a16:creationId xmlns:a16="http://schemas.microsoft.com/office/drawing/2014/main" id="{6587E993-9AD1-C5BD-C08C-7F8F1CF54DC9}"/>
+              </a:ext>
+            </a:extLst>
+          </p:cNvPr>
+          <p:cNvSpPr>
+            <a:spLocks noGrp="1" noChangeArrowheads="1"/>
+          </p:cNvSpPr>
+          <p:nvPr>
+            <p:ph type="title"/>
+          </p:nvPr>
+        </p:nvSpPr>
+        <p:spPr bwMode="auto">
+          <a:xfrm>
+            <a:off x="699713" y="248038"/>
+            <a:ext cx="7063721" cy="1159200"/>
+          </a:xfrm>
+          <a:prstGeom prst="rect">
+            <a:avLst/>
+          </a:prstGeom>
+          <a:extLst>
+            <a:ext uri="{909E8E84-426E-40DD-AFC4-6F175D3DCCD1}">
+              <a14:hiddenFill xmlns:a14="http://schemas.microsoft.com/office/drawing/2010/main">
+                <a:solidFill>
+                  <a:schemeClr val="accent1"/>
+                </a:solidFill>
+              </a14:hiddenFill>
+            </a:ext>
+            <a:ext uri="{91240B29-F687-4F45-9708-019B960494DF}">
+              <a14:hiddenLine xmlns:a14="http://schemas.microsoft.com/office/drawing/2010/main" w="9525">
+                <a:solidFill>
+                  <a:schemeClr val="tx1"/>
+                </a:solidFill>
+                <a:miter lim="800000"/>
+                <a:headEnd/>
+                <a:tailEnd/>
+              </a14:hiddenLine>
+            </a:ext>
+            <a:ext uri="{AF507438-7753-43E0-B8FC-AC1667EBCBE1}">
+              <a14:hiddenEffects xmlns:a14="http://schemas.microsoft.com/office/drawing/2010/main">
+                <a:effectLst>
+                  <a:outerShdw dist="35921" dir="2700000" algn="ctr" rotWithShape="0">
+                    <a:schemeClr val="bg2"/>
+                  </a:outerShdw>
+                </a:effectLst>
+              </a14:hiddenEffects>
+            </a:ext>
+          </a:extLst>
+        </p:spPr>
+        <p:txBody>
+          <a:bodyPr vert="horz" lIns="91440" tIns="45720" rIns="91440" bIns="45720" numCol="1" rtlCol="0" anchor="ctr" anchorCtr="0" compatLnSpc="1">
+            <a:prstTxWarp prst="textNoShape">
+              <a:avLst/>
+            </a:prstTxWarp>
+            <a:normAutofit/>
+          </a:bodyPr>
+          <a:lstStyle/>
+          <a:p>
+            <a:pPr lvl="0" fontAlgn="base">
+              <a:spcAft>
+                <a:spcPct val="0"/>
+              </a:spcAft>
+            </a:pPr>
+            <a:r>
+              <a:rPr kumimoji="0" lang="en-US" altLang="en-US" sz="2200" b="0" i="0" u="none" strike="noStrike" kern="1200" cap="none" normalizeH="0" baseline="0" dirty="0">
+                <a:ln>
+                  <a:noFill/>
+                </a:ln>
+                <a:solidFill>
+                  <a:srgbClr val="FFFFFF"/>
+                </a:solidFill>
+                <a:effectLst/>
+                <a:latin typeface="Calibri" panose="020F0502020204030204" pitchFamily="34" charset="0"/>
+                <a:cs typeface="Calibri" panose="020F0502020204030204" pitchFamily="34" charset="0"/>
+              </a:rPr>
+              <a:t>Both men and women show similar food security patterns, with about 87 percent food secure, 8 percent low food secure, and 4 percent very low food secure.</a:t>
+            </a:r>
+          </a:p>
+        </p:txBody>
+      </p:sp>
+      <p:pic>
+        <p:nvPicPr>
+          <p:cNvPr id="4" name="Content Placeholder 3">
+            <a:extLst>
+              <a:ext uri="{FF2B5EF4-FFF2-40B4-BE49-F238E27FC236}">
+                <a16:creationId xmlns:a16="http://schemas.microsoft.com/office/drawing/2014/main" id="{3FE2DC7C-6777-3973-E35D-2FBF0EF4E23E}"/>
+              </a:ext>
+            </a:extLst>
+          </p:cNvPr>
+          <p:cNvPicPr>
+            <a:picLocks noGrp="1" noChangeAspect="1"/>
+          </p:cNvPicPr>
+          <p:nvPr>
+            <p:ph idx="1"/>
+          </p:nvPr>
+        </p:nvPicPr>
+        <p:blipFill>
+          <a:blip r:embed="rId2"/>
+          <a:stretch>
+            <a:fillRect/>
+          </a:stretch>
+        </p:blipFill>
+        <p:spPr>
+          <a:xfrm>
+            <a:off x="432225" y="2818907"/>
+            <a:ext cx="11327549" cy="2746931"/>
+          </a:xfrm>
+          <a:prstGeom prst="rect">
+            <a:avLst/>
+          </a:prstGeom>
+        </p:spPr>
+      </p:pic>
+    </p:spTree>
+    <p:extLst>
+      <p:ext uri="{BB962C8B-B14F-4D97-AF65-F5344CB8AC3E}">
+        <p14:creationId xmlns:p14="http://schemas.microsoft.com/office/powerpoint/2010/main" val="2399884204"/>
+      </p:ext>
+    </p:extLst>
+  </p:cSld>
+  <p:clrMapOvr>
+    <a:masterClrMapping/>
+  </p:clrMapOvr>
+</p:sld>
+</file>
+
+<file path=ppt/slides/slide5.xml><?xml version="1.0" encoding="utf-8"?>
+<p:sld xmlns:a="http://schemas.openxmlformats.org/drawingml/2006/main" xmlns:r="http://schemas.openxmlformats.org/officeDocument/2006/relationships" xmlns:p="http://schemas.openxmlformats.org/presentationml/2006/main">
+  <p:cSld>
+    <p:bg>
+      <p:bgPr>
+        <a:solidFill>
+          <a:schemeClr val="bg1"/>
+        </a:solidFill>
+        <a:effectLst/>
+      </p:bgPr>
+    </p:bg>
+    <p:spTree>
+      <p:nvGrpSpPr>
+        <p:cNvPr id="1" name=""/>
+        <p:cNvGrpSpPr/>
+        <p:nvPr/>
+      </p:nvGrpSpPr>
+      <p:grpSpPr>
+        <a:xfrm>
+          <a:off x="0" y="0"/>
+          <a:ext cx="0" cy="0"/>
+          <a:chOff x="0" y="0"/>
+          <a:chExt cx="0" cy="0"/>
+        </a:xfrm>
+      </p:grpSpPr>
+      <p:sp useBgFill="1">
+        <p:nvSpPr>
+          <p:cNvPr id="9" name="Rectangle 8">
+            <a:extLst>
+              <a:ext uri="{FF2B5EF4-FFF2-40B4-BE49-F238E27FC236}">
+                <a16:creationId xmlns:a16="http://schemas.microsoft.com/office/drawing/2014/main" id="{A8384FB5-9ADC-4DDC-881B-597D56F5B15D}"/>
+              </a:ext>
+              <a:ext uri="{C183D7F6-B498-43B3-948B-1728B52AA6E4}">
+                <adec:decorative xmlns:adec="http://schemas.microsoft.com/office/drawing/2017/decorative" val="1"/>
+              </a:ext>
+            </a:extLst>
+          </p:cNvPr>
+          <p:cNvSpPr>
+            <a:spLocks noGrp="1" noRot="1" noChangeAspect="1" noMove="1" noResize="1" noEditPoints="1" noAdjustHandles="1" noChangeArrowheads="1" noChangeShapeType="1" noTextEdit="1"/>
+          </p:cNvSpPr>
+          <p:nvPr>
+            <p:extLst>
+              <p:ext uri="{386F3935-93C4-4BCD-93E2-E3B085C9AB24}">
+                <p16:designElem xmlns:p16="http://schemas.microsoft.com/office/powerpoint/2015/main" val="1"/>
+              </p:ext>
+            </p:extLst>
+          </p:nvPr>
+        </p:nvSpPr>
+        <p:spPr>
+          <a:xfrm>
+            <a:off x="0" y="0"/>
+            <a:ext cx="12192000" cy="6858000"/>
+          </a:xfrm>
+          <a:prstGeom prst="rect">
+            <a:avLst/>
+          </a:prstGeom>
+          <a:ln w="12700" cap="flat" cmpd="sng" algn="ctr">
+            <a:noFill/>
+            <a:prstDash val="solid"/>
+            <a:miter lim="800000"/>
+          </a:ln>
+          <a:effectLst/>
+          <a:extLst>
+            <a:ext uri="{91240B29-F687-4F45-9708-019B960494DF}">
+              <a14:hiddenLine xmlns:a14="http://schemas.microsoft.com/office/drawing/2010/main" w="12700" cap="flat" cmpd="sng" algn="ctr">
+                <a:solidFill>
+                  <a:schemeClr val="accent1">
+                    <a:shade val="50000"/>
+                  </a:schemeClr>
+                </a:solidFill>
+                <a:prstDash val="solid"/>
+                <a:miter lim="800000"/>
+              </a14:hiddenLine>
+            </a:ext>
+          </a:extLst>
+        </p:spPr>
+        <p:style>
+          <a:lnRef idx="2">
+            <a:schemeClr val="accent1">
+              <a:shade val="50000"/>
+            </a:schemeClr>
+          </a:lnRef>
+          <a:fillRef idx="1">
+            <a:schemeClr val="accent1"/>
+          </a:fillRef>
+          <a:effectRef idx="0">
+            <a:schemeClr val="accent1"/>
+          </a:effectRef>
+          <a:fontRef idx="minor">
+            <a:schemeClr val="lt1"/>
+          </a:fontRef>
+        </p:style>
+        <p:txBody>
+          <a:bodyPr rtlCol="0" anchor="ctr"/>
+          <a:lstStyle/>
+          <a:p>
+            <a:pPr algn="ctr"/>
+            <a:endParaRPr lang="en-US"/>
+          </a:p>
+        </p:txBody>
+      </p:sp>
+      <p:sp>
+        <p:nvSpPr>
+          <p:cNvPr id="11" name="Rectangle 10">
+            <a:extLst>
+              <a:ext uri="{FF2B5EF4-FFF2-40B4-BE49-F238E27FC236}">
+                <a16:creationId xmlns:a16="http://schemas.microsoft.com/office/drawing/2014/main" id="{91E5A9A7-95C6-4F4F-B00E-C82E07FE62EF}"/>
+              </a:ext>
+              <a:ext uri="{C183D7F6-B498-43B3-948B-1728B52AA6E4}">
+                <adec:decorative xmlns:adec="http://schemas.microsoft.com/office/drawing/2017/decorative" val="1"/>
+              </a:ext>
+            </a:extLst>
+          </p:cNvPr>
+          <p:cNvSpPr>
+            <a:spLocks noGrp="1" noRot="1" noChangeAspect="1" noMove="1" noResize="1" noEditPoints="1" noAdjustHandles="1" noChangeArrowheads="1" noChangeShapeType="1" noTextEdit="1"/>
+          </p:cNvSpPr>
+          <p:nvPr>
+            <p:extLst>
+              <p:ext uri="{386F3935-93C4-4BCD-93E2-E3B085C9AB24}">
+                <p16:designElem xmlns:p16="http://schemas.microsoft.com/office/powerpoint/2015/main" val="1"/>
+              </p:ext>
+            </p:extLst>
+          </p:nvPr>
+        </p:nvSpPr>
+        <p:spPr>
+          <a:xfrm rot="5400000" flipH="1">
+            <a:off x="-1417539" y="1417538"/>
+            <a:ext cx="6875818" cy="4040744"/>
+          </a:xfrm>
+          <a:prstGeom prst="rect">
+            <a:avLst/>
+          </a:prstGeom>
+          <a:gradFill>
+            <a:gsLst>
+              <a:gs pos="0">
+                <a:srgbClr val="000000"/>
+              </a:gs>
+              <a:gs pos="100000">
+                <a:schemeClr val="accent1">
+                  <a:lumMod val="75000"/>
+                </a:schemeClr>
+              </a:gs>
+            </a:gsLst>
+            <a:lin ang="18600000" scaled="0"/>
+          </a:gradFill>
+          <a:ln>
+            <a:noFill/>
+          </a:ln>
+        </p:spPr>
+        <p:style>
+          <a:lnRef idx="2">
+            <a:schemeClr val="accent1">
+              <a:shade val="50000"/>
+            </a:schemeClr>
+          </a:lnRef>
+          <a:fillRef idx="1">
+            <a:schemeClr val="accent1"/>
+          </a:fillRef>
+          <a:effectRef idx="0">
+            <a:schemeClr val="accent1"/>
+          </a:effectRef>
+          <a:fontRef idx="minor">
+            <a:schemeClr val="lt1"/>
+          </a:fontRef>
+        </p:style>
+        <p:txBody>
+          <a:bodyPr rtlCol="0" anchor="ctr"/>
+          <a:lstStyle/>
+          <a:p>
+            <a:pPr algn="ctr"/>
+            <a:endParaRPr lang="en-US" dirty="0"/>
+          </a:p>
+        </p:txBody>
+      </p:sp>
+      <p:sp>
+        <p:nvSpPr>
+          <p:cNvPr id="13" name="Rectangle 12">
+            <a:extLst>
+              <a:ext uri="{FF2B5EF4-FFF2-40B4-BE49-F238E27FC236}">
+                <a16:creationId xmlns:a16="http://schemas.microsoft.com/office/drawing/2014/main" id="{D07DD2DE-F619-49DD-B5E7-03A290FF4ED1}"/>
+              </a:ext>
+              <a:ext uri="{C183D7F6-B498-43B3-948B-1728B52AA6E4}">
+                <adec:decorative xmlns:adec="http://schemas.microsoft.com/office/drawing/2017/decorative" val="1"/>
+              </a:ext>
+            </a:extLst>
+          </p:cNvPr>
+          <p:cNvSpPr>
+            <a:spLocks noGrp="1" noRot="1" noChangeAspect="1" noMove="1" noResize="1" noEditPoints="1" noAdjustHandles="1" noChangeArrowheads="1" noChangeShapeType="1" noTextEdit="1"/>
+          </p:cNvSpPr>
+          <p:nvPr>
+            <p:extLst>
+              <p:ext uri="{386F3935-93C4-4BCD-93E2-E3B085C9AB24}">
+                <p16:designElem xmlns:p16="http://schemas.microsoft.com/office/powerpoint/2015/main" val="1"/>
+              </p:ext>
+            </p:extLst>
+          </p:nvPr>
+        </p:nvSpPr>
+        <p:spPr>
+          <a:xfrm rot="16200000">
+            <a:off x="-158495" y="2660473"/>
+            <a:ext cx="4355594" cy="4038603"/>
+          </a:xfrm>
+          <a:prstGeom prst="rect">
+            <a:avLst/>
+          </a:prstGeom>
+          <a:gradFill>
+            <a:gsLst>
+              <a:gs pos="0">
+                <a:schemeClr val="accent1">
+                  <a:alpha val="50000"/>
+                </a:schemeClr>
+              </a:gs>
+              <a:gs pos="100000">
+                <a:schemeClr val="accent1">
+                  <a:lumMod val="50000"/>
+                  <a:alpha val="0"/>
+                </a:schemeClr>
+              </a:gs>
+            </a:gsLst>
+            <a:lin ang="11400000" scaled="0"/>
+          </a:gradFill>
+          <a:ln>
+            <a:noFill/>
+          </a:ln>
+        </p:spPr>
+        <p:style>
+          <a:lnRef idx="2">
+            <a:schemeClr val="accent1">
+              <a:shade val="50000"/>
+            </a:schemeClr>
+          </a:lnRef>
+          <a:fillRef idx="1">
+            <a:schemeClr val="accent1"/>
+          </a:fillRef>
+          <a:effectRef idx="0">
+            <a:schemeClr val="accent1"/>
+          </a:effectRef>
+          <a:fontRef idx="minor">
+            <a:schemeClr val="lt1"/>
+          </a:fontRef>
+        </p:style>
+        <p:txBody>
+          <a:bodyPr rtlCol="0" anchor="ctr"/>
+          <a:lstStyle/>
+          <a:p>
+            <a:pPr algn="ctr"/>
+            <a:endParaRPr lang="en-US"/>
+          </a:p>
+        </p:txBody>
+      </p:sp>
+      <p:sp>
+        <p:nvSpPr>
+          <p:cNvPr id="15" name="Rectangle 14">
+            <a:extLst>
+              <a:ext uri="{FF2B5EF4-FFF2-40B4-BE49-F238E27FC236}">
+                <a16:creationId xmlns:a16="http://schemas.microsoft.com/office/drawing/2014/main" id="{85149191-5F60-4A28-AAFF-039F96B0F3EC}"/>
+              </a:ext>
+              <a:ext uri="{C183D7F6-B498-43B3-948B-1728B52AA6E4}">
+                <adec:decorative xmlns:adec="http://schemas.microsoft.com/office/drawing/2017/decorative" val="1"/>
+              </a:ext>
+            </a:extLst>
+          </p:cNvPr>
+          <p:cNvSpPr>
+            <a:spLocks noGrp="1" noRot="1" noChangeAspect="1" noMove="1" noResize="1" noEditPoints="1" noAdjustHandles="1" noChangeArrowheads="1" noChangeShapeType="1" noTextEdit="1"/>
+          </p:cNvSpPr>
+          <p:nvPr>
+            <p:extLst>
+              <p:ext uri="{386F3935-93C4-4BCD-93E2-E3B085C9AB24}">
+                <p16:designElem xmlns:p16="http://schemas.microsoft.com/office/powerpoint/2015/main" val="1"/>
+              </p:ext>
+            </p:extLst>
+          </p:nvPr>
+        </p:nvSpPr>
+        <p:spPr>
+          <a:xfrm rot="16200000" flipH="1">
+            <a:off x="-1180882" y="1638085"/>
+            <a:ext cx="6857572" cy="3581401"/>
+          </a:xfrm>
+          <a:prstGeom prst="rect">
+            <a:avLst/>
+          </a:prstGeom>
+          <a:gradFill>
+            <a:gsLst>
+              <a:gs pos="0">
+                <a:srgbClr val="000000">
+                  <a:alpha val="59000"/>
+                </a:srgbClr>
+              </a:gs>
+              <a:gs pos="69000">
+                <a:schemeClr val="accent1">
+                  <a:alpha val="0"/>
+                </a:schemeClr>
+              </a:gs>
+            </a:gsLst>
+            <a:lin ang="13200000" scaled="0"/>
+          </a:gradFill>
+          <a:ln>
+            <a:noFill/>
+          </a:ln>
+        </p:spPr>
+        <p:style>
+          <a:lnRef idx="2">
+            <a:schemeClr val="accent1">
+              <a:shade val="50000"/>
+            </a:schemeClr>
+          </a:lnRef>
+          <a:fillRef idx="1">
+            <a:schemeClr val="accent1"/>
+          </a:fillRef>
+          <a:effectRef idx="0">
+            <a:schemeClr val="accent1"/>
+          </a:effectRef>
+          <a:fontRef idx="minor">
+            <a:schemeClr val="lt1"/>
+          </a:fontRef>
+        </p:style>
+        <p:txBody>
+          <a:bodyPr rtlCol="0" anchor="ctr"/>
+          <a:lstStyle/>
+          <a:p>
+            <a:pPr algn="ctr"/>
+            <a:endParaRPr lang="en-US" dirty="0"/>
+          </a:p>
+        </p:txBody>
+      </p:sp>
+      <p:sp>
+        <p:nvSpPr>
+          <p:cNvPr id="17" name="Freeform: Shape 16">
+            <a:extLst>
+              <a:ext uri="{FF2B5EF4-FFF2-40B4-BE49-F238E27FC236}">
+                <a16:creationId xmlns:a16="http://schemas.microsoft.com/office/drawing/2014/main" id="{F8260ED5-17F7-4158-B241-D51DD4CF1B7E}"/>
+              </a:ext>
+              <a:ext uri="{C183D7F6-B498-43B3-948B-1728B52AA6E4}">
+                <adec:decorative xmlns:adec="http://schemas.microsoft.com/office/drawing/2017/decorative" val="1"/>
+              </a:ext>
+            </a:extLst>
+          </p:cNvPr>
+          <p:cNvSpPr>
+            <a:spLocks noGrp="1" noRot="1" noChangeAspect="1" noMove="1" noResize="1" noEditPoints="1" noAdjustHandles="1" noChangeArrowheads="1" noChangeShapeType="1" noTextEdit="1"/>
+          </p:cNvSpPr>
+          <p:nvPr>
+            <p:extLst>
+              <p:ext uri="{386F3935-93C4-4BCD-93E2-E3B085C9AB24}">
+                <p16:designElem xmlns:p16="http://schemas.microsoft.com/office/powerpoint/2015/main" val="1"/>
+              </p:ext>
+            </p:extLst>
+          </p:nvPr>
+        </p:nvSpPr>
+        <p:spPr>
+          <a:xfrm rot="6097846">
+            <a:off x="-747355" y="1201312"/>
+            <a:ext cx="4808302" cy="4088666"/>
+          </a:xfrm>
+          <a:custGeom>
+            <a:avLst/>
+            <a:gdLst>
+              <a:gd name="connsiteX0" fmla="*/ 48844 w 4808302"/>
+              <a:gd name="connsiteY0" fmla="*/ 2888671 h 4088666"/>
+              <a:gd name="connsiteX1" fmla="*/ 0 w 4808302"/>
+              <a:gd name="connsiteY1" fmla="*/ 2404151 h 4088666"/>
+              <a:gd name="connsiteX2" fmla="*/ 2404151 w 4808302"/>
+              <a:gd name="connsiteY2" fmla="*/ 0 h 4088666"/>
+              <a:gd name="connsiteX3" fmla="*/ 4808302 w 4808302"/>
+              <a:gd name="connsiteY3" fmla="*/ 2404151 h 4088666"/>
+              <a:gd name="connsiteX4" fmla="*/ 4700216 w 4808302"/>
+              <a:gd name="connsiteY4" fmla="*/ 3119072 h 4088666"/>
+              <a:gd name="connsiteX5" fmla="*/ 4643143 w 4808302"/>
+              <a:gd name="connsiteY5" fmla="*/ 3275009 h 4088666"/>
+              <a:gd name="connsiteX6" fmla="*/ 690093 w 4808302"/>
+              <a:gd name="connsiteY6" fmla="*/ 4088666 h 4088666"/>
+              <a:gd name="connsiteX7" fmla="*/ 548991 w 4808302"/>
+              <a:gd name="connsiteY7" fmla="*/ 3933414 h 4088666"/>
+              <a:gd name="connsiteX8" fmla="*/ 48844 w 4808302"/>
+              <a:gd name="connsiteY8" fmla="*/ 2888671 h 4088666"/>
+            </a:gdLst>
+            <a:ahLst/>
+            <a:cxnLst>
+              <a:cxn ang="0">
+                <a:pos x="connsiteX0" y="connsiteY0"/>
+              </a:cxn>
+              <a:cxn ang="0">
+                <a:pos x="connsiteX1" y="connsiteY1"/>
+              </a:cxn>
+              <a:cxn ang="0">
+                <a:pos x="connsiteX2" y="connsiteY2"/>
+              </a:cxn>
+              <a:cxn ang="0">
+                <a:pos x="connsiteX3" y="connsiteY3"/>
+              </a:cxn>
+              <a:cxn ang="0">
+                <a:pos x="connsiteX4" y="connsiteY4"/>
+              </a:cxn>
+              <a:cxn ang="0">
+                <a:pos x="connsiteX5" y="connsiteY5"/>
+              </a:cxn>
+              <a:cxn ang="0">
+                <a:pos x="connsiteX6" y="connsiteY6"/>
+              </a:cxn>
+              <a:cxn ang="0">
+                <a:pos x="connsiteX7" y="connsiteY7"/>
+              </a:cxn>
+              <a:cxn ang="0">
+                <a:pos x="connsiteX8" y="connsiteY8"/>
+              </a:cxn>
+            </a:cxnLst>
+            <a:rect l="l" t="t" r="r" b="b"/>
+            <a:pathLst>
+              <a:path w="4808302" h="4088666">
+                <a:moveTo>
+                  <a:pt x="48844" y="2888671"/>
+                </a:moveTo>
+                <a:cubicBezTo>
+                  <a:pt x="16818" y="2732167"/>
+                  <a:pt x="0" y="2570123"/>
+                  <a:pt x="0" y="2404151"/>
+                </a:cubicBezTo>
+                <a:cubicBezTo>
+                  <a:pt x="0" y="1076375"/>
+                  <a:pt x="1076375" y="0"/>
+                  <a:pt x="2404151" y="0"/>
+                </a:cubicBezTo>
+                <a:cubicBezTo>
+                  <a:pt x="3731927" y="0"/>
+                  <a:pt x="4808302" y="1076375"/>
+                  <a:pt x="4808302" y="2404151"/>
+                </a:cubicBezTo>
+                <a:cubicBezTo>
+                  <a:pt x="4808302" y="2653109"/>
+                  <a:pt x="4770461" y="2893229"/>
+                  <a:pt x="4700216" y="3119072"/>
+                </a:cubicBezTo>
+                <a:lnTo>
+                  <a:pt x="4643143" y="3275009"/>
+                </a:lnTo>
+                <a:lnTo>
+                  <a:pt x="690093" y="4088666"/>
+                </a:lnTo>
+                <a:lnTo>
+                  <a:pt x="548991" y="3933414"/>
+                </a:lnTo>
+                <a:cubicBezTo>
+                  <a:pt x="304015" y="3636572"/>
+                  <a:pt x="128908" y="3279932"/>
+                  <a:pt x="48844" y="2888671"/>
+                </a:cubicBezTo>
+                <a:close/>
+              </a:path>
+            </a:pathLst>
+          </a:custGeom>
+          <a:gradFill>
+            <a:gsLst>
+              <a:gs pos="39000">
+                <a:schemeClr val="accent1">
+                  <a:lumMod val="60000"/>
+                  <a:lumOff val="40000"/>
+                  <a:alpha val="0"/>
+                </a:schemeClr>
+              </a:gs>
+              <a:gs pos="100000">
+                <a:schemeClr val="accent1">
+                  <a:lumMod val="75000"/>
+                  <a:alpha val="26000"/>
+                </a:schemeClr>
+              </a:gs>
+            </a:gsLst>
+            <a:lin ang="18600000" scaled="0"/>
+          </a:gradFill>
+          <a:ln>
+            <a:noFill/>
+          </a:ln>
+        </p:spPr>
+        <p:style>
+          <a:lnRef idx="2">
+            <a:schemeClr val="accent1">
+              <a:shade val="50000"/>
+            </a:schemeClr>
+          </a:lnRef>
+          <a:fillRef idx="1">
+            <a:schemeClr val="accent1"/>
+          </a:fillRef>
+          <a:effectRef idx="0">
+            <a:schemeClr val="accent1"/>
+          </a:effectRef>
+          <a:fontRef idx="minor">
+            <a:schemeClr val="lt1"/>
+          </a:fontRef>
+        </p:style>
+        <p:txBody>
+          <a:bodyPr wrap="square" rtlCol="0" anchor="ctr">
+            <a:noAutofit/>
+          </a:bodyPr>
+          <a:lstStyle/>
+          <a:p>
+            <a:pPr algn="ctr"/>
+            <a:endParaRPr lang="en-US" dirty="0"/>
+          </a:p>
+        </p:txBody>
+      </p:sp>
+      <p:sp>
+        <p:nvSpPr>
+          <p:cNvPr id="2" name="Title 1">
+            <a:extLst>
+              <a:ext uri="{FF2B5EF4-FFF2-40B4-BE49-F238E27FC236}">
+                <a16:creationId xmlns:a16="http://schemas.microsoft.com/office/drawing/2014/main" id="{5E880D75-FED5-A0D0-5543-531B35DCE24D}"/>
+              </a:ext>
+            </a:extLst>
+          </p:cNvPr>
+          <p:cNvSpPr>
+            <a:spLocks noGrp="1"/>
+          </p:cNvSpPr>
+          <p:nvPr>
+            <p:ph type="title"/>
+          </p:nvPr>
+        </p:nvSpPr>
+        <p:spPr>
+          <a:xfrm>
+            <a:off x="641753" y="2467768"/>
+            <a:ext cx="2880828" cy="3544810"/>
+          </a:xfrm>
+        </p:spPr>
+        <p:txBody>
+          <a:bodyPr vert="horz" lIns="91440" tIns="45720" rIns="91440" bIns="45720" rtlCol="0" anchor="t">
+            <a:noAutofit/>
+          </a:bodyPr>
+          <a:lstStyle/>
+          <a:p>
+            <a:r>
+              <a:rPr lang="en-US" sz="2400" kern="1200" dirty="0">
+                <a:solidFill>
+                  <a:srgbClr val="FFFFFF"/>
+                </a:solidFill>
+                <a:latin typeface="Calibri" panose="020F0502020204030204" pitchFamily="34" charset="0"/>
+                <a:cs typeface="Calibri" panose="020F0502020204030204" pitchFamily="34" charset="0"/>
+              </a:rPr>
+              <a:t>Food security varies significantly by race and ethnicity, with Black, Hispanic, and Other groups experiencing higher levels of low food security compared to Asian and White populations.</a:t>
+            </a:r>
+          </a:p>
+        </p:txBody>
+      </p:sp>
+      <p:pic>
+        <p:nvPicPr>
+          <p:cNvPr id="4" name="Content Placeholder 3">
+            <a:extLst>
+              <a:ext uri="{FF2B5EF4-FFF2-40B4-BE49-F238E27FC236}">
+                <a16:creationId xmlns:a16="http://schemas.microsoft.com/office/drawing/2014/main" id="{0B0B16EA-B197-DABE-12EB-3CD857A34BD9}"/>
+              </a:ext>
+            </a:extLst>
+          </p:cNvPr>
+          <p:cNvPicPr>
+            <a:picLocks noGrp="1" noChangeAspect="1"/>
+          </p:cNvPicPr>
+          <p:nvPr>
+            <p:ph idx="1"/>
+          </p:nvPr>
+        </p:nvPicPr>
+        <p:blipFill>
+          <a:blip r:embed="rId2"/>
+          <a:stretch>
+            <a:fillRect/>
+          </a:stretch>
+        </p:blipFill>
+        <p:spPr>
+          <a:xfrm>
+            <a:off x="4502428" y="1640627"/>
+            <a:ext cx="7225748" cy="3576745"/>
+          </a:xfrm>
+          <a:prstGeom prst="rect">
+            <a:avLst/>
+          </a:prstGeom>
+        </p:spPr>
+      </p:pic>
+    </p:spTree>
+    <p:extLst>
+      <p:ext uri="{BB962C8B-B14F-4D97-AF65-F5344CB8AC3E}">
+        <p14:creationId xmlns:p14="http://schemas.microsoft.com/office/powerpoint/2010/main" val="1984616842"/>
+      </p:ext>
+    </p:extLst>
+  </p:cSld>
+  <p:clrMapOvr>
+    <a:masterClrMapping/>
+  </p:clrMapOvr>
+</p:sld>
+</file>
+
+<file path=ppt/slides/slide6.xml><?xml version="1.0" encoding="utf-8"?>
+<p:sld xmlns:a="http://schemas.openxmlformats.org/drawingml/2006/main" xmlns:r="http://schemas.openxmlformats.org/officeDocument/2006/relationships" xmlns:p="http://schemas.openxmlformats.org/presentationml/2006/main">
+  <p:cSld>
+    <p:bg>
+      <p:bgPr>
+        <a:solidFill>
+          <a:schemeClr val="bg1"/>
+        </a:solidFill>
+        <a:effectLst/>
+      </p:bgPr>
+    </p:bg>
+    <p:spTree>
+      <p:nvGrpSpPr>
+        <p:cNvPr id="1" name=""/>
+        <p:cNvGrpSpPr/>
+        <p:nvPr/>
+      </p:nvGrpSpPr>
+      <p:grpSpPr>
+        <a:xfrm>
+          <a:off x="0" y="0"/>
+          <a:ext cx="0" cy="0"/>
+          <a:chOff x="0" y="0"/>
+          <a:chExt cx="0" cy="0"/>
+        </a:xfrm>
+      </p:grpSpPr>
+      <p:sp useBgFill="1">
+        <p:nvSpPr>
+          <p:cNvPr id="22" name="Rectangle 21">
+            <a:extLst>
+              <a:ext uri="{FF2B5EF4-FFF2-40B4-BE49-F238E27FC236}">
+                <a16:creationId xmlns:a16="http://schemas.microsoft.com/office/drawing/2014/main" id="{A8384FB5-9ADC-4DDC-881B-597D56F5B15D}"/>
+              </a:ext>
+              <a:ext uri="{C183D7F6-B498-43B3-948B-1728B52AA6E4}">
+                <adec:decorative xmlns:adec="http://schemas.microsoft.com/office/drawing/2017/decorative" val="1"/>
+              </a:ext>
+            </a:extLst>
+          </p:cNvPr>
+          <p:cNvSpPr>
+            <a:spLocks noGrp="1" noRot="1" noChangeAspect="1" noMove="1" noResize="1" noEditPoints="1" noAdjustHandles="1" noChangeArrowheads="1" noChangeShapeType="1" noTextEdit="1"/>
+          </p:cNvSpPr>
+          <p:nvPr>
+            <p:extLst>
+              <p:ext uri="{386F3935-93C4-4BCD-93E2-E3B085C9AB24}">
+                <p16:designElem xmlns:p16="http://schemas.microsoft.com/office/powerpoint/2015/main" val="1"/>
+              </p:ext>
+            </p:extLst>
+          </p:nvPr>
+        </p:nvSpPr>
+        <p:spPr>
+          <a:xfrm>
+            <a:off x="0" y="0"/>
+            <a:ext cx="12192000" cy="6858000"/>
+          </a:xfrm>
+          <a:prstGeom prst="rect">
+            <a:avLst/>
+          </a:prstGeom>
+          <a:ln w="12700" cap="flat" cmpd="sng" algn="ctr">
+            <a:noFill/>
+            <a:prstDash val="solid"/>
+            <a:miter lim="800000"/>
+          </a:ln>
+          <a:effectLst/>
+          <a:extLst>
+            <a:ext uri="{91240B29-F687-4F45-9708-019B960494DF}">
+              <a14:hiddenLine xmlns:a14="http://schemas.microsoft.com/office/drawing/2010/main" w="12700" cap="flat" cmpd="sng" algn="ctr">
+                <a:solidFill>
+                  <a:schemeClr val="accent1">
+                    <a:shade val="50000"/>
+                  </a:schemeClr>
+                </a:solidFill>
+                <a:prstDash val="solid"/>
+                <a:miter lim="800000"/>
+              </a14:hiddenLine>
+            </a:ext>
+          </a:extLst>
+        </p:spPr>
+        <p:style>
+          <a:lnRef idx="2">
+            <a:schemeClr val="accent1">
+              <a:shade val="50000"/>
+            </a:schemeClr>
+          </a:lnRef>
+          <a:fillRef idx="1">
+            <a:schemeClr val="accent1"/>
+          </a:fillRef>
+          <a:effectRef idx="0">
+            <a:schemeClr val="accent1"/>
+          </a:effectRef>
+          <a:fontRef idx="minor">
+            <a:schemeClr val="lt1"/>
+          </a:fontRef>
+        </p:style>
+        <p:txBody>
+          <a:bodyPr rtlCol="0" anchor="ctr"/>
+          <a:lstStyle/>
+          <a:p>
+            <a:pPr algn="ctr"/>
+            <a:endParaRPr lang="en-US"/>
+          </a:p>
+        </p:txBody>
+      </p:sp>
+      <p:sp>
+        <p:nvSpPr>
+          <p:cNvPr id="11" name="Rectangle 10">
+            <a:extLst>
+              <a:ext uri="{FF2B5EF4-FFF2-40B4-BE49-F238E27FC236}">
+                <a16:creationId xmlns:a16="http://schemas.microsoft.com/office/drawing/2014/main" id="{1199E1B1-A8C0-4FE8-A5A8-1CB41D69F857}"/>
+              </a:ext>
+              <a:ext uri="{C183D7F6-B498-43B3-948B-1728B52AA6E4}">
+                <adec:decorative xmlns:adec="http://schemas.microsoft.com/office/drawing/2017/decorative" val="1"/>
+              </a:ext>
+            </a:extLst>
+          </p:cNvPr>
+          <p:cNvSpPr>
+            <a:spLocks noGrp="1" noRot="1" noChangeAspect="1" noMove="1" noResize="1" noEditPoints="1" noAdjustHandles="1" noChangeArrowheads="1" noChangeShapeType="1" noTextEdit="1"/>
+          </p:cNvSpPr>
+          <p:nvPr>
+            <p:extLst>
+              <p:ext uri="{386F3935-93C4-4BCD-93E2-E3B085C9AB24}">
+                <p16:designElem xmlns:p16="http://schemas.microsoft.com/office/powerpoint/2015/main" val="1"/>
+              </p:ext>
+            </p:extLst>
+          </p:nvPr>
+        </p:nvSpPr>
+        <p:spPr>
+          <a:xfrm rot="10800000" flipH="1">
+            <a:off x="2" y="0"/>
+            <a:ext cx="12191998" cy="1575955"/>
+          </a:xfrm>
+          <a:prstGeom prst="rect">
+            <a:avLst/>
+          </a:prstGeom>
+          <a:gradFill>
+            <a:gsLst>
+              <a:gs pos="0">
+                <a:srgbClr val="000000">
+                  <a:alpha val="96000"/>
+                </a:srgbClr>
+              </a:gs>
+              <a:gs pos="100000">
+                <a:schemeClr val="accent1">
+                  <a:lumMod val="75000"/>
+                </a:schemeClr>
+              </a:gs>
+            </a:gsLst>
+            <a:lin ang="6000000" scaled="0"/>
+          </a:gradFill>
+          <a:ln>
+            <a:noFill/>
+          </a:ln>
+        </p:spPr>
+        <p:style>
+          <a:lnRef idx="2">
+            <a:schemeClr val="accent1">
+              <a:shade val="50000"/>
+            </a:schemeClr>
+          </a:lnRef>
+          <a:fillRef idx="1">
+            <a:schemeClr val="accent1"/>
+          </a:fillRef>
+          <a:effectRef idx="0">
+            <a:schemeClr val="accent1"/>
+          </a:effectRef>
+          <a:fontRef idx="minor">
+            <a:schemeClr val="lt1"/>
+          </a:fontRef>
+        </p:style>
+        <p:txBody>
+          <a:bodyPr rtlCol="0" anchor="ctr"/>
+          <a:lstStyle/>
+          <a:p>
+            <a:pPr algn="ctr"/>
+            <a:endParaRPr lang="en-US"/>
+          </a:p>
+        </p:txBody>
+      </p:sp>
+      <p:sp>
+        <p:nvSpPr>
+          <p:cNvPr id="13" name="Rectangle 12">
+            <a:extLst>
+              <a:ext uri="{FF2B5EF4-FFF2-40B4-BE49-F238E27FC236}">
+                <a16:creationId xmlns:a16="http://schemas.microsoft.com/office/drawing/2014/main" id="{84A8DE83-DE75-4B41-9DB4-A7EC0B0DEC0B}"/>
+              </a:ext>
+              <a:ext uri="{C183D7F6-B498-43B3-948B-1728B52AA6E4}">
+                <adec:decorative xmlns:adec="http://schemas.microsoft.com/office/drawing/2017/decorative" val="1"/>
+              </a:ext>
+            </a:extLst>
+          </p:cNvPr>
+          <p:cNvSpPr>
+            <a:spLocks noGrp="1" noRot="1" noChangeAspect="1" noMove="1" noResize="1" noEditPoints="1" noAdjustHandles="1" noChangeArrowheads="1" noChangeShapeType="1" noTextEdit="1"/>
+          </p:cNvSpPr>
+          <p:nvPr>
+            <p:extLst>
+              <p:ext uri="{386F3935-93C4-4BCD-93E2-E3B085C9AB24}">
+                <p16:designElem xmlns:p16="http://schemas.microsoft.com/office/powerpoint/2015/main" val="1"/>
+              </p:ext>
+            </p:extLst>
+          </p:nvPr>
+        </p:nvSpPr>
+        <p:spPr>
+          <a:xfrm>
+            <a:off x="0" y="0"/>
+            <a:ext cx="8128856" cy="1575461"/>
+          </a:xfrm>
+          <a:prstGeom prst="rect">
+            <a:avLst/>
+          </a:prstGeom>
+          <a:gradFill>
+            <a:gsLst>
+              <a:gs pos="0">
+                <a:schemeClr val="accent1">
+                  <a:alpha val="41000"/>
+                </a:schemeClr>
+              </a:gs>
+              <a:gs pos="74000">
+                <a:schemeClr val="accent1">
+                  <a:lumMod val="60000"/>
+                  <a:lumOff val="40000"/>
+                  <a:alpha val="0"/>
+                </a:schemeClr>
+              </a:gs>
+            </a:gsLst>
+            <a:lin ang="8400000" scaled="0"/>
+          </a:gradFill>
+          <a:ln>
+            <a:noFill/>
+          </a:ln>
+        </p:spPr>
+        <p:style>
+          <a:lnRef idx="2">
+            <a:schemeClr val="accent1">
+              <a:shade val="50000"/>
+            </a:schemeClr>
+          </a:lnRef>
+          <a:fillRef idx="1">
+            <a:schemeClr val="accent1"/>
+          </a:fillRef>
+          <a:effectRef idx="0">
+            <a:schemeClr val="accent1"/>
+          </a:effectRef>
+          <a:fontRef idx="minor">
+            <a:schemeClr val="lt1"/>
+          </a:fontRef>
+        </p:style>
+        <p:txBody>
+          <a:bodyPr rtlCol="0" anchor="ctr"/>
+          <a:lstStyle/>
+          <a:p>
+            <a:pPr algn="ctr"/>
+            <a:endParaRPr lang="en-US"/>
+          </a:p>
+        </p:txBody>
+      </p:sp>
+      <p:sp>
+        <p:nvSpPr>
+          <p:cNvPr id="15" name="Rectangle 14">
+            <a:extLst>
+              <a:ext uri="{FF2B5EF4-FFF2-40B4-BE49-F238E27FC236}">
+                <a16:creationId xmlns:a16="http://schemas.microsoft.com/office/drawing/2014/main" id="{A7009A0A-BEF5-4EAC-AF15-E4F9F002E239}"/>
+              </a:ext>
+              <a:ext uri="{C183D7F6-B498-43B3-948B-1728B52AA6E4}">
+                <adec:decorative xmlns:adec="http://schemas.microsoft.com/office/drawing/2017/decorative" val="1"/>
+              </a:ext>
+            </a:extLst>
+          </p:cNvPr>
+          <p:cNvSpPr>
+            <a:spLocks noGrp="1" noRot="1" noChangeAspect="1" noMove="1" noResize="1" noEditPoints="1" noAdjustHandles="1" noChangeArrowheads="1" noChangeShapeType="1" noTextEdit="1"/>
+          </p:cNvSpPr>
+          <p:nvPr>
+            <p:extLst>
+              <p:ext uri="{386F3935-93C4-4BCD-93E2-E3B085C9AB24}">
+                <p16:designElem xmlns:p16="http://schemas.microsoft.com/office/powerpoint/2015/main" val="1"/>
+              </p:ext>
+            </p:extLst>
+          </p:nvPr>
+        </p:nvSpPr>
+        <p:spPr>
+          <a:xfrm flipH="1">
+            <a:off x="-3" y="-1"/>
+            <a:ext cx="12192002" cy="1574311"/>
+          </a:xfrm>
+          <a:prstGeom prst="rect">
+            <a:avLst/>
+          </a:prstGeom>
+          <a:gradFill>
+            <a:gsLst>
+              <a:gs pos="0">
+                <a:srgbClr val="000000">
+                  <a:alpha val="63000"/>
+                </a:srgbClr>
+              </a:gs>
+              <a:gs pos="78000">
+                <a:schemeClr val="accent1">
+                  <a:alpha val="15000"/>
+                </a:schemeClr>
+              </a:gs>
+            </a:gsLst>
+            <a:lin ang="15600000" scaled="0"/>
+          </a:gradFill>
+          <a:ln>
+            <a:noFill/>
+          </a:ln>
+        </p:spPr>
+        <p:style>
+          <a:lnRef idx="2">
+            <a:schemeClr val="accent1">
+              <a:shade val="50000"/>
+            </a:schemeClr>
+          </a:lnRef>
+          <a:fillRef idx="1">
+            <a:schemeClr val="accent1"/>
+          </a:fillRef>
+          <a:effectRef idx="0">
+            <a:schemeClr val="accent1"/>
+          </a:effectRef>
+          <a:fontRef idx="minor">
+            <a:schemeClr val="lt1"/>
+          </a:fontRef>
+        </p:style>
+        <p:txBody>
+          <a:bodyPr rtlCol="0" anchor="ctr"/>
+          <a:lstStyle/>
+          <a:p>
+            <a:pPr algn="ctr"/>
+            <a:endParaRPr lang="en-US"/>
+          </a:p>
+        </p:txBody>
+      </p:sp>
+      <p:sp>
+        <p:nvSpPr>
+          <p:cNvPr id="2" name="Title 1">
+            <a:extLst>
+              <a:ext uri="{FF2B5EF4-FFF2-40B4-BE49-F238E27FC236}">
+                <a16:creationId xmlns:a16="http://schemas.microsoft.com/office/drawing/2014/main" id="{767FDAF9-8AD1-85C6-9645-6736A7BC16EB}"/>
+              </a:ext>
+            </a:extLst>
+          </p:cNvPr>
+          <p:cNvSpPr>
+            <a:spLocks noGrp="1"/>
+          </p:cNvSpPr>
+          <p:nvPr>
+            <p:ph type="title"/>
+          </p:nvPr>
+        </p:nvSpPr>
+        <p:spPr>
+          <a:xfrm>
+            <a:off x="699713" y="132303"/>
+            <a:ext cx="7475023" cy="1309702"/>
+          </a:xfrm>
+        </p:spPr>
+        <p:txBody>
+          <a:bodyPr vert="horz" lIns="91440" tIns="45720" rIns="91440" bIns="45720" rtlCol="0" anchor="ctr">
+            <a:normAutofit fontScale="90000"/>
+          </a:bodyPr>
+          <a:lstStyle/>
+          <a:p>
+            <a:r>
+              <a:rPr lang="en-US" sz="2400" kern="1200" dirty="0">
+                <a:solidFill>
+                  <a:srgbClr val="FFFFFF"/>
+                </a:solidFill>
+                <a:latin typeface="Calibri" panose="020F0502020204030204" pitchFamily="34" charset="0"/>
+                <a:cs typeface="Calibri" panose="020F0502020204030204" pitchFamily="34" charset="0"/>
+              </a:rPr>
+              <a:t>Food security differs by marital status, with married and widowed adults showing the highest food security, while separated and divorced groups experience the highest rates of low and very low food security.</a:t>
+            </a:r>
+          </a:p>
+        </p:txBody>
+      </p:sp>
+      <p:pic>
+        <p:nvPicPr>
+          <p:cNvPr id="4" name="Content Placeholder 3">
+            <a:extLst>
+              <a:ext uri="{FF2B5EF4-FFF2-40B4-BE49-F238E27FC236}">
+                <a16:creationId xmlns:a16="http://schemas.microsoft.com/office/drawing/2014/main" id="{09C66DCD-82D1-E835-0D51-C12D1ACBA723}"/>
+              </a:ext>
+            </a:extLst>
+          </p:cNvPr>
+          <p:cNvPicPr>
+            <a:picLocks noGrp="1" noChangeAspect="1"/>
+          </p:cNvPicPr>
+          <p:nvPr>
+            <p:ph idx="1"/>
+          </p:nvPr>
+        </p:nvPicPr>
+        <p:blipFill>
+          <a:blip r:embed="rId2"/>
+          <a:stretch>
+            <a:fillRect/>
+          </a:stretch>
+        </p:blipFill>
+        <p:spPr>
+          <a:xfrm>
+            <a:off x="1598869" y="1966293"/>
+            <a:ext cx="8994261" cy="4452160"/>
+          </a:xfrm>
+          <a:prstGeom prst="rect">
+            <a:avLst/>
+          </a:prstGeom>
+        </p:spPr>
+      </p:pic>
+    </p:spTree>
+    <p:extLst>
+      <p:ext uri="{BB962C8B-B14F-4D97-AF65-F5344CB8AC3E}">
+        <p14:creationId xmlns:p14="http://schemas.microsoft.com/office/powerpoint/2010/main" val="336227468"/>
+      </p:ext>
+    </p:extLst>
+  </p:cSld>
+  <p:clrMapOvr>
+    <a:masterClrMapping/>
+  </p:clrMapOvr>
+</p:sld>
+</file>
+
+<file path=ppt/slides/slide7.xml><?xml version="1.0" encoding="utf-8"?>
+<p:sld xmlns:a="http://schemas.openxmlformats.org/drawingml/2006/main" xmlns:r="http://schemas.openxmlformats.org/officeDocument/2006/relationships" xmlns:p="http://schemas.openxmlformats.org/presentationml/2006/main">
+  <p:cSld>
+    <p:bg>
+      <p:bgPr>
+        <a:solidFill>
+          <a:schemeClr val="bg1"/>
+        </a:solidFill>
+        <a:effectLst/>
+      </p:bgPr>
+    </p:bg>
+    <p:spTree>
+      <p:nvGrpSpPr>
+        <p:cNvPr id="1" name=""/>
+        <p:cNvGrpSpPr/>
+        <p:nvPr/>
+      </p:nvGrpSpPr>
+      <p:grpSpPr>
+        <a:xfrm>
+          <a:off x="0" y="0"/>
+          <a:ext cx="0" cy="0"/>
+          <a:chOff x="0" y="0"/>
+          <a:chExt cx="0" cy="0"/>
+        </a:xfrm>
+      </p:grpSpPr>
+      <p:sp useBgFill="1">
+        <p:nvSpPr>
+          <p:cNvPr id="9" name="Rectangle 8">
+            <a:extLst>
+              <a:ext uri="{FF2B5EF4-FFF2-40B4-BE49-F238E27FC236}">
+                <a16:creationId xmlns:a16="http://schemas.microsoft.com/office/drawing/2014/main" id="{A8384FB5-9ADC-4DDC-881B-597D56F5B15D}"/>
+              </a:ext>
+              <a:ext uri="{C183D7F6-B498-43B3-948B-1728B52AA6E4}">
+                <adec:decorative xmlns:adec="http://schemas.microsoft.com/office/drawing/2017/decorative" val="1"/>
+              </a:ext>
+            </a:extLst>
+          </p:cNvPr>
+          <p:cNvSpPr>
+            <a:spLocks noGrp="1" noRot="1" noChangeAspect="1" noMove="1" noResize="1" noEditPoints="1" noAdjustHandles="1" noChangeArrowheads="1" noChangeShapeType="1" noTextEdit="1"/>
+          </p:cNvSpPr>
+          <p:nvPr>
+            <p:extLst>
+              <p:ext uri="{386F3935-93C4-4BCD-93E2-E3B085C9AB24}">
+                <p16:designElem xmlns:p16="http://schemas.microsoft.com/office/powerpoint/2015/main" val="1"/>
+              </p:ext>
+            </p:extLst>
+          </p:nvPr>
+        </p:nvSpPr>
+        <p:spPr>
+          <a:xfrm>
+            <a:off x="0" y="0"/>
+            <a:ext cx="12192000" cy="6858000"/>
+          </a:xfrm>
+          <a:prstGeom prst="rect">
+            <a:avLst/>
+          </a:prstGeom>
+          <a:ln w="12700" cap="flat" cmpd="sng" algn="ctr">
+            <a:noFill/>
+            <a:prstDash val="solid"/>
+            <a:miter lim="800000"/>
+          </a:ln>
+          <a:effectLst/>
+          <a:extLst>
+            <a:ext uri="{91240B29-F687-4F45-9708-019B960494DF}">
+              <a14:hiddenLine xmlns:a14="http://schemas.microsoft.com/office/drawing/2010/main" w="12700" cap="flat" cmpd="sng" algn="ctr">
+                <a:solidFill>
+                  <a:schemeClr val="accent1">
+                    <a:shade val="50000"/>
+                  </a:schemeClr>
+                </a:solidFill>
+                <a:prstDash val="solid"/>
+                <a:miter lim="800000"/>
+              </a14:hiddenLine>
+            </a:ext>
+          </a:extLst>
+        </p:spPr>
+        <p:style>
+          <a:lnRef idx="2">
+            <a:schemeClr val="accent1">
+              <a:shade val="50000"/>
+            </a:schemeClr>
+          </a:lnRef>
+          <a:fillRef idx="1">
+            <a:schemeClr val="accent1"/>
+          </a:fillRef>
+          <a:effectRef idx="0">
+            <a:schemeClr val="accent1"/>
+          </a:effectRef>
+          <a:fontRef idx="minor">
+            <a:schemeClr val="lt1"/>
+          </a:fontRef>
+        </p:style>
+        <p:txBody>
+          <a:bodyPr rtlCol="0" anchor="ctr"/>
+          <a:lstStyle/>
+          <a:p>
+            <a:pPr algn="ctr"/>
+            <a:endParaRPr lang="en-US"/>
+          </a:p>
+        </p:txBody>
+      </p:sp>
+      <p:sp>
+        <p:nvSpPr>
+          <p:cNvPr id="11" name="Rectangle 10">
+            <a:extLst>
+              <a:ext uri="{FF2B5EF4-FFF2-40B4-BE49-F238E27FC236}">
+                <a16:creationId xmlns:a16="http://schemas.microsoft.com/office/drawing/2014/main" id="{91E5A9A7-95C6-4F4F-B00E-C82E07FE62EF}"/>
+              </a:ext>
+              <a:ext uri="{C183D7F6-B498-43B3-948B-1728B52AA6E4}">
+                <adec:decorative xmlns:adec="http://schemas.microsoft.com/office/drawing/2017/decorative" val="1"/>
+              </a:ext>
+            </a:extLst>
+          </p:cNvPr>
+          <p:cNvSpPr>
+            <a:spLocks noGrp="1" noRot="1" noChangeAspect="1" noMove="1" noResize="1" noEditPoints="1" noAdjustHandles="1" noChangeArrowheads="1" noChangeShapeType="1" noTextEdit="1"/>
+          </p:cNvSpPr>
+          <p:nvPr>
+            <p:extLst>
+              <p:ext uri="{386F3935-93C4-4BCD-93E2-E3B085C9AB24}">
+                <p16:designElem xmlns:p16="http://schemas.microsoft.com/office/powerpoint/2015/main" val="1"/>
+              </p:ext>
+            </p:extLst>
+          </p:nvPr>
+        </p:nvSpPr>
+        <p:spPr>
+          <a:xfrm rot="5400000" flipH="1">
+            <a:off x="-1417539" y="1417538"/>
+            <a:ext cx="6875818" cy="4040744"/>
+          </a:xfrm>
+          <a:prstGeom prst="rect">
+            <a:avLst/>
+          </a:prstGeom>
+          <a:gradFill>
+            <a:gsLst>
+              <a:gs pos="0">
+                <a:srgbClr val="000000"/>
+              </a:gs>
+              <a:gs pos="100000">
+                <a:schemeClr val="accent1">
+                  <a:lumMod val="75000"/>
+                </a:schemeClr>
+              </a:gs>
+            </a:gsLst>
+            <a:lin ang="18600000" scaled="0"/>
+          </a:gradFill>
+          <a:ln>
+            <a:noFill/>
+          </a:ln>
+        </p:spPr>
+        <p:style>
+          <a:lnRef idx="2">
+            <a:schemeClr val="accent1">
+              <a:shade val="50000"/>
+            </a:schemeClr>
+          </a:lnRef>
+          <a:fillRef idx="1">
+            <a:schemeClr val="accent1"/>
+          </a:fillRef>
+          <a:effectRef idx="0">
+            <a:schemeClr val="accent1"/>
+          </a:effectRef>
+          <a:fontRef idx="minor">
+            <a:schemeClr val="lt1"/>
+          </a:fontRef>
+        </p:style>
+        <p:txBody>
+          <a:bodyPr rtlCol="0" anchor="ctr"/>
+          <a:lstStyle/>
+          <a:p>
+            <a:pPr algn="ctr"/>
+            <a:endParaRPr lang="en-US" dirty="0"/>
+          </a:p>
+        </p:txBody>
+      </p:sp>
+      <p:sp>
+        <p:nvSpPr>
+          <p:cNvPr id="13" name="Rectangle 12">
+            <a:extLst>
+              <a:ext uri="{FF2B5EF4-FFF2-40B4-BE49-F238E27FC236}">
+                <a16:creationId xmlns:a16="http://schemas.microsoft.com/office/drawing/2014/main" id="{D07DD2DE-F619-49DD-B5E7-03A290FF4ED1}"/>
+              </a:ext>
+              <a:ext uri="{C183D7F6-B498-43B3-948B-1728B52AA6E4}">
+                <adec:decorative xmlns:adec="http://schemas.microsoft.com/office/drawing/2017/decorative" val="1"/>
+              </a:ext>
+            </a:extLst>
+          </p:cNvPr>
+          <p:cNvSpPr>
+            <a:spLocks noGrp="1" noRot="1" noChangeAspect="1" noMove="1" noResize="1" noEditPoints="1" noAdjustHandles="1" noChangeArrowheads="1" noChangeShapeType="1" noTextEdit="1"/>
+          </p:cNvSpPr>
+          <p:nvPr>
+            <p:extLst>
+              <p:ext uri="{386F3935-93C4-4BCD-93E2-E3B085C9AB24}">
+                <p16:designElem xmlns:p16="http://schemas.microsoft.com/office/powerpoint/2015/main" val="1"/>
+              </p:ext>
+            </p:extLst>
+          </p:nvPr>
+        </p:nvSpPr>
+        <p:spPr>
+          <a:xfrm rot="16200000">
+            <a:off x="-158495" y="2660473"/>
+            <a:ext cx="4355594" cy="4038603"/>
+          </a:xfrm>
+          <a:prstGeom prst="rect">
+            <a:avLst/>
+          </a:prstGeom>
+          <a:gradFill>
+            <a:gsLst>
+              <a:gs pos="0">
+                <a:schemeClr val="accent1">
+                  <a:alpha val="50000"/>
+                </a:schemeClr>
+              </a:gs>
+              <a:gs pos="100000">
+                <a:schemeClr val="accent1">
+                  <a:lumMod val="50000"/>
+                  <a:alpha val="0"/>
+                </a:schemeClr>
+              </a:gs>
+            </a:gsLst>
+            <a:lin ang="11400000" scaled="0"/>
+          </a:gradFill>
+          <a:ln>
+            <a:noFill/>
+          </a:ln>
+        </p:spPr>
+        <p:style>
+          <a:lnRef idx="2">
+            <a:schemeClr val="accent1">
+              <a:shade val="50000"/>
+            </a:schemeClr>
+          </a:lnRef>
+          <a:fillRef idx="1">
+            <a:schemeClr val="accent1"/>
+          </a:fillRef>
+          <a:effectRef idx="0">
+            <a:schemeClr val="accent1"/>
+          </a:effectRef>
+          <a:fontRef idx="minor">
+            <a:schemeClr val="lt1"/>
+          </a:fontRef>
+        </p:style>
+        <p:txBody>
+          <a:bodyPr rtlCol="0" anchor="ctr"/>
+          <a:lstStyle/>
+          <a:p>
+            <a:pPr algn="ctr"/>
+            <a:endParaRPr lang="en-US"/>
+          </a:p>
+        </p:txBody>
+      </p:sp>
+      <p:sp>
+        <p:nvSpPr>
+          <p:cNvPr id="15" name="Rectangle 14">
+            <a:extLst>
+              <a:ext uri="{FF2B5EF4-FFF2-40B4-BE49-F238E27FC236}">
+                <a16:creationId xmlns:a16="http://schemas.microsoft.com/office/drawing/2014/main" id="{85149191-5F60-4A28-AAFF-039F96B0F3EC}"/>
+              </a:ext>
+              <a:ext uri="{C183D7F6-B498-43B3-948B-1728B52AA6E4}">
+                <adec:decorative xmlns:adec="http://schemas.microsoft.com/office/drawing/2017/decorative" val="1"/>
+              </a:ext>
+            </a:extLst>
+          </p:cNvPr>
+          <p:cNvSpPr>
+            <a:spLocks noGrp="1" noRot="1" noChangeAspect="1" noMove="1" noResize="1" noEditPoints="1" noAdjustHandles="1" noChangeArrowheads="1" noChangeShapeType="1" noTextEdit="1"/>
+          </p:cNvSpPr>
+          <p:nvPr>
+            <p:extLst>
+              <p:ext uri="{386F3935-93C4-4BCD-93E2-E3B085C9AB24}">
+                <p16:designElem xmlns:p16="http://schemas.microsoft.com/office/powerpoint/2015/main" val="1"/>
+              </p:ext>
+            </p:extLst>
+          </p:nvPr>
+        </p:nvSpPr>
+        <p:spPr>
+          <a:xfrm rot="16200000" flipH="1">
+            <a:off x="-1180882" y="1638085"/>
+            <a:ext cx="6857572" cy="3581401"/>
+          </a:xfrm>
+          <a:prstGeom prst="rect">
+            <a:avLst/>
+          </a:prstGeom>
+          <a:gradFill>
+            <a:gsLst>
+              <a:gs pos="0">
+                <a:srgbClr val="000000">
+                  <a:alpha val="59000"/>
+                </a:srgbClr>
+              </a:gs>
+              <a:gs pos="69000">
+                <a:schemeClr val="accent1">
+                  <a:alpha val="0"/>
+                </a:schemeClr>
+              </a:gs>
+            </a:gsLst>
+            <a:lin ang="13200000" scaled="0"/>
+          </a:gradFill>
+          <a:ln>
+            <a:noFill/>
+          </a:ln>
+        </p:spPr>
+        <p:style>
+          <a:lnRef idx="2">
+            <a:schemeClr val="accent1">
+              <a:shade val="50000"/>
+            </a:schemeClr>
+          </a:lnRef>
+          <a:fillRef idx="1">
+            <a:schemeClr val="accent1"/>
+          </a:fillRef>
+          <a:effectRef idx="0">
+            <a:schemeClr val="accent1"/>
+          </a:effectRef>
+          <a:fontRef idx="minor">
+            <a:schemeClr val="lt1"/>
+          </a:fontRef>
+        </p:style>
+        <p:txBody>
+          <a:bodyPr rtlCol="0" anchor="ctr"/>
+          <a:lstStyle/>
+          <a:p>
+            <a:pPr algn="ctr"/>
+            <a:endParaRPr lang="en-US" dirty="0"/>
+          </a:p>
+        </p:txBody>
+      </p:sp>
+      <p:sp>
+        <p:nvSpPr>
+          <p:cNvPr id="17" name="Freeform: Shape 16">
+            <a:extLst>
+              <a:ext uri="{FF2B5EF4-FFF2-40B4-BE49-F238E27FC236}">
+                <a16:creationId xmlns:a16="http://schemas.microsoft.com/office/drawing/2014/main" id="{F8260ED5-17F7-4158-B241-D51DD4CF1B7E}"/>
+              </a:ext>
+              <a:ext uri="{C183D7F6-B498-43B3-948B-1728B52AA6E4}">
+                <adec:decorative xmlns:adec="http://schemas.microsoft.com/office/drawing/2017/decorative" val="1"/>
+              </a:ext>
+            </a:extLst>
+          </p:cNvPr>
+          <p:cNvSpPr>
+            <a:spLocks noGrp="1" noRot="1" noChangeAspect="1" noMove="1" noResize="1" noEditPoints="1" noAdjustHandles="1" noChangeArrowheads="1" noChangeShapeType="1" noTextEdit="1"/>
+          </p:cNvSpPr>
+          <p:nvPr>
+            <p:extLst>
+              <p:ext uri="{386F3935-93C4-4BCD-93E2-E3B085C9AB24}">
+                <p16:designElem xmlns:p16="http://schemas.microsoft.com/office/powerpoint/2015/main" val="1"/>
+              </p:ext>
+            </p:extLst>
+          </p:nvPr>
+        </p:nvSpPr>
+        <p:spPr>
+          <a:xfrm rot="6097846">
+            <a:off x="-747355" y="1201312"/>
+            <a:ext cx="4808302" cy="4088666"/>
+          </a:xfrm>
+          <a:custGeom>
+            <a:avLst/>
+            <a:gdLst>
+              <a:gd name="connsiteX0" fmla="*/ 48844 w 4808302"/>
+              <a:gd name="connsiteY0" fmla="*/ 2888671 h 4088666"/>
+              <a:gd name="connsiteX1" fmla="*/ 0 w 4808302"/>
+              <a:gd name="connsiteY1" fmla="*/ 2404151 h 4088666"/>
+              <a:gd name="connsiteX2" fmla="*/ 2404151 w 4808302"/>
+              <a:gd name="connsiteY2" fmla="*/ 0 h 4088666"/>
+              <a:gd name="connsiteX3" fmla="*/ 4808302 w 4808302"/>
+              <a:gd name="connsiteY3" fmla="*/ 2404151 h 4088666"/>
+              <a:gd name="connsiteX4" fmla="*/ 4700216 w 4808302"/>
+              <a:gd name="connsiteY4" fmla="*/ 3119072 h 4088666"/>
+              <a:gd name="connsiteX5" fmla="*/ 4643143 w 4808302"/>
+              <a:gd name="connsiteY5" fmla="*/ 3275009 h 4088666"/>
+              <a:gd name="connsiteX6" fmla="*/ 690093 w 4808302"/>
+              <a:gd name="connsiteY6" fmla="*/ 4088666 h 4088666"/>
+              <a:gd name="connsiteX7" fmla="*/ 548991 w 4808302"/>
+              <a:gd name="connsiteY7" fmla="*/ 3933414 h 4088666"/>
+              <a:gd name="connsiteX8" fmla="*/ 48844 w 4808302"/>
+              <a:gd name="connsiteY8" fmla="*/ 2888671 h 4088666"/>
+            </a:gdLst>
+            <a:ahLst/>
+            <a:cxnLst>
+              <a:cxn ang="0">
+                <a:pos x="connsiteX0" y="connsiteY0"/>
+              </a:cxn>
+              <a:cxn ang="0">
+                <a:pos x="connsiteX1" y="connsiteY1"/>
+              </a:cxn>
+              <a:cxn ang="0">
+                <a:pos x="connsiteX2" y="connsiteY2"/>
+              </a:cxn>
+              <a:cxn ang="0">
+                <a:pos x="connsiteX3" y="connsiteY3"/>
+              </a:cxn>
+              <a:cxn ang="0">
+                <a:pos x="connsiteX4" y="connsiteY4"/>
+              </a:cxn>
+              <a:cxn ang="0">
+                <a:pos x="connsiteX5" y="connsiteY5"/>
+              </a:cxn>
+              <a:cxn ang="0">
+                <a:pos x="connsiteX6" y="connsiteY6"/>
+              </a:cxn>
+              <a:cxn ang="0">
+                <a:pos x="connsiteX7" y="connsiteY7"/>
+              </a:cxn>
+              <a:cxn ang="0">
+                <a:pos x="connsiteX8" y="connsiteY8"/>
+              </a:cxn>
+            </a:cxnLst>
+            <a:rect l="l" t="t" r="r" b="b"/>
+            <a:pathLst>
+              <a:path w="4808302" h="4088666">
+                <a:moveTo>
+                  <a:pt x="48844" y="2888671"/>
+                </a:moveTo>
+                <a:cubicBezTo>
+                  <a:pt x="16818" y="2732167"/>
+                  <a:pt x="0" y="2570123"/>
+                  <a:pt x="0" y="2404151"/>
+                </a:cubicBezTo>
+                <a:cubicBezTo>
+                  <a:pt x="0" y="1076375"/>
+                  <a:pt x="1076375" y="0"/>
+                  <a:pt x="2404151" y="0"/>
+                </a:cubicBezTo>
+                <a:cubicBezTo>
+                  <a:pt x="3731927" y="0"/>
+                  <a:pt x="4808302" y="1076375"/>
+                  <a:pt x="4808302" y="2404151"/>
+                </a:cubicBezTo>
+                <a:cubicBezTo>
+                  <a:pt x="4808302" y="2653109"/>
+                  <a:pt x="4770461" y="2893229"/>
+                  <a:pt x="4700216" y="3119072"/>
+                </a:cubicBezTo>
+                <a:lnTo>
+                  <a:pt x="4643143" y="3275009"/>
+                </a:lnTo>
+                <a:lnTo>
+                  <a:pt x="690093" y="4088666"/>
+                </a:lnTo>
+                <a:lnTo>
+                  <a:pt x="548991" y="3933414"/>
+                </a:lnTo>
+                <a:cubicBezTo>
+                  <a:pt x="304015" y="3636572"/>
+                  <a:pt x="128908" y="3279932"/>
+                  <a:pt x="48844" y="2888671"/>
+                </a:cubicBezTo>
+                <a:close/>
+              </a:path>
+            </a:pathLst>
+          </a:custGeom>
+          <a:gradFill>
+            <a:gsLst>
+              <a:gs pos="39000">
+                <a:schemeClr val="accent1">
+                  <a:lumMod val="60000"/>
+                  <a:lumOff val="40000"/>
+                  <a:alpha val="0"/>
+                </a:schemeClr>
+              </a:gs>
+              <a:gs pos="100000">
+                <a:schemeClr val="accent1">
+                  <a:lumMod val="75000"/>
+                  <a:alpha val="26000"/>
+                </a:schemeClr>
+              </a:gs>
+            </a:gsLst>
+            <a:lin ang="18600000" scaled="0"/>
+          </a:gradFill>
+          <a:ln>
+            <a:noFill/>
+          </a:ln>
+        </p:spPr>
+        <p:style>
+          <a:lnRef idx="2">
+            <a:schemeClr val="accent1">
+              <a:shade val="50000"/>
+            </a:schemeClr>
+          </a:lnRef>
+          <a:fillRef idx="1">
+            <a:schemeClr val="accent1"/>
+          </a:fillRef>
+          <a:effectRef idx="0">
+            <a:schemeClr val="accent1"/>
+          </a:effectRef>
+          <a:fontRef idx="minor">
+            <a:schemeClr val="lt1"/>
+          </a:fontRef>
+        </p:style>
+        <p:txBody>
+          <a:bodyPr wrap="square" rtlCol="0" anchor="ctr">
+            <a:noAutofit/>
+          </a:bodyPr>
+          <a:lstStyle/>
+          <a:p>
+            <a:pPr algn="ctr"/>
+            <a:endParaRPr lang="en-US" dirty="0"/>
+          </a:p>
+        </p:txBody>
+      </p:sp>
+      <p:sp>
+        <p:nvSpPr>
+          <p:cNvPr id="2" name="Title 1">
+            <a:extLst>
+              <a:ext uri="{FF2B5EF4-FFF2-40B4-BE49-F238E27FC236}">
+                <a16:creationId xmlns:a16="http://schemas.microsoft.com/office/drawing/2014/main" id="{613F7718-FEDC-53E1-2A0D-9D9E596302C6}"/>
+              </a:ext>
+            </a:extLst>
+          </p:cNvPr>
+          <p:cNvSpPr>
+            <a:spLocks noGrp="1"/>
+          </p:cNvSpPr>
+          <p:nvPr>
+            <p:ph type="title"/>
+          </p:nvPr>
+        </p:nvSpPr>
+        <p:spPr>
+          <a:xfrm>
+            <a:off x="354105" y="1489818"/>
+            <a:ext cx="3192631" cy="4889470"/>
+          </a:xfrm>
+        </p:spPr>
+        <p:txBody>
+          <a:bodyPr vert="horz" lIns="91440" tIns="45720" rIns="91440" bIns="45720" rtlCol="0" anchor="t">
+            <a:noAutofit/>
+          </a:bodyPr>
+          <a:lstStyle/>
+          <a:p>
+            <a:r>
+              <a:rPr lang="en-US" sz="2000" dirty="0">
+                <a:solidFill>
+                  <a:schemeClr val="bg1"/>
+                </a:solidFill>
+                <a:latin typeface="Calibri" panose="020F0502020204030204" pitchFamily="34" charset="0"/>
+                <a:cs typeface="Calibri" panose="020F0502020204030204" pitchFamily="34" charset="0"/>
+              </a:rPr>
+              <a:t>- Food security improves with higher levels of education. </a:t>
+            </a:r>
+            <a:br>
+              <a:rPr lang="en-US" sz="2000" dirty="0">
+                <a:solidFill>
+                  <a:schemeClr val="bg1"/>
+                </a:solidFill>
+                <a:latin typeface="Calibri" panose="020F0502020204030204" pitchFamily="34" charset="0"/>
+                <a:cs typeface="Calibri" panose="020F0502020204030204" pitchFamily="34" charset="0"/>
+              </a:rPr>
+            </a:br>
+            <a:br>
+              <a:rPr lang="en-US" sz="2000" dirty="0">
+                <a:solidFill>
+                  <a:schemeClr val="bg1"/>
+                </a:solidFill>
+                <a:latin typeface="Calibri" panose="020F0502020204030204" pitchFamily="34" charset="0"/>
+                <a:cs typeface="Calibri" panose="020F0502020204030204" pitchFamily="34" charset="0"/>
+              </a:rPr>
+            </a:br>
+            <a:r>
+              <a:rPr lang="en-US" sz="2000" dirty="0">
+                <a:solidFill>
+                  <a:schemeClr val="bg1"/>
+                </a:solidFill>
+                <a:latin typeface="Calibri" panose="020F0502020204030204" pitchFamily="34" charset="0"/>
+                <a:cs typeface="Calibri" panose="020F0502020204030204" pitchFamily="34" charset="0"/>
+              </a:rPr>
+              <a:t>- However, children from preschool through high school remain the most disadvantaged, experiencing the highest food insecurity during their most formative years.</a:t>
+            </a:r>
+            <a:endParaRPr lang="en-US" sz="1050" kern="1200" dirty="0">
+              <a:solidFill>
+                <a:schemeClr val="bg1"/>
+              </a:solidFill>
+              <a:latin typeface="Calibri" panose="020F0502020204030204" pitchFamily="34" charset="0"/>
+              <a:cs typeface="Calibri" panose="020F0502020204030204" pitchFamily="34" charset="0"/>
+            </a:endParaRPr>
+          </a:p>
+        </p:txBody>
+      </p:sp>
+      <p:pic>
+        <p:nvPicPr>
+          <p:cNvPr id="4" name="Content Placeholder 3">
+            <a:extLst>
+              <a:ext uri="{FF2B5EF4-FFF2-40B4-BE49-F238E27FC236}">
+                <a16:creationId xmlns:a16="http://schemas.microsoft.com/office/drawing/2014/main" id="{E769B7D8-26FA-97C8-4BDD-CF620DAC9B7C}"/>
+              </a:ext>
+            </a:extLst>
+          </p:cNvPr>
+          <p:cNvPicPr>
+            <a:picLocks noGrp="1" noChangeAspect="1"/>
+          </p:cNvPicPr>
+          <p:nvPr>
+            <p:ph idx="1"/>
+          </p:nvPr>
+        </p:nvPicPr>
+        <p:blipFill>
+          <a:blip r:embed="rId2"/>
+          <a:stretch>
+            <a:fillRect/>
+          </a:stretch>
+        </p:blipFill>
+        <p:spPr>
+          <a:xfrm>
+            <a:off x="4502428" y="1640627"/>
+            <a:ext cx="7225748" cy="3576745"/>
+          </a:xfrm>
+          <a:prstGeom prst="rect">
+            <a:avLst/>
+          </a:prstGeom>
+        </p:spPr>
+      </p:pic>
+    </p:spTree>
+    <p:extLst>
+      <p:ext uri="{BB962C8B-B14F-4D97-AF65-F5344CB8AC3E}">
+        <p14:creationId xmlns:p14="http://schemas.microsoft.com/office/powerpoint/2010/main" val="3414870263"/>
+      </p:ext>
+    </p:extLst>
+  </p:cSld>
+  <p:clrMapOvr>
+    <a:masterClrMapping/>
+  </p:clrMapOvr>
+</p:sld>
+</file>
+
+<file path=ppt/slides/slide8.xml><?xml version="1.0" encoding="utf-8"?>
+<p:sld xmlns:a="http://schemas.openxmlformats.org/drawingml/2006/main" xmlns:r="http://schemas.openxmlformats.org/officeDocument/2006/relationships" xmlns:p="http://schemas.openxmlformats.org/presentationml/2006/main">
+  <p:cSld>
+    <p:bg>
+      <p:bgPr>
+        <a:solidFill>
+          <a:schemeClr val="bg1"/>
+        </a:solidFill>
+        <a:effectLst/>
+      </p:bgPr>
+    </p:bg>
+    <p:spTree>
+      <p:nvGrpSpPr>
+        <p:cNvPr id="1" name=""/>
+        <p:cNvGrpSpPr/>
+        <p:nvPr/>
+      </p:nvGrpSpPr>
+      <p:grpSpPr>
+        <a:xfrm>
+          <a:off x="0" y="0"/>
+          <a:ext cx="0" cy="0"/>
+          <a:chOff x="0" y="0"/>
+          <a:chExt cx="0" cy="0"/>
+        </a:xfrm>
+      </p:grpSpPr>
+      <p:sp useBgFill="1">
+        <p:nvSpPr>
+          <p:cNvPr id="21" name="Rectangle 20">
+            <a:extLst>
+              <a:ext uri="{FF2B5EF4-FFF2-40B4-BE49-F238E27FC236}">
+                <a16:creationId xmlns:a16="http://schemas.microsoft.com/office/drawing/2014/main" id="{A8384FB5-9ADC-4DDC-881B-597D56F5B15D}"/>
+              </a:ext>
+              <a:ext uri="{C183D7F6-B498-43B3-948B-1728B52AA6E4}">
+                <adec:decorative xmlns:adec="http://schemas.microsoft.com/office/drawing/2017/decorative" val="1"/>
+              </a:ext>
+            </a:extLst>
+          </p:cNvPr>
+          <p:cNvSpPr>
+            <a:spLocks noGrp="1" noRot="1" noChangeAspect="1" noMove="1" noResize="1" noEditPoints="1" noAdjustHandles="1" noChangeArrowheads="1" noChangeShapeType="1" noTextEdit="1"/>
+          </p:cNvSpPr>
+          <p:nvPr>
+            <p:extLst>
+              <p:ext uri="{386F3935-93C4-4BCD-93E2-E3B085C9AB24}">
+                <p16:designElem xmlns:p16="http://schemas.microsoft.com/office/powerpoint/2015/main" val="1"/>
+              </p:ext>
+            </p:extLst>
+          </p:nvPr>
+        </p:nvSpPr>
+        <p:spPr>
+          <a:xfrm>
+            <a:off x="0" y="0"/>
+            <a:ext cx="12192000" cy="6858000"/>
+          </a:xfrm>
+          <a:prstGeom prst="rect">
+            <a:avLst/>
+          </a:prstGeom>
+          <a:ln w="12700" cap="flat" cmpd="sng" algn="ctr">
+            <a:noFill/>
+            <a:prstDash val="solid"/>
+            <a:miter lim="800000"/>
+          </a:ln>
+          <a:effectLst/>
+          <a:extLst>
+            <a:ext uri="{91240B29-F687-4F45-9708-019B960494DF}">
+              <a14:hiddenLine xmlns:a14="http://schemas.microsoft.com/office/drawing/2010/main" w="12700" cap="flat" cmpd="sng" algn="ctr">
+                <a:solidFill>
+                  <a:schemeClr val="accent1">
+                    <a:shade val="50000"/>
+                  </a:schemeClr>
+                </a:solidFill>
+                <a:prstDash val="solid"/>
+                <a:miter lim="800000"/>
+              </a14:hiddenLine>
+            </a:ext>
+          </a:extLst>
+        </p:spPr>
+        <p:style>
+          <a:lnRef idx="2">
+            <a:schemeClr val="accent1">
+              <a:shade val="50000"/>
+            </a:schemeClr>
+          </a:lnRef>
+          <a:fillRef idx="1">
+            <a:schemeClr val="accent1"/>
+          </a:fillRef>
+          <a:effectRef idx="0">
+            <a:schemeClr val="accent1"/>
+          </a:effectRef>
+          <a:fontRef idx="minor">
+            <a:schemeClr val="lt1"/>
+          </a:fontRef>
+        </p:style>
+        <p:txBody>
+          <a:bodyPr rtlCol="0" anchor="ctr"/>
+          <a:lstStyle/>
+          <a:p>
+            <a:pPr algn="ctr"/>
+            <a:endParaRPr lang="en-US"/>
+          </a:p>
+        </p:txBody>
+      </p:sp>
+      <p:sp>
+        <p:nvSpPr>
+          <p:cNvPr id="23" name="Rectangle 22">
+            <a:extLst>
+              <a:ext uri="{FF2B5EF4-FFF2-40B4-BE49-F238E27FC236}">
+                <a16:creationId xmlns:a16="http://schemas.microsoft.com/office/drawing/2014/main" id="{91E5A9A7-95C6-4F4F-B00E-C82E07FE62EF}"/>
+              </a:ext>
+              <a:ext uri="{C183D7F6-B498-43B3-948B-1728B52AA6E4}">
+                <adec:decorative xmlns:adec="http://schemas.microsoft.com/office/drawing/2017/decorative" val="1"/>
+              </a:ext>
+            </a:extLst>
+          </p:cNvPr>
+          <p:cNvSpPr>
+            <a:spLocks noGrp="1" noRot="1" noChangeAspect="1" noMove="1" noResize="1" noEditPoints="1" noAdjustHandles="1" noChangeArrowheads="1" noChangeShapeType="1" noTextEdit="1"/>
+          </p:cNvSpPr>
+          <p:nvPr>
+            <p:extLst>
+              <p:ext uri="{386F3935-93C4-4BCD-93E2-E3B085C9AB24}">
+                <p16:designElem xmlns:p16="http://schemas.microsoft.com/office/powerpoint/2015/main" val="1"/>
+              </p:ext>
+            </p:extLst>
+          </p:nvPr>
+        </p:nvSpPr>
+        <p:spPr>
+          <a:xfrm rot="5400000" flipH="1">
+            <a:off x="-1417539" y="1417538"/>
+            <a:ext cx="6875818" cy="4040744"/>
+          </a:xfrm>
+          <a:prstGeom prst="rect">
+            <a:avLst/>
+          </a:prstGeom>
+          <a:gradFill>
+            <a:gsLst>
+              <a:gs pos="0">
+                <a:srgbClr val="000000"/>
+              </a:gs>
+              <a:gs pos="100000">
+                <a:schemeClr val="accent1">
+                  <a:lumMod val="75000"/>
+                </a:schemeClr>
+              </a:gs>
+            </a:gsLst>
+            <a:lin ang="18600000" scaled="0"/>
+          </a:gradFill>
+          <a:ln>
+            <a:noFill/>
+          </a:ln>
+        </p:spPr>
+        <p:style>
+          <a:lnRef idx="2">
+            <a:schemeClr val="accent1">
+              <a:shade val="50000"/>
+            </a:schemeClr>
+          </a:lnRef>
+          <a:fillRef idx="1">
+            <a:schemeClr val="accent1"/>
+          </a:fillRef>
+          <a:effectRef idx="0">
+            <a:schemeClr val="accent1"/>
+          </a:effectRef>
+          <a:fontRef idx="minor">
+            <a:schemeClr val="lt1"/>
+          </a:fontRef>
+        </p:style>
+        <p:txBody>
+          <a:bodyPr rtlCol="0" anchor="ctr"/>
+          <a:lstStyle/>
+          <a:p>
+            <a:pPr algn="ctr"/>
+            <a:endParaRPr lang="en-US" dirty="0"/>
+          </a:p>
+        </p:txBody>
+      </p:sp>
+      <p:sp>
+        <p:nvSpPr>
+          <p:cNvPr id="25" name="Rectangle 24">
+            <a:extLst>
+              <a:ext uri="{FF2B5EF4-FFF2-40B4-BE49-F238E27FC236}">
+                <a16:creationId xmlns:a16="http://schemas.microsoft.com/office/drawing/2014/main" id="{D07DD2DE-F619-49DD-B5E7-03A290FF4ED1}"/>
+              </a:ext>
+              <a:ext uri="{C183D7F6-B498-43B3-948B-1728B52AA6E4}">
+                <adec:decorative xmlns:adec="http://schemas.microsoft.com/office/drawing/2017/decorative" val="1"/>
+              </a:ext>
+            </a:extLst>
+          </p:cNvPr>
+          <p:cNvSpPr>
+            <a:spLocks noGrp="1" noRot="1" noChangeAspect="1" noMove="1" noResize="1" noEditPoints="1" noAdjustHandles="1" noChangeArrowheads="1" noChangeShapeType="1" noTextEdit="1"/>
+          </p:cNvSpPr>
+          <p:nvPr>
+            <p:extLst>
+              <p:ext uri="{386F3935-93C4-4BCD-93E2-E3B085C9AB24}">
+                <p16:designElem xmlns:p16="http://schemas.microsoft.com/office/powerpoint/2015/main" val="1"/>
+              </p:ext>
+            </p:extLst>
+          </p:nvPr>
+        </p:nvSpPr>
+        <p:spPr>
+          <a:xfrm rot="16200000">
+            <a:off x="-158495" y="2660473"/>
+            <a:ext cx="4355594" cy="4038603"/>
+          </a:xfrm>
+          <a:prstGeom prst="rect">
+            <a:avLst/>
+          </a:prstGeom>
+          <a:gradFill>
+            <a:gsLst>
+              <a:gs pos="0">
+                <a:schemeClr val="accent1">
+                  <a:alpha val="50000"/>
+                </a:schemeClr>
+              </a:gs>
+              <a:gs pos="100000">
+                <a:schemeClr val="accent1">
+                  <a:lumMod val="50000"/>
+                  <a:alpha val="0"/>
+                </a:schemeClr>
+              </a:gs>
+            </a:gsLst>
+            <a:lin ang="11400000" scaled="0"/>
+          </a:gradFill>
+          <a:ln>
+            <a:noFill/>
+          </a:ln>
+        </p:spPr>
+        <p:style>
+          <a:lnRef idx="2">
+            <a:schemeClr val="accent1">
+              <a:shade val="50000"/>
+            </a:schemeClr>
+          </a:lnRef>
+          <a:fillRef idx="1">
+            <a:schemeClr val="accent1"/>
+          </a:fillRef>
+          <a:effectRef idx="0">
+            <a:schemeClr val="accent1"/>
+          </a:effectRef>
+          <a:fontRef idx="minor">
+            <a:schemeClr val="lt1"/>
+          </a:fontRef>
+        </p:style>
+        <p:txBody>
+          <a:bodyPr rtlCol="0" anchor="ctr"/>
+          <a:lstStyle/>
+          <a:p>
+            <a:pPr algn="ctr"/>
+            <a:endParaRPr lang="en-US"/>
+          </a:p>
+        </p:txBody>
+      </p:sp>
+      <p:sp>
+        <p:nvSpPr>
+          <p:cNvPr id="27" name="Rectangle 26">
+            <a:extLst>
+              <a:ext uri="{FF2B5EF4-FFF2-40B4-BE49-F238E27FC236}">
+                <a16:creationId xmlns:a16="http://schemas.microsoft.com/office/drawing/2014/main" id="{85149191-5F60-4A28-AAFF-039F96B0F3EC}"/>
+              </a:ext>
+              <a:ext uri="{C183D7F6-B498-43B3-948B-1728B52AA6E4}">
+                <adec:decorative xmlns:adec="http://schemas.microsoft.com/office/drawing/2017/decorative" val="1"/>
+              </a:ext>
+            </a:extLst>
+          </p:cNvPr>
+          <p:cNvSpPr>
+            <a:spLocks noGrp="1" noRot="1" noChangeAspect="1" noMove="1" noResize="1" noEditPoints="1" noAdjustHandles="1" noChangeArrowheads="1" noChangeShapeType="1" noTextEdit="1"/>
+          </p:cNvSpPr>
+          <p:nvPr>
+            <p:extLst>
+              <p:ext uri="{386F3935-93C4-4BCD-93E2-E3B085C9AB24}">
+                <p16:designElem xmlns:p16="http://schemas.microsoft.com/office/powerpoint/2015/main" val="1"/>
+              </p:ext>
+            </p:extLst>
+          </p:nvPr>
+        </p:nvSpPr>
+        <p:spPr>
+          <a:xfrm rot="16200000" flipH="1">
+            <a:off x="-1180882" y="1638085"/>
+            <a:ext cx="6857572" cy="3581401"/>
+          </a:xfrm>
+          <a:prstGeom prst="rect">
+            <a:avLst/>
+          </a:prstGeom>
+          <a:gradFill>
+            <a:gsLst>
+              <a:gs pos="0">
+                <a:srgbClr val="000000">
+                  <a:alpha val="59000"/>
+                </a:srgbClr>
+              </a:gs>
+              <a:gs pos="69000">
+                <a:schemeClr val="accent1">
+                  <a:alpha val="0"/>
+                </a:schemeClr>
+              </a:gs>
+            </a:gsLst>
+            <a:lin ang="13200000" scaled="0"/>
+          </a:gradFill>
+          <a:ln>
+            <a:noFill/>
+          </a:ln>
+        </p:spPr>
+        <p:style>
+          <a:lnRef idx="2">
+            <a:schemeClr val="accent1">
+              <a:shade val="50000"/>
+            </a:schemeClr>
+          </a:lnRef>
+          <a:fillRef idx="1">
+            <a:schemeClr val="accent1"/>
+          </a:fillRef>
+          <a:effectRef idx="0">
+            <a:schemeClr val="accent1"/>
+          </a:effectRef>
+          <a:fontRef idx="minor">
+            <a:schemeClr val="lt1"/>
+          </a:fontRef>
+        </p:style>
+        <p:txBody>
+          <a:bodyPr rtlCol="0" anchor="ctr"/>
+          <a:lstStyle/>
+          <a:p>
+            <a:pPr algn="ctr"/>
+            <a:endParaRPr lang="en-US" dirty="0"/>
+          </a:p>
+        </p:txBody>
+      </p:sp>
+      <p:sp>
+        <p:nvSpPr>
+          <p:cNvPr id="29" name="Freeform: Shape 28">
+            <a:extLst>
+              <a:ext uri="{FF2B5EF4-FFF2-40B4-BE49-F238E27FC236}">
+                <a16:creationId xmlns:a16="http://schemas.microsoft.com/office/drawing/2014/main" id="{F8260ED5-17F7-4158-B241-D51DD4CF1B7E}"/>
+              </a:ext>
+              <a:ext uri="{C183D7F6-B498-43B3-948B-1728B52AA6E4}">
+                <adec:decorative xmlns:adec="http://schemas.microsoft.com/office/drawing/2017/decorative" val="1"/>
+              </a:ext>
+            </a:extLst>
+          </p:cNvPr>
+          <p:cNvSpPr>
+            <a:spLocks noGrp="1" noRot="1" noChangeAspect="1" noMove="1" noResize="1" noEditPoints="1" noAdjustHandles="1" noChangeArrowheads="1" noChangeShapeType="1" noTextEdit="1"/>
+          </p:cNvSpPr>
+          <p:nvPr>
+            <p:extLst>
+              <p:ext uri="{386F3935-93C4-4BCD-93E2-E3B085C9AB24}">
+                <p16:designElem xmlns:p16="http://schemas.microsoft.com/office/powerpoint/2015/main" val="1"/>
+              </p:ext>
+            </p:extLst>
+          </p:nvPr>
+        </p:nvSpPr>
+        <p:spPr>
+          <a:xfrm rot="6097846">
+            <a:off x="-747355" y="1201312"/>
+            <a:ext cx="4808302" cy="4088666"/>
+          </a:xfrm>
+          <a:custGeom>
+            <a:avLst/>
+            <a:gdLst>
+              <a:gd name="connsiteX0" fmla="*/ 48844 w 4808302"/>
+              <a:gd name="connsiteY0" fmla="*/ 2888671 h 4088666"/>
+              <a:gd name="connsiteX1" fmla="*/ 0 w 4808302"/>
+              <a:gd name="connsiteY1" fmla="*/ 2404151 h 4088666"/>
+              <a:gd name="connsiteX2" fmla="*/ 2404151 w 4808302"/>
+              <a:gd name="connsiteY2" fmla="*/ 0 h 4088666"/>
+              <a:gd name="connsiteX3" fmla="*/ 4808302 w 4808302"/>
+              <a:gd name="connsiteY3" fmla="*/ 2404151 h 4088666"/>
+              <a:gd name="connsiteX4" fmla="*/ 4700216 w 4808302"/>
+              <a:gd name="connsiteY4" fmla="*/ 3119072 h 4088666"/>
+              <a:gd name="connsiteX5" fmla="*/ 4643143 w 4808302"/>
+              <a:gd name="connsiteY5" fmla="*/ 3275009 h 4088666"/>
+              <a:gd name="connsiteX6" fmla="*/ 690093 w 4808302"/>
+              <a:gd name="connsiteY6" fmla="*/ 4088666 h 4088666"/>
+              <a:gd name="connsiteX7" fmla="*/ 548991 w 4808302"/>
+              <a:gd name="connsiteY7" fmla="*/ 3933414 h 4088666"/>
+              <a:gd name="connsiteX8" fmla="*/ 48844 w 4808302"/>
+              <a:gd name="connsiteY8" fmla="*/ 2888671 h 4088666"/>
+            </a:gdLst>
+            <a:ahLst/>
+            <a:cxnLst>
+              <a:cxn ang="0">
+                <a:pos x="connsiteX0" y="connsiteY0"/>
+              </a:cxn>
+              <a:cxn ang="0">
+                <a:pos x="connsiteX1" y="connsiteY1"/>
+              </a:cxn>
+              <a:cxn ang="0">
+                <a:pos x="connsiteX2" y="connsiteY2"/>
+              </a:cxn>
+              <a:cxn ang="0">
+                <a:pos x="connsiteX3" y="connsiteY3"/>
+              </a:cxn>
+              <a:cxn ang="0">
+                <a:pos x="connsiteX4" y="connsiteY4"/>
+              </a:cxn>
+              <a:cxn ang="0">
+                <a:pos x="connsiteX5" y="connsiteY5"/>
+              </a:cxn>
+              <a:cxn ang="0">
+                <a:pos x="connsiteX6" y="connsiteY6"/>
+              </a:cxn>
+              <a:cxn ang="0">
+                <a:pos x="connsiteX7" y="connsiteY7"/>
+              </a:cxn>
+              <a:cxn ang="0">
+                <a:pos x="connsiteX8" y="connsiteY8"/>
+              </a:cxn>
+            </a:cxnLst>
+            <a:rect l="l" t="t" r="r" b="b"/>
+            <a:pathLst>
+              <a:path w="4808302" h="4088666">
+                <a:moveTo>
+                  <a:pt x="48844" y="2888671"/>
+                </a:moveTo>
+                <a:cubicBezTo>
+                  <a:pt x="16818" y="2732167"/>
+                  <a:pt x="0" y="2570123"/>
+                  <a:pt x="0" y="2404151"/>
+                </a:cubicBezTo>
+                <a:cubicBezTo>
+                  <a:pt x="0" y="1076375"/>
+                  <a:pt x="1076375" y="0"/>
+                  <a:pt x="2404151" y="0"/>
+                </a:cubicBezTo>
+                <a:cubicBezTo>
+                  <a:pt x="3731927" y="0"/>
+                  <a:pt x="4808302" y="1076375"/>
+                  <a:pt x="4808302" y="2404151"/>
+                </a:cubicBezTo>
+                <a:cubicBezTo>
+                  <a:pt x="4808302" y="2653109"/>
+                  <a:pt x="4770461" y="2893229"/>
+                  <a:pt x="4700216" y="3119072"/>
+                </a:cubicBezTo>
+                <a:lnTo>
+                  <a:pt x="4643143" y="3275009"/>
+                </a:lnTo>
+                <a:lnTo>
+                  <a:pt x="690093" y="4088666"/>
+                </a:lnTo>
+                <a:lnTo>
+                  <a:pt x="548991" y="3933414"/>
+                </a:lnTo>
+                <a:cubicBezTo>
+                  <a:pt x="304015" y="3636572"/>
+                  <a:pt x="128908" y="3279932"/>
+                  <a:pt x="48844" y="2888671"/>
+                </a:cubicBezTo>
+                <a:close/>
+              </a:path>
+            </a:pathLst>
+          </a:custGeom>
+          <a:gradFill>
+            <a:gsLst>
+              <a:gs pos="39000">
+                <a:schemeClr val="accent1">
+                  <a:lumMod val="60000"/>
+                  <a:lumOff val="40000"/>
+                  <a:alpha val="0"/>
+                </a:schemeClr>
+              </a:gs>
+              <a:gs pos="100000">
+                <a:schemeClr val="accent1">
+                  <a:lumMod val="75000"/>
+                  <a:alpha val="26000"/>
+                </a:schemeClr>
+              </a:gs>
+            </a:gsLst>
+            <a:lin ang="18600000" scaled="0"/>
+          </a:gradFill>
+          <a:ln>
+            <a:noFill/>
+          </a:ln>
+        </p:spPr>
+        <p:style>
+          <a:lnRef idx="2">
+            <a:schemeClr val="accent1">
+              <a:shade val="50000"/>
+            </a:schemeClr>
+          </a:lnRef>
+          <a:fillRef idx="1">
+            <a:schemeClr val="accent1"/>
+          </a:fillRef>
+          <a:effectRef idx="0">
+            <a:schemeClr val="accent1"/>
+          </a:effectRef>
+          <a:fontRef idx="minor">
+            <a:schemeClr val="lt1"/>
+          </a:fontRef>
+        </p:style>
+        <p:txBody>
+          <a:bodyPr wrap="square" rtlCol="0" anchor="ctr">
+            <a:noAutofit/>
+          </a:bodyPr>
+          <a:lstStyle/>
+          <a:p>
+            <a:pPr algn="ctr"/>
+            <a:endParaRPr lang="en-US" dirty="0"/>
+          </a:p>
+        </p:txBody>
+      </p:sp>
+      <p:sp>
+        <p:nvSpPr>
+          <p:cNvPr id="5" name="Rectangle 1">
+            <a:extLst>
+              <a:ext uri="{FF2B5EF4-FFF2-40B4-BE49-F238E27FC236}">
+                <a16:creationId xmlns:a16="http://schemas.microsoft.com/office/drawing/2014/main" id="{E54833C9-6E35-BCA0-BBCE-145219B2A119}"/>
+              </a:ext>
+            </a:extLst>
+          </p:cNvPr>
+          <p:cNvSpPr>
+            <a:spLocks noGrp="1" noChangeArrowheads="1"/>
+          </p:cNvSpPr>
+          <p:nvPr>
+            <p:ph type="title"/>
+          </p:nvPr>
+        </p:nvSpPr>
+        <p:spPr bwMode="auto">
+          <a:xfrm>
+            <a:off x="653945" y="2501549"/>
+            <a:ext cx="2880828" cy="3071906"/>
+          </a:xfrm>
+          <a:prstGeom prst="rect">
+            <a:avLst/>
+          </a:prstGeom>
+          <a:extLst>
+            <a:ext uri="{909E8E84-426E-40DD-AFC4-6F175D3DCCD1}">
+              <a14:hiddenFill xmlns:a14="http://schemas.microsoft.com/office/drawing/2010/main">
+                <a:solidFill>
+                  <a:schemeClr val="accent1"/>
+                </a:solidFill>
+              </a14:hiddenFill>
+            </a:ext>
+            <a:ext uri="{91240B29-F687-4F45-9708-019B960494DF}">
+              <a14:hiddenLine xmlns:a14="http://schemas.microsoft.com/office/drawing/2010/main" w="9525">
+                <a:solidFill>
+                  <a:schemeClr val="tx1"/>
+                </a:solidFill>
+                <a:miter lim="800000"/>
+                <a:headEnd/>
+                <a:tailEnd/>
+              </a14:hiddenLine>
+            </a:ext>
+            <a:ext uri="{AF507438-7753-43E0-B8FC-AC1667EBCBE1}">
+              <a14:hiddenEffects xmlns:a14="http://schemas.microsoft.com/office/drawing/2010/main">
+                <a:effectLst>
+                  <a:outerShdw dist="35921" dir="2700000" algn="ctr" rotWithShape="0">
+                    <a:schemeClr val="bg2"/>
+                  </a:outerShdw>
+                </a:effectLst>
+              </a14:hiddenEffects>
+            </a:ext>
+          </a:extLst>
+        </p:spPr>
+        <p:txBody>
+          <a:bodyPr vert="horz" lIns="91440" tIns="45720" rIns="91440" bIns="45720" numCol="1" rtlCol="0" anchor="t" anchorCtr="0" compatLnSpc="1">
+            <a:prstTxWarp prst="textNoShape">
+              <a:avLst/>
+            </a:prstTxWarp>
+            <a:normAutofit/>
+          </a:bodyPr>
+          <a:lstStyle/>
+          <a:p>
+            <a:pPr marL="0" marR="0" lvl="0" indent="0" fontAlgn="base">
+              <a:spcAft>
+                <a:spcPct val="0"/>
+              </a:spcAft>
+              <a:buClrTx/>
+              <a:buSzTx/>
+              <a:tabLst/>
+            </a:pPr>
+            <a:r>
+              <a:rPr kumimoji="0" lang="en-US" altLang="en-US" sz="2200" b="0" i="0" u="none" strike="noStrike" kern="1200" cap="none" normalizeH="0" baseline="0" dirty="0">
+                <a:ln>
+                  <a:noFill/>
+                </a:ln>
+                <a:solidFill>
+                  <a:srgbClr val="FFFFFF"/>
+                </a:solidFill>
+                <a:effectLst/>
+                <a:latin typeface="Calibri" panose="020F0502020204030204" pitchFamily="34" charset="0"/>
+                <a:cs typeface="Calibri" panose="020F0502020204030204" pitchFamily="34" charset="0"/>
+              </a:rPr>
+              <a:t>Children experience disproportionately high food insecurity, with age groups 0–17 showing the highest food insecure rates despite making up a smaller share of the total population.</a:t>
+            </a:r>
+          </a:p>
+        </p:txBody>
+      </p:sp>
+      <p:pic>
+        <p:nvPicPr>
+          <p:cNvPr id="4" name="Content Placeholder 3">
+            <a:extLst>
+              <a:ext uri="{FF2B5EF4-FFF2-40B4-BE49-F238E27FC236}">
+                <a16:creationId xmlns:a16="http://schemas.microsoft.com/office/drawing/2014/main" id="{D599F882-234A-10ED-B42A-A1BE0CCAE9DF}"/>
+              </a:ext>
+            </a:extLst>
+          </p:cNvPr>
+          <p:cNvPicPr>
+            <a:picLocks noGrp="1" noChangeAspect="1"/>
+          </p:cNvPicPr>
+          <p:nvPr>
+            <p:ph idx="1"/>
+          </p:nvPr>
+        </p:nvPicPr>
+        <p:blipFill>
+          <a:blip r:embed="rId2"/>
+          <a:srcRect r="5059"/>
+          <a:stretch>
+            <a:fillRect/>
+          </a:stretch>
+        </p:blipFill>
+        <p:spPr>
+          <a:xfrm>
+            <a:off x="4600358" y="467208"/>
+            <a:ext cx="7029887" cy="5923584"/>
+          </a:xfrm>
+          <a:prstGeom prst="rect">
+            <a:avLst/>
+          </a:prstGeom>
+        </p:spPr>
+      </p:pic>
+    </p:spTree>
+    <p:extLst>
+      <p:ext uri="{BB962C8B-B14F-4D97-AF65-F5344CB8AC3E}">
+        <p14:creationId xmlns:p14="http://schemas.microsoft.com/office/powerpoint/2010/main" val="1105970784"/>
+      </p:ext>
+    </p:extLst>
+  </p:cSld>
+  <p:clrMapOvr>
+    <a:masterClrMapping/>
+  </p:clrMapOvr>
+</p:sld>
+</file>
+
+<file path=ppt/slides/slide9.xml><?xml version="1.0" encoding="utf-8"?>
+<p:sld xmlns:a="http://schemas.openxmlformats.org/drawingml/2006/main" xmlns:r="http://schemas.openxmlformats.org/officeDocument/2006/relationships" xmlns:p="http://schemas.openxmlformats.org/presentationml/2006/main">
+  <p:cSld>
+    <p:bg>
+      <p:bgPr>
+        <a:solidFill>
+          <a:schemeClr val="bg1"/>
+        </a:solidFill>
+        <a:effectLst/>
+      </p:bgPr>
+    </p:bg>
+    <p:spTree>
+      <p:nvGrpSpPr>
+        <p:cNvPr id="1" name=""/>
+        <p:cNvGrpSpPr/>
+        <p:nvPr/>
+      </p:nvGrpSpPr>
+      <p:grpSpPr>
+        <a:xfrm>
+          <a:off x="0" y="0"/>
+          <a:ext cx="0" cy="0"/>
+          <a:chOff x="0" y="0"/>
+          <a:chExt cx="0" cy="0"/>
+        </a:xfrm>
+      </p:grpSpPr>
+      <p:sp useBgFill="1">
+        <p:nvSpPr>
+          <p:cNvPr id="9" name="Rectangle 8">
+            <a:extLst>
+              <a:ext uri="{FF2B5EF4-FFF2-40B4-BE49-F238E27FC236}">
+                <a16:creationId xmlns:a16="http://schemas.microsoft.com/office/drawing/2014/main" id="{A8384FB5-9ADC-4DDC-881B-597D56F5B15D}"/>
+              </a:ext>
+              <a:ext uri="{C183D7F6-B498-43B3-948B-1728B52AA6E4}">
+                <adec:decorative xmlns:adec="http://schemas.microsoft.com/office/drawing/2017/decorative" val="1"/>
+              </a:ext>
+            </a:extLst>
+          </p:cNvPr>
+          <p:cNvSpPr>
+            <a:spLocks noGrp="1" noRot="1" noChangeAspect="1" noMove="1" noResize="1" noEditPoints="1" noAdjustHandles="1" noChangeArrowheads="1" noChangeShapeType="1" noTextEdit="1"/>
+          </p:cNvSpPr>
+          <p:nvPr>
+            <p:extLst>
+              <p:ext uri="{386F3935-93C4-4BCD-93E2-E3B085C9AB24}">
+                <p16:designElem xmlns:p16="http://schemas.microsoft.com/office/powerpoint/2015/main" val="1"/>
+              </p:ext>
+            </p:extLst>
+          </p:nvPr>
+        </p:nvSpPr>
+        <p:spPr>
+          <a:xfrm>
+            <a:off x="0" y="0"/>
+            <a:ext cx="12192000" cy="6858000"/>
+          </a:xfrm>
+          <a:prstGeom prst="rect">
+            <a:avLst/>
+          </a:prstGeom>
+          <a:ln w="12700" cap="flat" cmpd="sng" algn="ctr">
+            <a:noFill/>
+            <a:prstDash val="solid"/>
+            <a:miter lim="800000"/>
+          </a:ln>
+          <a:effectLst/>
+          <a:extLst>
+            <a:ext uri="{91240B29-F687-4F45-9708-019B960494DF}">
+              <a14:hiddenLine xmlns:a14="http://schemas.microsoft.com/office/drawing/2010/main" w="12700" cap="flat" cmpd="sng" algn="ctr">
+                <a:solidFill>
+                  <a:schemeClr val="accent1">
+                    <a:shade val="50000"/>
+                  </a:schemeClr>
+                </a:solidFill>
+                <a:prstDash val="solid"/>
+                <a:miter lim="800000"/>
+              </a14:hiddenLine>
+            </a:ext>
+          </a:extLst>
+        </p:spPr>
+        <p:style>
+          <a:lnRef idx="2">
+            <a:schemeClr val="accent1">
+              <a:shade val="50000"/>
+            </a:schemeClr>
+          </a:lnRef>
+          <a:fillRef idx="1">
+            <a:schemeClr val="accent1"/>
+          </a:fillRef>
+          <a:effectRef idx="0">
+            <a:schemeClr val="accent1"/>
+          </a:effectRef>
+          <a:fontRef idx="minor">
+            <a:schemeClr val="lt1"/>
+          </a:fontRef>
+        </p:style>
+        <p:txBody>
+          <a:bodyPr rtlCol="0" anchor="ctr"/>
+          <a:lstStyle/>
+          <a:p>
+            <a:pPr algn="ctr"/>
+            <a:endParaRPr lang="en-US"/>
+          </a:p>
+        </p:txBody>
+      </p:sp>
+      <p:sp>
+        <p:nvSpPr>
+          <p:cNvPr id="11" name="Rectangle 10">
+            <a:extLst>
+              <a:ext uri="{FF2B5EF4-FFF2-40B4-BE49-F238E27FC236}">
+                <a16:creationId xmlns:a16="http://schemas.microsoft.com/office/drawing/2014/main" id="{91E5A9A7-95C6-4F4F-B00E-C82E07FE62EF}"/>
+              </a:ext>
+              <a:ext uri="{C183D7F6-B498-43B3-948B-1728B52AA6E4}">
+                <adec:decorative xmlns:adec="http://schemas.microsoft.com/office/drawing/2017/decorative" val="1"/>
+              </a:ext>
+            </a:extLst>
+          </p:cNvPr>
+          <p:cNvSpPr>
+            <a:spLocks noGrp="1" noRot="1" noChangeAspect="1" noMove="1" noResize="1" noEditPoints="1" noAdjustHandles="1" noChangeArrowheads="1" noChangeShapeType="1" noTextEdit="1"/>
+          </p:cNvSpPr>
+          <p:nvPr>
+            <p:extLst>
+              <p:ext uri="{386F3935-93C4-4BCD-93E2-E3B085C9AB24}">
+                <p16:designElem xmlns:p16="http://schemas.microsoft.com/office/powerpoint/2015/main" val="1"/>
+              </p:ext>
+            </p:extLst>
+          </p:nvPr>
+        </p:nvSpPr>
+        <p:spPr>
+          <a:xfrm rot="5400000" flipH="1">
+            <a:off x="-1417539" y="1417538"/>
+            <a:ext cx="6875818" cy="4040744"/>
+          </a:xfrm>
+          <a:prstGeom prst="rect">
+            <a:avLst/>
+          </a:prstGeom>
+          <a:gradFill>
+            <a:gsLst>
+              <a:gs pos="0">
+                <a:srgbClr val="000000"/>
+              </a:gs>
+              <a:gs pos="100000">
+                <a:schemeClr val="accent1">
+                  <a:lumMod val="75000"/>
+                </a:schemeClr>
+              </a:gs>
+            </a:gsLst>
+            <a:lin ang="18600000" scaled="0"/>
+          </a:gradFill>
+          <a:ln>
+            <a:noFill/>
+          </a:ln>
+        </p:spPr>
+        <p:style>
+          <a:lnRef idx="2">
+            <a:schemeClr val="accent1">
+              <a:shade val="50000"/>
+            </a:schemeClr>
+          </a:lnRef>
+          <a:fillRef idx="1">
+            <a:schemeClr val="accent1"/>
+          </a:fillRef>
+          <a:effectRef idx="0">
+            <a:schemeClr val="accent1"/>
+          </a:effectRef>
+          <a:fontRef idx="minor">
+            <a:schemeClr val="lt1"/>
+          </a:fontRef>
+        </p:style>
+        <p:txBody>
+          <a:bodyPr rtlCol="0" anchor="ctr"/>
+          <a:lstStyle/>
+          <a:p>
+            <a:pPr algn="ctr"/>
+            <a:endParaRPr lang="en-US" dirty="0"/>
+          </a:p>
+        </p:txBody>
+      </p:sp>
+      <p:sp>
+        <p:nvSpPr>
+          <p:cNvPr id="13" name="Rectangle 12">
+            <a:extLst>
+              <a:ext uri="{FF2B5EF4-FFF2-40B4-BE49-F238E27FC236}">
+                <a16:creationId xmlns:a16="http://schemas.microsoft.com/office/drawing/2014/main" id="{D07DD2DE-F619-49DD-B5E7-03A290FF4ED1}"/>
+              </a:ext>
+              <a:ext uri="{C183D7F6-B498-43B3-948B-1728B52AA6E4}">
+                <adec:decorative xmlns:adec="http://schemas.microsoft.com/office/drawing/2017/decorative" val="1"/>
+              </a:ext>
+            </a:extLst>
+          </p:cNvPr>
+          <p:cNvSpPr>
+            <a:spLocks noGrp="1" noRot="1" noChangeAspect="1" noMove="1" noResize="1" noEditPoints="1" noAdjustHandles="1" noChangeArrowheads="1" noChangeShapeType="1" noTextEdit="1"/>
+          </p:cNvSpPr>
+          <p:nvPr>
+            <p:extLst>
+              <p:ext uri="{386F3935-93C4-4BCD-93E2-E3B085C9AB24}">
+                <p16:designElem xmlns:p16="http://schemas.microsoft.com/office/powerpoint/2015/main" val="1"/>
+              </p:ext>
+            </p:extLst>
+          </p:nvPr>
+        </p:nvSpPr>
+        <p:spPr>
+          <a:xfrm rot="16200000">
+            <a:off x="-158495" y="2660473"/>
+            <a:ext cx="4355594" cy="4038603"/>
+          </a:xfrm>
+          <a:prstGeom prst="rect">
+            <a:avLst/>
+          </a:prstGeom>
+          <a:gradFill>
+            <a:gsLst>
+              <a:gs pos="0">
+                <a:schemeClr val="accent1">
+                  <a:alpha val="50000"/>
+                </a:schemeClr>
+              </a:gs>
+              <a:gs pos="100000">
+                <a:schemeClr val="accent1">
+                  <a:lumMod val="50000"/>
+                  <a:alpha val="0"/>
+                </a:schemeClr>
+              </a:gs>
+            </a:gsLst>
+            <a:lin ang="11400000" scaled="0"/>
+          </a:gradFill>
+          <a:ln>
+            <a:noFill/>
+          </a:ln>
+        </p:spPr>
+        <p:style>
+          <a:lnRef idx="2">
+            <a:schemeClr val="accent1">
+              <a:shade val="50000"/>
+            </a:schemeClr>
+          </a:lnRef>
+          <a:fillRef idx="1">
+            <a:schemeClr val="accent1"/>
+          </a:fillRef>
+          <a:effectRef idx="0">
+            <a:schemeClr val="accent1"/>
+          </a:effectRef>
+          <a:fontRef idx="minor">
+            <a:schemeClr val="lt1"/>
+          </a:fontRef>
+        </p:style>
+        <p:txBody>
+          <a:bodyPr rtlCol="0" anchor="ctr"/>
+          <a:lstStyle/>
+          <a:p>
+            <a:pPr algn="ctr"/>
+            <a:endParaRPr lang="en-US"/>
+          </a:p>
+        </p:txBody>
+      </p:sp>
+      <p:sp>
+        <p:nvSpPr>
+          <p:cNvPr id="15" name="Rectangle 14">
+            <a:extLst>
+              <a:ext uri="{FF2B5EF4-FFF2-40B4-BE49-F238E27FC236}">
+                <a16:creationId xmlns:a16="http://schemas.microsoft.com/office/drawing/2014/main" id="{85149191-5F60-4A28-AAFF-039F96B0F3EC}"/>
+              </a:ext>
+              <a:ext uri="{C183D7F6-B498-43B3-948B-1728B52AA6E4}">
+                <adec:decorative xmlns:adec="http://schemas.microsoft.com/office/drawing/2017/decorative" val="1"/>
+              </a:ext>
+            </a:extLst>
+          </p:cNvPr>
+          <p:cNvSpPr>
+            <a:spLocks noGrp="1" noRot="1" noChangeAspect="1" noMove="1" noResize="1" noEditPoints="1" noAdjustHandles="1" noChangeArrowheads="1" noChangeShapeType="1" noTextEdit="1"/>
+          </p:cNvSpPr>
+          <p:nvPr>
+            <p:extLst>
+              <p:ext uri="{386F3935-93C4-4BCD-93E2-E3B085C9AB24}">
+                <p16:designElem xmlns:p16="http://schemas.microsoft.com/office/powerpoint/2015/main" val="1"/>
+              </p:ext>
+            </p:extLst>
+          </p:nvPr>
+        </p:nvSpPr>
+        <p:spPr>
+          <a:xfrm rot="16200000" flipH="1">
+            <a:off x="-1180882" y="1638085"/>
+            <a:ext cx="6857572" cy="3581401"/>
+          </a:xfrm>
+          <a:prstGeom prst="rect">
+            <a:avLst/>
+          </a:prstGeom>
+          <a:gradFill>
+            <a:gsLst>
+              <a:gs pos="0">
+                <a:srgbClr val="000000">
+                  <a:alpha val="59000"/>
+                </a:srgbClr>
+              </a:gs>
+              <a:gs pos="69000">
+                <a:schemeClr val="accent1">
+                  <a:alpha val="0"/>
+                </a:schemeClr>
+              </a:gs>
+            </a:gsLst>
+            <a:lin ang="13200000" scaled="0"/>
+          </a:gradFill>
+          <a:ln>
+            <a:noFill/>
+          </a:ln>
+        </p:spPr>
+        <p:style>
+          <a:lnRef idx="2">
+            <a:schemeClr val="accent1">
+              <a:shade val="50000"/>
+            </a:schemeClr>
+          </a:lnRef>
+          <a:fillRef idx="1">
+            <a:schemeClr val="accent1"/>
+          </a:fillRef>
+          <a:effectRef idx="0">
+            <a:schemeClr val="accent1"/>
+          </a:effectRef>
+          <a:fontRef idx="minor">
+            <a:schemeClr val="lt1"/>
+          </a:fontRef>
+        </p:style>
+        <p:txBody>
+          <a:bodyPr rtlCol="0" anchor="ctr"/>
+          <a:lstStyle/>
+          <a:p>
+            <a:pPr algn="ctr"/>
+            <a:endParaRPr lang="en-US" dirty="0"/>
+          </a:p>
+        </p:txBody>
+      </p:sp>
+      <p:sp>
+        <p:nvSpPr>
+          <p:cNvPr id="17" name="Freeform: Shape 16">
+            <a:extLst>
+              <a:ext uri="{FF2B5EF4-FFF2-40B4-BE49-F238E27FC236}">
+                <a16:creationId xmlns:a16="http://schemas.microsoft.com/office/drawing/2014/main" id="{F8260ED5-17F7-4158-B241-D51DD4CF1B7E}"/>
+              </a:ext>
+              <a:ext uri="{C183D7F6-B498-43B3-948B-1728B52AA6E4}">
+                <adec:decorative xmlns:adec="http://schemas.microsoft.com/office/drawing/2017/decorative" val="1"/>
+              </a:ext>
+            </a:extLst>
+          </p:cNvPr>
+          <p:cNvSpPr>
+            <a:spLocks noGrp="1" noRot="1" noChangeAspect="1" noMove="1" noResize="1" noEditPoints="1" noAdjustHandles="1" noChangeArrowheads="1" noChangeShapeType="1" noTextEdit="1"/>
+          </p:cNvSpPr>
+          <p:nvPr>
+            <p:extLst>
+              <p:ext uri="{386F3935-93C4-4BCD-93E2-E3B085C9AB24}">
+                <p16:designElem xmlns:p16="http://schemas.microsoft.com/office/powerpoint/2015/main" val="1"/>
+              </p:ext>
+            </p:extLst>
+          </p:nvPr>
+        </p:nvSpPr>
+        <p:spPr>
+          <a:xfrm rot="6097846">
+            <a:off x="-747355" y="1201312"/>
+            <a:ext cx="4808302" cy="4088666"/>
+          </a:xfrm>
+          <a:custGeom>
+            <a:avLst/>
+            <a:gdLst>
+              <a:gd name="connsiteX0" fmla="*/ 48844 w 4808302"/>
+              <a:gd name="connsiteY0" fmla="*/ 2888671 h 4088666"/>
+              <a:gd name="connsiteX1" fmla="*/ 0 w 4808302"/>
+              <a:gd name="connsiteY1" fmla="*/ 2404151 h 4088666"/>
+              <a:gd name="connsiteX2" fmla="*/ 2404151 w 4808302"/>
+              <a:gd name="connsiteY2" fmla="*/ 0 h 4088666"/>
+              <a:gd name="connsiteX3" fmla="*/ 4808302 w 4808302"/>
+              <a:gd name="connsiteY3" fmla="*/ 2404151 h 4088666"/>
+              <a:gd name="connsiteX4" fmla="*/ 4700216 w 4808302"/>
+              <a:gd name="connsiteY4" fmla="*/ 3119072 h 4088666"/>
+              <a:gd name="connsiteX5" fmla="*/ 4643143 w 4808302"/>
+              <a:gd name="connsiteY5" fmla="*/ 3275009 h 4088666"/>
+              <a:gd name="connsiteX6" fmla="*/ 690093 w 4808302"/>
+              <a:gd name="connsiteY6" fmla="*/ 4088666 h 4088666"/>
+              <a:gd name="connsiteX7" fmla="*/ 548991 w 4808302"/>
+              <a:gd name="connsiteY7" fmla="*/ 3933414 h 4088666"/>
+              <a:gd name="connsiteX8" fmla="*/ 48844 w 4808302"/>
+              <a:gd name="connsiteY8" fmla="*/ 2888671 h 4088666"/>
+            </a:gdLst>
+            <a:ahLst/>
+            <a:cxnLst>
+              <a:cxn ang="0">
+                <a:pos x="connsiteX0" y="connsiteY0"/>
+              </a:cxn>
+              <a:cxn ang="0">
+                <a:pos x="connsiteX1" y="connsiteY1"/>
+              </a:cxn>
+              <a:cxn ang="0">
+                <a:pos x="connsiteX2" y="connsiteY2"/>
+              </a:cxn>
+              <a:cxn ang="0">
+                <a:pos x="connsiteX3" y="connsiteY3"/>
+              </a:cxn>
+              <a:cxn ang="0">
+                <a:pos x="connsiteX4" y="connsiteY4"/>
+              </a:cxn>
+              <a:cxn ang="0">
+                <a:pos x="connsiteX5" y="connsiteY5"/>
+              </a:cxn>
+              <a:cxn ang="0">
+                <a:pos x="connsiteX6" y="connsiteY6"/>
+              </a:cxn>
+              <a:cxn ang="0">
+                <a:pos x="connsiteX7" y="connsiteY7"/>
+              </a:cxn>
+              <a:cxn ang="0">
+                <a:pos x="connsiteX8" y="connsiteY8"/>
+              </a:cxn>
+            </a:cxnLst>
+            <a:rect l="l" t="t" r="r" b="b"/>
+            <a:pathLst>
+              <a:path w="4808302" h="4088666">
+                <a:moveTo>
+                  <a:pt x="48844" y="2888671"/>
+                </a:moveTo>
+                <a:cubicBezTo>
+                  <a:pt x="16818" y="2732167"/>
+                  <a:pt x="0" y="2570123"/>
+                  <a:pt x="0" y="2404151"/>
+                </a:cubicBezTo>
+                <a:cubicBezTo>
+                  <a:pt x="0" y="1076375"/>
+                  <a:pt x="1076375" y="0"/>
+                  <a:pt x="2404151" y="0"/>
+                </a:cubicBezTo>
+                <a:cubicBezTo>
+                  <a:pt x="3731927" y="0"/>
+                  <a:pt x="4808302" y="1076375"/>
+                  <a:pt x="4808302" y="2404151"/>
+                </a:cubicBezTo>
+                <a:cubicBezTo>
+                  <a:pt x="4808302" y="2653109"/>
+                  <a:pt x="4770461" y="2893229"/>
+                  <a:pt x="4700216" y="3119072"/>
+                </a:cubicBezTo>
+                <a:lnTo>
+                  <a:pt x="4643143" y="3275009"/>
+                </a:lnTo>
+                <a:lnTo>
+                  <a:pt x="690093" y="4088666"/>
+                </a:lnTo>
+                <a:lnTo>
+                  <a:pt x="548991" y="3933414"/>
+                </a:lnTo>
+                <a:cubicBezTo>
+                  <a:pt x="304015" y="3636572"/>
+                  <a:pt x="128908" y="3279932"/>
+                  <a:pt x="48844" y="2888671"/>
+                </a:cubicBezTo>
+                <a:close/>
+              </a:path>
+            </a:pathLst>
+          </a:custGeom>
+          <a:gradFill>
+            <a:gsLst>
+              <a:gs pos="39000">
+                <a:schemeClr val="accent1">
+                  <a:lumMod val="60000"/>
+                  <a:lumOff val="40000"/>
+                  <a:alpha val="0"/>
+                </a:schemeClr>
+              </a:gs>
+              <a:gs pos="100000">
+                <a:schemeClr val="accent1">
+                  <a:lumMod val="75000"/>
+                  <a:alpha val="26000"/>
+                </a:schemeClr>
+              </a:gs>
+            </a:gsLst>
+            <a:lin ang="18600000" scaled="0"/>
+          </a:gradFill>
+          <a:ln>
+            <a:noFill/>
+          </a:ln>
+        </p:spPr>
+        <p:style>
+          <a:lnRef idx="2">
+            <a:schemeClr val="accent1">
+              <a:shade val="50000"/>
+            </a:schemeClr>
+          </a:lnRef>
+          <a:fillRef idx="1">
+            <a:schemeClr val="accent1"/>
+          </a:fillRef>
+          <a:effectRef idx="0">
+            <a:schemeClr val="accent1"/>
+          </a:effectRef>
+          <a:fontRef idx="minor">
+            <a:schemeClr val="lt1"/>
+          </a:fontRef>
+        </p:style>
+        <p:txBody>
+          <a:bodyPr wrap="square" rtlCol="0" anchor="ctr">
+            <a:noAutofit/>
+          </a:bodyPr>
+          <a:lstStyle/>
+          <a:p>
+            <a:pPr algn="ctr"/>
+            <a:endParaRPr lang="en-US" dirty="0"/>
+          </a:p>
+        </p:txBody>
+      </p:sp>
+      <p:sp>
+        <p:nvSpPr>
+          <p:cNvPr id="2" name="Title 1">
+            <a:extLst>
+              <a:ext uri="{FF2B5EF4-FFF2-40B4-BE49-F238E27FC236}">
+                <a16:creationId xmlns:a16="http://schemas.microsoft.com/office/drawing/2014/main" id="{E1DD87A6-80F9-E2BC-BCF6-7B0997B569BA}"/>
+              </a:ext>
+            </a:extLst>
+          </p:cNvPr>
+          <p:cNvSpPr>
+            <a:spLocks noGrp="1"/>
+          </p:cNvSpPr>
+          <p:nvPr>
+            <p:ph type="title"/>
+          </p:nvPr>
+        </p:nvSpPr>
+        <p:spPr>
+          <a:xfrm>
+            <a:off x="532025" y="1901956"/>
+            <a:ext cx="2880828" cy="3071906"/>
+          </a:xfrm>
+        </p:spPr>
+        <p:txBody>
+          <a:bodyPr vert="horz" lIns="91440" tIns="45720" rIns="91440" bIns="45720" rtlCol="0" anchor="t">
+            <a:normAutofit/>
+          </a:bodyPr>
+          <a:lstStyle/>
+          <a:p>
+            <a:r>
+              <a:rPr lang="en-US" sz="1900" kern="1200" dirty="0">
+                <a:solidFill>
+                  <a:srgbClr val="FFFFFF"/>
+                </a:solidFill>
+                <a:latin typeface="Calibri" panose="020F0502020204030204" pitchFamily="34" charset="0"/>
+                <a:cs typeface="Calibri" panose="020F0502020204030204" pitchFamily="34" charset="0"/>
+              </a:rPr>
+              <a:t>- Food security increases sharply with income</a:t>
+            </a:r>
+            <a:br>
+              <a:rPr lang="en-US" sz="1900" kern="1200" dirty="0">
+                <a:solidFill>
+                  <a:srgbClr val="FFFFFF"/>
+                </a:solidFill>
+                <a:latin typeface="Calibri" panose="020F0502020204030204" pitchFamily="34" charset="0"/>
+                <a:cs typeface="Calibri" panose="020F0502020204030204" pitchFamily="34" charset="0"/>
+              </a:rPr>
+            </a:br>
+            <a:br>
+              <a:rPr lang="en-US" sz="1900" kern="1200" dirty="0">
+                <a:solidFill>
+                  <a:srgbClr val="FFFFFF"/>
+                </a:solidFill>
+                <a:latin typeface="Calibri" panose="020F0502020204030204" pitchFamily="34" charset="0"/>
+                <a:cs typeface="Calibri" panose="020F0502020204030204" pitchFamily="34" charset="0"/>
+              </a:rPr>
+            </a:br>
+            <a:r>
+              <a:rPr lang="en-US" sz="1900" kern="1200" dirty="0">
+                <a:solidFill>
+                  <a:srgbClr val="FFFFFF"/>
+                </a:solidFill>
+                <a:latin typeface="Calibri" panose="020F0502020204030204" pitchFamily="34" charset="0"/>
+                <a:cs typeface="Calibri" panose="020F0502020204030204" pitchFamily="34" charset="0"/>
+              </a:rPr>
+              <a:t>- The lowest-income households experience the highest rates of low and very low food security, and </a:t>
+            </a:r>
+            <a:br>
+              <a:rPr lang="en-US" sz="1900" kern="1200" dirty="0">
+                <a:solidFill>
+                  <a:srgbClr val="FFFFFF"/>
+                </a:solidFill>
+                <a:latin typeface="Calibri" panose="020F0502020204030204" pitchFamily="34" charset="0"/>
+                <a:cs typeface="Calibri" panose="020F0502020204030204" pitchFamily="34" charset="0"/>
+              </a:rPr>
+            </a:br>
+            <a:br>
+              <a:rPr lang="en-US" sz="1900" kern="1200" dirty="0">
+                <a:solidFill>
+                  <a:srgbClr val="FFFFFF"/>
+                </a:solidFill>
+                <a:latin typeface="Calibri" panose="020F0502020204030204" pitchFamily="34" charset="0"/>
+                <a:cs typeface="Calibri" panose="020F0502020204030204" pitchFamily="34" charset="0"/>
+              </a:rPr>
+            </a:br>
+            <a:r>
+              <a:rPr lang="en-US" sz="1900" kern="1200" dirty="0">
+                <a:solidFill>
+                  <a:srgbClr val="FFFFFF"/>
+                </a:solidFill>
+                <a:latin typeface="Calibri" panose="020F0502020204030204" pitchFamily="34" charset="0"/>
+                <a:cs typeface="Calibri" panose="020F0502020204030204" pitchFamily="34" charset="0"/>
+              </a:rPr>
+              <a:t>- Households earning $75,000 or more showing strong food security levels.</a:t>
+            </a:r>
+          </a:p>
+        </p:txBody>
+      </p:sp>
+      <p:pic>
+        <p:nvPicPr>
+          <p:cNvPr id="4" name="Content Placeholder 3">
+            <a:extLst>
+              <a:ext uri="{FF2B5EF4-FFF2-40B4-BE49-F238E27FC236}">
+                <a16:creationId xmlns:a16="http://schemas.microsoft.com/office/drawing/2014/main" id="{2B522A21-628D-E06F-A935-61A01337E771}"/>
+              </a:ext>
+            </a:extLst>
+          </p:cNvPr>
+          <p:cNvPicPr>
+            <a:picLocks noGrp="1" noChangeAspect="1"/>
+          </p:cNvPicPr>
+          <p:nvPr>
+            <p:ph idx="1"/>
+          </p:nvPr>
+        </p:nvPicPr>
+        <p:blipFill>
+          <a:blip r:embed="rId2"/>
+          <a:stretch>
+            <a:fillRect/>
+          </a:stretch>
+        </p:blipFill>
+        <p:spPr>
+          <a:xfrm>
+            <a:off x="4502428" y="1026439"/>
+            <a:ext cx="7225748" cy="4805122"/>
+          </a:xfrm>
+          <a:prstGeom prst="rect">
+            <a:avLst/>
+          </a:prstGeom>
+        </p:spPr>
+      </p:pic>
+    </p:spTree>
+    <p:extLst>
+      <p:ext uri="{BB962C8B-B14F-4D97-AF65-F5344CB8AC3E}">
+        <p14:creationId xmlns:p14="http://schemas.microsoft.com/office/powerpoint/2010/main" val="1773951556"/>
       </p:ext>
     </p:extLst>
   </p:cSld>
